--- a/presentation/presentation.pptx
+++ b/presentation/presentation.pptx
@@ -5,30 +5,29 @@
     <p:sldMasterId id="2147483684" r:id="rId1"/>
   </p:sldMasterIdLst>
   <p:notesMasterIdLst>
-    <p:notesMasterId r:id="rId23"/>
+    <p:notesMasterId r:id="rId22"/>
   </p:notesMasterIdLst>
   <p:sldIdLst>
     <p:sldId id="256" r:id="rId2"/>
-    <p:sldId id="286" r:id="rId3"/>
-    <p:sldId id="257" r:id="rId4"/>
-    <p:sldId id="258" r:id="rId5"/>
+    <p:sldId id="257" r:id="rId3"/>
+    <p:sldId id="258" r:id="rId4"/>
+    <p:sldId id="266" r:id="rId5"/>
     <p:sldId id="259" r:id="rId6"/>
     <p:sldId id="261" r:id="rId7"/>
     <p:sldId id="262" r:id="rId8"/>
     <p:sldId id="263" r:id="rId9"/>
     <p:sldId id="264" r:id="rId10"/>
     <p:sldId id="265" r:id="rId11"/>
-    <p:sldId id="266" r:id="rId12"/>
-    <p:sldId id="269" r:id="rId13"/>
-    <p:sldId id="271" r:id="rId14"/>
-    <p:sldId id="273" r:id="rId15"/>
-    <p:sldId id="278" r:id="rId16"/>
-    <p:sldId id="279" r:id="rId17"/>
-    <p:sldId id="281" r:id="rId18"/>
-    <p:sldId id="282" r:id="rId19"/>
-    <p:sldId id="283" r:id="rId20"/>
-    <p:sldId id="284" r:id="rId21"/>
-    <p:sldId id="285" r:id="rId22"/>
+    <p:sldId id="269" r:id="rId12"/>
+    <p:sldId id="271" r:id="rId13"/>
+    <p:sldId id="273" r:id="rId14"/>
+    <p:sldId id="278" r:id="rId15"/>
+    <p:sldId id="279" r:id="rId16"/>
+    <p:sldId id="281" r:id="rId17"/>
+    <p:sldId id="282" r:id="rId18"/>
+    <p:sldId id="283" r:id="rId19"/>
+    <p:sldId id="284" r:id="rId20"/>
+    <p:sldId id="285" r:id="rId21"/>
   </p:sldIdLst>
   <p:sldSz cx="12192000" cy="6858000"/>
   <p:notesSz cx="6858000" cy="9144000"/>
@@ -133,13 +132,13 @@
         <p14:section name="Раздел по умолчанию" id="{84D47F94-DAAC-4C95-BFC7-F83205134F3C}">
           <p14:sldIdLst>
             <p14:sldId id="256"/>
-            <p14:sldId id="286"/>
           </p14:sldIdLst>
         </p14:section>
         <p14:section name="Введение" id="{E73B1D0F-88BB-47F9-9108-C28B6F25380A}">
           <p14:sldIdLst>
             <p14:sldId id="257"/>
             <p14:sldId id="258"/>
+            <p14:sldId id="266"/>
           </p14:sldIdLst>
         </p14:section>
         <p14:section name="Структура" id="{354C11D5-5122-4920-B6B0-29C94D4E3607}">
@@ -162,11 +161,6 @@
         <p14:section name="Ввывод числа" id="{EE8BE5B6-A813-4582-8DF5-A902B3E13E5E}">
           <p14:sldIdLst>
             <p14:sldId id="265"/>
-          </p14:sldIdLst>
-        </p14:section>
-        <p14:section name="Арифметические операции" id="{CF62D7D1-B41F-4C14-940A-4F054DE726E6}">
-          <p14:sldIdLst>
-            <p14:sldId id="266"/>
           </p14:sldIdLst>
         </p14:section>
         <p14:section name="Сложение" id="{298EB2BE-E734-4AED-A350-A69288393B60}">
@@ -310,7 +304,7 @@
           <a:p>
             <a:fld id="{F6721FB7-FAAC-45B6-A375-1593A7A18455}" type="datetimeFigureOut">
               <a:rPr lang="ru-RU" smtClean="0"/>
-              <a:t>12.02.2023</a:t>
+              <a:t>13.02.2023</a:t>
             </a:fld>
             <a:endParaRPr lang="ru-RU"/>
           </a:p>
@@ -726,7 +720,7 @@
           <a:p>
             <a:fld id="{58BC2B0F-CDFD-4706-94CD-12572D5918DB}" type="datetimeFigureOut">
               <a:rPr lang="ru-RU" smtClean="0"/>
-              <a:t>12.02.2023</a:t>
+              <a:t>13.02.2023</a:t>
             </a:fld>
             <a:endParaRPr lang="ru-RU"/>
           </a:p>
@@ -956,7 +950,7 @@
           <a:p>
             <a:fld id="{58BC2B0F-CDFD-4706-94CD-12572D5918DB}" type="datetimeFigureOut">
               <a:rPr lang="ru-RU" smtClean="0"/>
-              <a:t>12.02.2023</a:t>
+              <a:t>13.02.2023</a:t>
             </a:fld>
             <a:endParaRPr lang="ru-RU"/>
           </a:p>
@@ -1166,7 +1160,7 @@
           <a:p>
             <a:fld id="{58BC2B0F-CDFD-4706-94CD-12572D5918DB}" type="datetimeFigureOut">
               <a:rPr lang="ru-RU" smtClean="0"/>
-              <a:t>12.02.2023</a:t>
+              <a:t>13.02.2023</a:t>
             </a:fld>
             <a:endParaRPr lang="ru-RU"/>
           </a:p>
@@ -1366,7 +1360,7 @@
           <a:p>
             <a:fld id="{58BC2B0F-CDFD-4706-94CD-12572D5918DB}" type="datetimeFigureOut">
               <a:rPr lang="ru-RU" smtClean="0"/>
-              <a:t>12.02.2023</a:t>
+              <a:t>13.02.2023</a:t>
             </a:fld>
             <a:endParaRPr lang="ru-RU"/>
           </a:p>
@@ -1642,7 +1636,7 @@
           <a:p>
             <a:fld id="{58BC2B0F-CDFD-4706-94CD-12572D5918DB}" type="datetimeFigureOut">
               <a:rPr lang="ru-RU" smtClean="0"/>
-              <a:t>12.02.2023</a:t>
+              <a:t>13.02.2023</a:t>
             </a:fld>
             <a:endParaRPr lang="ru-RU"/>
           </a:p>
@@ -1910,7 +1904,7 @@
           <a:p>
             <a:fld id="{58BC2B0F-CDFD-4706-94CD-12572D5918DB}" type="datetimeFigureOut">
               <a:rPr lang="ru-RU" smtClean="0"/>
-              <a:t>12.02.2023</a:t>
+              <a:t>13.02.2023</a:t>
             </a:fld>
             <a:endParaRPr lang="ru-RU"/>
           </a:p>
@@ -2325,7 +2319,7 @@
           <a:p>
             <a:fld id="{58BC2B0F-CDFD-4706-94CD-12572D5918DB}" type="datetimeFigureOut">
               <a:rPr lang="ru-RU" smtClean="0"/>
-              <a:t>12.02.2023</a:t>
+              <a:t>13.02.2023</a:t>
             </a:fld>
             <a:endParaRPr lang="ru-RU"/>
           </a:p>
@@ -2467,7 +2461,7 @@
           <a:p>
             <a:fld id="{58BC2B0F-CDFD-4706-94CD-12572D5918DB}" type="datetimeFigureOut">
               <a:rPr lang="ru-RU" smtClean="0"/>
-              <a:t>12.02.2023</a:t>
+              <a:t>13.02.2023</a:t>
             </a:fld>
             <a:endParaRPr lang="ru-RU"/>
           </a:p>
@@ -2580,7 +2574,7 @@
           <a:p>
             <a:fld id="{58BC2B0F-CDFD-4706-94CD-12572D5918DB}" type="datetimeFigureOut">
               <a:rPr lang="ru-RU" smtClean="0"/>
-              <a:t>12.02.2023</a:t>
+              <a:t>13.02.2023</a:t>
             </a:fld>
             <a:endParaRPr lang="ru-RU"/>
           </a:p>
@@ -2893,7 +2887,7 @@
           <a:p>
             <a:fld id="{58BC2B0F-CDFD-4706-94CD-12572D5918DB}" type="datetimeFigureOut">
               <a:rPr lang="ru-RU" smtClean="0"/>
-              <a:t>12.02.2023</a:t>
+              <a:t>13.02.2023</a:t>
             </a:fld>
             <a:endParaRPr lang="ru-RU"/>
           </a:p>
@@ -3186,7 +3180,7 @@
           <a:p>
             <a:fld id="{58BC2B0F-CDFD-4706-94CD-12572D5918DB}" type="datetimeFigureOut">
               <a:rPr lang="ru-RU" smtClean="0"/>
-              <a:t>12.02.2023</a:t>
+              <a:t>13.02.2023</a:t>
             </a:fld>
             <a:endParaRPr lang="ru-RU"/>
           </a:p>
@@ -3429,7 +3423,7 @@
           <a:p>
             <a:fld id="{58BC2B0F-CDFD-4706-94CD-12572D5918DB}" type="datetimeFigureOut">
               <a:rPr lang="ru-RU" smtClean="0"/>
-              <a:t>12.02.2023</a:t>
+              <a:t>13.02.2023</a:t>
             </a:fld>
             <a:endParaRPr lang="ru-RU"/>
           </a:p>
@@ -4192,76 +4186,6 @@
               </a:rPr>
               <a:t>Вывод числа</a:t>
             </a:r>
-            <a:r>
-              <a:rPr lang="en-US" sz="3600" b="1" dirty="0">
-                <a:latin typeface="Microsoft JhengHei UI Light" panose="020B0304030504040204" pitchFamily="34" charset="-120"/>
-                <a:ea typeface="Microsoft JhengHei UI Light" panose="020B0304030504040204" pitchFamily="34" charset="-120"/>
-              </a:rPr>
-              <a:t>.</a:t>
-            </a:r>
-            <a:endParaRPr lang="ru-RU" sz="3600" b="1" dirty="0">
-              <a:latin typeface="Microsoft JhengHei UI Light" panose="020B0304030504040204" pitchFamily="34" charset="-120"/>
-              <a:ea typeface="Microsoft JhengHei UI Light" panose="020B0304030504040204" pitchFamily="34" charset="-120"/>
-            </a:endParaRPr>
-          </a:p>
-        </p:txBody>
-      </p:sp>
-      <p:sp>
-        <p:nvSpPr>
-          <p:cNvPr id="4" name="TextBox 3">
-            <a:extLst>
-              <a:ext uri="{FF2B5EF4-FFF2-40B4-BE49-F238E27FC236}">
-                <a16:creationId xmlns:a16="http://schemas.microsoft.com/office/drawing/2014/main" id="{4DEE94F7-4B84-C55B-B9E0-31F68D5E64D4}"/>
-              </a:ext>
-            </a:extLst>
-          </p:cNvPr>
-          <p:cNvSpPr txBox="1"/>
-          <p:nvPr/>
-        </p:nvSpPr>
-        <p:spPr>
-          <a:xfrm>
-            <a:off x="905934" y="776132"/>
-            <a:ext cx="2962671" cy="338554"/>
-          </a:xfrm>
-          <a:prstGeom prst="rect">
-            <a:avLst/>
-          </a:prstGeom>
-          <a:noFill/>
-        </p:spPr>
-        <p:txBody>
-          <a:bodyPr wrap="none" rtlCol="0">
-            <a:spAutoFit/>
-          </a:bodyPr>
-          <a:lstStyle/>
-          <a:p>
-            <a:r>
-              <a:rPr lang="ru-RU" sz="1600" i="1" dirty="0">
-                <a:latin typeface="Microsoft JhengHei UI Light" panose="020B0304030504040204" pitchFamily="34" charset="-120"/>
-                <a:ea typeface="Microsoft JhengHei UI Light" panose="020B0304030504040204" pitchFamily="34" charset="-120"/>
-              </a:rPr>
-              <a:t>Как число </a:t>
-            </a:r>
-            <a:r>
-              <a:rPr lang="en-US" sz="1600" i="1" dirty="0" err="1">
-                <a:latin typeface="Microsoft JhengHei UI Light" panose="020B0304030504040204" pitchFamily="34" charset="-120"/>
-                <a:ea typeface="Microsoft JhengHei UI Light" panose="020B0304030504040204" pitchFamily="34" charset="-120"/>
-              </a:rPr>
-              <a:t>BigInt</a:t>
-            </a:r>
-            <a:r>
-              <a:rPr lang="en-US" sz="1600" i="1" dirty="0">
-                <a:latin typeface="Microsoft JhengHei UI Light" panose="020B0304030504040204" pitchFamily="34" charset="-120"/>
-                <a:ea typeface="Microsoft JhengHei UI Light" panose="020B0304030504040204" pitchFamily="34" charset="-120"/>
-              </a:rPr>
-              <a:t> </a:t>
-            </a:r>
-            <a:r>
-              <a:rPr lang="ru-RU" sz="1600" i="1" dirty="0">
-                <a:latin typeface="Microsoft JhengHei UI Light" panose="020B0304030504040204" pitchFamily="34" charset="-120"/>
-                <a:ea typeface="Microsoft JhengHei UI Light" panose="020B0304030504040204" pitchFamily="34" charset="-120"/>
-              </a:rPr>
-              <a:t>выводится?</a:t>
-            </a:r>
           </a:p>
         </p:txBody>
       </p:sp>
@@ -4298,7 +4222,7 @@
                 <a:latin typeface="Microsoft JhengHei UI Light" panose="020B0304030504040204" pitchFamily="34" charset="-120"/>
                 <a:ea typeface="Microsoft JhengHei UI Light" panose="020B0304030504040204" pitchFamily="34" charset="-120"/>
               </a:rPr>
-              <a:t>Как пример выведем то же число, но отрицательное.</a:t>
+              <a:t>Пример: выведем число -23 472 801</a:t>
             </a:r>
             <a:endParaRPr lang="ru-RU" sz="1600" dirty="0">
               <a:solidFill>
@@ -4346,82 +4270,6 @@
           </a:prstGeom>
         </p:spPr>
       </p:pic>
-      <p:sp>
-        <p:nvSpPr>
-          <p:cNvPr id="6" name="TextBox 5">
-            <a:extLst>
-              <a:ext uri="{FF2B5EF4-FFF2-40B4-BE49-F238E27FC236}">
-                <a16:creationId xmlns:a16="http://schemas.microsoft.com/office/drawing/2014/main" id="{040C4CF1-D111-01B9-19C5-681B92EB5B75}"/>
-              </a:ext>
-            </a:extLst>
-          </p:cNvPr>
-          <p:cNvSpPr txBox="1"/>
-          <p:nvPr/>
-        </p:nvSpPr>
-        <p:spPr>
-          <a:xfrm>
-            <a:off x="6096000" y="5610761"/>
-            <a:ext cx="5188070" cy="646331"/>
-          </a:xfrm>
-          <a:prstGeom prst="rect">
-            <a:avLst/>
-          </a:prstGeom>
-          <a:noFill/>
-        </p:spPr>
-        <p:txBody>
-          <a:bodyPr wrap="square" rtlCol="0">
-            <a:spAutoFit/>
-          </a:bodyPr>
-          <a:lstStyle/>
-          <a:p>
-            <a:r>
-              <a:rPr lang="ru-RU" dirty="0">
-                <a:solidFill>
-                  <a:schemeClr val="bg1">
-                    <a:lumMod val="65000"/>
-                  </a:schemeClr>
-                </a:solidFill>
-                <a:latin typeface="Microsoft JhengHei UI Light" panose="020B0304030504040204" pitchFamily="34" charset="-120"/>
-                <a:ea typeface="Microsoft JhengHei UI Light" panose="020B0304030504040204" pitchFamily="34" charset="-120"/>
-              </a:rPr>
-              <a:t>В случае, если просмотр производится через </a:t>
-            </a:r>
-            <a:r>
-              <a:rPr lang="en-US" dirty="0">
-                <a:solidFill>
-                  <a:schemeClr val="bg1">
-                    <a:lumMod val="65000"/>
-                  </a:schemeClr>
-                </a:solidFill>
-                <a:latin typeface="Microsoft JhengHei UI Light" panose="020B0304030504040204" pitchFamily="34" charset="-120"/>
-                <a:ea typeface="Microsoft JhengHei UI Light" panose="020B0304030504040204" pitchFamily="34" charset="-120"/>
-              </a:rPr>
-              <a:t>PDF</a:t>
-            </a:r>
-            <a:r>
-              <a:rPr lang="ru-RU" dirty="0">
-                <a:solidFill>
-                  <a:schemeClr val="bg1">
-                    <a:lumMod val="65000"/>
-                  </a:schemeClr>
-                </a:solidFill>
-                <a:latin typeface="Microsoft JhengHei UI Light" panose="020B0304030504040204" pitchFamily="34" charset="-120"/>
-                <a:ea typeface="Microsoft JhengHei UI Light" panose="020B0304030504040204" pitchFamily="34" charset="-120"/>
-              </a:rPr>
-              <a:t> файл, анимация работать не будет.</a:t>
-            </a:r>
-            <a:endParaRPr lang="en-US" dirty="0">
-              <a:solidFill>
-                <a:schemeClr val="bg1">
-                  <a:lumMod val="65000"/>
-                </a:schemeClr>
-              </a:solidFill>
-              <a:latin typeface="Microsoft JhengHei UI Light" panose="020B0304030504040204" pitchFamily="34" charset="-120"/>
-              <a:ea typeface="Microsoft JhengHei UI Light" panose="020B0304030504040204" pitchFamily="34" charset="-120"/>
-            </a:endParaRPr>
-          </a:p>
-        </p:txBody>
-      </p:sp>
     </p:spTree>
     <p:extLst>
       <p:ext uri="{BB962C8B-B14F-4D97-AF65-F5344CB8AC3E}">
@@ -4523,7 +4371,7 @@
         <p:spPr>
           <a:xfrm>
             <a:off x="905934" y="129801"/>
-            <a:ext cx="6312947" cy="646331"/>
+            <a:ext cx="2412840" cy="646331"/>
           </a:xfrm>
           <a:prstGeom prst="rect">
             <a:avLst/>
@@ -4541,28 +4389,17 @@
                 <a:latin typeface="Microsoft JhengHei UI Light" panose="020B0304030504040204" pitchFamily="34" charset="-120"/>
                 <a:ea typeface="Microsoft JhengHei UI Light" panose="020B0304030504040204" pitchFamily="34" charset="-120"/>
               </a:rPr>
-              <a:t>Арифметические операции</a:t>
-            </a:r>
-            <a:r>
-              <a:rPr lang="en-US" sz="3600" b="1" dirty="0">
-                <a:latin typeface="Microsoft JhengHei UI Light" panose="020B0304030504040204" pitchFamily="34" charset="-120"/>
-                <a:ea typeface="Microsoft JhengHei UI Light" panose="020B0304030504040204" pitchFamily="34" charset="-120"/>
-              </a:rPr>
-              <a:t>.</a:t>
-            </a:r>
-            <a:endParaRPr lang="ru-RU" sz="3600" b="1" dirty="0">
-              <a:latin typeface="Microsoft JhengHei UI Light" panose="020B0304030504040204" pitchFamily="34" charset="-120"/>
-              <a:ea typeface="Microsoft JhengHei UI Light" panose="020B0304030504040204" pitchFamily="34" charset="-120"/>
-            </a:endParaRPr>
+              <a:t>Сложение</a:t>
+            </a:r>
           </a:p>
         </p:txBody>
       </p:sp>
       <p:sp>
         <p:nvSpPr>
-          <p:cNvPr id="4" name="TextBox 3">
-            <a:extLst>
-              <a:ext uri="{FF2B5EF4-FFF2-40B4-BE49-F238E27FC236}">
-                <a16:creationId xmlns:a16="http://schemas.microsoft.com/office/drawing/2014/main" id="{4DEE94F7-4B84-C55B-B9E0-31F68D5E64D4}"/>
+          <p:cNvPr id="5" name="TextBox 4">
+            <a:extLst>
+              <a:ext uri="{FF2B5EF4-FFF2-40B4-BE49-F238E27FC236}">
+                <a16:creationId xmlns:a16="http://schemas.microsoft.com/office/drawing/2014/main" id="{3AE791F8-C63A-C13E-CC43-2E2B61592CAC}"/>
               </a:ext>
             </a:extLst>
           </p:cNvPr>
@@ -4571,8 +4408,501 @@
         </p:nvSpPr>
         <p:spPr>
           <a:xfrm>
-            <a:off x="905934" y="776132"/>
-            <a:ext cx="6369051" cy="338554"/>
+            <a:off x="6562619" y="776132"/>
+            <a:ext cx="1405946" cy="830997"/>
+          </a:xfrm>
+          <a:prstGeom prst="rect">
+            <a:avLst/>
+          </a:prstGeom>
+          <a:noFill/>
+        </p:spPr>
+        <p:txBody>
+          <a:bodyPr wrap="square" rtlCol="0">
+            <a:spAutoFit/>
+          </a:bodyPr>
+          <a:lstStyle/>
+          <a:p>
+            <a:r>
+              <a:rPr lang="en-US" sz="1600" dirty="0">
+                <a:latin typeface="Microsoft JhengHei UI Light" panose="020B0304030504040204" pitchFamily="34" charset="-120"/>
+                <a:ea typeface="Microsoft JhengHei UI Light" panose="020B0304030504040204" pitchFamily="34" charset="-120"/>
+              </a:rPr>
+              <a:t>38 529 461</a:t>
+            </a:r>
+            <a:br>
+              <a:rPr lang="ru-RU" sz="1600" dirty="0">
+                <a:latin typeface="Microsoft JhengHei UI Light" panose="020B0304030504040204" pitchFamily="34" charset="-120"/>
+                <a:ea typeface="Microsoft JhengHei UI Light" panose="020B0304030504040204" pitchFamily="34" charset="-120"/>
+              </a:rPr>
+            </a:br>
+            <a:r>
+              <a:rPr lang="ru-RU" sz="1600" dirty="0">
+                <a:latin typeface="Microsoft JhengHei UI Light" panose="020B0304030504040204" pitchFamily="34" charset="-120"/>
+                <a:ea typeface="Microsoft JhengHei UI Light" panose="020B0304030504040204" pitchFamily="34" charset="-120"/>
+              </a:rPr>
+              <a:t>  9 750 489</a:t>
+            </a:r>
+            <a:endParaRPr lang="en-US" sz="1600" dirty="0">
+              <a:latin typeface="Microsoft JhengHei UI Light" panose="020B0304030504040204" pitchFamily="34" charset="-120"/>
+              <a:ea typeface="Microsoft JhengHei UI Light" panose="020B0304030504040204" pitchFamily="34" charset="-120"/>
+            </a:endParaRPr>
+          </a:p>
+          <a:p>
+            <a:r>
+              <a:rPr lang="ru-RU" sz="1600" dirty="0">
+                <a:latin typeface="Microsoft JhengHei UI Light" panose="020B0304030504040204" pitchFamily="34" charset="-120"/>
+                <a:ea typeface="Microsoft JhengHei UI Light" panose="020B0304030504040204" pitchFamily="34" charset="-120"/>
+              </a:rPr>
+              <a:t>48 279 950</a:t>
+            </a:r>
+            <a:endParaRPr lang="ru-RU" sz="1600" dirty="0">
+              <a:latin typeface="Consolas" panose="020B0609020204030204" pitchFamily="49" charset="0"/>
+              <a:ea typeface="Microsoft JhengHei UI Light" panose="020B0304030504040204" pitchFamily="34" charset="-120"/>
+            </a:endParaRPr>
+          </a:p>
+        </p:txBody>
+      </p:sp>
+      <p:pic>
+        <p:nvPicPr>
+          <p:cNvPr id="7" name="Рисунок 6">
+            <a:extLst>
+              <a:ext uri="{FF2B5EF4-FFF2-40B4-BE49-F238E27FC236}">
+                <a16:creationId xmlns:a16="http://schemas.microsoft.com/office/drawing/2014/main" id="{B4F576CF-ED80-5EBE-36A7-3565C2A01622}"/>
+              </a:ext>
+            </a:extLst>
+          </p:cNvPr>
+          <p:cNvPicPr>
+            <a:picLocks noChangeAspect="1"/>
+          </p:cNvPicPr>
+          <p:nvPr/>
+        </p:nvPicPr>
+        <p:blipFill>
+          <a:blip r:embed="rId4">
+            <a:extLst>
+              <a:ext uri="{28A0092B-C50C-407E-A947-70E740481C1C}">
+                <a14:useLocalDpi xmlns:a14="http://schemas.microsoft.com/office/drawing/2010/main" val="0"/>
+              </a:ext>
+            </a:extLst>
+          </a:blip>
+          <a:stretch>
+            <a:fillRect/>
+          </a:stretch>
+        </p:blipFill>
+        <p:spPr>
+          <a:xfrm>
+            <a:off x="766804" y="1035735"/>
+            <a:ext cx="6858000" cy="6858000"/>
+          </a:xfrm>
+          <a:prstGeom prst="rect">
+            <a:avLst/>
+          </a:prstGeom>
+        </p:spPr>
+      </p:pic>
+      <p:sp>
+        <p:nvSpPr>
+          <p:cNvPr id="10" name="TextBox 9">
+            <a:extLst>
+              <a:ext uri="{FF2B5EF4-FFF2-40B4-BE49-F238E27FC236}">
+                <a16:creationId xmlns:a16="http://schemas.microsoft.com/office/drawing/2014/main" id="{B6DAD214-4824-E592-A1C3-54B748FB748C}"/>
+              </a:ext>
+            </a:extLst>
+          </p:cNvPr>
+          <p:cNvSpPr txBox="1"/>
+          <p:nvPr/>
+        </p:nvSpPr>
+        <p:spPr>
+          <a:xfrm>
+            <a:off x="6778053" y="2385756"/>
+            <a:ext cx="4720957" cy="3293209"/>
+          </a:xfrm>
+          <a:prstGeom prst="rect">
+            <a:avLst/>
+          </a:prstGeom>
+          <a:noFill/>
+        </p:spPr>
+        <p:txBody>
+          <a:bodyPr wrap="square" rtlCol="0">
+            <a:spAutoFit/>
+          </a:bodyPr>
+          <a:lstStyle/>
+          <a:p>
+            <a:r>
+              <a:rPr lang="en-US" sz="1600" dirty="0">
+                <a:latin typeface="Microsoft JhengHei UI Light" panose="020B0304030504040204" pitchFamily="34" charset="-120"/>
+                <a:ea typeface="Microsoft JhengHei UI Light" panose="020B0304030504040204" pitchFamily="34" charset="-120"/>
+              </a:rPr>
+              <a:t>n3 = max(n2,n1), </a:t>
+            </a:r>
+            <a:r>
+              <a:rPr lang="ru-RU" sz="1600" dirty="0">
+                <a:latin typeface="Microsoft JhengHei UI Light" panose="020B0304030504040204" pitchFamily="34" charset="-120"/>
+                <a:ea typeface="Microsoft JhengHei UI Light" panose="020B0304030504040204" pitchFamily="34" charset="-120"/>
+              </a:rPr>
+              <a:t>где</a:t>
+            </a:r>
+          </a:p>
+          <a:p>
+            <a:r>
+              <a:rPr lang="en-US" sz="1600" dirty="0">
+                <a:latin typeface="Microsoft JhengHei UI Light" panose="020B0304030504040204" pitchFamily="34" charset="-120"/>
+                <a:ea typeface="Microsoft JhengHei UI Light" panose="020B0304030504040204" pitchFamily="34" charset="-120"/>
+              </a:rPr>
+              <a:t>n3 – </a:t>
+            </a:r>
+            <a:r>
+              <a:rPr lang="ru-RU" sz="1600" dirty="0">
+                <a:latin typeface="Microsoft JhengHei UI Light" panose="020B0304030504040204" pitchFamily="34" charset="-120"/>
+                <a:ea typeface="Microsoft JhengHei UI Light" panose="020B0304030504040204" pitchFamily="34" charset="-120"/>
+              </a:rPr>
+              <a:t>длина результата</a:t>
+            </a:r>
+          </a:p>
+          <a:p>
+            <a:r>
+              <a:rPr lang="en-US" sz="1600" dirty="0">
+                <a:latin typeface="Microsoft JhengHei UI Light" panose="020B0304030504040204" pitchFamily="34" charset="-120"/>
+                <a:ea typeface="Microsoft JhengHei UI Light" panose="020B0304030504040204" pitchFamily="34" charset="-120"/>
+              </a:rPr>
+              <a:t>n1 </a:t>
+            </a:r>
+            <a:r>
+              <a:rPr lang="ru-RU" sz="1600" dirty="0">
+                <a:latin typeface="Microsoft JhengHei UI Light" panose="020B0304030504040204" pitchFamily="34" charset="-120"/>
+                <a:ea typeface="Microsoft JhengHei UI Light" panose="020B0304030504040204" pitchFamily="34" charset="-120"/>
+              </a:rPr>
+              <a:t>и </a:t>
+            </a:r>
+            <a:r>
+              <a:rPr lang="en-US" sz="1600" dirty="0">
+                <a:latin typeface="Microsoft JhengHei UI Light" panose="020B0304030504040204" pitchFamily="34" charset="-120"/>
+                <a:ea typeface="Microsoft JhengHei UI Light" panose="020B0304030504040204" pitchFamily="34" charset="-120"/>
+              </a:rPr>
+              <a:t>n2 – </a:t>
+            </a:r>
+            <a:r>
+              <a:rPr lang="ru-RU" sz="1600" dirty="0">
+                <a:latin typeface="Microsoft JhengHei UI Light" panose="020B0304030504040204" pitchFamily="34" charset="-120"/>
+                <a:ea typeface="Microsoft JhengHei UI Light" panose="020B0304030504040204" pitchFamily="34" charset="-120"/>
+              </a:rPr>
+              <a:t>длины слагаемых</a:t>
+            </a:r>
+          </a:p>
+          <a:p>
+            <a:endParaRPr lang="ru-RU" sz="1600" dirty="0">
+              <a:latin typeface="Microsoft JhengHei UI Light" panose="020B0304030504040204" pitchFamily="34" charset="-120"/>
+              <a:ea typeface="Microsoft JhengHei UI Light" panose="020B0304030504040204" pitchFamily="34" charset="-120"/>
+            </a:endParaRPr>
+          </a:p>
+          <a:p>
+            <a:r>
+              <a:rPr lang="ru-RU" sz="1600" dirty="0">
+                <a:latin typeface="Microsoft JhengHei UI Light" panose="020B0304030504040204" pitchFamily="34" charset="-120"/>
+                <a:ea typeface="Microsoft JhengHei UI Light" panose="020B0304030504040204" pitchFamily="34" charset="-120"/>
+              </a:rPr>
+              <a:t>Слагаемое 1 – </a:t>
+            </a:r>
+            <a:r>
+              <a:rPr lang="en-US" sz="1600" dirty="0">
+                <a:latin typeface="Microsoft JhengHei UI Light" panose="020B0304030504040204" pitchFamily="34" charset="-120"/>
+                <a:ea typeface="Microsoft JhengHei UI Light" panose="020B0304030504040204" pitchFamily="34" charset="-120"/>
+              </a:rPr>
+              <a:t>a1, </a:t>
+            </a:r>
+            <a:r>
+              <a:rPr lang="ru-RU" sz="1600" dirty="0">
+                <a:latin typeface="Microsoft JhengHei UI Light" panose="020B0304030504040204" pitchFamily="34" charset="-120"/>
+                <a:ea typeface="Microsoft JhengHei UI Light" panose="020B0304030504040204" pitchFamily="34" charset="-120"/>
+              </a:rPr>
+              <a:t>слагаемое 2 – </a:t>
+            </a:r>
+            <a:r>
+              <a:rPr lang="en-US" sz="1600" dirty="0">
+                <a:latin typeface="Microsoft JhengHei UI Light" panose="020B0304030504040204" pitchFamily="34" charset="-120"/>
+                <a:ea typeface="Microsoft JhengHei UI Light" panose="020B0304030504040204" pitchFamily="34" charset="-120"/>
+              </a:rPr>
+              <a:t>a2</a:t>
+            </a:r>
+            <a:endParaRPr lang="ru-RU" sz="1600" dirty="0">
+              <a:latin typeface="Microsoft JhengHei UI Light" panose="020B0304030504040204" pitchFamily="34" charset="-120"/>
+              <a:ea typeface="Microsoft JhengHei UI Light" panose="020B0304030504040204" pitchFamily="34" charset="-120"/>
+            </a:endParaRPr>
+          </a:p>
+          <a:p>
+            <a:endParaRPr lang="ru-RU" sz="1600" dirty="0">
+              <a:latin typeface="Microsoft JhengHei UI Light" panose="020B0304030504040204" pitchFamily="34" charset="-120"/>
+              <a:ea typeface="Microsoft JhengHei UI Light" panose="020B0304030504040204" pitchFamily="34" charset="-120"/>
+            </a:endParaRPr>
+          </a:p>
+          <a:p>
+            <a:r>
+              <a:rPr lang="ru-RU" sz="1600" dirty="0">
+                <a:latin typeface="Microsoft JhengHei UI Light" panose="020B0304030504040204" pitchFamily="34" charset="-120"/>
+                <a:ea typeface="Microsoft JhengHei UI Light" panose="020B0304030504040204" pitchFamily="34" charset="-120"/>
+              </a:rPr>
+              <a:t>Условия:</a:t>
+            </a:r>
+          </a:p>
+          <a:p>
+            <a:pPr marL="342900" indent="-342900">
+              <a:buFont typeface="+mj-lt"/>
+              <a:buAutoNum type="arabicPeriod"/>
+            </a:pPr>
+            <a:r>
+              <a:rPr lang="ru-RU" sz="1600" dirty="0">
+                <a:latin typeface="Microsoft JhengHei UI Light" panose="020B0304030504040204" pitchFamily="34" charset="-120"/>
+                <a:ea typeface="Microsoft JhengHei UI Light" panose="020B0304030504040204" pitchFamily="34" charset="-120"/>
+              </a:rPr>
+              <a:t>Если </a:t>
+            </a:r>
+            <a:r>
+              <a:rPr lang="en-US" sz="1600" dirty="0">
+                <a:latin typeface="Microsoft JhengHei UI Light" panose="020B0304030504040204" pitchFamily="34" charset="-120"/>
+                <a:ea typeface="Microsoft JhengHei UI Light" panose="020B0304030504040204" pitchFamily="34" charset="-120"/>
+              </a:rPr>
+              <a:t>a1 </a:t>
+            </a:r>
+            <a:r>
+              <a:rPr lang="ru-RU" sz="1600" dirty="0">
+                <a:latin typeface="Microsoft JhengHei UI Light" panose="020B0304030504040204" pitchFamily="34" charset="-120"/>
+                <a:ea typeface="Microsoft JhengHei UI Light" panose="020B0304030504040204" pitchFamily="34" charset="-120"/>
+              </a:rPr>
+              <a:t>или </a:t>
+            </a:r>
+            <a:r>
+              <a:rPr lang="en-US" sz="1600" dirty="0">
+                <a:latin typeface="Microsoft JhengHei UI Light" panose="020B0304030504040204" pitchFamily="34" charset="-120"/>
+                <a:ea typeface="Microsoft JhengHei UI Light" panose="020B0304030504040204" pitchFamily="34" charset="-120"/>
+              </a:rPr>
+              <a:t>a2 = 0</a:t>
+            </a:r>
+            <a:r>
+              <a:rPr lang="ru-RU" sz="1600" dirty="0">
+                <a:latin typeface="Microsoft JhengHei UI Light" panose="020B0304030504040204" pitchFamily="34" charset="-120"/>
+                <a:ea typeface="Microsoft JhengHei UI Light" panose="020B0304030504040204" pitchFamily="34" charset="-120"/>
+              </a:rPr>
+              <a:t>, то возвращается </a:t>
+            </a:r>
+            <a:r>
+              <a:rPr lang="en-US" sz="1600" dirty="0">
+                <a:latin typeface="Microsoft JhengHei UI Light" panose="020B0304030504040204" pitchFamily="34" charset="-120"/>
+                <a:ea typeface="Microsoft JhengHei UI Light" panose="020B0304030504040204" pitchFamily="34" charset="-120"/>
+              </a:rPr>
+              <a:t>a1</a:t>
+            </a:r>
+            <a:br>
+              <a:rPr lang="ru-RU" sz="1600" dirty="0">
+                <a:latin typeface="Microsoft JhengHei UI Light" panose="020B0304030504040204" pitchFamily="34" charset="-120"/>
+                <a:ea typeface="Microsoft JhengHei UI Light" panose="020B0304030504040204" pitchFamily="34" charset="-120"/>
+              </a:rPr>
+            </a:br>
+            <a:r>
+              <a:rPr lang="ru-RU" sz="1600" dirty="0">
+                <a:latin typeface="Microsoft JhengHei UI Light" panose="020B0304030504040204" pitchFamily="34" charset="-120"/>
+                <a:ea typeface="Microsoft JhengHei UI Light" panose="020B0304030504040204" pitchFamily="34" charset="-120"/>
+              </a:rPr>
+              <a:t>или </a:t>
+            </a:r>
+            <a:r>
+              <a:rPr lang="en-US" sz="1600" dirty="0">
+                <a:latin typeface="Microsoft JhengHei UI Light" panose="020B0304030504040204" pitchFamily="34" charset="-120"/>
+                <a:ea typeface="Microsoft JhengHei UI Light" panose="020B0304030504040204" pitchFamily="34" charset="-120"/>
+              </a:rPr>
+              <a:t>a2 != 0</a:t>
+            </a:r>
+            <a:endParaRPr lang="ru-RU" sz="1600" dirty="0">
+              <a:latin typeface="Microsoft JhengHei UI Light" panose="020B0304030504040204" pitchFamily="34" charset="-120"/>
+              <a:ea typeface="Microsoft JhengHei UI Light" panose="020B0304030504040204" pitchFamily="34" charset="-120"/>
+            </a:endParaRPr>
+          </a:p>
+          <a:p>
+            <a:pPr marL="342900" indent="-342900">
+              <a:buFont typeface="+mj-lt"/>
+              <a:buAutoNum type="arabicPeriod"/>
+            </a:pPr>
+            <a:r>
+              <a:rPr lang="ru-RU" sz="1600" dirty="0">
+                <a:latin typeface="Microsoft JhengHei UI Light" panose="020B0304030504040204" pitchFamily="34" charset="-120"/>
+                <a:ea typeface="Microsoft JhengHei UI Light" panose="020B0304030504040204" pitchFamily="34" charset="-120"/>
+              </a:rPr>
+              <a:t>Иначе если </a:t>
+            </a:r>
+            <a:r>
+              <a:rPr lang="en-US" sz="1600" dirty="0">
+                <a:latin typeface="Microsoft JhengHei UI Light" panose="020B0304030504040204" pitchFamily="34" charset="-120"/>
+                <a:ea typeface="Microsoft JhengHei UI Light" panose="020B0304030504040204" pitchFamily="34" charset="-120"/>
+              </a:rPr>
+              <a:t>a1 </a:t>
+            </a:r>
+            <a:r>
+              <a:rPr lang="ru-RU" sz="1600" dirty="0">
+                <a:latin typeface="Microsoft JhengHei UI Light" panose="020B0304030504040204" pitchFamily="34" charset="-120"/>
+                <a:ea typeface="Microsoft JhengHei UI Light" panose="020B0304030504040204" pitchFamily="34" charset="-120"/>
+              </a:rPr>
+              <a:t>и </a:t>
+            </a:r>
+            <a:r>
+              <a:rPr lang="en-US" sz="1600" dirty="0">
+                <a:latin typeface="Microsoft JhengHei UI Light" panose="020B0304030504040204" pitchFamily="34" charset="-120"/>
+                <a:ea typeface="Microsoft JhengHei UI Light" panose="020B0304030504040204" pitchFamily="34" charset="-120"/>
+              </a:rPr>
+              <a:t>a2 &lt; 0</a:t>
+            </a:r>
+            <a:r>
+              <a:rPr lang="ru-RU" sz="1600" dirty="0">
+                <a:latin typeface="Microsoft JhengHei UI Light" panose="020B0304030504040204" pitchFamily="34" charset="-120"/>
+                <a:ea typeface="Microsoft JhengHei UI Light" panose="020B0304030504040204" pitchFamily="34" charset="-120"/>
+              </a:rPr>
+              <a:t>, то возвращается</a:t>
+            </a:r>
+            <a:br>
+              <a:rPr lang="ru-RU" sz="1600" dirty="0">
+                <a:latin typeface="Microsoft JhengHei UI Light" panose="020B0304030504040204" pitchFamily="34" charset="-120"/>
+                <a:ea typeface="Microsoft JhengHei UI Light" panose="020B0304030504040204" pitchFamily="34" charset="-120"/>
+              </a:rPr>
+            </a:br>
+            <a:r>
+              <a:rPr lang="en-US" sz="1600" dirty="0">
+                <a:latin typeface="Microsoft JhengHei UI Light" panose="020B0304030504040204" pitchFamily="34" charset="-120"/>
+                <a:ea typeface="Microsoft JhengHei UI Light" panose="020B0304030504040204" pitchFamily="34" charset="-120"/>
+              </a:rPr>
+              <a:t>-(a1+a2)</a:t>
+            </a:r>
+            <a:endParaRPr lang="ru-RU" sz="1600" dirty="0">
+              <a:latin typeface="Microsoft JhengHei UI Light" panose="020B0304030504040204" pitchFamily="34" charset="-120"/>
+              <a:ea typeface="Microsoft JhengHei UI Light" panose="020B0304030504040204" pitchFamily="34" charset="-120"/>
+            </a:endParaRPr>
+          </a:p>
+          <a:p>
+            <a:pPr marL="342900" indent="-342900">
+              <a:buFont typeface="+mj-lt"/>
+              <a:buAutoNum type="arabicPeriod"/>
+            </a:pPr>
+            <a:r>
+              <a:rPr lang="ru-RU" sz="1600" dirty="0">
+                <a:latin typeface="Microsoft JhengHei UI Light" panose="020B0304030504040204" pitchFamily="34" charset="-120"/>
+                <a:ea typeface="Microsoft JhengHei UI Light" panose="020B0304030504040204" pitchFamily="34" charset="-120"/>
+              </a:rPr>
+              <a:t>Иначе если</a:t>
+            </a:r>
+            <a:r>
+              <a:rPr lang="en-US" sz="1600" dirty="0">
+                <a:latin typeface="Microsoft JhengHei UI Light" panose="020B0304030504040204" pitchFamily="34" charset="-120"/>
+                <a:ea typeface="Microsoft JhengHei UI Light" panose="020B0304030504040204" pitchFamily="34" charset="-120"/>
+              </a:rPr>
+              <a:t> a1 </a:t>
+            </a:r>
+            <a:r>
+              <a:rPr lang="ru-RU" sz="1600" dirty="0">
+                <a:latin typeface="Microsoft JhengHei UI Light" panose="020B0304030504040204" pitchFamily="34" charset="-120"/>
+                <a:ea typeface="Microsoft JhengHei UI Light" panose="020B0304030504040204" pitchFamily="34" charset="-120"/>
+              </a:rPr>
+              <a:t>или </a:t>
+            </a:r>
+            <a:r>
+              <a:rPr lang="en-US" sz="1600" dirty="0">
+                <a:latin typeface="Microsoft JhengHei UI Light" panose="020B0304030504040204" pitchFamily="34" charset="-120"/>
+                <a:ea typeface="Microsoft JhengHei UI Light" panose="020B0304030504040204" pitchFamily="34" charset="-120"/>
+              </a:rPr>
+              <a:t>a2 &lt; 0</a:t>
+            </a:r>
+            <a:r>
+              <a:rPr lang="ru-RU" sz="1600" dirty="0">
+                <a:latin typeface="Microsoft JhengHei UI Light" panose="020B0304030504040204" pitchFamily="34" charset="-120"/>
+                <a:ea typeface="Microsoft JhengHei UI Light" panose="020B0304030504040204" pitchFamily="34" charset="-120"/>
+              </a:rPr>
+              <a:t>, то возвращается</a:t>
+            </a:r>
+            <a:br>
+              <a:rPr lang="ru-RU" sz="1600" dirty="0">
+                <a:latin typeface="Microsoft JhengHei UI Light" panose="020B0304030504040204" pitchFamily="34" charset="-120"/>
+                <a:ea typeface="Microsoft JhengHei UI Light" panose="020B0304030504040204" pitchFamily="34" charset="-120"/>
+              </a:rPr>
+            </a:br>
+            <a:r>
+              <a:rPr lang="en-US" sz="1600" dirty="0">
+                <a:latin typeface="Microsoft JhengHei UI Light" panose="020B0304030504040204" pitchFamily="34" charset="-120"/>
+                <a:ea typeface="Microsoft JhengHei UI Light" panose="020B0304030504040204" pitchFamily="34" charset="-120"/>
+              </a:rPr>
+              <a:t>a2-a1 </a:t>
+            </a:r>
+            <a:r>
+              <a:rPr lang="ru-RU" sz="1600" dirty="0">
+                <a:latin typeface="Microsoft JhengHei UI Light" panose="020B0304030504040204" pitchFamily="34" charset="-120"/>
+                <a:ea typeface="Microsoft JhengHei UI Light" panose="020B0304030504040204" pitchFamily="34" charset="-120"/>
+              </a:rPr>
+              <a:t>или </a:t>
+            </a:r>
+            <a:r>
+              <a:rPr lang="en-US" sz="1600" dirty="0">
+                <a:latin typeface="Microsoft JhengHei UI Light" panose="020B0304030504040204" pitchFamily="34" charset="-120"/>
+                <a:ea typeface="Microsoft JhengHei UI Light" panose="020B0304030504040204" pitchFamily="34" charset="-120"/>
+              </a:rPr>
+              <a:t>a1-a2</a:t>
+            </a:r>
+            <a:endParaRPr lang="ru-RU" sz="1600" dirty="0">
+              <a:latin typeface="Microsoft JhengHei UI Light" panose="020B0304030504040204" pitchFamily="34" charset="-120"/>
+              <a:ea typeface="Microsoft JhengHei UI Light" panose="020B0304030504040204" pitchFamily="34" charset="-120"/>
+            </a:endParaRPr>
+          </a:p>
+        </p:txBody>
+      </p:sp>
+      <p:cxnSp>
+        <p:nvCxnSpPr>
+          <p:cNvPr id="11" name="Прямая соединительная линия 10">
+            <a:extLst>
+              <a:ext uri="{FF2B5EF4-FFF2-40B4-BE49-F238E27FC236}">
+                <a16:creationId xmlns:a16="http://schemas.microsoft.com/office/drawing/2014/main" id="{57F9BDF8-E89F-49BF-CE73-3AB507BA1247}"/>
+              </a:ext>
+            </a:extLst>
+          </p:cNvPr>
+          <p:cNvCxnSpPr/>
+          <p:nvPr/>
+        </p:nvCxnSpPr>
+        <p:spPr>
+          <a:xfrm>
+            <a:off x="6556075" y="1295247"/>
+            <a:ext cx="1199072" cy="0"/>
+          </a:xfrm>
+          <a:prstGeom prst="line">
+            <a:avLst/>
+          </a:prstGeom>
+          <a:ln>
+            <a:solidFill>
+              <a:schemeClr val="tx1"/>
+            </a:solidFill>
+          </a:ln>
+        </p:spPr>
+        <p:style>
+          <a:lnRef idx="1">
+            <a:schemeClr val="accent1"/>
+          </a:lnRef>
+          <a:fillRef idx="0">
+            <a:schemeClr val="accent1"/>
+          </a:fillRef>
+          <a:effectRef idx="0">
+            <a:schemeClr val="accent1"/>
+          </a:effectRef>
+          <a:fontRef idx="minor">
+            <a:schemeClr val="tx1"/>
+          </a:fontRef>
+        </p:style>
+      </p:cxnSp>
+      <p:sp>
+        <p:nvSpPr>
+          <p:cNvPr id="12" name="TextBox 11">
+            <a:extLst>
+              <a:ext uri="{FF2B5EF4-FFF2-40B4-BE49-F238E27FC236}">
+                <a16:creationId xmlns:a16="http://schemas.microsoft.com/office/drawing/2014/main" id="{BA9D432B-E7CA-4A27-2976-A8C9CF3F7CD2}"/>
+              </a:ext>
+            </a:extLst>
+          </p:cNvPr>
+          <p:cNvSpPr txBox="1"/>
+          <p:nvPr/>
+        </p:nvSpPr>
+        <p:spPr>
+          <a:xfrm>
+            <a:off x="6469811" y="871268"/>
+            <a:ext cx="300082" cy="369332"/>
           </a:xfrm>
           <a:prstGeom prst="rect">
             <a:avLst/>
@@ -4586,205 +4916,10 @@
           <a:lstStyle/>
           <a:p>
             <a:r>
-              <a:rPr lang="ru-RU" sz="1600" i="1" dirty="0">
-                <a:latin typeface="Microsoft JhengHei UI Light" panose="020B0304030504040204" pitchFamily="34" charset="-120"/>
-                <a:ea typeface="Microsoft JhengHei UI Light" panose="020B0304030504040204" pitchFamily="34" charset="-120"/>
-              </a:rPr>
-              <a:t>Список операций, которые будут </a:t>
-            </a:r>
-            <a:r>
-              <a:rPr lang="ru-RU" sz="1600" i="1" dirty="0" err="1">
-                <a:latin typeface="Microsoft JhengHei UI Light" panose="020B0304030504040204" pitchFamily="34" charset="-120"/>
-                <a:ea typeface="Microsoft JhengHei UI Light" panose="020B0304030504040204" pitchFamily="34" charset="-120"/>
-              </a:rPr>
-              <a:t>расмотрены</a:t>
-            </a:r>
-            <a:r>
-              <a:rPr lang="ru-RU" sz="1600" i="1" dirty="0">
-                <a:latin typeface="Microsoft JhengHei UI Light" panose="020B0304030504040204" pitchFamily="34" charset="-120"/>
-                <a:ea typeface="Microsoft JhengHei UI Light" panose="020B0304030504040204" pitchFamily="34" charset="-120"/>
-              </a:rPr>
-              <a:t> в презентации</a:t>
-            </a:r>
-          </a:p>
-        </p:txBody>
-      </p:sp>
-      <p:sp>
-        <p:nvSpPr>
-          <p:cNvPr id="5" name="TextBox 4">
-            <a:extLst>
-              <a:ext uri="{FF2B5EF4-FFF2-40B4-BE49-F238E27FC236}">
-                <a16:creationId xmlns:a16="http://schemas.microsoft.com/office/drawing/2014/main" id="{3AE791F8-C63A-C13E-CC43-2E2B61592CAC}"/>
-              </a:ext>
-            </a:extLst>
-          </p:cNvPr>
-          <p:cNvSpPr txBox="1"/>
-          <p:nvPr/>
-        </p:nvSpPr>
-        <p:spPr>
-          <a:xfrm>
-            <a:off x="905934" y="1247239"/>
-            <a:ext cx="7398178" cy="3693319"/>
-          </a:xfrm>
-          <a:prstGeom prst="rect">
-            <a:avLst/>
-          </a:prstGeom>
-          <a:noFill/>
-        </p:spPr>
-        <p:txBody>
-          <a:bodyPr wrap="square" rtlCol="0">
-            <a:spAutoFit/>
-          </a:bodyPr>
-          <a:lstStyle/>
-          <a:p>
-            <a:pPr marL="342900" indent="-342900">
-              <a:buFont typeface="+mj-lt"/>
-              <a:buAutoNum type="arabicPeriod"/>
-            </a:pPr>
-            <a:r>
               <a:rPr lang="ru-RU" dirty="0">
-                <a:latin typeface="Microsoft JhengHei UI Light" panose="020B0304030504040204" pitchFamily="34" charset="-120"/>
-                <a:ea typeface="Microsoft JhengHei UI Light" panose="020B0304030504040204" pitchFamily="34" charset="-120"/>
-              </a:rPr>
-              <a:t>Сложение</a:t>
-            </a:r>
-          </a:p>
-          <a:p>
-            <a:pPr marL="342900" indent="-342900">
-              <a:buFont typeface="+mj-lt"/>
-              <a:buAutoNum type="arabicPeriod"/>
-            </a:pPr>
-            <a:endParaRPr lang="ru-RU" dirty="0">
-              <a:latin typeface="Microsoft JhengHei UI Light" panose="020B0304030504040204" pitchFamily="34" charset="-120"/>
-              <a:ea typeface="Microsoft JhengHei UI Light" panose="020B0304030504040204" pitchFamily="34" charset="-120"/>
-            </a:endParaRPr>
-          </a:p>
-          <a:p>
-            <a:pPr marL="342900" indent="-342900">
-              <a:buFont typeface="+mj-lt"/>
-              <a:buAutoNum type="arabicPeriod"/>
-            </a:pPr>
-            <a:r>
-              <a:rPr lang="ru-RU" dirty="0">
-                <a:latin typeface="Microsoft JhengHei UI Light" panose="020B0304030504040204" pitchFamily="34" charset="-120"/>
-                <a:ea typeface="Microsoft JhengHei UI Light" panose="020B0304030504040204" pitchFamily="34" charset="-120"/>
-              </a:rPr>
-              <a:t>Вычитание</a:t>
-            </a:r>
-          </a:p>
-          <a:p>
-            <a:pPr marL="342900" indent="-342900">
-              <a:buFont typeface="+mj-lt"/>
-              <a:buAutoNum type="arabicPeriod"/>
-            </a:pPr>
-            <a:endParaRPr lang="ru-RU" dirty="0">
-              <a:latin typeface="Microsoft JhengHei UI Light" panose="020B0304030504040204" pitchFamily="34" charset="-120"/>
-              <a:ea typeface="Microsoft JhengHei UI Light" panose="020B0304030504040204" pitchFamily="34" charset="-120"/>
-            </a:endParaRPr>
-          </a:p>
-          <a:p>
-            <a:pPr marL="342900" indent="-342900">
-              <a:buFont typeface="+mj-lt"/>
-              <a:buAutoNum type="arabicPeriod"/>
-            </a:pPr>
-            <a:r>
-              <a:rPr lang="ru-RU" dirty="0">
-                <a:latin typeface="Microsoft JhengHei UI Light" panose="020B0304030504040204" pitchFamily="34" charset="-120"/>
-                <a:ea typeface="Microsoft JhengHei UI Light" panose="020B0304030504040204" pitchFamily="34" charset="-120"/>
-              </a:rPr>
-              <a:t>Умножение</a:t>
-            </a:r>
-          </a:p>
-          <a:p>
-            <a:pPr marL="342900" indent="-342900">
-              <a:buFont typeface="+mj-lt"/>
-              <a:buAutoNum type="arabicPeriod"/>
-            </a:pPr>
-            <a:endParaRPr lang="ru-RU" dirty="0">
-              <a:latin typeface="Microsoft JhengHei UI Light" panose="020B0304030504040204" pitchFamily="34" charset="-120"/>
-              <a:ea typeface="Microsoft JhengHei UI Light" panose="020B0304030504040204" pitchFamily="34" charset="-120"/>
-            </a:endParaRPr>
-          </a:p>
-          <a:p>
-            <a:pPr marL="342900" indent="-342900">
-              <a:buFont typeface="+mj-lt"/>
-              <a:buAutoNum type="arabicPeriod"/>
-            </a:pPr>
-            <a:r>
-              <a:rPr lang="ru-RU" dirty="0">
-                <a:latin typeface="Microsoft JhengHei UI Light" panose="020B0304030504040204" pitchFamily="34" charset="-120"/>
-                <a:ea typeface="Microsoft JhengHei UI Light" panose="020B0304030504040204" pitchFamily="34" charset="-120"/>
-              </a:rPr>
-              <a:t>Деление</a:t>
-            </a:r>
-          </a:p>
-          <a:p>
-            <a:pPr marL="342900" indent="-342900">
-              <a:buFont typeface="+mj-lt"/>
-              <a:buAutoNum type="arabicPeriod"/>
-            </a:pPr>
-            <a:endParaRPr lang="ru-RU" dirty="0">
-              <a:latin typeface="Microsoft JhengHei UI Light" panose="020B0304030504040204" pitchFamily="34" charset="-120"/>
-              <a:ea typeface="Microsoft JhengHei UI Light" panose="020B0304030504040204" pitchFamily="34" charset="-120"/>
-            </a:endParaRPr>
-          </a:p>
-          <a:p>
-            <a:pPr marL="342900" indent="-342900">
-              <a:buFont typeface="+mj-lt"/>
-              <a:buAutoNum type="arabicPeriod"/>
-            </a:pPr>
-            <a:r>
-              <a:rPr lang="ru-RU" dirty="0">
-                <a:latin typeface="Microsoft JhengHei UI Light" panose="020B0304030504040204" pitchFamily="34" charset="-120"/>
-                <a:ea typeface="Microsoft JhengHei UI Light" panose="020B0304030504040204" pitchFamily="34" charset="-120"/>
-              </a:rPr>
-              <a:t>Возведение в степень</a:t>
-            </a:r>
-          </a:p>
-          <a:p>
-            <a:pPr marL="342900" indent="-342900">
-              <a:buFont typeface="+mj-lt"/>
-              <a:buAutoNum type="arabicPeriod"/>
-            </a:pPr>
-            <a:endParaRPr lang="ru-RU" dirty="0">
-              <a:latin typeface="Microsoft JhengHei UI Light" panose="020B0304030504040204" pitchFamily="34" charset="-120"/>
-              <a:ea typeface="Microsoft JhengHei UI Light" panose="020B0304030504040204" pitchFamily="34" charset="-120"/>
-            </a:endParaRPr>
-          </a:p>
-          <a:p>
-            <a:pPr marL="342900" indent="-342900">
-              <a:buFont typeface="+mj-lt"/>
-              <a:buAutoNum type="arabicPeriod"/>
-            </a:pPr>
-            <a:r>
-              <a:rPr lang="ru-RU" dirty="0">
-                <a:latin typeface="Microsoft JhengHei UI Light" panose="020B0304030504040204" pitchFamily="34" charset="-120"/>
-                <a:ea typeface="Microsoft JhengHei UI Light" panose="020B0304030504040204" pitchFamily="34" charset="-120"/>
-              </a:rPr>
-              <a:t>Сравнение</a:t>
-            </a:r>
-          </a:p>
-          <a:p>
-            <a:pPr marL="342900" indent="-342900">
-              <a:buFont typeface="+mj-lt"/>
-              <a:buAutoNum type="arabicPeriod"/>
-            </a:pPr>
-            <a:endParaRPr lang="ru-RU" dirty="0">
-              <a:latin typeface="Microsoft JhengHei UI Light" panose="020B0304030504040204" pitchFamily="34" charset="-120"/>
-              <a:ea typeface="Microsoft JhengHei UI Light" panose="020B0304030504040204" pitchFamily="34" charset="-120"/>
-            </a:endParaRPr>
-          </a:p>
-          <a:p>
-            <a:pPr marL="342900" indent="-342900">
-              <a:buFont typeface="+mj-lt"/>
-              <a:buAutoNum type="arabicPeriod"/>
-            </a:pPr>
-            <a:r>
-              <a:rPr lang="ru-RU" dirty="0">
-                <a:latin typeface="Microsoft JhengHei UI Light" panose="020B0304030504040204" pitchFamily="34" charset="-120"/>
-                <a:ea typeface="Microsoft JhengHei UI Light" panose="020B0304030504040204" pitchFamily="34" charset="-120"/>
-              </a:rPr>
-              <a:t>Инкремент и декремент</a:t>
+                <a:latin typeface="+mj-lt"/>
+              </a:rPr>
+              <a:t>+</a:t>
             </a:r>
           </a:p>
         </p:txBody>
@@ -4792,7 +4927,7 @@
     </p:spTree>
     <p:extLst>
       <p:ext uri="{BB962C8B-B14F-4D97-AF65-F5344CB8AC3E}">
-        <p14:creationId xmlns:p14="http://schemas.microsoft.com/office/powerpoint/2010/main" val="1897477130"/>
+        <p14:creationId xmlns:p14="http://schemas.microsoft.com/office/powerpoint/2010/main" val="3458631157"/>
       </p:ext>
     </p:extLst>
   </p:cSld>
@@ -4890,7 +5025,7 @@
         <p:spPr>
           <a:xfrm>
             <a:off x="905934" y="129801"/>
-            <a:ext cx="2523448" cy="646331"/>
+            <a:ext cx="2557110" cy="646331"/>
           </a:xfrm>
           <a:prstGeom prst="rect">
             <a:avLst/>
@@ -4908,28 +5043,53 @@
                 <a:latin typeface="Microsoft JhengHei UI Light" panose="020B0304030504040204" pitchFamily="34" charset="-120"/>
                 <a:ea typeface="Microsoft JhengHei UI Light" panose="020B0304030504040204" pitchFamily="34" charset="-120"/>
               </a:rPr>
-              <a:t>Сложение</a:t>
-            </a:r>
-            <a:r>
-              <a:rPr lang="en-US" sz="3600" b="1" dirty="0">
-                <a:latin typeface="Microsoft JhengHei UI Light" panose="020B0304030504040204" pitchFamily="34" charset="-120"/>
-                <a:ea typeface="Microsoft JhengHei UI Light" panose="020B0304030504040204" pitchFamily="34" charset="-120"/>
-              </a:rPr>
-              <a:t>.</a:t>
-            </a:r>
-            <a:endParaRPr lang="ru-RU" sz="3600" b="1" dirty="0">
-              <a:latin typeface="Microsoft JhengHei UI Light" panose="020B0304030504040204" pitchFamily="34" charset="-120"/>
-              <a:ea typeface="Microsoft JhengHei UI Light" panose="020B0304030504040204" pitchFamily="34" charset="-120"/>
-            </a:endParaRPr>
+              <a:t>Вычитание</a:t>
+            </a:r>
           </a:p>
         </p:txBody>
       </p:sp>
+      <p:pic>
+        <p:nvPicPr>
+          <p:cNvPr id="11" name="Рисунок 10" descr="Изображение выглядит как текст&#10;&#10;Автоматически созданное описание">
+            <a:extLst>
+              <a:ext uri="{FF2B5EF4-FFF2-40B4-BE49-F238E27FC236}">
+                <a16:creationId xmlns:a16="http://schemas.microsoft.com/office/drawing/2014/main" id="{D27B1BB7-B9E8-7ED7-312E-D2639CB33ECB}"/>
+              </a:ext>
+            </a:extLst>
+          </p:cNvPr>
+          <p:cNvPicPr>
+            <a:picLocks noChangeAspect="1"/>
+          </p:cNvPicPr>
+          <p:nvPr/>
+        </p:nvPicPr>
+        <p:blipFill>
+          <a:blip r:embed="rId4">
+            <a:extLst>
+              <a:ext uri="{28A0092B-C50C-407E-A947-70E740481C1C}">
+                <a14:useLocalDpi xmlns:a14="http://schemas.microsoft.com/office/drawing/2010/main" val="0"/>
+              </a:ext>
+            </a:extLst>
+          </a:blip>
+          <a:stretch>
+            <a:fillRect/>
+          </a:stretch>
+        </p:blipFill>
+        <p:spPr>
+          <a:xfrm>
+            <a:off x="766804" y="1035735"/>
+            <a:ext cx="6858000" cy="6858000"/>
+          </a:xfrm>
+          <a:prstGeom prst="rect">
+            <a:avLst/>
+          </a:prstGeom>
+        </p:spPr>
+      </p:pic>
       <p:sp>
         <p:nvSpPr>
-          <p:cNvPr id="4" name="TextBox 3">
-            <a:extLst>
-              <a:ext uri="{FF2B5EF4-FFF2-40B4-BE49-F238E27FC236}">
-                <a16:creationId xmlns:a16="http://schemas.microsoft.com/office/drawing/2014/main" id="{4DEE94F7-4B84-C55B-B9E0-31F68D5E64D4}"/>
+          <p:cNvPr id="5" name="TextBox 4">
+            <a:extLst>
+              <a:ext uri="{FF2B5EF4-FFF2-40B4-BE49-F238E27FC236}">
+                <a16:creationId xmlns:a16="http://schemas.microsoft.com/office/drawing/2014/main" id="{CD6C78A2-1B1B-7505-D476-69322C439DBE}"/>
               </a:ext>
             </a:extLst>
           </p:cNvPr>
@@ -4938,8 +5098,148 @@
         </p:nvSpPr>
         <p:spPr>
           <a:xfrm>
-            <a:off x="905934" y="776132"/>
-            <a:ext cx="5872120" cy="338554"/>
+            <a:off x="6562619" y="776132"/>
+            <a:ext cx="1405946" cy="830997"/>
+          </a:xfrm>
+          <a:prstGeom prst="rect">
+            <a:avLst/>
+          </a:prstGeom>
+          <a:noFill/>
+        </p:spPr>
+        <p:txBody>
+          <a:bodyPr wrap="square" rtlCol="0">
+            <a:spAutoFit/>
+          </a:bodyPr>
+          <a:lstStyle/>
+          <a:p>
+            <a:r>
+              <a:rPr lang="ru-RU" sz="1600" dirty="0">
+                <a:latin typeface="Microsoft JhengHei UI Light" panose="020B0304030504040204" pitchFamily="34" charset="-120"/>
+                <a:ea typeface="Microsoft JhengHei UI Light" panose="020B0304030504040204" pitchFamily="34" charset="-120"/>
+              </a:rPr>
+              <a:t>14</a:t>
+            </a:r>
+            <a:r>
+              <a:rPr lang="en-US" sz="1600" dirty="0">
+                <a:latin typeface="Microsoft JhengHei UI Light" panose="020B0304030504040204" pitchFamily="34" charset="-120"/>
+                <a:ea typeface="Microsoft JhengHei UI Light" panose="020B0304030504040204" pitchFamily="34" charset="-120"/>
+              </a:rPr>
+              <a:t> </a:t>
+            </a:r>
+            <a:r>
+              <a:rPr lang="ru-RU" sz="1600" dirty="0">
+                <a:latin typeface="Microsoft JhengHei UI Light" panose="020B0304030504040204" pitchFamily="34" charset="-120"/>
+                <a:ea typeface="Microsoft JhengHei UI Light" panose="020B0304030504040204" pitchFamily="34" charset="-120"/>
+              </a:rPr>
+              <a:t>4</a:t>
+            </a:r>
+            <a:r>
+              <a:rPr lang="en-US" sz="1600" dirty="0">
+                <a:latin typeface="Microsoft JhengHei UI Light" panose="020B0304030504040204" pitchFamily="34" charset="-120"/>
+                <a:ea typeface="Microsoft JhengHei UI Light" panose="020B0304030504040204" pitchFamily="34" charset="-120"/>
+              </a:rPr>
+              <a:t>29 4</a:t>
+            </a:r>
+            <a:r>
+              <a:rPr lang="ru-RU" sz="1600" dirty="0">
+                <a:latin typeface="Microsoft JhengHei UI Light" panose="020B0304030504040204" pitchFamily="34" charset="-120"/>
+                <a:ea typeface="Microsoft JhengHei UI Light" panose="020B0304030504040204" pitchFamily="34" charset="-120"/>
+              </a:rPr>
+              <a:t>9</a:t>
+            </a:r>
+            <a:r>
+              <a:rPr lang="en-US" sz="1600" dirty="0">
+                <a:latin typeface="Microsoft JhengHei UI Light" panose="020B0304030504040204" pitchFamily="34" charset="-120"/>
+                <a:ea typeface="Microsoft JhengHei UI Light" panose="020B0304030504040204" pitchFamily="34" charset="-120"/>
+              </a:rPr>
+              <a:t>1</a:t>
+            </a:r>
+            <a:endParaRPr lang="ru-RU" sz="1600" dirty="0">
+              <a:latin typeface="Microsoft JhengHei UI Light" panose="020B0304030504040204" pitchFamily="34" charset="-120"/>
+              <a:ea typeface="Microsoft JhengHei UI Light" panose="020B0304030504040204" pitchFamily="34" charset="-120"/>
+            </a:endParaRPr>
+          </a:p>
+          <a:p>
+            <a:r>
+              <a:rPr lang="ru-RU" sz="1600" dirty="0">
+                <a:latin typeface="Microsoft JhengHei UI Light" panose="020B0304030504040204" pitchFamily="34" charset="-120"/>
+                <a:ea typeface="Microsoft JhengHei UI Light" panose="020B0304030504040204" pitchFamily="34" charset="-120"/>
+              </a:rPr>
+              <a:t>  9 750 489</a:t>
+            </a:r>
+            <a:endParaRPr lang="en-US" sz="1600" dirty="0">
+              <a:latin typeface="Microsoft JhengHei UI Light" panose="020B0304030504040204" pitchFamily="34" charset="-120"/>
+              <a:ea typeface="Microsoft JhengHei UI Light" panose="020B0304030504040204" pitchFamily="34" charset="-120"/>
+            </a:endParaRPr>
+          </a:p>
+          <a:p>
+            <a:r>
+              <a:rPr lang="ru-RU" sz="1600" dirty="0">
+                <a:latin typeface="Microsoft JhengHei UI Light" panose="020B0304030504040204" pitchFamily="34" charset="-120"/>
+                <a:ea typeface="Microsoft JhengHei UI Light" panose="020B0304030504040204" pitchFamily="34" charset="-120"/>
+              </a:rPr>
+              <a:t>  4 679 002</a:t>
+            </a:r>
+          </a:p>
+        </p:txBody>
+      </p:sp>
+      <p:cxnSp>
+        <p:nvCxnSpPr>
+          <p:cNvPr id="10" name="Прямая соединительная линия 9">
+            <a:extLst>
+              <a:ext uri="{FF2B5EF4-FFF2-40B4-BE49-F238E27FC236}">
+                <a16:creationId xmlns:a16="http://schemas.microsoft.com/office/drawing/2014/main" id="{06649064-1AF9-283E-AB74-34D6D2077317}"/>
+              </a:ext>
+            </a:extLst>
+          </p:cNvPr>
+          <p:cNvCxnSpPr/>
+          <p:nvPr/>
+        </p:nvCxnSpPr>
+        <p:spPr>
+          <a:xfrm>
+            <a:off x="6556075" y="1295247"/>
+            <a:ext cx="1199072" cy="0"/>
+          </a:xfrm>
+          <a:prstGeom prst="line">
+            <a:avLst/>
+          </a:prstGeom>
+          <a:ln>
+            <a:solidFill>
+              <a:schemeClr val="tx1"/>
+            </a:solidFill>
+          </a:ln>
+        </p:spPr>
+        <p:style>
+          <a:lnRef idx="1">
+            <a:schemeClr val="accent1"/>
+          </a:lnRef>
+          <a:fillRef idx="0">
+            <a:schemeClr val="accent1"/>
+          </a:fillRef>
+          <a:effectRef idx="0">
+            <a:schemeClr val="accent1"/>
+          </a:effectRef>
+          <a:fontRef idx="minor">
+            <a:schemeClr val="tx1"/>
+          </a:fontRef>
+        </p:style>
+      </p:cxnSp>
+      <p:sp>
+        <p:nvSpPr>
+          <p:cNvPr id="12" name="TextBox 11">
+            <a:extLst>
+              <a:ext uri="{FF2B5EF4-FFF2-40B4-BE49-F238E27FC236}">
+                <a16:creationId xmlns:a16="http://schemas.microsoft.com/office/drawing/2014/main" id="{F69B8E6A-79C2-80B2-A148-4E31321B3928}"/>
+              </a:ext>
+            </a:extLst>
+          </p:cNvPr>
+          <p:cNvSpPr txBox="1"/>
+          <p:nvPr/>
+        </p:nvSpPr>
+        <p:spPr>
+          <a:xfrm>
+            <a:off x="6469811" y="871268"/>
+            <a:ext cx="255198" cy="369332"/>
           </a:xfrm>
           <a:prstGeom prst="rect">
             <a:avLst/>
@@ -4953,35 +5253,20 @@
           <a:lstStyle/>
           <a:p>
             <a:r>
-              <a:rPr lang="ru-RU" sz="1600" i="1" dirty="0">
-                <a:latin typeface="Microsoft JhengHei UI Light" panose="020B0304030504040204" pitchFamily="34" charset="-120"/>
-                <a:ea typeface="Microsoft JhengHei UI Light" panose="020B0304030504040204" pitchFamily="34" charset="-120"/>
-              </a:rPr>
-              <a:t>Как происходит сложение двух чисел типа данных </a:t>
-            </a:r>
-            <a:r>
-              <a:rPr lang="en-US" sz="1600" i="1" dirty="0" err="1">
-                <a:latin typeface="Microsoft JhengHei UI Light" panose="020B0304030504040204" pitchFamily="34" charset="-120"/>
-                <a:ea typeface="Microsoft JhengHei UI Light" panose="020B0304030504040204" pitchFamily="34" charset="-120"/>
-              </a:rPr>
-              <a:t>BigInt</a:t>
-            </a:r>
-            <a:r>
-              <a:rPr lang="ru-RU" sz="1600" i="1" dirty="0">
-                <a:latin typeface="Microsoft JhengHei UI Light" panose="020B0304030504040204" pitchFamily="34" charset="-120"/>
-                <a:ea typeface="Microsoft JhengHei UI Light" panose="020B0304030504040204" pitchFamily="34" charset="-120"/>
-              </a:rPr>
-              <a:t>?</a:t>
+              <a:rPr lang="ru-RU" dirty="0">
+                <a:latin typeface="+mj-lt"/>
+              </a:rPr>
+              <a:t>-</a:t>
             </a:r>
           </a:p>
         </p:txBody>
       </p:sp>
       <p:sp>
         <p:nvSpPr>
-          <p:cNvPr id="5" name="TextBox 4">
-            <a:extLst>
-              <a:ext uri="{FF2B5EF4-FFF2-40B4-BE49-F238E27FC236}">
-                <a16:creationId xmlns:a16="http://schemas.microsoft.com/office/drawing/2014/main" id="{3AE791F8-C63A-C13E-CC43-2E2B61592CAC}"/>
+          <p:cNvPr id="13" name="TextBox 12">
+            <a:extLst>
+              <a:ext uri="{FF2B5EF4-FFF2-40B4-BE49-F238E27FC236}">
+                <a16:creationId xmlns:a16="http://schemas.microsoft.com/office/drawing/2014/main" id="{C8F21F24-4927-52B6-C926-11524F927909}"/>
               </a:ext>
             </a:extLst>
           </p:cNvPr>
@@ -4990,8 +5275,8 @@
         </p:nvSpPr>
         <p:spPr>
           <a:xfrm>
-            <a:off x="905933" y="1247239"/>
-            <a:ext cx="7398178" cy="584775"/>
+            <a:off x="6778054" y="2385756"/>
+            <a:ext cx="4375901" cy="1815882"/>
           </a:xfrm>
           <a:prstGeom prst="rect">
             <a:avLst/>
@@ -5009,154 +5294,47 @@
                 <a:latin typeface="Microsoft JhengHei UI Light" panose="020B0304030504040204" pitchFamily="34" charset="-120"/>
                 <a:ea typeface="Microsoft JhengHei UI Light" panose="020B0304030504040204" pitchFamily="34" charset="-120"/>
               </a:rPr>
-              <a:t>Как пример сложим числа </a:t>
-            </a:r>
-            <a:r>
-              <a:rPr lang="en-US" sz="1600" dirty="0">
-                <a:latin typeface="Microsoft JhengHei UI Light" panose="020B0304030504040204" pitchFamily="34" charset="-120"/>
-                <a:ea typeface="Microsoft JhengHei UI Light" panose="020B0304030504040204" pitchFamily="34" charset="-120"/>
-              </a:rPr>
-              <a:t>38 529 461 </a:t>
-            </a:r>
-            <a:r>
-              <a:rPr lang="ru-RU" sz="1600" dirty="0">
-                <a:latin typeface="Microsoft JhengHei UI Light" panose="020B0304030504040204" pitchFamily="34" charset="-120"/>
-                <a:ea typeface="Microsoft JhengHei UI Light" panose="020B0304030504040204" pitchFamily="34" charset="-120"/>
-              </a:rPr>
-              <a:t>и 9 750 489.</a:t>
-            </a:r>
-            <a:endParaRPr lang="en-US" sz="1600" dirty="0">
+              <a:t>Уменьшаемое – </a:t>
+            </a:r>
+            <a:r>
+              <a:rPr lang="en-US" sz="1600" dirty="0">
+                <a:latin typeface="Microsoft JhengHei UI Light" panose="020B0304030504040204" pitchFamily="34" charset="-120"/>
+                <a:ea typeface="Microsoft JhengHei UI Light" panose="020B0304030504040204" pitchFamily="34" charset="-120"/>
+              </a:rPr>
+              <a:t>a1, </a:t>
+            </a:r>
+            <a:r>
+              <a:rPr lang="ru-RU" sz="1600" dirty="0">
+                <a:latin typeface="Microsoft JhengHei UI Light" panose="020B0304030504040204" pitchFamily="34" charset="-120"/>
+                <a:ea typeface="Microsoft JhengHei UI Light" panose="020B0304030504040204" pitchFamily="34" charset="-120"/>
+              </a:rPr>
+              <a:t>вычитаемое – </a:t>
+            </a:r>
+            <a:r>
+              <a:rPr lang="en-US" sz="1600" dirty="0">
+                <a:latin typeface="Microsoft JhengHei UI Light" panose="020B0304030504040204" pitchFamily="34" charset="-120"/>
+                <a:ea typeface="Microsoft JhengHei UI Light" panose="020B0304030504040204" pitchFamily="34" charset="-120"/>
+              </a:rPr>
+              <a:t>a2</a:t>
+            </a:r>
+            <a:endParaRPr lang="ru-RU" sz="1600" dirty="0">
               <a:latin typeface="Microsoft JhengHei UI Light" panose="020B0304030504040204" pitchFamily="34" charset="-120"/>
               <a:ea typeface="Microsoft JhengHei UI Light" panose="020B0304030504040204" pitchFamily="34" charset="-120"/>
             </a:endParaRPr>
           </a:p>
           <a:p>
-            <a:r>
-              <a:rPr lang="ru-RU" sz="1600" dirty="0">
-                <a:latin typeface="Microsoft JhengHei UI Light" panose="020B0304030504040204" pitchFamily="34" charset="-120"/>
-                <a:ea typeface="Microsoft JhengHei UI Light" panose="020B0304030504040204" pitchFamily="34" charset="-120"/>
-              </a:rPr>
-              <a:t>В результате чего мы получим 05997284, что есть 48 279 950.</a:t>
-            </a:r>
             <a:endParaRPr lang="ru-RU" sz="1600" dirty="0">
-              <a:latin typeface="Consolas" panose="020B0609020204030204" pitchFamily="49" charset="0"/>
+              <a:latin typeface="Microsoft JhengHei UI Light" panose="020B0304030504040204" pitchFamily="34" charset="-120"/>
               <a:ea typeface="Microsoft JhengHei UI Light" panose="020B0304030504040204" pitchFamily="34" charset="-120"/>
             </a:endParaRPr>
           </a:p>
-        </p:txBody>
-      </p:sp>
-      <p:pic>
-        <p:nvPicPr>
-          <p:cNvPr id="7" name="Рисунок 6">
-            <a:extLst>
-              <a:ext uri="{FF2B5EF4-FFF2-40B4-BE49-F238E27FC236}">
-                <a16:creationId xmlns:a16="http://schemas.microsoft.com/office/drawing/2014/main" id="{B4F576CF-ED80-5EBE-36A7-3565C2A01622}"/>
-              </a:ext>
-            </a:extLst>
-          </p:cNvPr>
-          <p:cNvPicPr>
-            <a:picLocks noChangeAspect="1"/>
-          </p:cNvPicPr>
-          <p:nvPr/>
-        </p:nvPicPr>
-        <p:blipFill>
-          <a:blip r:embed="rId4">
-            <a:extLst>
-              <a:ext uri="{28A0092B-C50C-407E-A947-70E740481C1C}">
-                <a14:useLocalDpi xmlns:a14="http://schemas.microsoft.com/office/drawing/2010/main" val="0"/>
-              </a:ext>
-            </a:extLst>
-          </a:blip>
-          <a:stretch>
-            <a:fillRect/>
-          </a:stretch>
-        </p:blipFill>
-        <p:spPr>
-          <a:xfrm>
-            <a:off x="905933" y="1718346"/>
-            <a:ext cx="6858000" cy="6858000"/>
-          </a:xfrm>
-          <a:prstGeom prst="rect">
-            <a:avLst/>
-          </a:prstGeom>
-        </p:spPr>
-      </p:pic>
-      <p:sp>
-        <p:nvSpPr>
-          <p:cNvPr id="9" name="TextBox 8">
-            <a:extLst>
-              <a:ext uri="{FF2B5EF4-FFF2-40B4-BE49-F238E27FC236}">
-                <a16:creationId xmlns:a16="http://schemas.microsoft.com/office/drawing/2014/main" id="{45ABE408-F4FD-F9FF-D3C7-69B22FFEEA7B}"/>
-              </a:ext>
-            </a:extLst>
-          </p:cNvPr>
-          <p:cNvSpPr txBox="1"/>
-          <p:nvPr/>
-        </p:nvSpPr>
-        <p:spPr>
-          <a:xfrm>
-            <a:off x="905933" y="5789480"/>
-            <a:ext cx="7398178" cy="338554"/>
-          </a:xfrm>
-          <a:prstGeom prst="rect">
-            <a:avLst/>
-          </a:prstGeom>
-          <a:noFill/>
-        </p:spPr>
-        <p:txBody>
-          <a:bodyPr wrap="square" rtlCol="0">
-            <a:spAutoFit/>
-          </a:bodyPr>
-          <a:lstStyle/>
-          <a:p>
-            <a:r>
-              <a:rPr lang="ru-RU" sz="1600" dirty="0">
-                <a:latin typeface="Microsoft JhengHei UI Light" panose="020B0304030504040204" pitchFamily="34" charset="-120"/>
-                <a:ea typeface="Microsoft JhengHei UI Light" panose="020B0304030504040204" pitchFamily="34" charset="-120"/>
-              </a:rPr>
-              <a:t>Можем заметить, что реализовано сложение в столбик.</a:t>
-            </a:r>
-            <a:endParaRPr lang="ru-RU" sz="1600" dirty="0">
-              <a:latin typeface="Consolas" panose="020B0609020204030204" pitchFamily="49" charset="0"/>
-              <a:ea typeface="Microsoft JhengHei UI Light" panose="020B0304030504040204" pitchFamily="34" charset="-120"/>
-            </a:endParaRPr>
-          </a:p>
-        </p:txBody>
-      </p:sp>
-      <p:sp>
-        <p:nvSpPr>
-          <p:cNvPr id="10" name="TextBox 9">
-            <a:extLst>
-              <a:ext uri="{FF2B5EF4-FFF2-40B4-BE49-F238E27FC236}">
-                <a16:creationId xmlns:a16="http://schemas.microsoft.com/office/drawing/2014/main" id="{B6DAD214-4824-E592-A1C3-54B748FB748C}"/>
-              </a:ext>
-            </a:extLst>
-          </p:cNvPr>
-          <p:cNvSpPr txBox="1"/>
-          <p:nvPr/>
-        </p:nvSpPr>
-        <p:spPr>
-          <a:xfrm>
-            <a:off x="6778054" y="2385756"/>
-            <a:ext cx="4647142" cy="1569660"/>
-          </a:xfrm>
-          <a:prstGeom prst="rect">
-            <a:avLst/>
-          </a:prstGeom>
-          <a:noFill/>
-        </p:spPr>
-        <p:txBody>
-          <a:bodyPr wrap="square" rtlCol="0">
-            <a:spAutoFit/>
-          </a:bodyPr>
-          <a:lstStyle/>
-          <a:p>
-            <a:r>
-              <a:rPr lang="ru-RU" sz="1600" dirty="0">
-                <a:latin typeface="Microsoft JhengHei UI Light" panose="020B0304030504040204" pitchFamily="34" charset="-120"/>
-                <a:ea typeface="Microsoft JhengHei UI Light" panose="020B0304030504040204" pitchFamily="34" charset="-120"/>
-              </a:rPr>
-              <a:t>Так же существуют условия:</a:t>
+          <a:p>
+            <a:r>
+              <a:rPr lang="ru-RU" sz="1600" dirty="0">
+                <a:latin typeface="Microsoft JhengHei UI Light" panose="020B0304030504040204" pitchFamily="34" charset="-120"/>
+                <a:ea typeface="Microsoft JhengHei UI Light" panose="020B0304030504040204" pitchFamily="34" charset="-120"/>
+              </a:rPr>
+              <a:t>Условия:</a:t>
             </a:r>
           </a:p>
           <a:p>
@@ -5169,8 +5347,61 @@
                 <a:latin typeface="Microsoft JhengHei UI Light" panose="020B0304030504040204" pitchFamily="34" charset="-120"/>
                 <a:ea typeface="Microsoft JhengHei UI Light" panose="020B0304030504040204" pitchFamily="34" charset="-120"/>
               </a:rPr>
-              <a:t>Выбирается число большей длинны.</a:t>
-            </a:r>
+              <a:t>Если </a:t>
+            </a:r>
+            <a:r>
+              <a:rPr lang="en-US" sz="1600" dirty="0">
+                <a:latin typeface="Microsoft JhengHei UI Light" panose="020B0304030504040204" pitchFamily="34" charset="-120"/>
+                <a:ea typeface="Microsoft JhengHei UI Light" panose="020B0304030504040204" pitchFamily="34" charset="-120"/>
+              </a:rPr>
+              <a:t>a1 </a:t>
+            </a:r>
+            <a:r>
+              <a:rPr lang="ru-RU" sz="1600" dirty="0">
+                <a:latin typeface="Microsoft JhengHei UI Light" panose="020B0304030504040204" pitchFamily="34" charset="-120"/>
+                <a:ea typeface="Microsoft JhengHei UI Light" panose="020B0304030504040204" pitchFamily="34" charset="-120"/>
+              </a:rPr>
+              <a:t>или </a:t>
+            </a:r>
+            <a:r>
+              <a:rPr lang="en-US" sz="1600" dirty="0">
+                <a:latin typeface="Microsoft JhengHei UI Light" panose="020B0304030504040204" pitchFamily="34" charset="-120"/>
+                <a:ea typeface="Microsoft JhengHei UI Light" panose="020B0304030504040204" pitchFamily="34" charset="-120"/>
+              </a:rPr>
+              <a:t>a2 = 0</a:t>
+            </a:r>
+            <a:r>
+              <a:rPr lang="ru-RU" sz="1600" dirty="0">
+                <a:latin typeface="Microsoft JhengHei UI Light" panose="020B0304030504040204" pitchFamily="34" charset="-120"/>
+                <a:ea typeface="Microsoft JhengHei UI Light" panose="020B0304030504040204" pitchFamily="34" charset="-120"/>
+              </a:rPr>
+              <a:t>, то возвращается </a:t>
+            </a:r>
+            <a:r>
+              <a:rPr lang="en-US" sz="1600" dirty="0">
+                <a:latin typeface="Microsoft JhengHei UI Light" panose="020B0304030504040204" pitchFamily="34" charset="-120"/>
+                <a:ea typeface="Microsoft JhengHei UI Light" panose="020B0304030504040204" pitchFamily="34" charset="-120"/>
+              </a:rPr>
+              <a:t>a1 </a:t>
+            </a:r>
+            <a:r>
+              <a:rPr lang="ru-RU" sz="1600" dirty="0">
+                <a:latin typeface="Microsoft JhengHei UI Light" panose="020B0304030504040204" pitchFamily="34" charset="-120"/>
+                <a:ea typeface="Microsoft JhengHei UI Light" panose="020B0304030504040204" pitchFamily="34" charset="-120"/>
+              </a:rPr>
+              <a:t>или </a:t>
+            </a:r>
+            <a:r>
+              <a:rPr lang="en-US" sz="1600" dirty="0">
+                <a:latin typeface="Microsoft JhengHei UI Light" panose="020B0304030504040204" pitchFamily="34" charset="-120"/>
+                <a:ea typeface="Microsoft JhengHei UI Light" panose="020B0304030504040204" pitchFamily="34" charset="-120"/>
+              </a:rPr>
+              <a:t>a2 != 0</a:t>
+            </a:r>
+            <a:endParaRPr lang="ru-RU" sz="1600" dirty="0">
+              <a:latin typeface="Microsoft JhengHei UI Light" panose="020B0304030504040204" pitchFamily="34" charset="-120"/>
+              <a:ea typeface="Microsoft JhengHei UI Light" panose="020B0304030504040204" pitchFamily="34" charset="-120"/>
+            </a:endParaRPr>
           </a:p>
           <a:p>
             <a:pPr marL="342900" indent="-342900">
@@ -5182,8 +5413,33 @@
                 <a:latin typeface="Microsoft JhengHei UI Light" panose="020B0304030504040204" pitchFamily="34" charset="-120"/>
                 <a:ea typeface="Microsoft JhengHei UI Light" panose="020B0304030504040204" pitchFamily="34" charset="-120"/>
               </a:rPr>
-              <a:t>Если одно из чисел отрицательное, то производится вычитание.</a:t>
-            </a:r>
+              <a:t>Если </a:t>
+            </a:r>
+            <a:r>
+              <a:rPr lang="en-US" sz="1600" dirty="0">
+                <a:latin typeface="Microsoft JhengHei UI Light" panose="020B0304030504040204" pitchFamily="34" charset="-120"/>
+                <a:ea typeface="Microsoft JhengHei UI Light" panose="020B0304030504040204" pitchFamily="34" charset="-120"/>
+              </a:rPr>
+              <a:t>a2 &lt; 0</a:t>
+            </a:r>
+            <a:r>
+              <a:rPr lang="ru-RU" sz="1600" dirty="0">
+                <a:latin typeface="Microsoft JhengHei UI Light" panose="020B0304030504040204" pitchFamily="34" charset="-120"/>
+                <a:ea typeface="Microsoft JhengHei UI Light" panose="020B0304030504040204" pitchFamily="34" charset="-120"/>
+              </a:rPr>
+              <a:t>, то возвращается </a:t>
+            </a:r>
+            <a:r>
+              <a:rPr lang="en-US" sz="1600" dirty="0">
+                <a:latin typeface="Microsoft JhengHei UI Light" panose="020B0304030504040204" pitchFamily="34" charset="-120"/>
+                <a:ea typeface="Microsoft JhengHei UI Light" panose="020B0304030504040204" pitchFamily="34" charset="-120"/>
+              </a:rPr>
+              <a:t>a1 + a2</a:t>
+            </a:r>
+            <a:endParaRPr lang="ru-RU" sz="1600" dirty="0">
+              <a:latin typeface="Microsoft JhengHei UI Light" panose="020B0304030504040204" pitchFamily="34" charset="-120"/>
+              <a:ea typeface="Microsoft JhengHei UI Light" panose="020B0304030504040204" pitchFamily="34" charset="-120"/>
+            </a:endParaRPr>
           </a:p>
           <a:p>
             <a:pPr marL="342900" indent="-342900">
@@ -5195,81 +5451,30 @@
                 <a:latin typeface="Microsoft JhengHei UI Light" panose="020B0304030504040204" pitchFamily="34" charset="-120"/>
                 <a:ea typeface="Microsoft JhengHei UI Light" panose="020B0304030504040204" pitchFamily="34" charset="-120"/>
               </a:rPr>
-              <a:t>Если одно из чисел равно нулю, то возвращается другое число</a:t>
-            </a:r>
-          </a:p>
-        </p:txBody>
-      </p:sp>
-      <p:sp>
-        <p:nvSpPr>
-          <p:cNvPr id="6" name="TextBox 5">
-            <a:extLst>
-              <a:ext uri="{FF2B5EF4-FFF2-40B4-BE49-F238E27FC236}">
-                <a16:creationId xmlns:a16="http://schemas.microsoft.com/office/drawing/2014/main" id="{E979872C-B7C7-7D46-73D7-CF9239F09409}"/>
-              </a:ext>
-            </a:extLst>
-          </p:cNvPr>
-          <p:cNvSpPr txBox="1"/>
-          <p:nvPr/>
-        </p:nvSpPr>
-        <p:spPr>
-          <a:xfrm>
-            <a:off x="6778054" y="5952810"/>
-            <a:ext cx="5188070" cy="646331"/>
-          </a:xfrm>
-          <a:prstGeom prst="rect">
-            <a:avLst/>
-          </a:prstGeom>
-          <a:noFill/>
-        </p:spPr>
-        <p:txBody>
-          <a:bodyPr wrap="square" rtlCol="0">
-            <a:spAutoFit/>
-          </a:bodyPr>
-          <a:lstStyle/>
-          <a:p>
-            <a:r>
-              <a:rPr lang="ru-RU" dirty="0">
-                <a:solidFill>
-                  <a:schemeClr val="bg1">
-                    <a:lumMod val="65000"/>
-                  </a:schemeClr>
-                </a:solidFill>
-                <a:latin typeface="Microsoft JhengHei UI Light" panose="020B0304030504040204" pitchFamily="34" charset="-120"/>
-                <a:ea typeface="Microsoft JhengHei UI Light" panose="020B0304030504040204" pitchFamily="34" charset="-120"/>
-              </a:rPr>
-              <a:t>В случае, если просмотр производится через </a:t>
-            </a:r>
-            <a:r>
-              <a:rPr lang="en-US" dirty="0">
-                <a:solidFill>
-                  <a:schemeClr val="bg1">
-                    <a:lumMod val="65000"/>
-                  </a:schemeClr>
-                </a:solidFill>
-                <a:latin typeface="Microsoft JhengHei UI Light" panose="020B0304030504040204" pitchFamily="34" charset="-120"/>
-                <a:ea typeface="Microsoft JhengHei UI Light" panose="020B0304030504040204" pitchFamily="34" charset="-120"/>
-              </a:rPr>
-              <a:t>PDF</a:t>
-            </a:r>
-            <a:r>
-              <a:rPr lang="ru-RU" dirty="0">
-                <a:solidFill>
-                  <a:schemeClr val="bg1">
-                    <a:lumMod val="65000"/>
-                  </a:schemeClr>
-                </a:solidFill>
-                <a:latin typeface="Microsoft JhengHei UI Light" panose="020B0304030504040204" pitchFamily="34" charset="-120"/>
-                <a:ea typeface="Microsoft JhengHei UI Light" panose="020B0304030504040204" pitchFamily="34" charset="-120"/>
-              </a:rPr>
-              <a:t> файл, анимация работать не будет.</a:t>
-            </a:r>
-            <a:endParaRPr lang="en-US" dirty="0">
-              <a:solidFill>
-                <a:schemeClr val="bg1">
-                  <a:lumMod val="65000"/>
-                </a:schemeClr>
-              </a:solidFill>
+              <a:t>Если</a:t>
+            </a:r>
+            <a:r>
+              <a:rPr lang="en-US" sz="1600" dirty="0">
+                <a:latin typeface="Microsoft JhengHei UI Light" panose="020B0304030504040204" pitchFamily="34" charset="-120"/>
+                <a:ea typeface="Microsoft JhengHei UI Light" panose="020B0304030504040204" pitchFamily="34" charset="-120"/>
+              </a:rPr>
+              <a:t> a1 &lt; 0</a:t>
+            </a:r>
+            <a:r>
+              <a:rPr lang="ru-RU" sz="1600" dirty="0">
+                <a:latin typeface="Microsoft JhengHei UI Light" panose="020B0304030504040204" pitchFamily="34" charset="-120"/>
+                <a:ea typeface="Microsoft JhengHei UI Light" panose="020B0304030504040204" pitchFamily="34" charset="-120"/>
+              </a:rPr>
+              <a:t>, то возвращается </a:t>
+            </a:r>
+            <a:r>
+              <a:rPr lang="en-US" sz="1600" dirty="0">
+                <a:latin typeface="Microsoft JhengHei UI Light" panose="020B0304030504040204" pitchFamily="34" charset="-120"/>
+                <a:ea typeface="Microsoft JhengHei UI Light" panose="020B0304030504040204" pitchFamily="34" charset="-120"/>
+              </a:rPr>
+              <a:t>–(a1+a2)</a:t>
+            </a:r>
+            <a:endParaRPr lang="ru-RU" sz="1600" dirty="0">
               <a:latin typeface="Microsoft JhengHei UI Light" panose="020B0304030504040204" pitchFamily="34" charset="-120"/>
               <a:ea typeface="Microsoft JhengHei UI Light" panose="020B0304030504040204" pitchFamily="34" charset="-120"/>
             </a:endParaRPr>
@@ -5279,7 +5484,7 @@
     </p:spTree>
     <p:extLst>
       <p:ext uri="{BB962C8B-B14F-4D97-AF65-F5344CB8AC3E}">
-        <p14:creationId xmlns:p14="http://schemas.microsoft.com/office/powerpoint/2010/main" val="3458631157"/>
+        <p14:creationId xmlns:p14="http://schemas.microsoft.com/office/powerpoint/2010/main" val="1208795273"/>
       </p:ext>
     </p:extLst>
   </p:cSld>
@@ -5377,7 +5582,7 @@
         <p:spPr>
           <a:xfrm>
             <a:off x="905934" y="129801"/>
-            <a:ext cx="2667718" cy="646331"/>
+            <a:ext cx="2712602" cy="646331"/>
           </a:xfrm>
           <a:prstGeom prst="rect">
             <a:avLst/>
@@ -5395,28 +5600,17 @@
                 <a:latin typeface="Microsoft JhengHei UI Light" panose="020B0304030504040204" pitchFamily="34" charset="-120"/>
                 <a:ea typeface="Microsoft JhengHei UI Light" panose="020B0304030504040204" pitchFamily="34" charset="-120"/>
               </a:rPr>
-              <a:t>Вычитание</a:t>
-            </a:r>
-            <a:r>
-              <a:rPr lang="en-US" sz="3600" b="1" dirty="0">
-                <a:latin typeface="Microsoft JhengHei UI Light" panose="020B0304030504040204" pitchFamily="34" charset="-120"/>
-                <a:ea typeface="Microsoft JhengHei UI Light" panose="020B0304030504040204" pitchFamily="34" charset="-120"/>
-              </a:rPr>
-              <a:t>.</a:t>
-            </a:r>
-            <a:endParaRPr lang="ru-RU" sz="3600" b="1" dirty="0">
-              <a:latin typeface="Microsoft JhengHei UI Light" panose="020B0304030504040204" pitchFamily="34" charset="-120"/>
-              <a:ea typeface="Microsoft JhengHei UI Light" panose="020B0304030504040204" pitchFamily="34" charset="-120"/>
-            </a:endParaRPr>
+              <a:t>Умножение</a:t>
+            </a:r>
           </a:p>
         </p:txBody>
       </p:sp>
       <p:sp>
         <p:nvSpPr>
-          <p:cNvPr id="4" name="TextBox 3">
-            <a:extLst>
-              <a:ext uri="{FF2B5EF4-FFF2-40B4-BE49-F238E27FC236}">
-                <a16:creationId xmlns:a16="http://schemas.microsoft.com/office/drawing/2014/main" id="{4DEE94F7-4B84-C55B-B9E0-31F68D5E64D4}"/>
+          <p:cNvPr id="7" name="TextBox 6">
+            <a:extLst>
+              <a:ext uri="{FF2B5EF4-FFF2-40B4-BE49-F238E27FC236}">
+                <a16:creationId xmlns:a16="http://schemas.microsoft.com/office/drawing/2014/main" id="{21DECAAA-0FB1-1A21-A93A-139D9442D6C7}"/>
               </a:ext>
             </a:extLst>
           </p:cNvPr>
@@ -5425,8 +5619,415 @@
         </p:nvSpPr>
         <p:spPr>
           <a:xfrm>
-            <a:off x="905934" y="776132"/>
-            <a:ext cx="5845575" cy="338554"/>
+            <a:off x="7364649" y="4423183"/>
+            <a:ext cx="4647142" cy="1569660"/>
+          </a:xfrm>
+          <a:prstGeom prst="rect">
+            <a:avLst/>
+          </a:prstGeom>
+          <a:noFill/>
+        </p:spPr>
+        <p:txBody>
+          <a:bodyPr wrap="square" rtlCol="0">
+            <a:spAutoFit/>
+          </a:bodyPr>
+          <a:lstStyle/>
+          <a:p>
+            <a:r>
+              <a:rPr lang="ru-RU" sz="1600" dirty="0">
+                <a:latin typeface="Microsoft JhengHei UI Light" panose="020B0304030504040204" pitchFamily="34" charset="-120"/>
+                <a:ea typeface="Microsoft JhengHei UI Light" panose="020B0304030504040204" pitchFamily="34" charset="-120"/>
+              </a:rPr>
+              <a:t>Умножаемое – </a:t>
+            </a:r>
+            <a:r>
+              <a:rPr lang="en-US" sz="1600" dirty="0">
+                <a:latin typeface="Microsoft JhengHei UI Light" panose="020B0304030504040204" pitchFamily="34" charset="-120"/>
+                <a:ea typeface="Microsoft JhengHei UI Light" panose="020B0304030504040204" pitchFamily="34" charset="-120"/>
+              </a:rPr>
+              <a:t>a1, </a:t>
+            </a:r>
+            <a:r>
+              <a:rPr lang="ru-RU" sz="1600" dirty="0">
+                <a:latin typeface="Microsoft JhengHei UI Light" panose="020B0304030504040204" pitchFamily="34" charset="-120"/>
+                <a:ea typeface="Microsoft JhengHei UI Light" panose="020B0304030504040204" pitchFamily="34" charset="-120"/>
+              </a:rPr>
+              <a:t>множитель – </a:t>
+            </a:r>
+            <a:r>
+              <a:rPr lang="en-US" sz="1600" dirty="0">
+                <a:latin typeface="Microsoft JhengHei UI Light" panose="020B0304030504040204" pitchFamily="34" charset="-120"/>
+                <a:ea typeface="Microsoft JhengHei UI Light" panose="020B0304030504040204" pitchFamily="34" charset="-120"/>
+              </a:rPr>
+              <a:t>a2</a:t>
+            </a:r>
+            <a:endParaRPr lang="ru-RU" sz="1600" dirty="0">
+              <a:latin typeface="Microsoft JhengHei UI Light" panose="020B0304030504040204" pitchFamily="34" charset="-120"/>
+              <a:ea typeface="Microsoft JhengHei UI Light" panose="020B0304030504040204" pitchFamily="34" charset="-120"/>
+            </a:endParaRPr>
+          </a:p>
+          <a:p>
+            <a:endParaRPr lang="ru-RU" sz="1600" dirty="0">
+              <a:latin typeface="Microsoft JhengHei UI Light" panose="020B0304030504040204" pitchFamily="34" charset="-120"/>
+              <a:ea typeface="Microsoft JhengHei UI Light" panose="020B0304030504040204" pitchFamily="34" charset="-120"/>
+            </a:endParaRPr>
+          </a:p>
+          <a:p>
+            <a:r>
+              <a:rPr lang="ru-RU" sz="1600" dirty="0">
+                <a:latin typeface="Microsoft JhengHei UI Light" panose="020B0304030504040204" pitchFamily="34" charset="-120"/>
+                <a:ea typeface="Microsoft JhengHei UI Light" panose="020B0304030504040204" pitchFamily="34" charset="-120"/>
+              </a:rPr>
+              <a:t>Так же существуют условия:</a:t>
+            </a:r>
+          </a:p>
+          <a:p>
+            <a:pPr marL="342900" indent="-342900">
+              <a:buFont typeface="+mj-lt"/>
+              <a:buAutoNum type="arabicPeriod"/>
+            </a:pPr>
+            <a:r>
+              <a:rPr lang="ru-RU" sz="1600" dirty="0">
+                <a:latin typeface="Microsoft JhengHei UI Light" panose="020B0304030504040204" pitchFamily="34" charset="-120"/>
+                <a:ea typeface="Microsoft JhengHei UI Light" panose="020B0304030504040204" pitchFamily="34" charset="-120"/>
+              </a:rPr>
+              <a:t>Если </a:t>
+            </a:r>
+            <a:r>
+              <a:rPr lang="en-US" sz="1600" dirty="0">
+                <a:latin typeface="Microsoft JhengHei UI Light" panose="020B0304030504040204" pitchFamily="34" charset="-120"/>
+                <a:ea typeface="Microsoft JhengHei UI Light" panose="020B0304030504040204" pitchFamily="34" charset="-120"/>
+              </a:rPr>
+              <a:t>a1 </a:t>
+            </a:r>
+            <a:r>
+              <a:rPr lang="ru-RU" sz="1600" dirty="0">
+                <a:latin typeface="Microsoft JhengHei UI Light" panose="020B0304030504040204" pitchFamily="34" charset="-120"/>
+                <a:ea typeface="Microsoft JhengHei UI Light" panose="020B0304030504040204" pitchFamily="34" charset="-120"/>
+              </a:rPr>
+              <a:t>или </a:t>
+            </a:r>
+            <a:r>
+              <a:rPr lang="en-US" sz="1600" dirty="0">
+                <a:latin typeface="Microsoft JhengHei UI Light" panose="020B0304030504040204" pitchFamily="34" charset="-120"/>
+                <a:ea typeface="Microsoft JhengHei UI Light" panose="020B0304030504040204" pitchFamily="34" charset="-120"/>
+              </a:rPr>
+              <a:t>a2 = 0</a:t>
+            </a:r>
+            <a:r>
+              <a:rPr lang="ru-RU" sz="1600" dirty="0">
+                <a:latin typeface="Microsoft JhengHei UI Light" panose="020B0304030504040204" pitchFamily="34" charset="-120"/>
+                <a:ea typeface="Microsoft JhengHei UI Light" panose="020B0304030504040204" pitchFamily="34" charset="-120"/>
+              </a:rPr>
+              <a:t>, то возвращается 0</a:t>
+            </a:r>
+          </a:p>
+          <a:p>
+            <a:pPr marL="342900" indent="-342900">
+              <a:buFont typeface="+mj-lt"/>
+              <a:buAutoNum type="arabicPeriod"/>
+            </a:pPr>
+            <a:r>
+              <a:rPr lang="ru-RU" sz="1600" dirty="0">
+                <a:latin typeface="Microsoft JhengHei UI Light" panose="020B0304030504040204" pitchFamily="34" charset="-120"/>
+                <a:ea typeface="Microsoft JhengHei UI Light" panose="020B0304030504040204" pitchFamily="34" charset="-120"/>
+              </a:rPr>
+              <a:t>Если </a:t>
+            </a:r>
+            <a:r>
+              <a:rPr lang="en-US" sz="1600" dirty="0">
+                <a:latin typeface="Microsoft JhengHei UI Light" panose="020B0304030504040204" pitchFamily="34" charset="-120"/>
+                <a:ea typeface="Microsoft JhengHei UI Light" panose="020B0304030504040204" pitchFamily="34" charset="-120"/>
+              </a:rPr>
+              <a:t>a1 </a:t>
+            </a:r>
+            <a:r>
+              <a:rPr lang="ru-RU" sz="1600" dirty="0">
+                <a:latin typeface="Microsoft JhengHei UI Light" panose="020B0304030504040204" pitchFamily="34" charset="-120"/>
+                <a:ea typeface="Microsoft JhengHei UI Light" panose="020B0304030504040204" pitchFamily="34" charset="-120"/>
+              </a:rPr>
+              <a:t>или </a:t>
+            </a:r>
+            <a:r>
+              <a:rPr lang="en-US" sz="1600" dirty="0">
+                <a:latin typeface="Microsoft JhengHei UI Light" panose="020B0304030504040204" pitchFamily="34" charset="-120"/>
+                <a:ea typeface="Microsoft JhengHei UI Light" panose="020B0304030504040204" pitchFamily="34" charset="-120"/>
+              </a:rPr>
+              <a:t>a2 = 1</a:t>
+            </a:r>
+            <a:r>
+              <a:rPr lang="ru-RU" sz="1600" dirty="0">
+                <a:latin typeface="Microsoft JhengHei UI Light" panose="020B0304030504040204" pitchFamily="34" charset="-120"/>
+                <a:ea typeface="Microsoft JhengHei UI Light" panose="020B0304030504040204" pitchFamily="34" charset="-120"/>
+              </a:rPr>
+              <a:t>, то возвращается</a:t>
+            </a:r>
+            <a:br>
+              <a:rPr lang="en-US" sz="1600" dirty="0">
+                <a:latin typeface="Microsoft JhengHei UI Light" panose="020B0304030504040204" pitchFamily="34" charset="-120"/>
+                <a:ea typeface="Microsoft JhengHei UI Light" panose="020B0304030504040204" pitchFamily="34" charset="-120"/>
+              </a:rPr>
+            </a:br>
+            <a:r>
+              <a:rPr lang="en-US" sz="1600" dirty="0">
+                <a:latin typeface="Microsoft JhengHei UI Light" panose="020B0304030504040204" pitchFamily="34" charset="-120"/>
+                <a:ea typeface="Microsoft JhengHei UI Light" panose="020B0304030504040204" pitchFamily="34" charset="-120"/>
+              </a:rPr>
+              <a:t>a1 </a:t>
+            </a:r>
+            <a:r>
+              <a:rPr lang="ru-RU" sz="1600" dirty="0">
+                <a:latin typeface="Microsoft JhengHei UI Light" panose="020B0304030504040204" pitchFamily="34" charset="-120"/>
+                <a:ea typeface="Microsoft JhengHei UI Light" panose="020B0304030504040204" pitchFamily="34" charset="-120"/>
+              </a:rPr>
+              <a:t>или </a:t>
+            </a:r>
+            <a:r>
+              <a:rPr lang="en-US" sz="1600" dirty="0">
+                <a:latin typeface="Microsoft JhengHei UI Light" panose="020B0304030504040204" pitchFamily="34" charset="-120"/>
+                <a:ea typeface="Microsoft JhengHei UI Light" panose="020B0304030504040204" pitchFamily="34" charset="-120"/>
+              </a:rPr>
+              <a:t>a2 != 1</a:t>
+            </a:r>
+            <a:endParaRPr lang="ru-RU" sz="1600" dirty="0">
+              <a:latin typeface="Microsoft JhengHei UI Light" panose="020B0304030504040204" pitchFamily="34" charset="-120"/>
+              <a:ea typeface="Microsoft JhengHei UI Light" panose="020B0304030504040204" pitchFamily="34" charset="-120"/>
+            </a:endParaRPr>
+          </a:p>
+        </p:txBody>
+      </p:sp>
+      <p:sp>
+        <p:nvSpPr>
+          <p:cNvPr id="8" name="TextBox 7">
+            <a:extLst>
+              <a:ext uri="{FF2B5EF4-FFF2-40B4-BE49-F238E27FC236}">
+                <a16:creationId xmlns:a16="http://schemas.microsoft.com/office/drawing/2014/main" id="{9DC4459B-C4F2-9183-475B-EC998764C29B}"/>
+              </a:ext>
+            </a:extLst>
+          </p:cNvPr>
+          <p:cNvSpPr txBox="1"/>
+          <p:nvPr/>
+        </p:nvSpPr>
+        <p:spPr>
+          <a:xfrm>
+            <a:off x="7763932" y="1411871"/>
+            <a:ext cx="2712602" cy="830997"/>
+          </a:xfrm>
+          <a:prstGeom prst="rect">
+            <a:avLst/>
+          </a:prstGeom>
+          <a:noFill/>
+        </p:spPr>
+        <p:txBody>
+          <a:bodyPr wrap="square" rtlCol="0">
+            <a:spAutoFit/>
+          </a:bodyPr>
+          <a:lstStyle/>
+          <a:p>
+            <a:r>
+              <a:rPr lang="ru-RU" sz="1600" dirty="0">
+                <a:latin typeface="Microsoft JhengHei UI Light" panose="020B0304030504040204" pitchFamily="34" charset="-120"/>
+                <a:ea typeface="Microsoft JhengHei UI Light" panose="020B0304030504040204" pitchFamily="34" charset="-120"/>
+              </a:rPr>
+              <a:t>                12 614</a:t>
+            </a:r>
+            <a:r>
+              <a:rPr lang="en-US" sz="1600" dirty="0">
+                <a:latin typeface="Microsoft JhengHei UI Light" panose="020B0304030504040204" pitchFamily="34" charset="-120"/>
+                <a:ea typeface="Microsoft JhengHei UI Light" panose="020B0304030504040204" pitchFamily="34" charset="-120"/>
+              </a:rPr>
+              <a:t> </a:t>
+            </a:r>
+            <a:r>
+              <a:rPr lang="ru-RU" sz="1600" dirty="0">
+                <a:latin typeface="Microsoft JhengHei UI Light" panose="020B0304030504040204" pitchFamily="34" charset="-120"/>
+                <a:ea typeface="Microsoft JhengHei UI Light" panose="020B0304030504040204" pitchFamily="34" charset="-120"/>
+              </a:rPr>
+              <a:t>4</a:t>
+            </a:r>
+            <a:r>
+              <a:rPr lang="en-US" sz="1600" dirty="0">
+                <a:latin typeface="Microsoft JhengHei UI Light" panose="020B0304030504040204" pitchFamily="34" charset="-120"/>
+                <a:ea typeface="Microsoft JhengHei UI Light" panose="020B0304030504040204" pitchFamily="34" charset="-120"/>
+              </a:rPr>
+              <a:t>29 4</a:t>
+            </a:r>
+            <a:r>
+              <a:rPr lang="ru-RU" sz="1600" dirty="0">
+                <a:latin typeface="Microsoft JhengHei UI Light" panose="020B0304030504040204" pitchFamily="34" charset="-120"/>
+                <a:ea typeface="Microsoft JhengHei UI Light" panose="020B0304030504040204" pitchFamily="34" charset="-120"/>
+              </a:rPr>
+              <a:t>9</a:t>
+            </a:r>
+            <a:r>
+              <a:rPr lang="en-US" sz="1600" dirty="0">
+                <a:latin typeface="Microsoft JhengHei UI Light" panose="020B0304030504040204" pitchFamily="34" charset="-120"/>
+                <a:ea typeface="Microsoft JhengHei UI Light" panose="020B0304030504040204" pitchFamily="34" charset="-120"/>
+              </a:rPr>
+              <a:t>1</a:t>
+            </a:r>
+            <a:endParaRPr lang="ru-RU" sz="1600" dirty="0">
+              <a:latin typeface="Microsoft JhengHei UI Light" panose="020B0304030504040204" pitchFamily="34" charset="-120"/>
+              <a:ea typeface="Microsoft JhengHei UI Light" panose="020B0304030504040204" pitchFamily="34" charset="-120"/>
+            </a:endParaRPr>
+          </a:p>
+          <a:p>
+            <a:r>
+              <a:rPr lang="ru-RU" sz="1600" dirty="0">
+                <a:latin typeface="Microsoft JhengHei UI Light" panose="020B0304030504040204" pitchFamily="34" charset="-120"/>
+                <a:ea typeface="Microsoft JhengHei UI Light" panose="020B0304030504040204" pitchFamily="34" charset="-120"/>
+              </a:rPr>
+              <a:t>                     49 750 489</a:t>
+            </a:r>
+            <a:endParaRPr lang="en-US" sz="1600" dirty="0">
+              <a:latin typeface="Microsoft JhengHei UI Light" panose="020B0304030504040204" pitchFamily="34" charset="-120"/>
+              <a:ea typeface="Microsoft JhengHei UI Light" panose="020B0304030504040204" pitchFamily="34" charset="-120"/>
+            </a:endParaRPr>
+          </a:p>
+          <a:p>
+            <a:r>
+              <a:rPr lang="en-US" sz="1600" dirty="0">
+                <a:latin typeface="Microsoft JhengHei UI Light" panose="020B0304030504040204" pitchFamily="34" charset="-120"/>
+                <a:ea typeface="Microsoft JhengHei UI Light" panose="020B0304030504040204" pitchFamily="34" charset="-120"/>
+              </a:rPr>
+              <a:t>627</a:t>
+            </a:r>
+            <a:r>
+              <a:rPr lang="ru-RU" sz="1600" dirty="0">
+                <a:latin typeface="Microsoft JhengHei UI Light" panose="020B0304030504040204" pitchFamily="34" charset="-120"/>
+                <a:ea typeface="Microsoft JhengHei UI Light" panose="020B0304030504040204" pitchFamily="34" charset="-120"/>
+              </a:rPr>
+              <a:t> </a:t>
+            </a:r>
+            <a:r>
+              <a:rPr lang="en-US" sz="1600" dirty="0">
+                <a:latin typeface="Microsoft JhengHei UI Light" panose="020B0304030504040204" pitchFamily="34" charset="-120"/>
+                <a:ea typeface="Microsoft JhengHei UI Light" panose="020B0304030504040204" pitchFamily="34" charset="-120"/>
+              </a:rPr>
+              <a:t>574</a:t>
+            </a:r>
+            <a:r>
+              <a:rPr lang="ru-RU" sz="1600" dirty="0">
+                <a:latin typeface="Microsoft JhengHei UI Light" panose="020B0304030504040204" pitchFamily="34" charset="-120"/>
+                <a:ea typeface="Microsoft JhengHei UI Light" panose="020B0304030504040204" pitchFamily="34" charset="-120"/>
+              </a:rPr>
+              <a:t> </a:t>
+            </a:r>
+            <a:r>
+              <a:rPr lang="en-US" sz="1600" dirty="0">
+                <a:latin typeface="Microsoft JhengHei UI Light" panose="020B0304030504040204" pitchFamily="34" charset="-120"/>
+                <a:ea typeface="Microsoft JhengHei UI Light" panose="020B0304030504040204" pitchFamily="34" charset="-120"/>
+              </a:rPr>
+              <a:t>035</a:t>
+            </a:r>
+            <a:r>
+              <a:rPr lang="ru-RU" sz="1600" dirty="0">
+                <a:latin typeface="Microsoft JhengHei UI Light" panose="020B0304030504040204" pitchFamily="34" charset="-120"/>
+                <a:ea typeface="Microsoft JhengHei UI Light" panose="020B0304030504040204" pitchFamily="34" charset="-120"/>
+              </a:rPr>
+              <a:t> </a:t>
+            </a:r>
+            <a:r>
+              <a:rPr lang="en-US" sz="1600" dirty="0">
+                <a:latin typeface="Microsoft JhengHei UI Light" panose="020B0304030504040204" pitchFamily="34" charset="-120"/>
+                <a:ea typeface="Microsoft JhengHei UI Light" panose="020B0304030504040204" pitchFamily="34" charset="-120"/>
+              </a:rPr>
+              <a:t>633</a:t>
+            </a:r>
+            <a:r>
+              <a:rPr lang="ru-RU" sz="1600" dirty="0">
+                <a:latin typeface="Microsoft JhengHei UI Light" panose="020B0304030504040204" pitchFamily="34" charset="-120"/>
+                <a:ea typeface="Microsoft JhengHei UI Light" panose="020B0304030504040204" pitchFamily="34" charset="-120"/>
+              </a:rPr>
+              <a:t> </a:t>
+            </a:r>
+            <a:r>
+              <a:rPr lang="en-US" sz="1600" dirty="0">
+                <a:latin typeface="Microsoft JhengHei UI Light" panose="020B0304030504040204" pitchFamily="34" charset="-120"/>
+                <a:ea typeface="Microsoft JhengHei UI Light" panose="020B0304030504040204" pitchFamily="34" charset="-120"/>
+              </a:rPr>
+              <a:t>271</a:t>
+            </a:r>
+            <a:r>
+              <a:rPr lang="ru-RU" sz="1600" dirty="0">
+                <a:latin typeface="Microsoft JhengHei UI Light" panose="020B0304030504040204" pitchFamily="34" charset="-120"/>
+                <a:ea typeface="Microsoft JhengHei UI Light" panose="020B0304030504040204" pitchFamily="34" charset="-120"/>
+              </a:rPr>
+              <a:t> </a:t>
+            </a:r>
+            <a:r>
+              <a:rPr lang="en-US" sz="1600" dirty="0">
+                <a:latin typeface="Microsoft JhengHei UI Light" panose="020B0304030504040204" pitchFamily="34" charset="-120"/>
+                <a:ea typeface="Microsoft JhengHei UI Light" panose="020B0304030504040204" pitchFamily="34" charset="-120"/>
+              </a:rPr>
+              <a:t>099</a:t>
+            </a:r>
+            <a:endParaRPr lang="ru-RU" sz="1600" dirty="0">
+              <a:latin typeface="Consolas" panose="020B0609020204030204" pitchFamily="49" charset="0"/>
+              <a:ea typeface="Microsoft JhengHei UI Light" panose="020B0304030504040204" pitchFamily="34" charset="-120"/>
+            </a:endParaRPr>
+          </a:p>
+        </p:txBody>
+      </p:sp>
+      <p:cxnSp>
+        <p:nvCxnSpPr>
+          <p:cNvPr id="12" name="Прямая соединительная линия 11">
+            <a:extLst>
+              <a:ext uri="{FF2B5EF4-FFF2-40B4-BE49-F238E27FC236}">
+                <a16:creationId xmlns:a16="http://schemas.microsoft.com/office/drawing/2014/main" id="{CE52031A-E5E4-0C25-B2F7-8A8A029E0CA6}"/>
+              </a:ext>
+            </a:extLst>
+          </p:cNvPr>
+          <p:cNvCxnSpPr>
+            <a:cxnSpLocks/>
+          </p:cNvCxnSpPr>
+          <p:nvPr/>
+        </p:nvCxnSpPr>
+        <p:spPr>
+          <a:xfrm>
+            <a:off x="7763932" y="1932317"/>
+            <a:ext cx="2501502" cy="0"/>
+          </a:xfrm>
+          <a:prstGeom prst="line">
+            <a:avLst/>
+          </a:prstGeom>
+          <a:ln>
+            <a:solidFill>
+              <a:schemeClr val="tx1"/>
+            </a:solidFill>
+          </a:ln>
+        </p:spPr>
+        <p:style>
+          <a:lnRef idx="1">
+            <a:schemeClr val="accent1"/>
+          </a:lnRef>
+          <a:fillRef idx="0">
+            <a:schemeClr val="accent1"/>
+          </a:fillRef>
+          <a:effectRef idx="0">
+            <a:schemeClr val="accent1"/>
+          </a:effectRef>
+          <a:fontRef idx="minor">
+            <a:schemeClr val="tx1"/>
+          </a:fontRef>
+        </p:style>
+      </p:cxnSp>
+      <p:sp>
+        <p:nvSpPr>
+          <p:cNvPr id="14" name="TextBox 13">
+            <a:extLst>
+              <a:ext uri="{FF2B5EF4-FFF2-40B4-BE49-F238E27FC236}">
+                <a16:creationId xmlns:a16="http://schemas.microsoft.com/office/drawing/2014/main" id="{BA8D2C69-529F-9F14-1682-2FEABCBF00B7}"/>
+              </a:ext>
+            </a:extLst>
+          </p:cNvPr>
+          <p:cNvSpPr txBox="1"/>
+          <p:nvPr/>
+        </p:nvSpPr>
+        <p:spPr>
+          <a:xfrm>
+            <a:off x="8609162" y="1526876"/>
+            <a:ext cx="300082" cy="369332"/>
           </a:xfrm>
           <a:prstGeom prst="rect">
             <a:avLst/>
@@ -5440,288 +6041,20 @@
           <a:lstStyle/>
           <a:p>
             <a:r>
-              <a:rPr lang="ru-RU" sz="1600" i="1" dirty="0">
-                <a:latin typeface="Microsoft JhengHei UI Light" panose="020B0304030504040204" pitchFamily="34" charset="-120"/>
-                <a:ea typeface="Microsoft JhengHei UI Light" panose="020B0304030504040204" pitchFamily="34" charset="-120"/>
-              </a:rPr>
-              <a:t>Как происходит вычитание двух чисел типа данных </a:t>
-            </a:r>
-            <a:r>
-              <a:rPr lang="en-US" sz="1600" i="1" dirty="0" err="1">
-                <a:latin typeface="Microsoft JhengHei UI Light" panose="020B0304030504040204" pitchFamily="34" charset="-120"/>
-                <a:ea typeface="Microsoft JhengHei UI Light" panose="020B0304030504040204" pitchFamily="34" charset="-120"/>
-              </a:rPr>
-              <a:t>BigInt</a:t>
-            </a:r>
-            <a:r>
-              <a:rPr lang="ru-RU" sz="1600" i="1" dirty="0">
-                <a:latin typeface="Microsoft JhengHei UI Light" panose="020B0304030504040204" pitchFamily="34" charset="-120"/>
-                <a:ea typeface="Microsoft JhengHei UI Light" panose="020B0304030504040204" pitchFamily="34" charset="-120"/>
-              </a:rPr>
-              <a:t>?</a:t>
-            </a:r>
-          </a:p>
-        </p:txBody>
-      </p:sp>
-      <p:sp>
-        <p:nvSpPr>
-          <p:cNvPr id="6" name="TextBox 5">
-            <a:extLst>
-              <a:ext uri="{FF2B5EF4-FFF2-40B4-BE49-F238E27FC236}">
-                <a16:creationId xmlns:a16="http://schemas.microsoft.com/office/drawing/2014/main" id="{0E324F83-AA98-8947-30B5-60A38EC54728}"/>
-              </a:ext>
-            </a:extLst>
-          </p:cNvPr>
-          <p:cNvSpPr txBox="1"/>
-          <p:nvPr/>
-        </p:nvSpPr>
-        <p:spPr>
-          <a:xfrm>
-            <a:off x="6778054" y="2385756"/>
-            <a:ext cx="4647142" cy="584775"/>
-          </a:xfrm>
-          <a:prstGeom prst="rect">
-            <a:avLst/>
-          </a:prstGeom>
-          <a:noFill/>
-        </p:spPr>
-        <p:txBody>
-          <a:bodyPr wrap="square" rtlCol="0">
-            <a:spAutoFit/>
-          </a:bodyPr>
-          <a:lstStyle/>
-          <a:p>
-            <a:r>
-              <a:rPr lang="ru-RU" sz="1600" dirty="0">
-                <a:latin typeface="Microsoft JhengHei UI Light" panose="020B0304030504040204" pitchFamily="34" charset="-120"/>
-                <a:ea typeface="Microsoft JhengHei UI Light" panose="020B0304030504040204" pitchFamily="34" charset="-120"/>
-              </a:rPr>
-              <a:t>Так же существуют условия аналогичные условиям сложения.</a:t>
-            </a:r>
-          </a:p>
-        </p:txBody>
-      </p:sp>
-      <p:sp>
-        <p:nvSpPr>
-          <p:cNvPr id="7" name="TextBox 6">
-            <a:extLst>
-              <a:ext uri="{FF2B5EF4-FFF2-40B4-BE49-F238E27FC236}">
-                <a16:creationId xmlns:a16="http://schemas.microsoft.com/office/drawing/2014/main" id="{C6169F80-CD55-1872-FAD1-B0B81BBF0491}"/>
-              </a:ext>
-            </a:extLst>
-          </p:cNvPr>
-          <p:cNvSpPr txBox="1"/>
-          <p:nvPr/>
-        </p:nvSpPr>
-        <p:spPr>
-          <a:xfrm>
-            <a:off x="6778054" y="5952810"/>
-            <a:ext cx="5188070" cy="646331"/>
-          </a:xfrm>
-          <a:prstGeom prst="rect">
-            <a:avLst/>
-          </a:prstGeom>
-          <a:noFill/>
-        </p:spPr>
-        <p:txBody>
-          <a:bodyPr wrap="square" rtlCol="0">
-            <a:spAutoFit/>
-          </a:bodyPr>
-          <a:lstStyle/>
-          <a:p>
-            <a:r>
               <a:rPr lang="ru-RU" dirty="0">
-                <a:solidFill>
-                  <a:schemeClr val="bg1">
-                    <a:lumMod val="65000"/>
-                  </a:schemeClr>
-                </a:solidFill>
-                <a:latin typeface="Microsoft JhengHei UI Light" panose="020B0304030504040204" pitchFamily="34" charset="-120"/>
-                <a:ea typeface="Microsoft JhengHei UI Light" panose="020B0304030504040204" pitchFamily="34" charset="-120"/>
-              </a:rPr>
-              <a:t>В случае, если просмотр производится через </a:t>
-            </a:r>
-            <a:r>
-              <a:rPr lang="en-US" dirty="0">
-                <a:solidFill>
-                  <a:schemeClr val="bg1">
-                    <a:lumMod val="65000"/>
-                  </a:schemeClr>
-                </a:solidFill>
-                <a:latin typeface="Microsoft JhengHei UI Light" panose="020B0304030504040204" pitchFamily="34" charset="-120"/>
-                <a:ea typeface="Microsoft JhengHei UI Light" panose="020B0304030504040204" pitchFamily="34" charset="-120"/>
-              </a:rPr>
-              <a:t>PDF</a:t>
-            </a:r>
-            <a:r>
-              <a:rPr lang="ru-RU" dirty="0">
-                <a:solidFill>
-                  <a:schemeClr val="bg1">
-                    <a:lumMod val="65000"/>
-                  </a:schemeClr>
-                </a:solidFill>
-                <a:latin typeface="Microsoft JhengHei UI Light" panose="020B0304030504040204" pitchFamily="34" charset="-120"/>
-                <a:ea typeface="Microsoft JhengHei UI Light" panose="020B0304030504040204" pitchFamily="34" charset="-120"/>
-              </a:rPr>
-              <a:t> файл, анимация работать не будет.</a:t>
-            </a:r>
-            <a:endParaRPr lang="en-US" dirty="0">
-              <a:solidFill>
-                <a:schemeClr val="bg1">
-                  <a:lumMod val="65000"/>
-                </a:schemeClr>
-              </a:solidFill>
-              <a:latin typeface="Microsoft JhengHei UI Light" panose="020B0304030504040204" pitchFamily="34" charset="-120"/>
-              <a:ea typeface="Microsoft JhengHei UI Light" panose="020B0304030504040204" pitchFamily="34" charset="-120"/>
-            </a:endParaRPr>
-          </a:p>
-        </p:txBody>
-      </p:sp>
-      <p:sp>
-        <p:nvSpPr>
-          <p:cNvPr id="8" name="TextBox 7">
-            <a:extLst>
-              <a:ext uri="{FF2B5EF4-FFF2-40B4-BE49-F238E27FC236}">
-                <a16:creationId xmlns:a16="http://schemas.microsoft.com/office/drawing/2014/main" id="{63E5FF3E-FCF4-297C-7A62-2DF960EE585E}"/>
-              </a:ext>
-            </a:extLst>
-          </p:cNvPr>
-          <p:cNvSpPr txBox="1"/>
-          <p:nvPr/>
-        </p:nvSpPr>
-        <p:spPr>
-          <a:xfrm>
-            <a:off x="905933" y="5789480"/>
-            <a:ext cx="7398178" cy="338554"/>
-          </a:xfrm>
-          <a:prstGeom prst="rect">
-            <a:avLst/>
-          </a:prstGeom>
-          <a:noFill/>
-        </p:spPr>
-        <p:txBody>
-          <a:bodyPr wrap="square" rtlCol="0">
-            <a:spAutoFit/>
-          </a:bodyPr>
-          <a:lstStyle/>
-          <a:p>
-            <a:r>
-              <a:rPr lang="ru-RU" sz="1600" dirty="0">
-                <a:latin typeface="Microsoft JhengHei UI Light" panose="020B0304030504040204" pitchFamily="34" charset="-120"/>
-                <a:ea typeface="Microsoft JhengHei UI Light" panose="020B0304030504040204" pitchFamily="34" charset="-120"/>
-              </a:rPr>
-              <a:t>Можем заметить, что реализовано вычитание в столбик.</a:t>
-            </a:r>
-            <a:endParaRPr lang="ru-RU" sz="1600" dirty="0">
-              <a:latin typeface="Consolas" panose="020B0609020204030204" pitchFamily="49" charset="0"/>
-              <a:ea typeface="Microsoft JhengHei UI Light" panose="020B0304030504040204" pitchFamily="34" charset="-120"/>
-            </a:endParaRPr>
-          </a:p>
-        </p:txBody>
-      </p:sp>
-      <p:sp>
-        <p:nvSpPr>
-          <p:cNvPr id="9" name="TextBox 8">
-            <a:extLst>
-              <a:ext uri="{FF2B5EF4-FFF2-40B4-BE49-F238E27FC236}">
-                <a16:creationId xmlns:a16="http://schemas.microsoft.com/office/drawing/2014/main" id="{D2656C81-BD13-7A6C-7B0E-63FACB17F826}"/>
-              </a:ext>
-            </a:extLst>
-          </p:cNvPr>
-          <p:cNvSpPr txBox="1"/>
-          <p:nvPr/>
-        </p:nvSpPr>
-        <p:spPr>
-          <a:xfrm>
-            <a:off x="905933" y="1247239"/>
-            <a:ext cx="7398178" cy="584775"/>
-          </a:xfrm>
-          <a:prstGeom prst="rect">
-            <a:avLst/>
-          </a:prstGeom>
-          <a:noFill/>
-        </p:spPr>
-        <p:txBody>
-          <a:bodyPr wrap="square" rtlCol="0">
-            <a:spAutoFit/>
-          </a:bodyPr>
-          <a:lstStyle/>
-          <a:p>
-            <a:r>
-              <a:rPr lang="ru-RU" sz="1600" dirty="0">
-                <a:latin typeface="Microsoft JhengHei UI Light" panose="020B0304030504040204" pitchFamily="34" charset="-120"/>
-                <a:ea typeface="Microsoft JhengHei UI Light" panose="020B0304030504040204" pitchFamily="34" charset="-120"/>
-              </a:rPr>
-              <a:t>Как пример произведем вычитание из числа 14</a:t>
-            </a:r>
-            <a:r>
-              <a:rPr lang="en-US" sz="1600" dirty="0">
-                <a:latin typeface="Microsoft JhengHei UI Light" panose="020B0304030504040204" pitchFamily="34" charset="-120"/>
-                <a:ea typeface="Microsoft JhengHei UI Light" panose="020B0304030504040204" pitchFamily="34" charset="-120"/>
-              </a:rPr>
-              <a:t> </a:t>
-            </a:r>
-            <a:r>
-              <a:rPr lang="ru-RU" sz="1600" dirty="0">
-                <a:latin typeface="Microsoft JhengHei UI Light" panose="020B0304030504040204" pitchFamily="34" charset="-120"/>
-                <a:ea typeface="Microsoft JhengHei UI Light" panose="020B0304030504040204" pitchFamily="34" charset="-120"/>
-              </a:rPr>
-              <a:t>4</a:t>
-            </a:r>
-            <a:r>
-              <a:rPr lang="en-US" sz="1600" dirty="0">
-                <a:latin typeface="Microsoft JhengHei UI Light" panose="020B0304030504040204" pitchFamily="34" charset="-120"/>
-                <a:ea typeface="Microsoft JhengHei UI Light" panose="020B0304030504040204" pitchFamily="34" charset="-120"/>
-              </a:rPr>
-              <a:t>29 4</a:t>
-            </a:r>
-            <a:r>
-              <a:rPr lang="ru-RU" sz="1600" dirty="0">
-                <a:latin typeface="Microsoft JhengHei UI Light" panose="020B0304030504040204" pitchFamily="34" charset="-120"/>
-                <a:ea typeface="Microsoft JhengHei UI Light" panose="020B0304030504040204" pitchFamily="34" charset="-120"/>
-              </a:rPr>
-              <a:t>9</a:t>
-            </a:r>
-            <a:r>
-              <a:rPr lang="en-US" sz="1600" dirty="0">
-                <a:latin typeface="Microsoft JhengHei UI Light" panose="020B0304030504040204" pitchFamily="34" charset="-120"/>
-                <a:ea typeface="Microsoft JhengHei UI Light" panose="020B0304030504040204" pitchFamily="34" charset="-120"/>
-              </a:rPr>
-              <a:t>1 </a:t>
-            </a:r>
-            <a:r>
-              <a:rPr lang="ru-RU" sz="1600" dirty="0">
-                <a:latin typeface="Microsoft JhengHei UI Light" panose="020B0304030504040204" pitchFamily="34" charset="-120"/>
-                <a:ea typeface="Microsoft JhengHei UI Light" panose="020B0304030504040204" pitchFamily="34" charset="-120"/>
-              </a:rPr>
-              <a:t>число 9 750 489.</a:t>
-            </a:r>
-            <a:endParaRPr lang="en-US" sz="1600" dirty="0">
-              <a:latin typeface="Microsoft JhengHei UI Light" panose="020B0304030504040204" pitchFamily="34" charset="-120"/>
-              <a:ea typeface="Microsoft JhengHei UI Light" panose="020B0304030504040204" pitchFamily="34" charset="-120"/>
-            </a:endParaRPr>
-          </a:p>
-          <a:p>
-            <a:r>
-              <a:rPr lang="ru-RU" sz="1600" dirty="0">
-                <a:latin typeface="Microsoft JhengHei UI Light" panose="020B0304030504040204" pitchFamily="34" charset="-120"/>
-                <a:ea typeface="Microsoft JhengHei UI Light" panose="020B0304030504040204" pitchFamily="34" charset="-120"/>
-              </a:rPr>
-              <a:t>В результате чего мы получим 2009764, что есть 4 679 002.</a:t>
-            </a:r>
-            <a:endParaRPr lang="ru-RU" sz="1600" dirty="0">
-              <a:latin typeface="Consolas" panose="020B0609020204030204" pitchFamily="49" charset="0"/>
-              <a:ea typeface="Microsoft JhengHei UI Light" panose="020B0304030504040204" pitchFamily="34" charset="-120"/>
-            </a:endParaRPr>
+                <a:latin typeface="+mj-lt"/>
+              </a:rPr>
+              <a:t>*</a:t>
+            </a:r>
           </a:p>
         </p:txBody>
       </p:sp>
       <p:pic>
         <p:nvPicPr>
-          <p:cNvPr id="11" name="Рисунок 10" descr="Изображение выглядит как текст&#10;&#10;Автоматически созданное описание">
-            <a:extLst>
-              <a:ext uri="{FF2B5EF4-FFF2-40B4-BE49-F238E27FC236}">
-                <a16:creationId xmlns:a16="http://schemas.microsoft.com/office/drawing/2014/main" id="{D27B1BB7-B9E8-7ED7-312E-D2639CB33ECB}"/>
+          <p:cNvPr id="16" name="Рисунок 15">
+            <a:extLst>
+              <a:ext uri="{FF2B5EF4-FFF2-40B4-BE49-F238E27FC236}">
+                <a16:creationId xmlns:a16="http://schemas.microsoft.com/office/drawing/2014/main" id="{F69723E4-348C-13E6-CC62-194291ED0346}"/>
               </a:ext>
             </a:extLst>
           </p:cNvPr>
@@ -5744,7 +6077,7 @@
         </p:blipFill>
         <p:spPr>
           <a:xfrm>
-            <a:off x="905933" y="1964567"/>
+            <a:off x="694832" y="1035735"/>
             <a:ext cx="6858000" cy="6858000"/>
           </a:xfrm>
           <a:prstGeom prst="rect">
@@ -5755,7 +6088,7 @@
     </p:spTree>
     <p:extLst>
       <p:ext uri="{BB962C8B-B14F-4D97-AF65-F5344CB8AC3E}">
-        <p14:creationId xmlns:p14="http://schemas.microsoft.com/office/powerpoint/2010/main" val="1208795273"/>
+        <p14:creationId xmlns:p14="http://schemas.microsoft.com/office/powerpoint/2010/main" val="3650179897"/>
       </p:ext>
     </p:extLst>
   </p:cSld>
@@ -5853,7 +6186,7 @@
         <p:spPr>
           <a:xfrm>
             <a:off x="905934" y="129801"/>
-            <a:ext cx="2823209" cy="646331"/>
+            <a:ext cx="2073003" cy="646331"/>
           </a:xfrm>
           <a:prstGeom prst="rect">
             <a:avLst/>
@@ -5871,28 +6204,17 @@
                 <a:latin typeface="Microsoft JhengHei UI Light" panose="020B0304030504040204" pitchFamily="34" charset="-120"/>
                 <a:ea typeface="Microsoft JhengHei UI Light" panose="020B0304030504040204" pitchFamily="34" charset="-120"/>
               </a:rPr>
-              <a:t>Умножение</a:t>
-            </a:r>
-            <a:r>
-              <a:rPr lang="en-US" sz="3600" b="1" dirty="0">
-                <a:latin typeface="Microsoft JhengHei UI Light" panose="020B0304030504040204" pitchFamily="34" charset="-120"/>
-                <a:ea typeface="Microsoft JhengHei UI Light" panose="020B0304030504040204" pitchFamily="34" charset="-120"/>
-              </a:rPr>
-              <a:t>.</a:t>
-            </a:r>
-            <a:endParaRPr lang="ru-RU" sz="3600" b="1" dirty="0">
-              <a:latin typeface="Microsoft JhengHei UI Light" panose="020B0304030504040204" pitchFamily="34" charset="-120"/>
-              <a:ea typeface="Microsoft JhengHei UI Light" panose="020B0304030504040204" pitchFamily="34" charset="-120"/>
-            </a:endParaRPr>
+              <a:t>Деление</a:t>
+            </a:r>
           </a:p>
         </p:txBody>
       </p:sp>
       <p:sp>
         <p:nvSpPr>
-          <p:cNvPr id="4" name="TextBox 3">
-            <a:extLst>
-              <a:ext uri="{FF2B5EF4-FFF2-40B4-BE49-F238E27FC236}">
-                <a16:creationId xmlns:a16="http://schemas.microsoft.com/office/drawing/2014/main" id="{4DEE94F7-4B84-C55B-B9E0-31F68D5E64D4}"/>
+          <p:cNvPr id="6" name="TextBox 5">
+            <a:extLst>
+              <a:ext uri="{FF2B5EF4-FFF2-40B4-BE49-F238E27FC236}">
+                <a16:creationId xmlns:a16="http://schemas.microsoft.com/office/drawing/2014/main" id="{E8F6C40C-D5EF-D228-2CB3-8584285D2F9B}"/>
               </a:ext>
             </a:extLst>
           </p:cNvPr>
@@ -5901,8 +6223,437 @@
         </p:nvSpPr>
         <p:spPr>
           <a:xfrm>
-            <a:off x="905934" y="776132"/>
-            <a:ext cx="5912901" cy="338554"/>
+            <a:off x="7643162" y="1229986"/>
+            <a:ext cx="2251336" cy="830997"/>
+          </a:xfrm>
+          <a:prstGeom prst="rect">
+            <a:avLst/>
+          </a:prstGeom>
+          <a:noFill/>
+        </p:spPr>
+        <p:txBody>
+          <a:bodyPr wrap="square" rtlCol="0">
+            <a:spAutoFit/>
+          </a:bodyPr>
+          <a:lstStyle/>
+          <a:p>
+            <a:r>
+              <a:rPr lang="ru-RU" sz="1600" dirty="0">
+                <a:latin typeface="Microsoft JhengHei UI Light" panose="020B0304030504040204" pitchFamily="34" charset="-120"/>
+                <a:ea typeface="Microsoft JhengHei UI Light" panose="020B0304030504040204" pitchFamily="34" charset="-120"/>
+              </a:rPr>
+              <a:t>23 125 </a:t>
+            </a:r>
+            <a:r>
+              <a:rPr lang="en-US" sz="1600" dirty="0">
+                <a:latin typeface="Microsoft JhengHei UI Light" panose="020B0304030504040204" pitchFamily="34" charset="-120"/>
+                <a:ea typeface="Microsoft JhengHei UI Light" panose="020B0304030504040204" pitchFamily="34" charset="-120"/>
+              </a:rPr>
+              <a:t>4</a:t>
+            </a:r>
+            <a:r>
+              <a:rPr lang="ru-RU" sz="1600" dirty="0">
+                <a:latin typeface="Microsoft JhengHei UI Light" panose="020B0304030504040204" pitchFamily="34" charset="-120"/>
+                <a:ea typeface="Microsoft JhengHei UI Light" panose="020B0304030504040204" pitchFamily="34" charset="-120"/>
+              </a:rPr>
+              <a:t>9</a:t>
+            </a:r>
+            <a:r>
+              <a:rPr lang="en-US" sz="1600" dirty="0">
+                <a:latin typeface="Microsoft JhengHei UI Light" panose="020B0304030504040204" pitchFamily="34" charset="-120"/>
+                <a:ea typeface="Microsoft JhengHei UI Light" panose="020B0304030504040204" pitchFamily="34" charset="-120"/>
+              </a:rPr>
+              <a:t>1 </a:t>
+            </a:r>
+            <a:r>
+              <a:rPr lang="ru-RU" sz="1600" dirty="0">
+                <a:latin typeface="Microsoft JhengHei UI Light" panose="020B0304030504040204" pitchFamily="34" charset="-120"/>
+                <a:ea typeface="Microsoft JhengHei UI Light" panose="020B0304030504040204" pitchFamily="34" charset="-120"/>
+              </a:rPr>
+              <a:t> 7 750 489</a:t>
+            </a:r>
+            <a:endParaRPr lang="en-US" sz="1600" dirty="0">
+              <a:latin typeface="Microsoft JhengHei UI Light" panose="020B0304030504040204" pitchFamily="34" charset="-120"/>
+              <a:ea typeface="Microsoft JhengHei UI Light" panose="020B0304030504040204" pitchFamily="34" charset="-120"/>
+            </a:endParaRPr>
+          </a:p>
+          <a:p>
+            <a:r>
+              <a:rPr lang="ru-RU" sz="1600" dirty="0">
+                <a:latin typeface="Microsoft JhengHei UI Light" panose="020B0304030504040204" pitchFamily="34" charset="-120"/>
+                <a:ea typeface="Microsoft JhengHei UI Light" panose="020B0304030504040204" pitchFamily="34" charset="-120"/>
+              </a:rPr>
+              <a:t>15 500 978  2</a:t>
+            </a:r>
+          </a:p>
+          <a:p>
+            <a:r>
+              <a:rPr lang="ru-RU" sz="1600" dirty="0">
+                <a:latin typeface="Microsoft JhengHei UI Light" panose="020B0304030504040204" pitchFamily="34" charset="-120"/>
+                <a:ea typeface="Microsoft JhengHei UI Light" panose="020B0304030504040204" pitchFamily="34" charset="-120"/>
+              </a:rPr>
+              <a:t>  7 624 513</a:t>
+            </a:r>
+            <a:endParaRPr lang="ru-RU" sz="1600" dirty="0">
+              <a:latin typeface="Consolas" panose="020B0609020204030204" pitchFamily="49" charset="0"/>
+              <a:ea typeface="Microsoft JhengHei UI Light" panose="020B0304030504040204" pitchFamily="34" charset="-120"/>
+            </a:endParaRPr>
+          </a:p>
+        </p:txBody>
+      </p:sp>
+      <p:sp>
+        <p:nvSpPr>
+          <p:cNvPr id="5" name="TextBox 4">
+            <a:extLst>
+              <a:ext uri="{FF2B5EF4-FFF2-40B4-BE49-F238E27FC236}">
+                <a16:creationId xmlns:a16="http://schemas.microsoft.com/office/drawing/2014/main" id="{BF9211B3-5ADA-2C5D-9669-19568E291F8B}"/>
+              </a:ext>
+            </a:extLst>
+          </p:cNvPr>
+          <p:cNvSpPr txBox="1"/>
+          <p:nvPr/>
+        </p:nvSpPr>
+        <p:spPr>
+          <a:xfrm>
+            <a:off x="7470475" y="3831906"/>
+            <a:ext cx="4549943" cy="2554545"/>
+          </a:xfrm>
+          <a:prstGeom prst="rect">
+            <a:avLst/>
+          </a:prstGeom>
+          <a:noFill/>
+        </p:spPr>
+        <p:txBody>
+          <a:bodyPr wrap="square" rtlCol="0">
+            <a:spAutoFit/>
+          </a:bodyPr>
+          <a:lstStyle/>
+          <a:p>
+            <a:r>
+              <a:rPr lang="ru-RU" sz="1600" dirty="0">
+                <a:latin typeface="Microsoft JhengHei UI Light" panose="020B0304030504040204" pitchFamily="34" charset="-120"/>
+                <a:ea typeface="Microsoft JhengHei UI Light" panose="020B0304030504040204" pitchFamily="34" charset="-120"/>
+              </a:rPr>
+              <a:t>Делимое – </a:t>
+            </a:r>
+            <a:r>
+              <a:rPr lang="en-US" sz="1600" dirty="0">
+                <a:latin typeface="Microsoft JhengHei UI Light" panose="020B0304030504040204" pitchFamily="34" charset="-120"/>
+                <a:ea typeface="Microsoft JhengHei UI Light" panose="020B0304030504040204" pitchFamily="34" charset="-120"/>
+              </a:rPr>
+              <a:t>a1</a:t>
+            </a:r>
+            <a:r>
+              <a:rPr lang="ru-RU" sz="1600" dirty="0">
+                <a:latin typeface="Microsoft JhengHei UI Light" panose="020B0304030504040204" pitchFamily="34" charset="-120"/>
+                <a:ea typeface="Microsoft JhengHei UI Light" panose="020B0304030504040204" pitchFamily="34" charset="-120"/>
+              </a:rPr>
+              <a:t>, делитель – </a:t>
+            </a:r>
+            <a:r>
+              <a:rPr lang="en-US" sz="1600" dirty="0">
+                <a:latin typeface="Microsoft JhengHei UI Light" panose="020B0304030504040204" pitchFamily="34" charset="-120"/>
+                <a:ea typeface="Microsoft JhengHei UI Light" panose="020B0304030504040204" pitchFamily="34" charset="-120"/>
+              </a:rPr>
+              <a:t>a2</a:t>
+            </a:r>
+          </a:p>
+          <a:p>
+            <a:r>
+              <a:rPr lang="ru-RU" sz="1600" dirty="0">
+                <a:latin typeface="Microsoft JhengHei UI Light" panose="020B0304030504040204" pitchFamily="34" charset="-120"/>
+                <a:ea typeface="Microsoft JhengHei UI Light" panose="020B0304030504040204" pitchFamily="34" charset="-120"/>
+              </a:rPr>
+              <a:t>Целочисленное деление – </a:t>
+            </a:r>
+            <a:r>
+              <a:rPr lang="en-US" sz="1600" dirty="0">
+                <a:latin typeface="Microsoft JhengHei UI Light" panose="020B0304030504040204" pitchFamily="34" charset="-120"/>
+                <a:ea typeface="Microsoft JhengHei UI Light" panose="020B0304030504040204" pitchFamily="34" charset="-120"/>
+              </a:rPr>
+              <a:t>div</a:t>
+            </a:r>
+            <a:r>
+              <a:rPr lang="ru-RU" sz="1600" dirty="0">
+                <a:latin typeface="Microsoft JhengHei UI Light" panose="020B0304030504040204" pitchFamily="34" charset="-120"/>
+                <a:ea typeface="Microsoft JhengHei UI Light" panose="020B0304030504040204" pitchFamily="34" charset="-120"/>
+              </a:rPr>
+              <a:t>, остаток - </a:t>
+            </a:r>
+            <a:r>
+              <a:rPr lang="en-US" sz="1600" dirty="0">
+                <a:latin typeface="Microsoft JhengHei UI Light" panose="020B0304030504040204" pitchFamily="34" charset="-120"/>
+                <a:ea typeface="Microsoft JhengHei UI Light" panose="020B0304030504040204" pitchFamily="34" charset="-120"/>
+              </a:rPr>
+              <a:t>mod</a:t>
+            </a:r>
+          </a:p>
+          <a:p>
+            <a:r>
+              <a:rPr lang="ru-RU" sz="1600" dirty="0">
+                <a:latin typeface="Microsoft JhengHei UI Light" panose="020B0304030504040204" pitchFamily="34" charset="-120"/>
+                <a:ea typeface="Microsoft JhengHei UI Light" panose="020B0304030504040204" pitchFamily="34" charset="-120"/>
+              </a:rPr>
+              <a:t>Так же существуют условия:</a:t>
+            </a:r>
+          </a:p>
+          <a:p>
+            <a:pPr marL="342900" indent="-342900">
+              <a:buFont typeface="+mj-lt"/>
+              <a:buAutoNum type="arabicPeriod"/>
+            </a:pPr>
+            <a:r>
+              <a:rPr lang="ru-RU" sz="1600" dirty="0">
+                <a:latin typeface="Microsoft JhengHei UI Light" panose="020B0304030504040204" pitchFamily="34" charset="-120"/>
+                <a:ea typeface="Microsoft JhengHei UI Light" panose="020B0304030504040204" pitchFamily="34" charset="-120"/>
+              </a:rPr>
+              <a:t>Если </a:t>
+            </a:r>
+            <a:r>
+              <a:rPr lang="en-US" sz="1600" dirty="0">
+                <a:latin typeface="Microsoft JhengHei UI Light" panose="020B0304030504040204" pitchFamily="34" charset="-120"/>
+                <a:ea typeface="Microsoft JhengHei UI Light" panose="020B0304030504040204" pitchFamily="34" charset="-120"/>
+              </a:rPr>
+              <a:t>a2 = 0</a:t>
+            </a:r>
+            <a:r>
+              <a:rPr lang="ru-RU" sz="1600" dirty="0">
+                <a:latin typeface="Microsoft JhengHei UI Light" panose="020B0304030504040204" pitchFamily="34" charset="-120"/>
+                <a:ea typeface="Microsoft JhengHei UI Light" panose="020B0304030504040204" pitchFamily="34" charset="-120"/>
+              </a:rPr>
+              <a:t>, то выводится ошибка</a:t>
+            </a:r>
+          </a:p>
+          <a:p>
+            <a:pPr marL="342900" indent="-342900">
+              <a:buFont typeface="+mj-lt"/>
+              <a:buAutoNum type="arabicPeriod"/>
+            </a:pPr>
+            <a:r>
+              <a:rPr lang="ru-RU" sz="1600" dirty="0">
+                <a:latin typeface="Microsoft JhengHei UI Light" panose="020B0304030504040204" pitchFamily="34" charset="-120"/>
+                <a:ea typeface="Microsoft JhengHei UI Light" panose="020B0304030504040204" pitchFamily="34" charset="-120"/>
+              </a:rPr>
+              <a:t>Если </a:t>
+            </a:r>
+            <a:r>
+              <a:rPr lang="en-US" sz="1600" dirty="0">
+                <a:latin typeface="Microsoft JhengHei UI Light" panose="020B0304030504040204" pitchFamily="34" charset="-120"/>
+                <a:ea typeface="Microsoft JhengHei UI Light" panose="020B0304030504040204" pitchFamily="34" charset="-120"/>
+              </a:rPr>
+              <a:t>a2 =</a:t>
+            </a:r>
+            <a:r>
+              <a:rPr lang="ru-RU" sz="1600" dirty="0">
+                <a:latin typeface="Microsoft JhengHei UI Light" panose="020B0304030504040204" pitchFamily="34" charset="-120"/>
+                <a:ea typeface="Microsoft JhengHei UI Light" panose="020B0304030504040204" pitchFamily="34" charset="-120"/>
+              </a:rPr>
+              <a:t> 1, то возвращается </a:t>
+            </a:r>
+            <a:r>
+              <a:rPr lang="en-US" sz="1600" dirty="0">
+                <a:latin typeface="Microsoft JhengHei UI Light" panose="020B0304030504040204" pitchFamily="34" charset="-120"/>
+                <a:ea typeface="Microsoft JhengHei UI Light" panose="020B0304030504040204" pitchFamily="34" charset="-120"/>
+              </a:rPr>
+              <a:t>div = a1</a:t>
+            </a:r>
+            <a:r>
+              <a:rPr lang="ru-RU" sz="1600" dirty="0">
+                <a:latin typeface="Microsoft JhengHei UI Light" panose="020B0304030504040204" pitchFamily="34" charset="-120"/>
+                <a:ea typeface="Microsoft JhengHei UI Light" panose="020B0304030504040204" pitchFamily="34" charset="-120"/>
+              </a:rPr>
+              <a:t>, </a:t>
+            </a:r>
+            <a:r>
+              <a:rPr lang="en-US" sz="1600" dirty="0">
+                <a:latin typeface="Microsoft JhengHei UI Light" panose="020B0304030504040204" pitchFamily="34" charset="-120"/>
+                <a:ea typeface="Microsoft JhengHei UI Light" panose="020B0304030504040204" pitchFamily="34" charset="-120"/>
+              </a:rPr>
+              <a:t>mod = 0</a:t>
+            </a:r>
+            <a:endParaRPr lang="ru-RU" sz="1600" dirty="0">
+              <a:latin typeface="Microsoft JhengHei UI Light" panose="020B0304030504040204" pitchFamily="34" charset="-120"/>
+              <a:ea typeface="Microsoft JhengHei UI Light" panose="020B0304030504040204" pitchFamily="34" charset="-120"/>
+            </a:endParaRPr>
+          </a:p>
+          <a:p>
+            <a:pPr marL="342900" indent="-342900">
+              <a:buFont typeface="+mj-lt"/>
+              <a:buAutoNum type="arabicPeriod"/>
+            </a:pPr>
+            <a:r>
+              <a:rPr lang="ru-RU" sz="1600" dirty="0">
+                <a:latin typeface="Microsoft JhengHei UI Light" panose="020B0304030504040204" pitchFamily="34" charset="-120"/>
+                <a:ea typeface="Microsoft JhengHei UI Light" panose="020B0304030504040204" pitchFamily="34" charset="-120"/>
+              </a:rPr>
+              <a:t>Если </a:t>
+            </a:r>
+            <a:r>
+              <a:rPr lang="en-US" sz="1600" dirty="0">
+                <a:latin typeface="Microsoft JhengHei UI Light" panose="020B0304030504040204" pitchFamily="34" charset="-120"/>
+                <a:ea typeface="Microsoft JhengHei UI Light" panose="020B0304030504040204" pitchFamily="34" charset="-120"/>
+              </a:rPr>
+              <a:t>a1 = a2</a:t>
+            </a:r>
+            <a:r>
+              <a:rPr lang="ru-RU" sz="1600" dirty="0">
+                <a:latin typeface="Microsoft JhengHei UI Light" panose="020B0304030504040204" pitchFamily="34" charset="-120"/>
+                <a:ea typeface="Microsoft JhengHei UI Light" panose="020B0304030504040204" pitchFamily="34" charset="-120"/>
+              </a:rPr>
+              <a:t>, то  возвращается </a:t>
+            </a:r>
+            <a:r>
+              <a:rPr lang="en-US" sz="1600" dirty="0">
+                <a:latin typeface="Microsoft JhengHei UI Light" panose="020B0304030504040204" pitchFamily="34" charset="-120"/>
+                <a:ea typeface="Microsoft JhengHei UI Light" panose="020B0304030504040204" pitchFamily="34" charset="-120"/>
+              </a:rPr>
+              <a:t>div = 1, mod = 0</a:t>
+            </a:r>
+          </a:p>
+          <a:p>
+            <a:pPr marL="342900" indent="-342900">
+              <a:buFont typeface="+mj-lt"/>
+              <a:buAutoNum type="arabicPeriod"/>
+            </a:pPr>
+            <a:r>
+              <a:rPr lang="ru-RU" sz="1600" dirty="0">
+                <a:latin typeface="Microsoft JhengHei UI Light" panose="020B0304030504040204" pitchFamily="34" charset="-120"/>
+                <a:ea typeface="Microsoft JhengHei UI Light" panose="020B0304030504040204" pitchFamily="34" charset="-120"/>
+              </a:rPr>
+              <a:t>Если </a:t>
+            </a:r>
+            <a:r>
+              <a:rPr lang="en-US" sz="1600" dirty="0">
+                <a:latin typeface="Microsoft JhengHei UI Light" panose="020B0304030504040204" pitchFamily="34" charset="-120"/>
+                <a:ea typeface="Microsoft JhengHei UI Light" panose="020B0304030504040204" pitchFamily="34" charset="-120"/>
+              </a:rPr>
+              <a:t>a2 &gt; a1</a:t>
+            </a:r>
+            <a:r>
+              <a:rPr lang="ru-RU" sz="1600" dirty="0">
+                <a:latin typeface="Microsoft JhengHei UI Light" panose="020B0304030504040204" pitchFamily="34" charset="-120"/>
+                <a:ea typeface="Microsoft JhengHei UI Light" panose="020B0304030504040204" pitchFamily="34" charset="-120"/>
+              </a:rPr>
+              <a:t>, то возвращается </a:t>
+            </a:r>
+            <a:r>
+              <a:rPr lang="en-US" sz="1600" dirty="0">
+                <a:latin typeface="Microsoft JhengHei UI Light" panose="020B0304030504040204" pitchFamily="34" charset="-120"/>
+                <a:ea typeface="Microsoft JhengHei UI Light" panose="020B0304030504040204" pitchFamily="34" charset="-120"/>
+              </a:rPr>
+              <a:t>div = 0, mod = a1</a:t>
+            </a:r>
+            <a:r>
+              <a:rPr lang="ru-RU" sz="1600" dirty="0">
+                <a:latin typeface="Microsoft JhengHei UI Light" panose="020B0304030504040204" pitchFamily="34" charset="-120"/>
+                <a:ea typeface="Microsoft JhengHei UI Light" panose="020B0304030504040204" pitchFamily="34" charset="-120"/>
+              </a:rPr>
+              <a:t>.</a:t>
+            </a:r>
+          </a:p>
+        </p:txBody>
+      </p:sp>
+      <p:cxnSp>
+        <p:nvCxnSpPr>
+          <p:cNvPr id="11" name="Прямая соединительная линия 10">
+            <a:extLst>
+              <a:ext uri="{FF2B5EF4-FFF2-40B4-BE49-F238E27FC236}">
+                <a16:creationId xmlns:a16="http://schemas.microsoft.com/office/drawing/2014/main" id="{8CF0B825-2B64-9A6D-68CE-A7AD04450A4E}"/>
+              </a:ext>
+            </a:extLst>
+          </p:cNvPr>
+          <p:cNvCxnSpPr>
+            <a:stCxn id="6" idx="0"/>
+            <a:endCxn id="6" idx="2"/>
+          </p:cNvCxnSpPr>
+          <p:nvPr/>
+        </p:nvCxnSpPr>
+        <p:spPr>
+          <a:xfrm>
+            <a:off x="8768830" y="1229986"/>
+            <a:ext cx="0" cy="830997"/>
+          </a:xfrm>
+          <a:prstGeom prst="line">
+            <a:avLst/>
+          </a:prstGeom>
+          <a:ln>
+            <a:solidFill>
+              <a:schemeClr val="tx1"/>
+            </a:solidFill>
+          </a:ln>
+        </p:spPr>
+        <p:style>
+          <a:lnRef idx="1">
+            <a:schemeClr val="accent1"/>
+          </a:lnRef>
+          <a:fillRef idx="0">
+            <a:schemeClr val="accent1"/>
+          </a:fillRef>
+          <a:effectRef idx="0">
+            <a:schemeClr val="accent1"/>
+          </a:effectRef>
+          <a:fontRef idx="minor">
+            <a:schemeClr val="tx1"/>
+          </a:fontRef>
+        </p:style>
+      </p:cxnSp>
+      <p:cxnSp>
+        <p:nvCxnSpPr>
+          <p:cNvPr id="13" name="Прямая соединительная линия 12">
+            <a:extLst>
+              <a:ext uri="{FF2B5EF4-FFF2-40B4-BE49-F238E27FC236}">
+                <a16:creationId xmlns:a16="http://schemas.microsoft.com/office/drawing/2014/main" id="{C8D3FC26-D09E-12B3-BB3D-716F3673A3CC}"/>
+              </a:ext>
+            </a:extLst>
+          </p:cNvPr>
+          <p:cNvCxnSpPr/>
+          <p:nvPr/>
+        </p:nvCxnSpPr>
+        <p:spPr>
+          <a:xfrm>
+            <a:off x="8768830" y="1500996"/>
+            <a:ext cx="992038" cy="0"/>
+          </a:xfrm>
+          <a:prstGeom prst="line">
+            <a:avLst/>
+          </a:prstGeom>
+          <a:ln>
+            <a:solidFill>
+              <a:schemeClr val="tx1"/>
+            </a:solidFill>
+          </a:ln>
+        </p:spPr>
+        <p:style>
+          <a:lnRef idx="1">
+            <a:schemeClr val="accent1"/>
+          </a:lnRef>
+          <a:fillRef idx="0">
+            <a:schemeClr val="accent1"/>
+          </a:fillRef>
+          <a:effectRef idx="0">
+            <a:schemeClr val="accent1"/>
+          </a:effectRef>
+          <a:fontRef idx="minor">
+            <a:schemeClr val="tx1"/>
+          </a:fontRef>
+        </p:style>
+      </p:cxnSp>
+      <p:sp>
+        <p:nvSpPr>
+          <p:cNvPr id="14" name="TextBox 13">
+            <a:extLst>
+              <a:ext uri="{FF2B5EF4-FFF2-40B4-BE49-F238E27FC236}">
+                <a16:creationId xmlns:a16="http://schemas.microsoft.com/office/drawing/2014/main" id="{9A0EF7D9-A23A-EFA3-289A-7A94DDFC1115}"/>
+              </a:ext>
+            </a:extLst>
+          </p:cNvPr>
+          <p:cNvSpPr txBox="1"/>
+          <p:nvPr/>
+        </p:nvSpPr>
+        <p:spPr>
+          <a:xfrm>
+            <a:off x="7582619" y="1302589"/>
+            <a:ext cx="255198" cy="369332"/>
           </a:xfrm>
           <a:prstGeom prst="rect">
             <a:avLst/>
@@ -5916,349 +6667,61 @@
           <a:lstStyle/>
           <a:p>
             <a:r>
-              <a:rPr lang="ru-RU" sz="1600" i="1" dirty="0">
-                <a:latin typeface="Microsoft JhengHei UI Light" panose="020B0304030504040204" pitchFamily="34" charset="-120"/>
-                <a:ea typeface="Microsoft JhengHei UI Light" panose="020B0304030504040204" pitchFamily="34" charset="-120"/>
-              </a:rPr>
-              <a:t>Как происходит умножение двух чисел типа данных </a:t>
-            </a:r>
-            <a:r>
-              <a:rPr lang="en-US" sz="1600" i="1" dirty="0" err="1">
-                <a:latin typeface="Microsoft JhengHei UI Light" panose="020B0304030504040204" pitchFamily="34" charset="-120"/>
-                <a:ea typeface="Microsoft JhengHei UI Light" panose="020B0304030504040204" pitchFamily="34" charset="-120"/>
-              </a:rPr>
-              <a:t>BigInt</a:t>
-            </a:r>
-            <a:r>
-              <a:rPr lang="ru-RU" sz="1600" i="1" dirty="0">
-                <a:latin typeface="Microsoft JhengHei UI Light" panose="020B0304030504040204" pitchFamily="34" charset="-120"/>
-                <a:ea typeface="Microsoft JhengHei UI Light" panose="020B0304030504040204" pitchFamily="34" charset="-120"/>
-              </a:rPr>
-              <a:t>?</a:t>
+              <a:rPr lang="ru-RU" dirty="0">
+                <a:latin typeface="+mj-lt"/>
+              </a:rPr>
+              <a:t>-</a:t>
             </a:r>
           </a:p>
         </p:txBody>
       </p:sp>
-      <p:sp>
-        <p:nvSpPr>
-          <p:cNvPr id="6" name="TextBox 5">
-            <a:extLst>
-              <a:ext uri="{FF2B5EF4-FFF2-40B4-BE49-F238E27FC236}">
-                <a16:creationId xmlns:a16="http://schemas.microsoft.com/office/drawing/2014/main" id="{F32ACC91-FDC2-6A4C-30DA-F62BEEDE0F5A}"/>
-              </a:ext>
-            </a:extLst>
-          </p:cNvPr>
-          <p:cNvSpPr txBox="1"/>
+      <p:cxnSp>
+        <p:nvCxnSpPr>
+          <p:cNvPr id="16" name="Прямая соединительная линия 15">
+            <a:extLst>
+              <a:ext uri="{FF2B5EF4-FFF2-40B4-BE49-F238E27FC236}">
+                <a16:creationId xmlns:a16="http://schemas.microsoft.com/office/drawing/2014/main" id="{6F92A765-E5FE-F2E3-F717-8C082D57EF37}"/>
+              </a:ext>
+            </a:extLst>
+          </p:cNvPr>
+          <p:cNvCxnSpPr/>
           <p:nvPr/>
-        </p:nvSpPr>
+        </p:nvCxnSpPr>
         <p:spPr>
-          <a:xfrm>
-            <a:off x="6778054" y="5952810"/>
-            <a:ext cx="5188070" cy="646331"/>
+          <a:xfrm flipH="1">
+            <a:off x="7643162" y="1751162"/>
+            <a:ext cx="1125667" cy="0"/>
           </a:xfrm>
-          <a:prstGeom prst="rect">
+          <a:prstGeom prst="line">
             <a:avLst/>
           </a:prstGeom>
-          <a:noFill/>
+          <a:ln>
+            <a:solidFill>
+              <a:schemeClr val="tx1"/>
+            </a:solidFill>
+          </a:ln>
         </p:spPr>
-        <p:txBody>
-          <a:bodyPr wrap="square" rtlCol="0">
-            <a:spAutoFit/>
-          </a:bodyPr>
-          <a:lstStyle/>
-          <a:p>
-            <a:r>
-              <a:rPr lang="ru-RU" dirty="0">
-                <a:solidFill>
-                  <a:schemeClr val="bg1">
-                    <a:lumMod val="65000"/>
-                  </a:schemeClr>
-                </a:solidFill>
-                <a:latin typeface="Microsoft JhengHei UI Light" panose="020B0304030504040204" pitchFamily="34" charset="-120"/>
-                <a:ea typeface="Microsoft JhengHei UI Light" panose="020B0304030504040204" pitchFamily="34" charset="-120"/>
-              </a:rPr>
-              <a:t>В случае, если просмотр производится через </a:t>
-            </a:r>
-            <a:r>
-              <a:rPr lang="en-US" dirty="0">
-                <a:solidFill>
-                  <a:schemeClr val="bg1">
-                    <a:lumMod val="65000"/>
-                  </a:schemeClr>
-                </a:solidFill>
-                <a:latin typeface="Microsoft JhengHei UI Light" panose="020B0304030504040204" pitchFamily="34" charset="-120"/>
-                <a:ea typeface="Microsoft JhengHei UI Light" panose="020B0304030504040204" pitchFamily="34" charset="-120"/>
-              </a:rPr>
-              <a:t>PDF</a:t>
-            </a:r>
-            <a:r>
-              <a:rPr lang="ru-RU" dirty="0">
-                <a:solidFill>
-                  <a:schemeClr val="bg1">
-                    <a:lumMod val="65000"/>
-                  </a:schemeClr>
-                </a:solidFill>
-                <a:latin typeface="Microsoft JhengHei UI Light" panose="020B0304030504040204" pitchFamily="34" charset="-120"/>
-                <a:ea typeface="Microsoft JhengHei UI Light" panose="020B0304030504040204" pitchFamily="34" charset="-120"/>
-              </a:rPr>
-              <a:t> файл, анимация работать не будет.</a:t>
-            </a:r>
-            <a:endParaRPr lang="en-US" dirty="0">
-              <a:solidFill>
-                <a:schemeClr val="bg1">
-                  <a:lumMod val="65000"/>
-                </a:schemeClr>
-              </a:solidFill>
-              <a:latin typeface="Microsoft JhengHei UI Light" panose="020B0304030504040204" pitchFamily="34" charset="-120"/>
-              <a:ea typeface="Microsoft JhengHei UI Light" panose="020B0304030504040204" pitchFamily="34" charset="-120"/>
-            </a:endParaRPr>
-          </a:p>
-        </p:txBody>
-      </p:sp>
-      <p:sp>
-        <p:nvSpPr>
-          <p:cNvPr id="7" name="TextBox 6">
-            <a:extLst>
-              <a:ext uri="{FF2B5EF4-FFF2-40B4-BE49-F238E27FC236}">
-                <a16:creationId xmlns:a16="http://schemas.microsoft.com/office/drawing/2014/main" id="{21DECAAA-0FB1-1A21-A93A-139D9442D6C7}"/>
-              </a:ext>
-            </a:extLst>
-          </p:cNvPr>
-          <p:cNvSpPr txBox="1"/>
-          <p:nvPr/>
-        </p:nvSpPr>
-        <p:spPr>
-          <a:xfrm>
-            <a:off x="6778054" y="2385756"/>
-            <a:ext cx="4647142" cy="1077218"/>
-          </a:xfrm>
-          <a:prstGeom prst="rect">
-            <a:avLst/>
-          </a:prstGeom>
-          <a:noFill/>
-        </p:spPr>
-        <p:txBody>
-          <a:bodyPr wrap="square" rtlCol="0">
-            <a:spAutoFit/>
-          </a:bodyPr>
-          <a:lstStyle/>
-          <a:p>
-            <a:r>
-              <a:rPr lang="ru-RU" sz="1600" dirty="0">
-                <a:latin typeface="Microsoft JhengHei UI Light" panose="020B0304030504040204" pitchFamily="34" charset="-120"/>
-                <a:ea typeface="Microsoft JhengHei UI Light" panose="020B0304030504040204" pitchFamily="34" charset="-120"/>
-              </a:rPr>
-              <a:t>Так же существуют условия:</a:t>
-            </a:r>
-          </a:p>
-          <a:p>
-            <a:pPr marL="342900" indent="-342900">
-              <a:buFont typeface="+mj-lt"/>
-              <a:buAutoNum type="arabicPeriod"/>
-            </a:pPr>
-            <a:r>
-              <a:rPr lang="ru-RU" sz="1600" dirty="0">
-                <a:latin typeface="Microsoft JhengHei UI Light" panose="020B0304030504040204" pitchFamily="34" charset="-120"/>
-                <a:ea typeface="Microsoft JhengHei UI Light" panose="020B0304030504040204" pitchFamily="34" charset="-120"/>
-              </a:rPr>
-              <a:t>Если одно из чисел равно 0, то вернется 0</a:t>
-            </a:r>
-          </a:p>
-          <a:p>
-            <a:pPr marL="342900" indent="-342900">
-              <a:buFont typeface="+mj-lt"/>
-              <a:buAutoNum type="arabicPeriod"/>
-            </a:pPr>
-            <a:r>
-              <a:rPr lang="ru-RU" sz="1600" dirty="0">
-                <a:latin typeface="Microsoft JhengHei UI Light" panose="020B0304030504040204" pitchFamily="34" charset="-120"/>
-                <a:ea typeface="Microsoft JhengHei UI Light" panose="020B0304030504040204" pitchFamily="34" charset="-120"/>
-              </a:rPr>
-              <a:t>Если одно из чисел равно 1, то вернется другое число</a:t>
-            </a:r>
-          </a:p>
-        </p:txBody>
-      </p:sp>
-      <p:sp>
-        <p:nvSpPr>
-          <p:cNvPr id="8" name="TextBox 7">
-            <a:extLst>
-              <a:ext uri="{FF2B5EF4-FFF2-40B4-BE49-F238E27FC236}">
-                <a16:creationId xmlns:a16="http://schemas.microsoft.com/office/drawing/2014/main" id="{9DC4459B-C4F2-9183-475B-EC998764C29B}"/>
-              </a:ext>
-            </a:extLst>
-          </p:cNvPr>
-          <p:cNvSpPr txBox="1"/>
-          <p:nvPr/>
-        </p:nvSpPr>
-        <p:spPr>
-          <a:xfrm>
-            <a:off x="905932" y="1247239"/>
-            <a:ext cx="8531365" cy="584775"/>
-          </a:xfrm>
-          <a:prstGeom prst="rect">
-            <a:avLst/>
-          </a:prstGeom>
-          <a:noFill/>
-        </p:spPr>
-        <p:txBody>
-          <a:bodyPr wrap="square" rtlCol="0">
-            <a:spAutoFit/>
-          </a:bodyPr>
-          <a:lstStyle/>
-          <a:p>
-            <a:r>
-              <a:rPr lang="ru-RU" sz="1600" dirty="0">
-                <a:latin typeface="Microsoft JhengHei UI Light" panose="020B0304030504040204" pitchFamily="34" charset="-120"/>
-                <a:ea typeface="Microsoft JhengHei UI Light" panose="020B0304030504040204" pitchFamily="34" charset="-120"/>
-              </a:rPr>
-              <a:t>Как пример произведем умножение чисел 12 614</a:t>
-            </a:r>
-            <a:r>
-              <a:rPr lang="en-US" sz="1600" dirty="0">
-                <a:latin typeface="Microsoft JhengHei UI Light" panose="020B0304030504040204" pitchFamily="34" charset="-120"/>
-                <a:ea typeface="Microsoft JhengHei UI Light" panose="020B0304030504040204" pitchFamily="34" charset="-120"/>
-              </a:rPr>
-              <a:t> </a:t>
-            </a:r>
-            <a:r>
-              <a:rPr lang="ru-RU" sz="1600" dirty="0">
-                <a:latin typeface="Microsoft JhengHei UI Light" panose="020B0304030504040204" pitchFamily="34" charset="-120"/>
-                <a:ea typeface="Microsoft JhengHei UI Light" panose="020B0304030504040204" pitchFamily="34" charset="-120"/>
-              </a:rPr>
-              <a:t>4</a:t>
-            </a:r>
-            <a:r>
-              <a:rPr lang="en-US" sz="1600" dirty="0">
-                <a:latin typeface="Microsoft JhengHei UI Light" panose="020B0304030504040204" pitchFamily="34" charset="-120"/>
-                <a:ea typeface="Microsoft JhengHei UI Light" panose="020B0304030504040204" pitchFamily="34" charset="-120"/>
-              </a:rPr>
-              <a:t>29 4</a:t>
-            </a:r>
-            <a:r>
-              <a:rPr lang="ru-RU" sz="1600" dirty="0">
-                <a:latin typeface="Microsoft JhengHei UI Light" panose="020B0304030504040204" pitchFamily="34" charset="-120"/>
-                <a:ea typeface="Microsoft JhengHei UI Light" panose="020B0304030504040204" pitchFamily="34" charset="-120"/>
-              </a:rPr>
-              <a:t>9</a:t>
-            </a:r>
-            <a:r>
-              <a:rPr lang="en-US" sz="1600" dirty="0">
-                <a:latin typeface="Microsoft JhengHei UI Light" panose="020B0304030504040204" pitchFamily="34" charset="-120"/>
-                <a:ea typeface="Microsoft JhengHei UI Light" panose="020B0304030504040204" pitchFamily="34" charset="-120"/>
-              </a:rPr>
-              <a:t>1 </a:t>
-            </a:r>
-            <a:r>
-              <a:rPr lang="ru-RU" sz="1600" dirty="0">
-                <a:latin typeface="Microsoft JhengHei UI Light" panose="020B0304030504040204" pitchFamily="34" charset="-120"/>
-                <a:ea typeface="Microsoft JhengHei UI Light" panose="020B0304030504040204" pitchFamily="34" charset="-120"/>
-              </a:rPr>
-              <a:t>и 49 750 489.</a:t>
-            </a:r>
-            <a:endParaRPr lang="en-US" sz="1600" dirty="0">
-              <a:latin typeface="Microsoft JhengHei UI Light" panose="020B0304030504040204" pitchFamily="34" charset="-120"/>
-              <a:ea typeface="Microsoft JhengHei UI Light" panose="020B0304030504040204" pitchFamily="34" charset="-120"/>
-            </a:endParaRPr>
-          </a:p>
-          <a:p>
-            <a:r>
-              <a:rPr lang="ru-RU" sz="1600" dirty="0">
-                <a:latin typeface="Microsoft JhengHei UI Light" panose="020B0304030504040204" pitchFamily="34" charset="-120"/>
-                <a:ea typeface="Microsoft JhengHei UI Light" panose="020B0304030504040204" pitchFamily="34" charset="-120"/>
-              </a:rPr>
-              <a:t>В результате чего мы получим 990172336530475726, что есть</a:t>
-            </a:r>
-            <a:r>
-              <a:rPr lang="en-US" sz="1600" dirty="0">
-                <a:latin typeface="Microsoft JhengHei UI Light" panose="020B0304030504040204" pitchFamily="34" charset="-120"/>
-                <a:ea typeface="Microsoft JhengHei UI Light" panose="020B0304030504040204" pitchFamily="34" charset="-120"/>
-              </a:rPr>
-              <a:t> 627</a:t>
-            </a:r>
-            <a:r>
-              <a:rPr lang="ru-RU" sz="1600" dirty="0">
-                <a:latin typeface="Microsoft JhengHei UI Light" panose="020B0304030504040204" pitchFamily="34" charset="-120"/>
-                <a:ea typeface="Microsoft JhengHei UI Light" panose="020B0304030504040204" pitchFamily="34" charset="-120"/>
-              </a:rPr>
-              <a:t> </a:t>
-            </a:r>
-            <a:r>
-              <a:rPr lang="en-US" sz="1600" dirty="0">
-                <a:latin typeface="Microsoft JhengHei UI Light" panose="020B0304030504040204" pitchFamily="34" charset="-120"/>
-                <a:ea typeface="Microsoft JhengHei UI Light" panose="020B0304030504040204" pitchFamily="34" charset="-120"/>
-              </a:rPr>
-              <a:t>574</a:t>
-            </a:r>
-            <a:r>
-              <a:rPr lang="ru-RU" sz="1600" dirty="0">
-                <a:latin typeface="Microsoft JhengHei UI Light" panose="020B0304030504040204" pitchFamily="34" charset="-120"/>
-                <a:ea typeface="Microsoft JhengHei UI Light" panose="020B0304030504040204" pitchFamily="34" charset="-120"/>
-              </a:rPr>
-              <a:t> </a:t>
-            </a:r>
-            <a:r>
-              <a:rPr lang="en-US" sz="1600" dirty="0">
-                <a:latin typeface="Microsoft JhengHei UI Light" panose="020B0304030504040204" pitchFamily="34" charset="-120"/>
-                <a:ea typeface="Microsoft JhengHei UI Light" panose="020B0304030504040204" pitchFamily="34" charset="-120"/>
-              </a:rPr>
-              <a:t>035</a:t>
-            </a:r>
-            <a:r>
-              <a:rPr lang="ru-RU" sz="1600" dirty="0">
-                <a:latin typeface="Microsoft JhengHei UI Light" panose="020B0304030504040204" pitchFamily="34" charset="-120"/>
-                <a:ea typeface="Microsoft JhengHei UI Light" panose="020B0304030504040204" pitchFamily="34" charset="-120"/>
-              </a:rPr>
-              <a:t> </a:t>
-            </a:r>
-            <a:r>
-              <a:rPr lang="en-US" sz="1600" dirty="0">
-                <a:latin typeface="Microsoft JhengHei UI Light" panose="020B0304030504040204" pitchFamily="34" charset="-120"/>
-                <a:ea typeface="Microsoft JhengHei UI Light" panose="020B0304030504040204" pitchFamily="34" charset="-120"/>
-              </a:rPr>
-              <a:t>633</a:t>
-            </a:r>
-            <a:r>
-              <a:rPr lang="ru-RU" sz="1600" dirty="0">
-                <a:latin typeface="Microsoft JhengHei UI Light" panose="020B0304030504040204" pitchFamily="34" charset="-120"/>
-                <a:ea typeface="Microsoft JhengHei UI Light" panose="020B0304030504040204" pitchFamily="34" charset="-120"/>
-              </a:rPr>
-              <a:t> </a:t>
-            </a:r>
-            <a:r>
-              <a:rPr lang="en-US" sz="1600" dirty="0">
-                <a:latin typeface="Microsoft JhengHei UI Light" panose="020B0304030504040204" pitchFamily="34" charset="-120"/>
-                <a:ea typeface="Microsoft JhengHei UI Light" panose="020B0304030504040204" pitchFamily="34" charset="-120"/>
-              </a:rPr>
-              <a:t>271</a:t>
-            </a:r>
-            <a:r>
-              <a:rPr lang="ru-RU" sz="1600" dirty="0">
-                <a:latin typeface="Microsoft JhengHei UI Light" panose="020B0304030504040204" pitchFamily="34" charset="-120"/>
-                <a:ea typeface="Microsoft JhengHei UI Light" panose="020B0304030504040204" pitchFamily="34" charset="-120"/>
-              </a:rPr>
-              <a:t> </a:t>
-            </a:r>
-            <a:r>
-              <a:rPr lang="en-US" sz="1600" dirty="0">
-                <a:latin typeface="Microsoft JhengHei UI Light" panose="020B0304030504040204" pitchFamily="34" charset="-120"/>
-                <a:ea typeface="Microsoft JhengHei UI Light" panose="020B0304030504040204" pitchFamily="34" charset="-120"/>
-              </a:rPr>
-              <a:t>099</a:t>
-            </a:r>
-            <a:endParaRPr lang="ru-RU" sz="1600" dirty="0">
-              <a:latin typeface="Consolas" panose="020B0609020204030204" pitchFamily="49" charset="0"/>
-              <a:ea typeface="Microsoft JhengHei UI Light" panose="020B0304030504040204" pitchFamily="34" charset="-120"/>
-            </a:endParaRPr>
-          </a:p>
-        </p:txBody>
-      </p:sp>
+        <p:style>
+          <a:lnRef idx="1">
+            <a:schemeClr val="accent1"/>
+          </a:lnRef>
+          <a:fillRef idx="0">
+            <a:schemeClr val="accent1"/>
+          </a:fillRef>
+          <a:effectRef idx="0">
+            <a:schemeClr val="accent1"/>
+          </a:effectRef>
+          <a:fontRef idx="minor">
+            <a:schemeClr val="tx1"/>
+          </a:fontRef>
+        </p:style>
+      </p:cxnSp>
       <p:pic>
         <p:nvPicPr>
-          <p:cNvPr id="12" name="Рисунок 11">
-            <a:extLst>
-              <a:ext uri="{FF2B5EF4-FFF2-40B4-BE49-F238E27FC236}">
-                <a16:creationId xmlns:a16="http://schemas.microsoft.com/office/drawing/2014/main" id="{3D30879C-3C78-4013-FE88-8E3840BCBE9B}"/>
+          <p:cNvPr id="18" name="Рисунок 17">
+            <a:extLst>
+              <a:ext uri="{FF2B5EF4-FFF2-40B4-BE49-F238E27FC236}">
+                <a16:creationId xmlns:a16="http://schemas.microsoft.com/office/drawing/2014/main" id="{B62435E3-02D6-16E6-6A6D-8DD514236AA8}"/>
               </a:ext>
             </a:extLst>
           </p:cNvPr>
@@ -6281,7 +6744,7 @@
         </p:blipFill>
         <p:spPr>
           <a:xfrm>
-            <a:off x="905932" y="2173319"/>
+            <a:off x="-73437" y="1035735"/>
             <a:ext cx="6858000" cy="6858000"/>
           </a:xfrm>
           <a:prstGeom prst="rect">
@@ -6292,7 +6755,7 @@
     </p:spTree>
     <p:extLst>
       <p:ext uri="{BB962C8B-B14F-4D97-AF65-F5344CB8AC3E}">
-        <p14:creationId xmlns:p14="http://schemas.microsoft.com/office/powerpoint/2010/main" val="3650179897"/>
+        <p14:creationId xmlns:p14="http://schemas.microsoft.com/office/powerpoint/2010/main" val="3988656848"/>
       </p:ext>
     </p:extLst>
   </p:cSld>
@@ -6390,7 +6853,7 @@
         <p:spPr>
           <a:xfrm>
             <a:off x="905934" y="129801"/>
-            <a:ext cx="2183611" cy="646331"/>
+            <a:ext cx="5096267" cy="646331"/>
           </a:xfrm>
           <a:prstGeom prst="rect">
             <a:avLst/>
@@ -6408,28 +6871,17 @@
                 <a:latin typeface="Microsoft JhengHei UI Light" panose="020B0304030504040204" pitchFamily="34" charset="-120"/>
                 <a:ea typeface="Microsoft JhengHei UI Light" panose="020B0304030504040204" pitchFamily="34" charset="-120"/>
               </a:rPr>
-              <a:t>Деление</a:t>
-            </a:r>
-            <a:r>
-              <a:rPr lang="en-US" sz="3600" b="1" dirty="0">
-                <a:latin typeface="Microsoft JhengHei UI Light" panose="020B0304030504040204" pitchFamily="34" charset="-120"/>
-                <a:ea typeface="Microsoft JhengHei UI Light" panose="020B0304030504040204" pitchFamily="34" charset="-120"/>
-              </a:rPr>
-              <a:t>.</a:t>
-            </a:r>
-            <a:endParaRPr lang="ru-RU" sz="3600" b="1" dirty="0">
-              <a:latin typeface="Microsoft JhengHei UI Light" panose="020B0304030504040204" pitchFamily="34" charset="-120"/>
-              <a:ea typeface="Microsoft JhengHei UI Light" panose="020B0304030504040204" pitchFamily="34" charset="-120"/>
-            </a:endParaRPr>
+              <a:t>Возведение в степень</a:t>
+            </a:r>
           </a:p>
         </p:txBody>
       </p:sp>
       <p:sp>
         <p:nvSpPr>
-          <p:cNvPr id="4" name="TextBox 3">
-            <a:extLst>
-              <a:ext uri="{FF2B5EF4-FFF2-40B4-BE49-F238E27FC236}">
-                <a16:creationId xmlns:a16="http://schemas.microsoft.com/office/drawing/2014/main" id="{4DEE94F7-4B84-C55B-B9E0-31F68D5E64D4}"/>
+          <p:cNvPr id="5" name="TextBox 4">
+            <a:extLst>
+              <a:ext uri="{FF2B5EF4-FFF2-40B4-BE49-F238E27FC236}">
+                <a16:creationId xmlns:a16="http://schemas.microsoft.com/office/drawing/2014/main" id="{3AE791F8-C63A-C13E-CC43-2E2B61592CAC}"/>
               </a:ext>
             </a:extLst>
           </p:cNvPr>
@@ -6438,60 +6890,8 @@
         </p:nvSpPr>
         <p:spPr>
           <a:xfrm>
-            <a:off x="905934" y="776132"/>
-            <a:ext cx="5614742" cy="338554"/>
-          </a:xfrm>
-          <a:prstGeom prst="rect">
-            <a:avLst/>
-          </a:prstGeom>
-          <a:noFill/>
-        </p:spPr>
-        <p:txBody>
-          <a:bodyPr wrap="none" rtlCol="0">
-            <a:spAutoFit/>
-          </a:bodyPr>
-          <a:lstStyle/>
-          <a:p>
-            <a:r>
-              <a:rPr lang="ru-RU" sz="1600" i="1" dirty="0">
-                <a:latin typeface="Microsoft JhengHei UI Light" panose="020B0304030504040204" pitchFamily="34" charset="-120"/>
-                <a:ea typeface="Microsoft JhengHei UI Light" panose="020B0304030504040204" pitchFamily="34" charset="-120"/>
-              </a:rPr>
-              <a:t>Как происходит деление двух чисел типа данных </a:t>
-            </a:r>
-            <a:r>
-              <a:rPr lang="en-US" sz="1600" i="1" dirty="0" err="1">
-                <a:latin typeface="Microsoft JhengHei UI Light" panose="020B0304030504040204" pitchFamily="34" charset="-120"/>
-                <a:ea typeface="Microsoft JhengHei UI Light" panose="020B0304030504040204" pitchFamily="34" charset="-120"/>
-              </a:rPr>
-              <a:t>BigInt</a:t>
-            </a:r>
-            <a:r>
-              <a:rPr lang="ru-RU" sz="1600" i="1" dirty="0">
-                <a:latin typeface="Microsoft JhengHei UI Light" panose="020B0304030504040204" pitchFamily="34" charset="-120"/>
-                <a:ea typeface="Microsoft JhengHei UI Light" panose="020B0304030504040204" pitchFamily="34" charset="-120"/>
-              </a:rPr>
-              <a:t>?</a:t>
-            </a:r>
-          </a:p>
-        </p:txBody>
-      </p:sp>
-      <p:sp>
-        <p:nvSpPr>
-          <p:cNvPr id="6" name="TextBox 5">
-            <a:extLst>
-              <a:ext uri="{FF2B5EF4-FFF2-40B4-BE49-F238E27FC236}">
-                <a16:creationId xmlns:a16="http://schemas.microsoft.com/office/drawing/2014/main" id="{E8F6C40C-D5EF-D228-2CB3-8584285D2F9B}"/>
-              </a:ext>
-            </a:extLst>
-          </p:cNvPr>
-          <p:cNvSpPr txBox="1"/>
-          <p:nvPr/>
-        </p:nvSpPr>
-        <p:spPr>
-          <a:xfrm>
-            <a:off x="905932" y="1247239"/>
-            <a:ext cx="9195600" cy="584775"/>
+            <a:off x="905933" y="1247239"/>
+            <a:ext cx="7398178" cy="4093428"/>
           </a:xfrm>
           <a:prstGeom prst="rect">
             <a:avLst/>
@@ -6504,96 +6904,58 @@
           </a:bodyPr>
           <a:lstStyle/>
           <a:p>
-            <a:r>
-              <a:rPr lang="ru-RU" sz="1600" dirty="0">
-                <a:latin typeface="Microsoft JhengHei UI Light" panose="020B0304030504040204" pitchFamily="34" charset="-120"/>
-                <a:ea typeface="Microsoft JhengHei UI Light" panose="020B0304030504040204" pitchFamily="34" charset="-120"/>
-              </a:rPr>
-              <a:t>Как пример произведем деление числа 23 125 </a:t>
-            </a:r>
-            <a:r>
-              <a:rPr lang="en-US" sz="1600" dirty="0">
-                <a:latin typeface="Microsoft JhengHei UI Light" panose="020B0304030504040204" pitchFamily="34" charset="-120"/>
-                <a:ea typeface="Microsoft JhengHei UI Light" panose="020B0304030504040204" pitchFamily="34" charset="-120"/>
-              </a:rPr>
-              <a:t>4</a:t>
-            </a:r>
-            <a:r>
-              <a:rPr lang="ru-RU" sz="1600" dirty="0">
-                <a:latin typeface="Microsoft JhengHei UI Light" panose="020B0304030504040204" pitchFamily="34" charset="-120"/>
-                <a:ea typeface="Microsoft JhengHei UI Light" panose="020B0304030504040204" pitchFamily="34" charset="-120"/>
-              </a:rPr>
-              <a:t>9</a:t>
-            </a:r>
-            <a:r>
-              <a:rPr lang="en-US" sz="1600" dirty="0">
-                <a:latin typeface="Microsoft JhengHei UI Light" panose="020B0304030504040204" pitchFamily="34" charset="-120"/>
-                <a:ea typeface="Microsoft JhengHei UI Light" panose="020B0304030504040204" pitchFamily="34" charset="-120"/>
-              </a:rPr>
-              <a:t>1 </a:t>
-            </a:r>
-            <a:r>
-              <a:rPr lang="ru-RU" sz="1600" dirty="0">
-                <a:latin typeface="Microsoft JhengHei UI Light" panose="020B0304030504040204" pitchFamily="34" charset="-120"/>
-                <a:ea typeface="Microsoft JhengHei UI Light" panose="020B0304030504040204" pitchFamily="34" charset="-120"/>
-              </a:rPr>
-              <a:t>на число 7 750 489.</a:t>
-            </a:r>
+            <a:pPr>
+              <a:spcAft>
+                <a:spcPts val="600"/>
+              </a:spcAft>
+            </a:pPr>
+            <a:r>
+              <a:rPr lang="ru-RU" sz="1600" dirty="0">
+                <a:latin typeface="Microsoft JhengHei UI Light" panose="020B0304030504040204" pitchFamily="34" charset="-120"/>
+                <a:ea typeface="Microsoft JhengHei UI Light" panose="020B0304030504040204" pitchFamily="34" charset="-120"/>
+              </a:rPr>
+              <a:t>Операция возведения в степень зависит от умножения.</a:t>
+            </a:r>
+          </a:p>
+          <a:p>
+            <a:pPr>
+              <a:spcAft>
+                <a:spcPts val="600"/>
+              </a:spcAft>
+            </a:pPr>
             <a:endParaRPr lang="en-US" sz="1600" dirty="0">
               <a:latin typeface="Microsoft JhengHei UI Light" panose="020B0304030504040204" pitchFamily="34" charset="-120"/>
               <a:ea typeface="Microsoft JhengHei UI Light" panose="020B0304030504040204" pitchFamily="34" charset="-120"/>
             </a:endParaRPr>
           </a:p>
           <a:p>
-            <a:r>
-              <a:rPr lang="ru-RU" sz="1600" dirty="0">
-                <a:latin typeface="Microsoft JhengHei UI Light" panose="020B0304030504040204" pitchFamily="34" charset="-120"/>
-                <a:ea typeface="Microsoft JhengHei UI Light" panose="020B0304030504040204" pitchFamily="34" charset="-120"/>
-              </a:rPr>
-              <a:t>В результате чего мы получим целочисленное деление 2 и остаток от деления 7624513</a:t>
-            </a:r>
-            <a:endParaRPr lang="ru-RU" sz="1600" dirty="0">
-              <a:latin typeface="Consolas" panose="020B0609020204030204" pitchFamily="49" charset="0"/>
+            <a:pPr>
+              <a:spcAft>
+                <a:spcPts val="600"/>
+              </a:spcAft>
+            </a:pPr>
+            <a:r>
+              <a:rPr lang="ru-RU" sz="1600" dirty="0">
+                <a:latin typeface="Microsoft JhengHei UI Light" panose="020B0304030504040204" pitchFamily="34" charset="-120"/>
+                <a:ea typeface="Microsoft JhengHei UI Light" panose="020B0304030504040204" pitchFamily="34" charset="-120"/>
+              </a:rPr>
+              <a:t>Число – а1, степень – а2</a:t>
+            </a:r>
+            <a:endParaRPr lang="en-US" sz="1600" dirty="0">
+              <a:latin typeface="Microsoft JhengHei UI Light" panose="020B0304030504040204" pitchFamily="34" charset="-120"/>
               <a:ea typeface="Microsoft JhengHei UI Light" panose="020B0304030504040204" pitchFamily="34" charset="-120"/>
             </a:endParaRPr>
           </a:p>
-        </p:txBody>
-      </p:sp>
-      <p:sp>
-        <p:nvSpPr>
-          <p:cNvPr id="7" name="TextBox 6">
-            <a:extLst>
-              <a:ext uri="{FF2B5EF4-FFF2-40B4-BE49-F238E27FC236}">
-                <a16:creationId xmlns:a16="http://schemas.microsoft.com/office/drawing/2014/main" id="{C05183CF-B831-950A-2488-4C8E1B541966}"/>
-              </a:ext>
-            </a:extLst>
-          </p:cNvPr>
-          <p:cNvSpPr txBox="1"/>
-          <p:nvPr/>
-        </p:nvSpPr>
-        <p:spPr>
-          <a:xfrm>
-            <a:off x="6778054" y="2385756"/>
-            <a:ext cx="4647142" cy="1077218"/>
-          </a:xfrm>
-          <a:prstGeom prst="rect">
-            <a:avLst/>
-          </a:prstGeom>
-          <a:noFill/>
-        </p:spPr>
-        <p:txBody>
-          <a:bodyPr wrap="square" rtlCol="0">
-            <a:spAutoFit/>
-          </a:bodyPr>
-          <a:lstStyle/>
-          <a:p>
-            <a:r>
-              <a:rPr lang="ru-RU" sz="1600" dirty="0">
-                <a:latin typeface="Microsoft JhengHei UI Light" panose="020B0304030504040204" pitchFamily="34" charset="-120"/>
-                <a:ea typeface="Microsoft JhengHei UI Light" panose="020B0304030504040204" pitchFamily="34" charset="-120"/>
-              </a:rPr>
-              <a:t>Так же существуют условия:</a:t>
-            </a:r>
+          <a:p>
+            <a:pPr>
+              <a:spcAft>
+                <a:spcPts val="600"/>
+              </a:spcAft>
+            </a:pPr>
+            <a:endParaRPr lang="ru-RU" sz="1600" dirty="0">
+              <a:latin typeface="Microsoft JhengHei UI Light" panose="020B0304030504040204" pitchFamily="34" charset="-120"/>
+              <a:ea typeface="Microsoft JhengHei UI Light" panose="020B0304030504040204" pitchFamily="34" charset="-120"/>
+            </a:endParaRPr>
           </a:p>
           <a:p>
             <a:pPr marL="342900" indent="-342900">
@@ -6605,8 +6967,99 @@
                 <a:latin typeface="Microsoft JhengHei UI Light" panose="020B0304030504040204" pitchFamily="34" charset="-120"/>
                 <a:ea typeface="Microsoft JhengHei UI Light" panose="020B0304030504040204" pitchFamily="34" charset="-120"/>
               </a:rPr>
-              <a:t>Если одно из чисел равно 0, то вернется 0</a:t>
-            </a:r>
+              <a:t>Проверка условий:</a:t>
+            </a:r>
+          </a:p>
+          <a:p>
+            <a:pPr marL="800100" lvl="1" indent="-342900">
+              <a:buFont typeface="+mj-lt"/>
+              <a:buAutoNum type="arabicPeriod"/>
+            </a:pPr>
+            <a:r>
+              <a:rPr lang="ru-RU" sz="1600" dirty="0">
+                <a:latin typeface="Microsoft JhengHei UI Light" panose="020B0304030504040204" pitchFamily="34" charset="-120"/>
+                <a:ea typeface="Microsoft JhengHei UI Light" panose="020B0304030504040204" pitchFamily="34" charset="-120"/>
+              </a:rPr>
+              <a:t>Если а1 = а2 = 0, то выводится ошибка</a:t>
+            </a:r>
+          </a:p>
+          <a:p>
+            <a:pPr marL="800100" lvl="1" indent="-342900">
+              <a:buFont typeface="+mj-lt"/>
+              <a:buAutoNum type="arabicPeriod"/>
+            </a:pPr>
+            <a:r>
+              <a:rPr lang="ru-RU" sz="1600" dirty="0">
+                <a:latin typeface="Microsoft JhengHei UI Light" panose="020B0304030504040204" pitchFamily="34" charset="-120"/>
+                <a:ea typeface="Microsoft JhengHei UI Light" panose="020B0304030504040204" pitchFamily="34" charset="-120"/>
+              </a:rPr>
+              <a:t>Если а2 </a:t>
+            </a:r>
+            <a:r>
+              <a:rPr lang="en-US" sz="1600" dirty="0">
+                <a:latin typeface="Microsoft JhengHei UI Light" panose="020B0304030504040204" pitchFamily="34" charset="-120"/>
+                <a:ea typeface="Microsoft JhengHei UI Light" panose="020B0304030504040204" pitchFamily="34" charset="-120"/>
+              </a:rPr>
+              <a:t>&lt; 0</a:t>
+            </a:r>
+            <a:r>
+              <a:rPr lang="ru-RU" sz="1600" dirty="0">
+                <a:latin typeface="Microsoft JhengHei UI Light" panose="020B0304030504040204" pitchFamily="34" charset="-120"/>
+                <a:ea typeface="Microsoft JhengHei UI Light" panose="020B0304030504040204" pitchFamily="34" charset="-120"/>
+              </a:rPr>
+              <a:t>, то выводится ошибка</a:t>
+            </a:r>
+          </a:p>
+          <a:p>
+            <a:pPr marL="800100" lvl="1" indent="-342900">
+              <a:buFont typeface="+mj-lt"/>
+              <a:buAutoNum type="arabicPeriod"/>
+            </a:pPr>
+            <a:r>
+              <a:rPr lang="ru-RU" sz="1600" dirty="0">
+                <a:latin typeface="Microsoft JhengHei UI Light" panose="020B0304030504040204" pitchFamily="34" charset="-120"/>
+                <a:ea typeface="Microsoft JhengHei UI Light" panose="020B0304030504040204" pitchFamily="34" charset="-120"/>
+              </a:rPr>
+              <a:t>Если </a:t>
+            </a:r>
+            <a:r>
+              <a:rPr lang="en-US" sz="1600" dirty="0">
+                <a:latin typeface="Microsoft JhengHei UI Light" panose="020B0304030504040204" pitchFamily="34" charset="-120"/>
+                <a:ea typeface="Microsoft JhengHei UI Light" panose="020B0304030504040204" pitchFamily="34" charset="-120"/>
+              </a:rPr>
+              <a:t>a1 = 0</a:t>
+            </a:r>
+            <a:r>
+              <a:rPr lang="ru-RU" sz="1600" dirty="0">
+                <a:latin typeface="Microsoft JhengHei UI Light" panose="020B0304030504040204" pitchFamily="34" charset="-120"/>
+                <a:ea typeface="Microsoft JhengHei UI Light" panose="020B0304030504040204" pitchFamily="34" charset="-120"/>
+              </a:rPr>
+              <a:t>, то возвращается 0</a:t>
+            </a:r>
+          </a:p>
+          <a:p>
+            <a:pPr marL="800100" lvl="1" indent="-342900">
+              <a:buFont typeface="+mj-lt"/>
+              <a:buAutoNum type="arabicPeriod"/>
+            </a:pPr>
+            <a:r>
+              <a:rPr lang="ru-RU" sz="1600" dirty="0">
+                <a:latin typeface="Microsoft JhengHei UI Light" panose="020B0304030504040204" pitchFamily="34" charset="-120"/>
+                <a:ea typeface="Microsoft JhengHei UI Light" panose="020B0304030504040204" pitchFamily="34" charset="-120"/>
+              </a:rPr>
+              <a:t>Если а2 = 1, то возвращается </a:t>
+            </a:r>
+            <a:r>
+              <a:rPr lang="en-US" sz="1600" dirty="0">
+                <a:latin typeface="Microsoft JhengHei UI Light" panose="020B0304030504040204" pitchFamily="34" charset="-120"/>
+                <a:ea typeface="Microsoft JhengHei UI Light" panose="020B0304030504040204" pitchFamily="34" charset="-120"/>
+              </a:rPr>
+              <a:t>a1</a:t>
+            </a:r>
+            <a:endParaRPr lang="ru-RU" sz="1600" dirty="0">
+              <a:latin typeface="Microsoft JhengHei UI Light" panose="020B0304030504040204" pitchFamily="34" charset="-120"/>
+              <a:ea typeface="Microsoft JhengHei UI Light" panose="020B0304030504040204" pitchFamily="34" charset="-120"/>
+            </a:endParaRPr>
           </a:p>
           <a:p>
             <a:pPr marL="342900" indent="-342900">
@@ -6618,127 +7071,161 @@
                 <a:latin typeface="Microsoft JhengHei UI Light" panose="020B0304030504040204" pitchFamily="34" charset="-120"/>
                 <a:ea typeface="Microsoft JhengHei UI Light" panose="020B0304030504040204" pitchFamily="34" charset="-120"/>
               </a:rPr>
-              <a:t>Если одно из чисел равно 1, то вернется другое число</a:t>
-            </a:r>
-          </a:p>
-        </p:txBody>
-      </p:sp>
-      <p:sp>
-        <p:nvSpPr>
-          <p:cNvPr id="8" name="TextBox 7">
-            <a:extLst>
-              <a:ext uri="{FF2B5EF4-FFF2-40B4-BE49-F238E27FC236}">
-                <a16:creationId xmlns:a16="http://schemas.microsoft.com/office/drawing/2014/main" id="{C5D4A08C-FB74-5F88-1B42-8BE748361AC6}"/>
-              </a:ext>
-            </a:extLst>
-          </p:cNvPr>
-          <p:cNvSpPr txBox="1"/>
-          <p:nvPr/>
-        </p:nvSpPr>
-        <p:spPr>
-          <a:xfrm>
-            <a:off x="6778054" y="5952810"/>
-            <a:ext cx="5188070" cy="646331"/>
-          </a:xfrm>
-          <a:prstGeom prst="rect">
-            <a:avLst/>
-          </a:prstGeom>
-          <a:noFill/>
-        </p:spPr>
-        <p:txBody>
-          <a:bodyPr wrap="square" rtlCol="0">
-            <a:spAutoFit/>
-          </a:bodyPr>
-          <a:lstStyle/>
-          <a:p>
-            <a:r>
-              <a:rPr lang="ru-RU" dirty="0">
-                <a:solidFill>
-                  <a:schemeClr val="bg1">
-                    <a:lumMod val="65000"/>
-                  </a:schemeClr>
-                </a:solidFill>
-                <a:latin typeface="Microsoft JhengHei UI Light" panose="020B0304030504040204" pitchFamily="34" charset="-120"/>
-                <a:ea typeface="Microsoft JhengHei UI Light" panose="020B0304030504040204" pitchFamily="34" charset="-120"/>
-              </a:rPr>
-              <a:t>В случае, если просмотр производится через </a:t>
-            </a:r>
-            <a:r>
-              <a:rPr lang="en-US" dirty="0">
-                <a:solidFill>
-                  <a:schemeClr val="bg1">
-                    <a:lumMod val="65000"/>
-                  </a:schemeClr>
-                </a:solidFill>
-                <a:latin typeface="Microsoft JhengHei UI Light" panose="020B0304030504040204" pitchFamily="34" charset="-120"/>
-                <a:ea typeface="Microsoft JhengHei UI Light" panose="020B0304030504040204" pitchFamily="34" charset="-120"/>
-              </a:rPr>
-              <a:t>PDF</a:t>
-            </a:r>
-            <a:r>
-              <a:rPr lang="ru-RU" dirty="0">
-                <a:solidFill>
-                  <a:schemeClr val="bg1">
-                    <a:lumMod val="65000"/>
-                  </a:schemeClr>
-                </a:solidFill>
-                <a:latin typeface="Microsoft JhengHei UI Light" panose="020B0304030504040204" pitchFamily="34" charset="-120"/>
-                <a:ea typeface="Microsoft JhengHei UI Light" panose="020B0304030504040204" pitchFamily="34" charset="-120"/>
-              </a:rPr>
-              <a:t> файл, анимация работать не будет.</a:t>
-            </a:r>
-            <a:endParaRPr lang="en-US" dirty="0">
-              <a:solidFill>
-                <a:schemeClr val="bg1">
-                  <a:lumMod val="65000"/>
-                </a:schemeClr>
-              </a:solidFill>
+              <a:t>Произвести </a:t>
+            </a:r>
+            <a:r>
+              <a:rPr lang="ru-RU" sz="1600" dirty="0" err="1">
+                <a:latin typeface="Microsoft JhengHei UI Light" panose="020B0304030504040204" pitchFamily="34" charset="-120"/>
+                <a:ea typeface="Microsoft JhengHei UI Light" panose="020B0304030504040204" pitchFamily="34" charset="-120"/>
+              </a:rPr>
+              <a:t>рекусивное</a:t>
+            </a:r>
+            <a:r>
+              <a:rPr lang="ru-RU" sz="1600" dirty="0">
+                <a:latin typeface="Microsoft JhengHei UI Light" panose="020B0304030504040204" pitchFamily="34" charset="-120"/>
+                <a:ea typeface="Microsoft JhengHei UI Light" panose="020B0304030504040204" pitchFamily="34" charset="-120"/>
+              </a:rPr>
+              <a:t> возведение в степень:</a:t>
+            </a:r>
+          </a:p>
+          <a:p>
+            <a:pPr marL="800100" lvl="1" indent="-342900">
+              <a:buFont typeface="+mj-lt"/>
+              <a:buAutoNum type="arabicPeriod"/>
+            </a:pPr>
+            <a:r>
+              <a:rPr lang="ru-RU" sz="1600" dirty="0">
+                <a:latin typeface="Microsoft JhengHei UI Light" panose="020B0304030504040204" pitchFamily="34" charset="-120"/>
+                <a:ea typeface="Microsoft JhengHei UI Light" panose="020B0304030504040204" pitchFamily="34" charset="-120"/>
+              </a:rPr>
+              <a:t>Проверить </a:t>
+            </a:r>
+            <a:r>
+              <a:rPr lang="en-US" sz="1600" dirty="0">
+                <a:latin typeface="Microsoft JhengHei UI Light" panose="020B0304030504040204" pitchFamily="34" charset="-120"/>
+                <a:ea typeface="Microsoft JhengHei UI Light" panose="020B0304030504040204" pitchFamily="34" charset="-120"/>
+              </a:rPr>
+              <a:t>a2</a:t>
+            </a:r>
+            <a:r>
+              <a:rPr lang="ru-RU" sz="1600" dirty="0">
+                <a:latin typeface="Microsoft JhengHei UI Light" panose="020B0304030504040204" pitchFamily="34" charset="-120"/>
+                <a:ea typeface="Microsoft JhengHei UI Light" panose="020B0304030504040204" pitchFamily="34" charset="-120"/>
+              </a:rPr>
+              <a:t> на четное или нечетное.</a:t>
+            </a:r>
+          </a:p>
+          <a:p>
+            <a:pPr marL="800100" lvl="1" indent="-342900">
+              <a:buFont typeface="+mj-lt"/>
+              <a:buAutoNum type="arabicPeriod"/>
+            </a:pPr>
+            <a:r>
+              <a:rPr lang="ru-RU" sz="1600" dirty="0">
+                <a:latin typeface="Microsoft JhengHei UI Light" panose="020B0304030504040204" pitchFamily="34" charset="-120"/>
+                <a:ea typeface="Microsoft JhengHei UI Light" panose="020B0304030504040204" pitchFamily="34" charset="-120"/>
+              </a:rPr>
+              <a:t>Если нечетная, то </a:t>
+            </a:r>
+            <a:r>
+              <a:rPr lang="en-US" sz="1600" dirty="0">
+                <a:latin typeface="Microsoft JhengHei UI Light" panose="020B0304030504040204" pitchFamily="34" charset="-120"/>
+                <a:ea typeface="Microsoft JhengHei UI Light" panose="020B0304030504040204" pitchFamily="34" charset="-120"/>
+              </a:rPr>
+              <a:t>a1*a1*a1</a:t>
+            </a:r>
+            <a:r>
+              <a:rPr lang="ru-RU" sz="1600" dirty="0">
+                <a:latin typeface="Microsoft JhengHei UI Light" panose="020B0304030504040204" pitchFamily="34" charset="-120"/>
+                <a:ea typeface="Microsoft JhengHei UI Light" panose="020B0304030504040204" pitchFamily="34" charset="-120"/>
+              </a:rPr>
+              <a:t> и возвести в степень</a:t>
+            </a:r>
+            <a:br>
+              <a:rPr lang="en-US" sz="1600" dirty="0">
+                <a:latin typeface="Microsoft JhengHei UI Light" panose="020B0304030504040204" pitchFamily="34" charset="-120"/>
+                <a:ea typeface="Microsoft JhengHei UI Light" panose="020B0304030504040204" pitchFamily="34" charset="-120"/>
+              </a:rPr>
+            </a:br>
+            <a:r>
+              <a:rPr lang="ru-RU" sz="1600" dirty="0">
+                <a:latin typeface="Microsoft JhengHei UI Light" panose="020B0304030504040204" pitchFamily="34" charset="-120"/>
+                <a:ea typeface="Microsoft JhengHei UI Light" panose="020B0304030504040204" pitchFamily="34" charset="-120"/>
+              </a:rPr>
+              <a:t>(</a:t>
+            </a:r>
+            <a:r>
+              <a:rPr lang="en-US" sz="1600" dirty="0">
+                <a:latin typeface="Microsoft JhengHei UI Light" panose="020B0304030504040204" pitchFamily="34" charset="-120"/>
+                <a:ea typeface="Microsoft JhengHei UI Light" panose="020B0304030504040204" pitchFamily="34" charset="-120"/>
+              </a:rPr>
+              <a:t>a2-1)/2</a:t>
+            </a:r>
+            <a:r>
+              <a:rPr lang="ru-RU" sz="1600" dirty="0">
+                <a:latin typeface="Microsoft JhengHei UI Light" panose="020B0304030504040204" pitchFamily="34" charset="-120"/>
+                <a:ea typeface="Microsoft JhengHei UI Light" panose="020B0304030504040204" pitchFamily="34" charset="-120"/>
+              </a:rPr>
+              <a:t>.</a:t>
+            </a:r>
+            <a:endParaRPr lang="en-US" sz="1600" dirty="0">
               <a:latin typeface="Microsoft JhengHei UI Light" panose="020B0304030504040204" pitchFamily="34" charset="-120"/>
               <a:ea typeface="Microsoft JhengHei UI Light" panose="020B0304030504040204" pitchFamily="34" charset="-120"/>
             </a:endParaRPr>
           </a:p>
+          <a:p>
+            <a:pPr marL="800100" lvl="1" indent="-342900">
+              <a:buFont typeface="+mj-lt"/>
+              <a:buAutoNum type="arabicPeriod"/>
+            </a:pPr>
+            <a:r>
+              <a:rPr lang="ru-RU" sz="1600" dirty="0">
+                <a:latin typeface="Microsoft JhengHei UI Light" panose="020B0304030504040204" pitchFamily="34" charset="-120"/>
+                <a:ea typeface="Microsoft JhengHei UI Light" panose="020B0304030504040204" pitchFamily="34" charset="-120"/>
+              </a:rPr>
+              <a:t>Если число четное, то</a:t>
+            </a:r>
+            <a:r>
+              <a:rPr lang="en-US" sz="1600" dirty="0">
+                <a:latin typeface="Microsoft JhengHei UI Light" panose="020B0304030504040204" pitchFamily="34" charset="-120"/>
+                <a:ea typeface="Microsoft JhengHei UI Light" panose="020B0304030504040204" pitchFamily="34" charset="-120"/>
+              </a:rPr>
+              <a:t> a1*a1</a:t>
+            </a:r>
+            <a:r>
+              <a:rPr lang="ru-RU" sz="1600" dirty="0">
+                <a:latin typeface="Microsoft JhengHei UI Light" panose="020B0304030504040204" pitchFamily="34" charset="-120"/>
+                <a:ea typeface="Microsoft JhengHei UI Light" panose="020B0304030504040204" pitchFamily="34" charset="-120"/>
+              </a:rPr>
+              <a:t> и возвести в степень</a:t>
+            </a:r>
+            <a:br>
+              <a:rPr lang="ru-RU" sz="1600" dirty="0">
+                <a:latin typeface="Microsoft JhengHei UI Light" panose="020B0304030504040204" pitchFamily="34" charset="-120"/>
+                <a:ea typeface="Microsoft JhengHei UI Light" panose="020B0304030504040204" pitchFamily="34" charset="-120"/>
+              </a:rPr>
+            </a:br>
+            <a:r>
+              <a:rPr lang="en-US" sz="1600" dirty="0">
+                <a:latin typeface="Microsoft JhengHei UI Light" panose="020B0304030504040204" pitchFamily="34" charset="-120"/>
+                <a:ea typeface="Microsoft JhengHei UI Light" panose="020B0304030504040204" pitchFamily="34" charset="-120"/>
+              </a:rPr>
+              <a:t>a2/2</a:t>
+            </a:r>
+            <a:r>
+              <a:rPr lang="ru-RU" sz="1600" dirty="0">
+                <a:latin typeface="Microsoft JhengHei UI Light" panose="020B0304030504040204" pitchFamily="34" charset="-120"/>
+                <a:ea typeface="Microsoft JhengHei UI Light" panose="020B0304030504040204" pitchFamily="34" charset="-120"/>
+              </a:rPr>
+              <a:t>.</a:t>
+            </a:r>
+          </a:p>
         </p:txBody>
       </p:sp>
-      <p:pic>
-        <p:nvPicPr>
-          <p:cNvPr id="10" name="Рисунок 9" descr="Изображение выглядит как текст, ночное небо&#10;&#10;Автоматически созданное описание">
-            <a:extLst>
-              <a:ext uri="{FF2B5EF4-FFF2-40B4-BE49-F238E27FC236}">
-                <a16:creationId xmlns:a16="http://schemas.microsoft.com/office/drawing/2014/main" id="{6423FB80-0672-B420-1F03-8BF3C5476C9C}"/>
-              </a:ext>
-            </a:extLst>
-          </p:cNvPr>
-          <p:cNvPicPr>
-            <a:picLocks noChangeAspect="1"/>
-          </p:cNvPicPr>
-          <p:nvPr/>
-        </p:nvPicPr>
-        <p:blipFill>
-          <a:blip r:embed="rId4">
-            <a:extLst>
-              <a:ext uri="{28A0092B-C50C-407E-A947-70E740481C1C}">
-                <a14:useLocalDpi xmlns:a14="http://schemas.microsoft.com/office/drawing/2010/main" val="0"/>
-              </a:ext>
-            </a:extLst>
-          </a:blip>
-          <a:stretch>
-            <a:fillRect/>
-          </a:stretch>
-        </p:blipFill>
-        <p:spPr>
-          <a:xfrm>
-            <a:off x="-79946" y="1964567"/>
-            <a:ext cx="6858000" cy="6858000"/>
-          </a:xfrm>
-          <a:prstGeom prst="rect">
-            <a:avLst/>
-          </a:prstGeom>
-        </p:spPr>
-      </p:pic>
     </p:spTree>
     <p:extLst>
       <p:ext uri="{BB962C8B-B14F-4D97-AF65-F5344CB8AC3E}">
-        <p14:creationId xmlns:p14="http://schemas.microsoft.com/office/powerpoint/2010/main" val="3988656848"/>
+        <p14:creationId xmlns:p14="http://schemas.microsoft.com/office/powerpoint/2010/main" val="1908625777"/>
       </p:ext>
     </p:extLst>
   </p:cSld>
@@ -6836,7 +7323,7 @@
         <p:spPr>
           <a:xfrm>
             <a:off x="905934" y="129801"/>
-            <a:ext cx="5096267" cy="646331"/>
+            <a:ext cx="2589170" cy="646331"/>
           </a:xfrm>
           <a:prstGeom prst="rect">
             <a:avLst/>
@@ -6854,28 +7341,17 @@
                 <a:latin typeface="Microsoft JhengHei UI Light" panose="020B0304030504040204" pitchFamily="34" charset="-120"/>
                 <a:ea typeface="Microsoft JhengHei UI Light" panose="020B0304030504040204" pitchFamily="34" charset="-120"/>
               </a:rPr>
-              <a:t>Возведение в степень</a:t>
-            </a:r>
-            <a:r>
-              <a:rPr lang="en-US" sz="3600" b="1" dirty="0">
-                <a:latin typeface="Microsoft JhengHei UI Light" panose="020B0304030504040204" pitchFamily="34" charset="-120"/>
-                <a:ea typeface="Microsoft JhengHei UI Light" panose="020B0304030504040204" pitchFamily="34" charset="-120"/>
-              </a:rPr>
-              <a:t>.</a:t>
-            </a:r>
-            <a:endParaRPr lang="ru-RU" sz="3600" b="1" dirty="0">
-              <a:latin typeface="Microsoft JhengHei UI Light" panose="020B0304030504040204" pitchFamily="34" charset="-120"/>
-              <a:ea typeface="Microsoft JhengHei UI Light" panose="020B0304030504040204" pitchFamily="34" charset="-120"/>
-            </a:endParaRPr>
+              <a:t>Сравнение</a:t>
+            </a:r>
           </a:p>
         </p:txBody>
       </p:sp>
       <p:sp>
         <p:nvSpPr>
-          <p:cNvPr id="4" name="TextBox 3">
-            <a:extLst>
-              <a:ext uri="{FF2B5EF4-FFF2-40B4-BE49-F238E27FC236}">
-                <a16:creationId xmlns:a16="http://schemas.microsoft.com/office/drawing/2014/main" id="{4DEE94F7-4B84-C55B-B9E0-31F68D5E64D4}"/>
+          <p:cNvPr id="5" name="TextBox 4">
+            <a:extLst>
+              <a:ext uri="{FF2B5EF4-FFF2-40B4-BE49-F238E27FC236}">
+                <a16:creationId xmlns:a16="http://schemas.microsoft.com/office/drawing/2014/main" id="{3AE791F8-C63A-C13E-CC43-2E2B61592CAC}"/>
               </a:ext>
             </a:extLst>
           </p:cNvPr>
@@ -6884,60 +7360,8 @@
         </p:nvSpPr>
         <p:spPr>
           <a:xfrm>
-            <a:off x="905934" y="776132"/>
-            <a:ext cx="6443495" cy="338554"/>
-          </a:xfrm>
-          <a:prstGeom prst="rect">
-            <a:avLst/>
-          </a:prstGeom>
-          <a:noFill/>
-        </p:spPr>
-        <p:txBody>
-          <a:bodyPr wrap="none" rtlCol="0">
-            <a:spAutoFit/>
-          </a:bodyPr>
-          <a:lstStyle/>
-          <a:p>
-            <a:r>
-              <a:rPr lang="ru-RU" sz="1600" i="1" dirty="0">
-                <a:latin typeface="Microsoft JhengHei UI Light" panose="020B0304030504040204" pitchFamily="34" charset="-120"/>
-                <a:ea typeface="Microsoft JhengHei UI Light" panose="020B0304030504040204" pitchFamily="34" charset="-120"/>
-              </a:rPr>
-              <a:t>Как происходит возведение в степень числа типа данных </a:t>
-            </a:r>
-            <a:r>
-              <a:rPr lang="en-US" sz="1600" i="1" dirty="0" err="1">
-                <a:latin typeface="Microsoft JhengHei UI Light" panose="020B0304030504040204" pitchFamily="34" charset="-120"/>
-                <a:ea typeface="Microsoft JhengHei UI Light" panose="020B0304030504040204" pitchFamily="34" charset="-120"/>
-              </a:rPr>
-              <a:t>BigInt</a:t>
-            </a:r>
-            <a:r>
-              <a:rPr lang="ru-RU" sz="1600" i="1" dirty="0">
-                <a:latin typeface="Microsoft JhengHei UI Light" panose="020B0304030504040204" pitchFamily="34" charset="-120"/>
-                <a:ea typeface="Microsoft JhengHei UI Light" panose="020B0304030504040204" pitchFamily="34" charset="-120"/>
-              </a:rPr>
-              <a:t>?</a:t>
-            </a:r>
-          </a:p>
-        </p:txBody>
-      </p:sp>
-      <p:sp>
-        <p:nvSpPr>
-          <p:cNvPr id="5" name="TextBox 4">
-            <a:extLst>
-              <a:ext uri="{FF2B5EF4-FFF2-40B4-BE49-F238E27FC236}">
-                <a16:creationId xmlns:a16="http://schemas.microsoft.com/office/drawing/2014/main" id="{3AE791F8-C63A-C13E-CC43-2E2B61592CAC}"/>
-              </a:ext>
-            </a:extLst>
-          </p:cNvPr>
-          <p:cNvSpPr txBox="1"/>
-          <p:nvPr/>
-        </p:nvSpPr>
-        <p:spPr>
-          <a:xfrm>
-            <a:off x="905933" y="1247239"/>
-            <a:ext cx="7398178" cy="3862596"/>
+            <a:off x="905934" y="1035735"/>
+            <a:ext cx="7398178" cy="4139595"/>
           </a:xfrm>
           <a:prstGeom prst="rect">
             <a:avLst/>
@@ -6960,107 +7384,160 @@
                 <a:latin typeface="Microsoft JhengHei UI Light" panose="020B0304030504040204" pitchFamily="34" charset="-120"/>
                 <a:ea typeface="Microsoft JhengHei UI Light" panose="020B0304030504040204" pitchFamily="34" charset="-120"/>
               </a:rPr>
-              <a:t>После создания операции умножения, создание операции возведения в степень становится одной из самых простых задач.</a:t>
-            </a:r>
-          </a:p>
-          <a:p>
-            <a:br>
-              <a:rPr lang="ru-RU" sz="1600" dirty="0">
-                <a:latin typeface="Microsoft JhengHei UI Light" panose="020B0304030504040204" pitchFamily="34" charset="-120"/>
-                <a:ea typeface="Microsoft JhengHei UI Light" panose="020B0304030504040204" pitchFamily="34" charset="-120"/>
-              </a:rPr>
-            </a:br>
-            <a:r>
-              <a:rPr lang="ru-RU" sz="1600" dirty="0">
-                <a:latin typeface="Microsoft JhengHei UI Light" panose="020B0304030504040204" pitchFamily="34" charset="-120"/>
-                <a:ea typeface="Microsoft JhengHei UI Light" panose="020B0304030504040204" pitchFamily="34" charset="-120"/>
-              </a:rPr>
-              <a:t>Достаточно проверить условия:</a:t>
-            </a:r>
-          </a:p>
-          <a:p>
-            <a:pPr marL="342900" indent="-342900">
-              <a:buFont typeface="+mj-lt"/>
-              <a:buAutoNum type="arabicPeriod"/>
+              <a:t>Для сравнения достаточно двух функций:</a:t>
+            </a:r>
+            <a:endParaRPr lang="en-US" sz="1600" dirty="0">
+              <a:latin typeface="Microsoft JhengHei UI Light" panose="020B0304030504040204" pitchFamily="34" charset="-120"/>
+              <a:ea typeface="Microsoft JhengHei UI Light" panose="020B0304030504040204" pitchFamily="34" charset="-120"/>
+            </a:endParaRPr>
+          </a:p>
+          <a:p>
+            <a:pPr marL="285750" indent="-285750">
+              <a:spcAft>
+                <a:spcPts val="600"/>
+              </a:spcAft>
+              <a:buFont typeface="Arial" panose="020B0604020202020204" pitchFamily="34" charset="0"/>
+              <a:buChar char="•"/>
             </a:pPr>
             <a:r>
               <a:rPr lang="ru-RU" sz="1600" dirty="0">
                 <a:latin typeface="Microsoft JhengHei UI Light" panose="020B0304030504040204" pitchFamily="34" charset="-120"/>
                 <a:ea typeface="Microsoft JhengHei UI Light" panose="020B0304030504040204" pitchFamily="34" charset="-120"/>
               </a:rPr>
-              <a:t>Если оба числа равны нулю, то вывести ошибку.</a:t>
-            </a:r>
-          </a:p>
-          <a:p>
-            <a:pPr marL="342900" indent="-342900">
-              <a:buFont typeface="+mj-lt"/>
-              <a:buAutoNum type="arabicPeriod"/>
+              <a:t>обязательно функцию == </a:t>
+            </a:r>
+            <a:endParaRPr lang="en-US" sz="1600" dirty="0">
+              <a:latin typeface="Microsoft JhengHei UI Light" panose="020B0304030504040204" pitchFamily="34" charset="-120"/>
+              <a:ea typeface="Microsoft JhengHei UI Light" panose="020B0304030504040204" pitchFamily="34" charset="-120"/>
+            </a:endParaRPr>
+          </a:p>
+          <a:p>
+            <a:pPr marL="285750" indent="-285750">
+              <a:spcAft>
+                <a:spcPts val="600"/>
+              </a:spcAft>
+              <a:buFont typeface="Arial" panose="020B0604020202020204" pitchFamily="34" charset="0"/>
+              <a:buChar char="•"/>
             </a:pPr>
             <a:r>
               <a:rPr lang="ru-RU" sz="1600" dirty="0">
                 <a:latin typeface="Microsoft JhengHei UI Light" panose="020B0304030504040204" pitchFamily="34" charset="-120"/>
                 <a:ea typeface="Microsoft JhengHei UI Light" panose="020B0304030504040204" pitchFamily="34" charset="-120"/>
               </a:rPr>
-              <a:t>Если степень является отрицательным числом, то вывести ошибку.</a:t>
-            </a:r>
-          </a:p>
-          <a:p>
-            <a:pPr marL="342900" indent="-342900">
-              <a:buFont typeface="+mj-lt"/>
-              <a:buAutoNum type="arabicPeriod"/>
+              <a:t>на выбор: </a:t>
+            </a:r>
+            <a:r>
+              <a:rPr lang="en-US" sz="1600" dirty="0">
+                <a:latin typeface="Microsoft JhengHei UI Light" panose="020B0304030504040204" pitchFamily="34" charset="-120"/>
+                <a:ea typeface="Microsoft JhengHei UI Light" panose="020B0304030504040204" pitchFamily="34" charset="-120"/>
+              </a:rPr>
+              <a:t>&gt; </a:t>
+            </a:r>
+            <a:r>
+              <a:rPr lang="ru-RU" sz="1600" dirty="0">
+                <a:latin typeface="Microsoft JhengHei UI Light" panose="020B0304030504040204" pitchFamily="34" charset="-120"/>
+                <a:ea typeface="Microsoft JhengHei UI Light" panose="020B0304030504040204" pitchFamily="34" charset="-120"/>
+              </a:rPr>
+              <a:t>или </a:t>
+            </a:r>
+            <a:r>
+              <a:rPr lang="en-US" sz="1600" dirty="0">
+                <a:latin typeface="Microsoft JhengHei UI Light" panose="020B0304030504040204" pitchFamily="34" charset="-120"/>
+                <a:ea typeface="Microsoft JhengHei UI Light" panose="020B0304030504040204" pitchFamily="34" charset="-120"/>
+              </a:rPr>
+              <a:t>&lt;</a:t>
+            </a:r>
+          </a:p>
+          <a:p>
+            <a:pPr>
+              <a:spcAft>
+                <a:spcPts val="600"/>
+              </a:spcAft>
             </a:pPr>
             <a:r>
               <a:rPr lang="ru-RU" sz="1600" dirty="0">
                 <a:latin typeface="Microsoft JhengHei UI Light" panose="020B0304030504040204" pitchFamily="34" charset="-120"/>
                 <a:ea typeface="Microsoft JhengHei UI Light" panose="020B0304030504040204" pitchFamily="34" charset="-120"/>
               </a:rPr>
-              <a:t>Если число, возводимое в степень равняется нулю, то вернуть нуль.</a:t>
-            </a:r>
-          </a:p>
-          <a:p>
-            <a:pPr marL="342900" indent="-342900">
-              <a:buFont typeface="+mj-lt"/>
-              <a:buAutoNum type="arabicPeriod"/>
+              <a:t>Затем встроенными операциями получится создать оставшиеся.</a:t>
+            </a:r>
+          </a:p>
+          <a:p>
+            <a:pPr>
+              <a:spcAft>
+                <a:spcPts val="600"/>
+              </a:spcAft>
             </a:pPr>
-            <a:r>
-              <a:rPr lang="ru-RU" sz="1600" dirty="0">
-                <a:latin typeface="Microsoft JhengHei UI Light" panose="020B0304030504040204" pitchFamily="34" charset="-120"/>
-                <a:ea typeface="Microsoft JhengHei UI Light" panose="020B0304030504040204" pitchFamily="34" charset="-120"/>
-              </a:rPr>
-              <a:t>Если степень равна единице, то вернуть число возводимое в степень.</a:t>
-            </a:r>
-          </a:p>
-          <a:p>
+            <a:endParaRPr lang="en-US" sz="1600" dirty="0">
+              <a:latin typeface="Microsoft JhengHei UI Light" panose="020B0304030504040204" pitchFamily="34" charset="-120"/>
+              <a:ea typeface="Microsoft JhengHei UI Light" panose="020B0304030504040204" pitchFamily="34" charset="-120"/>
+            </a:endParaRPr>
+          </a:p>
+          <a:p>
+            <a:pPr>
+              <a:spcAft>
+                <a:spcPts val="600"/>
+              </a:spcAft>
+            </a:pPr>
+            <a:r>
+              <a:rPr lang="ru-RU" sz="1600" dirty="0">
+                <a:latin typeface="Microsoft JhengHei UI Light" panose="020B0304030504040204" pitchFamily="34" charset="-120"/>
+                <a:ea typeface="Microsoft JhengHei UI Light" panose="020B0304030504040204" pitchFamily="34" charset="-120"/>
+              </a:rPr>
+              <a:t>Число 1 – </a:t>
+            </a:r>
+            <a:r>
+              <a:rPr lang="en-US" sz="1600" dirty="0">
+                <a:latin typeface="Microsoft JhengHei UI Light" panose="020B0304030504040204" pitchFamily="34" charset="-120"/>
+                <a:ea typeface="Microsoft JhengHei UI Light" panose="020B0304030504040204" pitchFamily="34" charset="-120"/>
+              </a:rPr>
+              <a:t>a1</a:t>
+            </a:r>
+            <a:r>
+              <a:rPr lang="ru-RU" sz="1600" dirty="0">
+                <a:latin typeface="Microsoft JhengHei UI Light" panose="020B0304030504040204" pitchFamily="34" charset="-120"/>
+                <a:ea typeface="Microsoft JhengHei UI Light" panose="020B0304030504040204" pitchFamily="34" charset="-120"/>
+              </a:rPr>
+              <a:t>, число 2 – </a:t>
+            </a:r>
+            <a:r>
+              <a:rPr lang="en-US" sz="1600" dirty="0">
+                <a:latin typeface="Microsoft JhengHei UI Light" panose="020B0304030504040204" pitchFamily="34" charset="-120"/>
+                <a:ea typeface="Microsoft JhengHei UI Light" panose="020B0304030504040204" pitchFamily="34" charset="-120"/>
+              </a:rPr>
+              <a:t>a2</a:t>
+            </a:r>
+          </a:p>
+          <a:p>
+            <a:pPr>
+              <a:spcAft>
+                <a:spcPts val="600"/>
+              </a:spcAft>
+            </a:pPr>
             <a:endParaRPr lang="ru-RU" sz="1600" dirty="0">
               <a:latin typeface="Microsoft JhengHei UI Light" panose="020B0304030504040204" pitchFamily="34" charset="-120"/>
               <a:ea typeface="Microsoft JhengHei UI Light" panose="020B0304030504040204" pitchFamily="34" charset="-120"/>
             </a:endParaRPr>
           </a:p>
           <a:p>
-            <a:r>
-              <a:rPr lang="ru-RU" sz="1600" dirty="0">
-                <a:latin typeface="Microsoft JhengHei UI Light" panose="020B0304030504040204" pitchFamily="34" charset="-120"/>
-                <a:ea typeface="Microsoft JhengHei UI Light" panose="020B0304030504040204" pitchFamily="34" charset="-120"/>
-              </a:rPr>
-              <a:t>Далее произвести </a:t>
-            </a:r>
-            <a:r>
-              <a:rPr lang="ru-RU" sz="1600" dirty="0" err="1">
-                <a:latin typeface="Microsoft JhengHei UI Light" panose="020B0304030504040204" pitchFamily="34" charset="-120"/>
-                <a:ea typeface="Microsoft JhengHei UI Light" panose="020B0304030504040204" pitchFamily="34" charset="-120"/>
-              </a:rPr>
-              <a:t>рекусивное</a:t>
-            </a:r>
-            <a:r>
-              <a:rPr lang="ru-RU" sz="1600" dirty="0">
-                <a:latin typeface="Microsoft JhengHei UI Light" panose="020B0304030504040204" pitchFamily="34" charset="-120"/>
-                <a:ea typeface="Microsoft JhengHei UI Light" panose="020B0304030504040204" pitchFamily="34" charset="-120"/>
-              </a:rPr>
-              <a:t> возведение в степень:</a:t>
+            <a:pPr>
+              <a:spcAft>
+                <a:spcPts val="600"/>
+              </a:spcAft>
+            </a:pPr>
+            <a:r>
+              <a:rPr lang="ru-RU" sz="1600" dirty="0">
+                <a:latin typeface="Microsoft JhengHei UI Light" panose="020B0304030504040204" pitchFamily="34" charset="-120"/>
+                <a:ea typeface="Microsoft JhengHei UI Light" panose="020B0304030504040204" pitchFamily="34" charset="-120"/>
+              </a:rPr>
+              <a:t>Алгоритм сравнения:</a:t>
             </a:r>
           </a:p>
           <a:p>
             <a:pPr marL="342900" indent="-342900">
+              <a:spcAft>
+                <a:spcPts val="600"/>
+              </a:spcAft>
               <a:buFont typeface="+mj-lt"/>
               <a:buAutoNum type="arabicPeriod"/>
             </a:pPr>
@@ -7069,11 +7546,53 @@
                 <a:latin typeface="Microsoft JhengHei UI Light" panose="020B0304030504040204" pitchFamily="34" charset="-120"/>
                 <a:ea typeface="Microsoft JhengHei UI Light" panose="020B0304030504040204" pitchFamily="34" charset="-120"/>
               </a:rPr>
-              <a:t>Проверить степень на четное или нечетное.</a:t>
-            </a:r>
+              <a:t>Если </a:t>
+            </a:r>
+            <a:r>
+              <a:rPr lang="en-US" sz="1600" dirty="0">
+                <a:latin typeface="Microsoft JhengHei UI Light" panose="020B0304030504040204" pitchFamily="34" charset="-120"/>
+                <a:ea typeface="Microsoft JhengHei UI Light" panose="020B0304030504040204" pitchFamily="34" charset="-120"/>
+              </a:rPr>
+              <a:t>a2 &lt; 0 </a:t>
+            </a:r>
+            <a:r>
+              <a:rPr lang="ru-RU" sz="1600" dirty="0">
+                <a:latin typeface="Microsoft JhengHei UI Light" panose="020B0304030504040204" pitchFamily="34" charset="-120"/>
+                <a:ea typeface="Microsoft JhengHei UI Light" panose="020B0304030504040204" pitchFamily="34" charset="-120"/>
+              </a:rPr>
+              <a:t>и </a:t>
+            </a:r>
+            <a:r>
+              <a:rPr lang="en-US" sz="1600" dirty="0">
+                <a:latin typeface="Microsoft JhengHei UI Light" panose="020B0304030504040204" pitchFamily="34" charset="-120"/>
+                <a:ea typeface="Microsoft JhengHei UI Light" panose="020B0304030504040204" pitchFamily="34" charset="-120"/>
+              </a:rPr>
+              <a:t>a1 &gt; 0</a:t>
+            </a:r>
+            <a:r>
+              <a:rPr lang="ru-RU" sz="1600" dirty="0">
+                <a:latin typeface="Microsoft JhengHei UI Light" panose="020B0304030504040204" pitchFamily="34" charset="-120"/>
+                <a:ea typeface="Microsoft JhengHei UI Light" panose="020B0304030504040204" pitchFamily="34" charset="-120"/>
+              </a:rPr>
+              <a:t>, то </a:t>
+            </a:r>
+            <a:r>
+              <a:rPr lang="en-US" sz="1600" dirty="0">
+                <a:latin typeface="Microsoft JhengHei UI Light" panose="020B0304030504040204" pitchFamily="34" charset="-120"/>
+                <a:ea typeface="Microsoft JhengHei UI Light" panose="020B0304030504040204" pitchFamily="34" charset="-120"/>
+              </a:rPr>
+              <a:t>a1 &gt; a2</a:t>
+            </a:r>
+            <a:endParaRPr lang="ru-RU" sz="1600" dirty="0">
+              <a:latin typeface="Microsoft JhengHei UI Light" panose="020B0304030504040204" pitchFamily="34" charset="-120"/>
+              <a:ea typeface="Microsoft JhengHei UI Light" panose="020B0304030504040204" pitchFamily="34" charset="-120"/>
+            </a:endParaRPr>
           </a:p>
           <a:p>
             <a:pPr marL="342900" indent="-342900">
+              <a:spcAft>
+                <a:spcPts val="600"/>
+              </a:spcAft>
               <a:buFont typeface="+mj-lt"/>
               <a:buAutoNum type="arabicPeriod"/>
             </a:pPr>
@@ -7082,42 +7601,63 @@
                 <a:latin typeface="Microsoft JhengHei UI Light" panose="020B0304030504040204" pitchFamily="34" charset="-120"/>
                 <a:ea typeface="Microsoft JhengHei UI Light" panose="020B0304030504040204" pitchFamily="34" charset="-120"/>
               </a:rPr>
-              <a:t>Если нечетная, то перемножить число 3 раза и возвести в степень</a:t>
-            </a:r>
-            <a:br>
-              <a:rPr lang="en-US" sz="1600" dirty="0">
-                <a:latin typeface="Microsoft JhengHei UI Light" panose="020B0304030504040204" pitchFamily="34" charset="-120"/>
-                <a:ea typeface="Microsoft JhengHei UI Light" panose="020B0304030504040204" pitchFamily="34" charset="-120"/>
-              </a:rPr>
-            </a:br>
-            <a:r>
-              <a:rPr lang="ru-RU" sz="1600" dirty="0">
-                <a:latin typeface="Microsoft JhengHei UI Light" panose="020B0304030504040204" pitchFamily="34" charset="-120"/>
-                <a:ea typeface="Microsoft JhengHei UI Light" panose="020B0304030504040204" pitchFamily="34" charset="-120"/>
-              </a:rPr>
-              <a:t>(</a:t>
-            </a:r>
-            <a:r>
-              <a:rPr lang="en-US" sz="1600" dirty="0">
-                <a:latin typeface="Microsoft JhengHei UI Light" panose="020B0304030504040204" pitchFamily="34" charset="-120"/>
-                <a:ea typeface="Microsoft JhengHei UI Light" panose="020B0304030504040204" pitchFamily="34" charset="-120"/>
-              </a:rPr>
-              <a:t>n-1)/2</a:t>
-            </a:r>
-            <a:r>
-              <a:rPr lang="ru-RU" sz="1600" dirty="0">
-                <a:latin typeface="Microsoft JhengHei UI Light" panose="020B0304030504040204" pitchFamily="34" charset="-120"/>
-                <a:ea typeface="Microsoft JhengHei UI Light" panose="020B0304030504040204" pitchFamily="34" charset="-120"/>
-              </a:rPr>
-              <a:t>.</a:t>
-            </a:r>
-            <a:endParaRPr lang="en-US" sz="1600" dirty="0">
-              <a:latin typeface="Microsoft JhengHei UI Light" panose="020B0304030504040204" pitchFamily="34" charset="-120"/>
-              <a:ea typeface="Microsoft JhengHei UI Light" panose="020B0304030504040204" pitchFamily="34" charset="-120"/>
-            </a:endParaRPr>
+              <a:t>Иначе если длина </a:t>
+            </a:r>
+            <a:r>
+              <a:rPr lang="en-US" sz="1600" dirty="0">
+                <a:latin typeface="Microsoft JhengHei UI Light" panose="020B0304030504040204" pitchFamily="34" charset="-120"/>
+                <a:ea typeface="Microsoft JhengHei UI Light" panose="020B0304030504040204" pitchFamily="34" charset="-120"/>
+              </a:rPr>
+              <a:t>a1</a:t>
+            </a:r>
+            <a:r>
+              <a:rPr lang="ru-RU" sz="1600" dirty="0">
+                <a:latin typeface="Microsoft JhengHei UI Light" panose="020B0304030504040204" pitchFamily="34" charset="-120"/>
+                <a:ea typeface="Microsoft JhengHei UI Light" panose="020B0304030504040204" pitchFamily="34" charset="-120"/>
+              </a:rPr>
+              <a:t> </a:t>
+            </a:r>
+            <a:r>
+              <a:rPr lang="en-US" sz="1600" dirty="0">
+                <a:latin typeface="Microsoft JhengHei UI Light" panose="020B0304030504040204" pitchFamily="34" charset="-120"/>
+                <a:ea typeface="Microsoft JhengHei UI Light" panose="020B0304030504040204" pitchFamily="34" charset="-120"/>
+              </a:rPr>
+              <a:t>&lt; </a:t>
+            </a:r>
+            <a:r>
+              <a:rPr lang="ru-RU" sz="1600" dirty="0">
+                <a:latin typeface="Microsoft JhengHei UI Light" panose="020B0304030504040204" pitchFamily="34" charset="-120"/>
+                <a:ea typeface="Microsoft JhengHei UI Light" panose="020B0304030504040204" pitchFamily="34" charset="-120"/>
+              </a:rPr>
+              <a:t>длины</a:t>
+            </a:r>
+            <a:r>
+              <a:rPr lang="en-US" sz="1600" dirty="0">
+                <a:latin typeface="Microsoft JhengHei UI Light" panose="020B0304030504040204" pitchFamily="34" charset="-120"/>
+                <a:ea typeface="Microsoft JhengHei UI Light" panose="020B0304030504040204" pitchFamily="34" charset="-120"/>
+              </a:rPr>
+              <a:t> a2</a:t>
+            </a:r>
+            <a:r>
+              <a:rPr lang="ru-RU" sz="1600" dirty="0">
+                <a:latin typeface="Microsoft JhengHei UI Light" panose="020B0304030504040204" pitchFamily="34" charset="-120"/>
+                <a:ea typeface="Microsoft JhengHei UI Light" panose="020B0304030504040204" pitchFamily="34" charset="-120"/>
+              </a:rPr>
+              <a:t>, то </a:t>
+            </a:r>
+            <a:r>
+              <a:rPr lang="en-US" sz="1600" dirty="0">
+                <a:latin typeface="Microsoft JhengHei UI Light" panose="020B0304030504040204" pitchFamily="34" charset="-120"/>
+                <a:ea typeface="Microsoft JhengHei UI Light" panose="020B0304030504040204" pitchFamily="34" charset="-120"/>
+              </a:rPr>
+              <a:t>a2 &gt; a1</a:t>
+            </a:r>
           </a:p>
           <a:p>
             <a:pPr marL="342900" indent="-342900">
+              <a:spcAft>
+                <a:spcPts val="600"/>
+              </a:spcAft>
               <a:buFont typeface="+mj-lt"/>
               <a:buAutoNum type="arabicPeriod"/>
             </a:pPr>
@@ -7126,20 +7666,30 @@
                 <a:latin typeface="Microsoft JhengHei UI Light" panose="020B0304030504040204" pitchFamily="34" charset="-120"/>
                 <a:ea typeface="Microsoft JhengHei UI Light" panose="020B0304030504040204" pitchFamily="34" charset="-120"/>
               </a:rPr>
-              <a:t>Если число четное, то перемножить число и возвести в степень</a:t>
-            </a:r>
-            <a:br>
-              <a:rPr lang="ru-RU" sz="1600" dirty="0">
-                <a:latin typeface="Microsoft JhengHei UI Light" panose="020B0304030504040204" pitchFamily="34" charset="-120"/>
-                <a:ea typeface="Microsoft JhengHei UI Light" panose="020B0304030504040204" pitchFamily="34" charset="-120"/>
-              </a:rPr>
-            </a:br>
-            <a:r>
-              <a:rPr lang="en-US" sz="1600" dirty="0">
-                <a:latin typeface="Microsoft JhengHei UI Light" panose="020B0304030504040204" pitchFamily="34" charset="-120"/>
-                <a:ea typeface="Microsoft JhengHei UI Light" panose="020B0304030504040204" pitchFamily="34" charset="-120"/>
-              </a:rPr>
-              <a:t>n/2</a:t>
+              <a:t>Если длинны равны, то сравнивается каждый разряд до тех пор, пока не найдется больший разряд. </a:t>
+            </a:r>
+          </a:p>
+          <a:p>
+            <a:pPr marL="342900" indent="-342900">
+              <a:spcAft>
+                <a:spcPts val="600"/>
+              </a:spcAft>
+              <a:buFont typeface="+mj-lt"/>
+              <a:buAutoNum type="arabicPeriod"/>
+            </a:pPr>
+            <a:r>
+              <a:rPr lang="ru-RU" sz="1600" dirty="0">
+                <a:latin typeface="Microsoft JhengHei UI Light" panose="020B0304030504040204" pitchFamily="34" charset="-120"/>
+                <a:ea typeface="Microsoft JhengHei UI Light" panose="020B0304030504040204" pitchFamily="34" charset="-120"/>
+              </a:rPr>
+              <a:t>В случае если каждый разряд равен, то </a:t>
+            </a:r>
+            <a:r>
+              <a:rPr lang="en-US" sz="1600" dirty="0">
+                <a:latin typeface="Microsoft JhengHei UI Light" panose="020B0304030504040204" pitchFamily="34" charset="-120"/>
+                <a:ea typeface="Microsoft JhengHei UI Light" panose="020B0304030504040204" pitchFamily="34" charset="-120"/>
+              </a:rPr>
+              <a:t>a1 = a2</a:t>
             </a:r>
             <a:r>
               <a:rPr lang="ru-RU" sz="1600" dirty="0">
@@ -7154,7 +7704,7 @@
     </p:spTree>
     <p:extLst>
       <p:ext uri="{BB962C8B-B14F-4D97-AF65-F5344CB8AC3E}">
-        <p14:creationId xmlns:p14="http://schemas.microsoft.com/office/powerpoint/2010/main" val="1908625777"/>
+        <p14:creationId xmlns:p14="http://schemas.microsoft.com/office/powerpoint/2010/main" val="922164881"/>
       </p:ext>
     </p:extLst>
   </p:cSld>
@@ -7252,7 +7802,7 @@
         <p:spPr>
           <a:xfrm>
             <a:off x="905934" y="129801"/>
-            <a:ext cx="2699778" cy="646331"/>
+            <a:ext cx="5554726" cy="646331"/>
           </a:xfrm>
           <a:prstGeom prst="rect">
             <a:avLst/>
@@ -7270,70 +7820,7 @@
                 <a:latin typeface="Microsoft JhengHei UI Light" panose="020B0304030504040204" pitchFamily="34" charset="-120"/>
                 <a:ea typeface="Microsoft JhengHei UI Light" panose="020B0304030504040204" pitchFamily="34" charset="-120"/>
               </a:rPr>
-              <a:t>Сравнение</a:t>
-            </a:r>
-            <a:r>
-              <a:rPr lang="en-US" sz="3600" b="1" dirty="0">
-                <a:latin typeface="Microsoft JhengHei UI Light" panose="020B0304030504040204" pitchFamily="34" charset="-120"/>
-                <a:ea typeface="Microsoft JhengHei UI Light" panose="020B0304030504040204" pitchFamily="34" charset="-120"/>
-              </a:rPr>
-              <a:t>.</a:t>
-            </a:r>
-            <a:endParaRPr lang="ru-RU" sz="3600" b="1" dirty="0">
-              <a:latin typeface="Microsoft JhengHei UI Light" panose="020B0304030504040204" pitchFamily="34" charset="-120"/>
-              <a:ea typeface="Microsoft JhengHei UI Light" panose="020B0304030504040204" pitchFamily="34" charset="-120"/>
-            </a:endParaRPr>
-          </a:p>
-        </p:txBody>
-      </p:sp>
-      <p:sp>
-        <p:nvSpPr>
-          <p:cNvPr id="4" name="TextBox 3">
-            <a:extLst>
-              <a:ext uri="{FF2B5EF4-FFF2-40B4-BE49-F238E27FC236}">
-                <a16:creationId xmlns:a16="http://schemas.microsoft.com/office/drawing/2014/main" id="{4DEE94F7-4B84-C55B-B9E0-31F68D5E64D4}"/>
-              </a:ext>
-            </a:extLst>
-          </p:cNvPr>
-          <p:cNvSpPr txBox="1"/>
-          <p:nvPr/>
-        </p:nvSpPr>
-        <p:spPr>
-          <a:xfrm>
-            <a:off x="905934" y="776132"/>
-            <a:ext cx="5358262" cy="338554"/>
-          </a:xfrm>
-          <a:prstGeom prst="rect">
-            <a:avLst/>
-          </a:prstGeom>
-          <a:noFill/>
-        </p:spPr>
-        <p:txBody>
-          <a:bodyPr wrap="none" rtlCol="0">
-            <a:spAutoFit/>
-          </a:bodyPr>
-          <a:lstStyle/>
-          <a:p>
-            <a:r>
-              <a:rPr lang="ru-RU" sz="1600" i="1" dirty="0">
-                <a:latin typeface="Microsoft JhengHei UI Light" panose="020B0304030504040204" pitchFamily="34" charset="-120"/>
-                <a:ea typeface="Microsoft JhengHei UI Light" panose="020B0304030504040204" pitchFamily="34" charset="-120"/>
-              </a:rPr>
-              <a:t>Как происходит сравнение чисел типа данных </a:t>
-            </a:r>
-            <a:r>
-              <a:rPr lang="en-US" sz="1600" i="1" dirty="0" err="1">
-                <a:latin typeface="Microsoft JhengHei UI Light" panose="020B0304030504040204" pitchFamily="34" charset="-120"/>
-                <a:ea typeface="Microsoft JhengHei UI Light" panose="020B0304030504040204" pitchFamily="34" charset="-120"/>
-              </a:rPr>
-              <a:t>BigInt</a:t>
-            </a:r>
-            <a:r>
-              <a:rPr lang="ru-RU" sz="1600" i="1" dirty="0">
-                <a:latin typeface="Microsoft JhengHei UI Light" panose="020B0304030504040204" pitchFamily="34" charset="-120"/>
-                <a:ea typeface="Microsoft JhengHei UI Light" panose="020B0304030504040204" pitchFamily="34" charset="-120"/>
-              </a:rPr>
-              <a:t>?</a:t>
+              <a:t>Инкремент и декремент</a:t>
             </a:r>
           </a:p>
         </p:txBody>
@@ -7353,7 +7840,7 @@
         <p:spPr>
           <a:xfrm>
             <a:off x="905933" y="1247239"/>
-            <a:ext cx="7398178" cy="3754874"/>
+            <a:ext cx="7398178" cy="984885"/>
           </a:xfrm>
           <a:prstGeom prst="rect">
             <a:avLst/>
@@ -7376,124 +7863,39 @@
                 <a:latin typeface="Microsoft JhengHei UI Light" panose="020B0304030504040204" pitchFamily="34" charset="-120"/>
                 <a:ea typeface="Microsoft JhengHei UI Light" panose="020B0304030504040204" pitchFamily="34" charset="-120"/>
               </a:rPr>
-              <a:t>Для написания всех функций сравнения достаточно написать две функции: обязательно функцию == и на выбор: </a:t>
-            </a:r>
-            <a:r>
-              <a:rPr lang="en-US" sz="1600" dirty="0">
-                <a:latin typeface="Microsoft JhengHei UI Light" panose="020B0304030504040204" pitchFamily="34" charset="-120"/>
-                <a:ea typeface="Microsoft JhengHei UI Light" panose="020B0304030504040204" pitchFamily="34" charset="-120"/>
-              </a:rPr>
-              <a:t>&gt; </a:t>
-            </a:r>
-            <a:r>
-              <a:rPr lang="ru-RU" sz="1600" dirty="0">
-                <a:latin typeface="Microsoft JhengHei UI Light" panose="020B0304030504040204" pitchFamily="34" charset="-120"/>
-                <a:ea typeface="Microsoft JhengHei UI Light" panose="020B0304030504040204" pitchFamily="34" charset="-120"/>
-              </a:rPr>
-              <a:t>или </a:t>
-            </a:r>
-            <a:r>
-              <a:rPr lang="en-US" sz="1600" dirty="0">
-                <a:latin typeface="Microsoft JhengHei UI Light" panose="020B0304030504040204" pitchFamily="34" charset="-120"/>
-                <a:ea typeface="Microsoft JhengHei UI Light" panose="020B0304030504040204" pitchFamily="34" charset="-120"/>
-              </a:rPr>
-              <a:t>&lt;</a:t>
-            </a:r>
-            <a:r>
-              <a:rPr lang="ru-RU" sz="1600" dirty="0">
-                <a:latin typeface="Microsoft JhengHei UI Light" panose="020B0304030504040204" pitchFamily="34" charset="-120"/>
-                <a:ea typeface="Microsoft JhengHei UI Light" panose="020B0304030504040204" pitchFamily="34" charset="-120"/>
-              </a:rPr>
-              <a:t>, затем встроенными операциями без проблем получится создать оставшиеся.</a:t>
-            </a:r>
-          </a:p>
-          <a:p>
-            <a:pPr>
+              <a:t>Функции инкрементирования и декрементирования реализуются:</a:t>
+            </a:r>
+          </a:p>
+          <a:p>
+            <a:pPr marL="285750" indent="-285750">
               <a:spcAft>
                 <a:spcPts val="600"/>
               </a:spcAft>
+              <a:buFont typeface="Arial" panose="020B0604020202020204" pitchFamily="34" charset="0"/>
+              <a:buChar char="•"/>
             </a:pPr>
-            <a:endParaRPr lang="ru-RU" sz="1600" dirty="0">
-              <a:latin typeface="Microsoft JhengHei UI Light" panose="020B0304030504040204" pitchFamily="34" charset="-120"/>
-              <a:ea typeface="Microsoft JhengHei UI Light" panose="020B0304030504040204" pitchFamily="34" charset="-120"/>
-            </a:endParaRPr>
-          </a:p>
-          <a:p>
-            <a:pPr>
+            <a:r>
+              <a:rPr lang="ru-RU" sz="1600" dirty="0">
+                <a:latin typeface="Microsoft JhengHei UI Light" panose="020B0304030504040204" pitchFamily="34" charset="-120"/>
+                <a:ea typeface="Microsoft JhengHei UI Light" panose="020B0304030504040204" pitchFamily="34" charset="-120"/>
+              </a:rPr>
+              <a:t>Добавлением 1 (функция сложения)</a:t>
+            </a:r>
+          </a:p>
+          <a:p>
+            <a:pPr marL="285750" indent="-285750">
               <a:spcAft>
                 <a:spcPts val="600"/>
               </a:spcAft>
+              <a:buFont typeface="Arial" panose="020B0604020202020204" pitchFamily="34" charset="0"/>
+              <a:buChar char="•"/>
             </a:pPr>
             <a:r>
               <a:rPr lang="ru-RU" sz="1600" dirty="0">
                 <a:latin typeface="Microsoft JhengHei UI Light" panose="020B0304030504040204" pitchFamily="34" charset="-120"/>
                 <a:ea typeface="Microsoft JhengHei UI Light" panose="020B0304030504040204" pitchFamily="34" charset="-120"/>
               </a:rPr>
-              <a:t>Сравнение происходит по следующему алгоритму:</a:t>
-            </a:r>
-          </a:p>
-          <a:p>
-            <a:pPr marL="342900" indent="-342900">
-              <a:spcAft>
-                <a:spcPts val="600"/>
-              </a:spcAft>
-              <a:buFont typeface="+mj-lt"/>
-              <a:buAutoNum type="arabicPeriod"/>
-            </a:pPr>
-            <a:r>
-              <a:rPr lang="ru-RU" sz="1600" dirty="0">
-                <a:latin typeface="Microsoft JhengHei UI Light" panose="020B0304030504040204" pitchFamily="34" charset="-120"/>
-                <a:ea typeface="Microsoft JhengHei UI Light" panose="020B0304030504040204" pitchFamily="34" charset="-120"/>
-              </a:rPr>
-              <a:t>Если второе число отрицательное, а первое положительное, то второе число меньше первого.</a:t>
-            </a:r>
-          </a:p>
-          <a:p>
-            <a:pPr marL="342900" indent="-342900">
-              <a:spcAft>
-                <a:spcPts val="600"/>
-              </a:spcAft>
-              <a:buFont typeface="+mj-lt"/>
-              <a:buAutoNum type="arabicPeriod"/>
-            </a:pPr>
-            <a:r>
-              <a:rPr lang="ru-RU" sz="1600" dirty="0">
-                <a:latin typeface="Microsoft JhengHei UI Light" panose="020B0304030504040204" pitchFamily="34" charset="-120"/>
-                <a:ea typeface="Microsoft JhengHei UI Light" panose="020B0304030504040204" pitchFamily="34" charset="-120"/>
-              </a:rPr>
-              <a:t>Если числа либо оба положительные, либо оба отрицательные, то если длина первого числа больше чем длина второго, то второе число меньше первого.</a:t>
-            </a:r>
-          </a:p>
-          <a:p>
-            <a:pPr marL="342900" indent="-342900">
-              <a:spcAft>
-                <a:spcPts val="600"/>
-              </a:spcAft>
-              <a:buFont typeface="+mj-lt"/>
-              <a:buAutoNum type="arabicPeriod"/>
-            </a:pPr>
-            <a:r>
-              <a:rPr lang="ru-RU" sz="1600" dirty="0">
-                <a:latin typeface="Microsoft JhengHei UI Light" panose="020B0304030504040204" pitchFamily="34" charset="-120"/>
-                <a:ea typeface="Microsoft JhengHei UI Light" panose="020B0304030504040204" pitchFamily="34" charset="-120"/>
-              </a:rPr>
-              <a:t>Если длинны равны, то сравнивается каждый разряд до тех пор, пока не найдется больший разряд. </a:t>
-            </a:r>
-          </a:p>
-          <a:p>
-            <a:pPr marL="342900" indent="-342900">
-              <a:spcAft>
-                <a:spcPts val="600"/>
-              </a:spcAft>
-              <a:buFont typeface="+mj-lt"/>
-              <a:buAutoNum type="arabicPeriod"/>
-            </a:pPr>
-            <a:r>
-              <a:rPr lang="ru-RU" sz="1600" dirty="0">
-                <a:latin typeface="Microsoft JhengHei UI Light" panose="020B0304030504040204" pitchFamily="34" charset="-120"/>
-                <a:ea typeface="Microsoft JhengHei UI Light" panose="020B0304030504040204" pitchFamily="34" charset="-120"/>
-              </a:rPr>
-              <a:t>В случае если каждый разряд равен, то числа равны.</a:t>
+              <a:t>Вычитанием 1 (функция вычитания)</a:t>
             </a:r>
           </a:p>
         </p:txBody>
@@ -7501,7 +7903,7 @@
     </p:spTree>
     <p:extLst>
       <p:ext uri="{BB962C8B-B14F-4D97-AF65-F5344CB8AC3E}">
-        <p14:creationId xmlns:p14="http://schemas.microsoft.com/office/powerpoint/2010/main" val="922164881"/>
+        <p14:creationId xmlns:p14="http://schemas.microsoft.com/office/powerpoint/2010/main" val="1998441005"/>
       </p:ext>
     </p:extLst>
   </p:cSld>
@@ -7599,7 +8001,7 @@
         <p:spPr>
           <a:xfrm>
             <a:off x="905934" y="129801"/>
-            <a:ext cx="5554726" cy="646331"/>
+            <a:ext cx="6575839" cy="646331"/>
           </a:xfrm>
           <a:prstGeom prst="rect">
             <a:avLst/>
@@ -7617,28 +8019,17 @@
                 <a:latin typeface="Microsoft JhengHei UI Light" panose="020B0304030504040204" pitchFamily="34" charset="-120"/>
                 <a:ea typeface="Microsoft JhengHei UI Light" panose="020B0304030504040204" pitchFamily="34" charset="-120"/>
               </a:rPr>
-              <a:t>Инкремент и декремент</a:t>
-            </a:r>
-            <a:r>
-              <a:rPr lang="en-US" sz="3600" b="1" dirty="0">
-                <a:latin typeface="Microsoft JhengHei UI Light" panose="020B0304030504040204" pitchFamily="34" charset="-120"/>
-                <a:ea typeface="Microsoft JhengHei UI Light" panose="020B0304030504040204" pitchFamily="34" charset="-120"/>
-              </a:rPr>
-              <a:t>.</a:t>
-            </a:r>
-            <a:endParaRPr lang="ru-RU" sz="3600" b="1" dirty="0">
-              <a:latin typeface="Microsoft JhengHei UI Light" panose="020B0304030504040204" pitchFamily="34" charset="-120"/>
-              <a:ea typeface="Microsoft JhengHei UI Light" panose="020B0304030504040204" pitchFamily="34" charset="-120"/>
-            </a:endParaRPr>
+              <a:t>Анализ производительности</a:t>
+            </a:r>
           </a:p>
         </p:txBody>
       </p:sp>
       <p:sp>
         <p:nvSpPr>
-          <p:cNvPr id="4" name="TextBox 3">
-            <a:extLst>
-              <a:ext uri="{FF2B5EF4-FFF2-40B4-BE49-F238E27FC236}">
-                <a16:creationId xmlns:a16="http://schemas.microsoft.com/office/drawing/2014/main" id="{4DEE94F7-4B84-C55B-B9E0-31F68D5E64D4}"/>
+          <p:cNvPr id="5" name="TextBox 4">
+            <a:extLst>
+              <a:ext uri="{FF2B5EF4-FFF2-40B4-BE49-F238E27FC236}">
+                <a16:creationId xmlns:a16="http://schemas.microsoft.com/office/drawing/2014/main" id="{3AE791F8-C63A-C13E-CC43-2E2B61592CAC}"/>
               </a:ext>
             </a:extLst>
           </p:cNvPr>
@@ -7647,60 +8038,8 @@
         </p:nvSpPr>
         <p:spPr>
           <a:xfrm>
-            <a:off x="905934" y="776132"/>
-            <a:ext cx="7833298" cy="338554"/>
-          </a:xfrm>
-          <a:prstGeom prst="rect">
-            <a:avLst/>
-          </a:prstGeom>
-          <a:noFill/>
-        </p:spPr>
-        <p:txBody>
-          <a:bodyPr wrap="none" rtlCol="0">
-            <a:spAutoFit/>
-          </a:bodyPr>
-          <a:lstStyle/>
-          <a:p>
-            <a:r>
-              <a:rPr lang="ru-RU" sz="1600" i="1" dirty="0">
-                <a:latin typeface="Microsoft JhengHei UI Light" panose="020B0304030504040204" pitchFamily="34" charset="-120"/>
-                <a:ea typeface="Microsoft JhengHei UI Light" panose="020B0304030504040204" pitchFamily="34" charset="-120"/>
-              </a:rPr>
-              <a:t>Как происходит инкрементирование и декрементирование типа данных </a:t>
-            </a:r>
-            <a:r>
-              <a:rPr lang="en-US" sz="1600" i="1" dirty="0" err="1">
-                <a:latin typeface="Microsoft JhengHei UI Light" panose="020B0304030504040204" pitchFamily="34" charset="-120"/>
-                <a:ea typeface="Microsoft JhengHei UI Light" panose="020B0304030504040204" pitchFamily="34" charset="-120"/>
-              </a:rPr>
-              <a:t>BigInt</a:t>
-            </a:r>
-            <a:r>
-              <a:rPr lang="ru-RU" sz="1600" i="1" dirty="0">
-                <a:latin typeface="Microsoft JhengHei UI Light" panose="020B0304030504040204" pitchFamily="34" charset="-120"/>
-                <a:ea typeface="Microsoft JhengHei UI Light" panose="020B0304030504040204" pitchFamily="34" charset="-120"/>
-              </a:rPr>
-              <a:t>?</a:t>
-            </a:r>
-          </a:p>
-        </p:txBody>
-      </p:sp>
-      <p:sp>
-        <p:nvSpPr>
-          <p:cNvPr id="5" name="TextBox 4">
-            <a:extLst>
-              <a:ext uri="{FF2B5EF4-FFF2-40B4-BE49-F238E27FC236}">
-                <a16:creationId xmlns:a16="http://schemas.microsoft.com/office/drawing/2014/main" id="{3AE791F8-C63A-C13E-CC43-2E2B61592CAC}"/>
-              </a:ext>
-            </a:extLst>
-          </p:cNvPr>
-          <p:cNvSpPr txBox="1"/>
-          <p:nvPr/>
-        </p:nvSpPr>
-        <p:spPr>
-          <a:xfrm>
-            <a:off x="905933" y="1247239"/>
-            <a:ext cx="7398178" cy="830997"/>
+            <a:off x="6495850" y="6276439"/>
+            <a:ext cx="5520746" cy="338554"/>
           </a:xfrm>
           <a:prstGeom prst="rect">
             <a:avLst/>
@@ -7723,15 +8062,165 @@
                 <a:latin typeface="Microsoft JhengHei UI Light" panose="020B0304030504040204" pitchFamily="34" charset="-120"/>
                 <a:ea typeface="Microsoft JhengHei UI Light" panose="020B0304030504040204" pitchFamily="34" charset="-120"/>
               </a:rPr>
-              <a:t>Учитывая написанные операции сложения и вычитания, то для написания функций инкрементирования и декрементирования достаточно либо добавить 1, либо отнять 1.</a:t>
+              <a:t>Все тесты скорости работы предоставлены в реферате</a:t>
             </a:r>
           </a:p>
         </p:txBody>
       </p:sp>
+      <p:pic>
+        <p:nvPicPr>
+          <p:cNvPr id="7" name="Рисунок 6">
+            <a:extLst>
+              <a:ext uri="{FF2B5EF4-FFF2-40B4-BE49-F238E27FC236}">
+                <a16:creationId xmlns:a16="http://schemas.microsoft.com/office/drawing/2014/main" id="{2B51861D-9E45-74BE-E6D8-DE900328403B}"/>
+              </a:ext>
+            </a:extLst>
+          </p:cNvPr>
+          <p:cNvPicPr>
+            <a:picLocks noChangeAspect="1"/>
+          </p:cNvPicPr>
+          <p:nvPr/>
+        </p:nvPicPr>
+        <p:blipFill>
+          <a:blip r:embed="rId4"/>
+          <a:stretch>
+            <a:fillRect/>
+          </a:stretch>
+        </p:blipFill>
+        <p:spPr>
+          <a:xfrm>
+            <a:off x="905933" y="1122398"/>
+            <a:ext cx="3307954" cy="2078002"/>
+          </a:xfrm>
+          <a:prstGeom prst="rect">
+            <a:avLst/>
+          </a:prstGeom>
+        </p:spPr>
+      </p:pic>
+      <p:pic>
+        <p:nvPicPr>
+          <p:cNvPr id="9" name="Рисунок 8">
+            <a:extLst>
+              <a:ext uri="{FF2B5EF4-FFF2-40B4-BE49-F238E27FC236}">
+                <a16:creationId xmlns:a16="http://schemas.microsoft.com/office/drawing/2014/main" id="{6D43218A-EBCB-D895-CA0E-46902ED61B9E}"/>
+              </a:ext>
+            </a:extLst>
+          </p:cNvPr>
+          <p:cNvPicPr>
+            <a:picLocks noChangeAspect="1"/>
+          </p:cNvPicPr>
+          <p:nvPr/>
+        </p:nvPicPr>
+        <p:blipFill>
+          <a:blip r:embed="rId5"/>
+          <a:stretch>
+            <a:fillRect/>
+          </a:stretch>
+        </p:blipFill>
+        <p:spPr>
+          <a:xfrm>
+            <a:off x="926402" y="3429000"/>
+            <a:ext cx="3286405" cy="2078002"/>
+          </a:xfrm>
+          <a:prstGeom prst="rect">
+            <a:avLst/>
+          </a:prstGeom>
+        </p:spPr>
+      </p:pic>
+      <p:pic>
+        <p:nvPicPr>
+          <p:cNvPr id="11" name="Рисунок 10">
+            <a:extLst>
+              <a:ext uri="{FF2B5EF4-FFF2-40B4-BE49-F238E27FC236}">
+                <a16:creationId xmlns:a16="http://schemas.microsoft.com/office/drawing/2014/main" id="{4BFA4BF3-6CCD-37CA-5287-631762F6A187}"/>
+              </a:ext>
+            </a:extLst>
+          </p:cNvPr>
+          <p:cNvPicPr>
+            <a:picLocks noChangeAspect="1"/>
+          </p:cNvPicPr>
+          <p:nvPr/>
+        </p:nvPicPr>
+        <p:blipFill>
+          <a:blip r:embed="rId6"/>
+          <a:stretch>
+            <a:fillRect/>
+          </a:stretch>
+        </p:blipFill>
+        <p:spPr>
+          <a:xfrm>
+            <a:off x="4354686" y="1122398"/>
+            <a:ext cx="3283554" cy="2072638"/>
+          </a:xfrm>
+          <a:prstGeom prst="rect">
+            <a:avLst/>
+          </a:prstGeom>
+        </p:spPr>
+      </p:pic>
+      <p:pic>
+        <p:nvPicPr>
+          <p:cNvPr id="13" name="Рисунок 12">
+            <a:extLst>
+              <a:ext uri="{FF2B5EF4-FFF2-40B4-BE49-F238E27FC236}">
+                <a16:creationId xmlns:a16="http://schemas.microsoft.com/office/drawing/2014/main" id="{3CAD59CD-8D04-F7E7-C083-F3D7597398D5}"/>
+              </a:ext>
+            </a:extLst>
+          </p:cNvPr>
+          <p:cNvPicPr>
+            <a:picLocks noChangeAspect="1"/>
+          </p:cNvPicPr>
+          <p:nvPr/>
+        </p:nvPicPr>
+        <p:blipFill>
+          <a:blip r:embed="rId7"/>
+          <a:stretch>
+            <a:fillRect/>
+          </a:stretch>
+        </p:blipFill>
+        <p:spPr>
+          <a:xfrm>
+            <a:off x="4360050" y="3434364"/>
+            <a:ext cx="3286854" cy="2072638"/>
+          </a:xfrm>
+          <a:prstGeom prst="rect">
+            <a:avLst/>
+          </a:prstGeom>
+        </p:spPr>
+      </p:pic>
+      <p:pic>
+        <p:nvPicPr>
+          <p:cNvPr id="15" name="Рисунок 14">
+            <a:extLst>
+              <a:ext uri="{FF2B5EF4-FFF2-40B4-BE49-F238E27FC236}">
+                <a16:creationId xmlns:a16="http://schemas.microsoft.com/office/drawing/2014/main" id="{6CF84788-358D-996C-2804-4C9FC35F98FC}"/>
+              </a:ext>
+            </a:extLst>
+          </p:cNvPr>
+          <p:cNvPicPr>
+            <a:picLocks noChangeAspect="1"/>
+          </p:cNvPicPr>
+          <p:nvPr/>
+        </p:nvPicPr>
+        <p:blipFill>
+          <a:blip r:embed="rId8"/>
+          <a:stretch>
+            <a:fillRect/>
+          </a:stretch>
+        </p:blipFill>
+        <p:spPr>
+          <a:xfrm>
+            <a:off x="7978115" y="2066202"/>
+            <a:ext cx="3506234" cy="2410908"/>
+          </a:xfrm>
+          <a:prstGeom prst="rect">
+            <a:avLst/>
+          </a:prstGeom>
+        </p:spPr>
+      </p:pic>
     </p:spTree>
     <p:extLst>
       <p:ext uri="{BB962C8B-B14F-4D97-AF65-F5344CB8AC3E}">
-        <p14:creationId xmlns:p14="http://schemas.microsoft.com/office/powerpoint/2010/main" val="1998441005"/>
+        <p14:creationId xmlns:p14="http://schemas.microsoft.com/office/powerpoint/2010/main" val="1940801824"/>
       </p:ext>
     </p:extLst>
   </p:cSld>
@@ -7829,7 +8318,7 @@
         <p:spPr>
           <a:xfrm>
             <a:off x="905934" y="129801"/>
-            <a:ext cx="6575839" cy="646331"/>
+            <a:ext cx="2985113" cy="646331"/>
           </a:xfrm>
           <a:prstGeom prst="rect">
             <a:avLst/>
@@ -7847,28 +8336,17 @@
                 <a:latin typeface="Microsoft JhengHei UI Light" panose="020B0304030504040204" pitchFamily="34" charset="-120"/>
                 <a:ea typeface="Microsoft JhengHei UI Light" panose="020B0304030504040204" pitchFamily="34" charset="-120"/>
               </a:rPr>
-              <a:t>Анализ производительности</a:t>
-            </a:r>
-            <a:r>
-              <a:rPr lang="en-US" sz="3600" b="1" dirty="0">
-                <a:latin typeface="Microsoft JhengHei UI Light" panose="020B0304030504040204" pitchFamily="34" charset="-120"/>
-                <a:ea typeface="Microsoft JhengHei UI Light" panose="020B0304030504040204" pitchFamily="34" charset="-120"/>
-              </a:rPr>
-              <a:t>.</a:t>
-            </a:r>
-            <a:endParaRPr lang="ru-RU" sz="3600" b="1" dirty="0">
-              <a:latin typeface="Microsoft JhengHei UI Light" panose="020B0304030504040204" pitchFamily="34" charset="-120"/>
-              <a:ea typeface="Microsoft JhengHei UI Light" panose="020B0304030504040204" pitchFamily="34" charset="-120"/>
-            </a:endParaRPr>
+              <a:t>Заключение</a:t>
+            </a:r>
           </a:p>
         </p:txBody>
       </p:sp>
       <p:sp>
         <p:nvSpPr>
-          <p:cNvPr id="4" name="TextBox 3">
-            <a:extLst>
-              <a:ext uri="{FF2B5EF4-FFF2-40B4-BE49-F238E27FC236}">
-                <a16:creationId xmlns:a16="http://schemas.microsoft.com/office/drawing/2014/main" id="{4DEE94F7-4B84-C55B-B9E0-31F68D5E64D4}"/>
+          <p:cNvPr id="5" name="TextBox 4">
+            <a:extLst>
+              <a:ext uri="{FF2B5EF4-FFF2-40B4-BE49-F238E27FC236}">
+                <a16:creationId xmlns:a16="http://schemas.microsoft.com/office/drawing/2014/main" id="{3AE791F8-C63A-C13E-CC43-2E2B61592CAC}"/>
               </a:ext>
             </a:extLst>
           </p:cNvPr>
@@ -7877,46 +8355,8 @@
         </p:nvSpPr>
         <p:spPr>
           <a:xfrm>
-            <a:off x="905934" y="776132"/>
-            <a:ext cx="2504212" cy="338554"/>
-          </a:xfrm>
-          <a:prstGeom prst="rect">
-            <a:avLst/>
-          </a:prstGeom>
-          <a:noFill/>
-        </p:spPr>
-        <p:txBody>
-          <a:bodyPr wrap="none" rtlCol="0">
-            <a:spAutoFit/>
-          </a:bodyPr>
-          <a:lstStyle/>
-          <a:p>
-            <a:r>
-              <a:rPr lang="ru-RU" sz="1600" i="1" dirty="0">
-                <a:latin typeface="Microsoft JhengHei UI Light" panose="020B0304030504040204" pitchFamily="34" charset="-120"/>
-                <a:ea typeface="Microsoft JhengHei UI Light" panose="020B0304030504040204" pitchFamily="34" charset="-120"/>
-              </a:rPr>
-              <a:t>Тесты скорости работы.</a:t>
-            </a:r>
-          </a:p>
-        </p:txBody>
-      </p:sp>
-      <p:sp>
-        <p:nvSpPr>
-          <p:cNvPr id="5" name="TextBox 4">
-            <a:extLst>
-              <a:ext uri="{FF2B5EF4-FFF2-40B4-BE49-F238E27FC236}">
-                <a16:creationId xmlns:a16="http://schemas.microsoft.com/office/drawing/2014/main" id="{3AE791F8-C63A-C13E-CC43-2E2B61592CAC}"/>
-              </a:ext>
-            </a:extLst>
-          </p:cNvPr>
-          <p:cNvSpPr txBox="1"/>
-          <p:nvPr/>
-        </p:nvSpPr>
-        <p:spPr>
-          <a:xfrm>
-            <a:off x="905933" y="1247239"/>
-            <a:ext cx="7398178" cy="584775"/>
+            <a:off x="905934" y="905933"/>
+            <a:ext cx="7398178" cy="4708981"/>
           </a:xfrm>
           <a:prstGeom prst="rect">
             <a:avLst/>
@@ -7939,179 +8379,190 @@
                 <a:latin typeface="Microsoft JhengHei UI Light" panose="020B0304030504040204" pitchFamily="34" charset="-120"/>
                 <a:ea typeface="Microsoft JhengHei UI Light" panose="020B0304030504040204" pitchFamily="34" charset="-120"/>
               </a:rPr>
-              <a:t>Все тесты скорости работы предоставлены в реферате, который находится на </a:t>
-            </a:r>
-            <a:r>
-              <a:rPr lang="en-US" sz="1600" dirty="0">
-                <a:latin typeface="Microsoft JhengHei UI Light" panose="020B0304030504040204" pitchFamily="34" charset="-120"/>
-                <a:ea typeface="Microsoft JhengHei UI Light" panose="020B0304030504040204" pitchFamily="34" charset="-120"/>
-              </a:rPr>
-              <a:t>GitHub.</a:t>
-            </a:r>
-            <a:r>
-              <a:rPr lang="ru-RU" sz="1600" dirty="0">
-                <a:latin typeface="Microsoft JhengHei UI Light" panose="020B0304030504040204" pitchFamily="34" charset="-120"/>
-                <a:ea typeface="Microsoft JhengHei UI Light" panose="020B0304030504040204" pitchFamily="34" charset="-120"/>
-              </a:rPr>
-              <a:t> Ниже можно ознакомиться с графиками:</a:t>
+              <a:t>После изучения большого количества материала на тему «эффективная длинная арифметика»:</a:t>
+            </a:r>
+          </a:p>
+          <a:p>
+            <a:pPr>
+              <a:spcAft>
+                <a:spcPts val="600"/>
+              </a:spcAft>
+            </a:pPr>
+            <a:endParaRPr lang="ru-RU" sz="1600" dirty="0">
+              <a:latin typeface="Microsoft JhengHei UI Light" panose="020B0304030504040204" pitchFamily="34" charset="-120"/>
+              <a:ea typeface="Microsoft JhengHei UI Light" panose="020B0304030504040204" pitchFamily="34" charset="-120"/>
+            </a:endParaRPr>
+          </a:p>
+          <a:p>
+            <a:pPr>
+              <a:spcAft>
+                <a:spcPts val="600"/>
+              </a:spcAft>
+            </a:pPr>
+            <a:r>
+              <a:rPr lang="ru-RU" sz="1600" dirty="0">
+                <a:latin typeface="Microsoft JhengHei UI Light" panose="020B0304030504040204" pitchFamily="34" charset="-120"/>
+                <a:ea typeface="Microsoft JhengHei UI Light" panose="020B0304030504040204" pitchFamily="34" charset="-120"/>
+              </a:rPr>
+              <a:t>Было произведено сжатие и структурирование данных.</a:t>
+            </a:r>
+            <a:endParaRPr lang="en-US" sz="1600" dirty="0">
+              <a:latin typeface="Microsoft JhengHei UI Light" panose="020B0304030504040204" pitchFamily="34" charset="-120"/>
+              <a:ea typeface="Microsoft JhengHei UI Light" panose="020B0304030504040204" pitchFamily="34" charset="-120"/>
+            </a:endParaRPr>
+          </a:p>
+          <a:p>
+            <a:pPr>
+              <a:spcAft>
+                <a:spcPts val="600"/>
+              </a:spcAft>
+            </a:pPr>
+            <a:endParaRPr lang="ru-RU" sz="1600" dirty="0">
+              <a:latin typeface="Microsoft JhengHei UI Light" panose="020B0304030504040204" pitchFamily="34" charset="-120"/>
+              <a:ea typeface="Microsoft JhengHei UI Light" panose="020B0304030504040204" pitchFamily="34" charset="-120"/>
+            </a:endParaRPr>
+          </a:p>
+          <a:p>
+            <a:pPr>
+              <a:spcAft>
+                <a:spcPts val="600"/>
+              </a:spcAft>
+            </a:pPr>
+            <a:r>
+              <a:rPr lang="ru-RU" sz="1600" dirty="0">
+                <a:latin typeface="Microsoft JhengHei UI Light" panose="020B0304030504040204" pitchFamily="34" charset="-120"/>
+                <a:ea typeface="Microsoft JhengHei UI Light" panose="020B0304030504040204" pitchFamily="34" charset="-120"/>
+              </a:rPr>
+              <a:t>Были реализованы операции:</a:t>
+            </a:r>
+          </a:p>
+          <a:p>
+            <a:pPr marL="285750" indent="-285750">
+              <a:spcAft>
+                <a:spcPts val="600"/>
+              </a:spcAft>
+              <a:buFont typeface="Arial" panose="020B0604020202020204" pitchFamily="34" charset="0"/>
+              <a:buChar char="•"/>
+            </a:pPr>
+            <a:r>
+              <a:rPr lang="ru-RU" sz="1600" dirty="0">
+                <a:latin typeface="Microsoft JhengHei UI Light" panose="020B0304030504040204" pitchFamily="34" charset="-120"/>
+                <a:ea typeface="Microsoft JhengHei UI Light" panose="020B0304030504040204" pitchFamily="34" charset="-120"/>
+              </a:rPr>
+              <a:t>Сложения</a:t>
+            </a:r>
+          </a:p>
+          <a:p>
+            <a:pPr marL="285750" indent="-285750">
+              <a:spcAft>
+                <a:spcPts val="600"/>
+              </a:spcAft>
+              <a:buFont typeface="Arial" panose="020B0604020202020204" pitchFamily="34" charset="0"/>
+              <a:buChar char="•"/>
+            </a:pPr>
+            <a:r>
+              <a:rPr lang="ru-RU" sz="1600" dirty="0">
+                <a:latin typeface="Microsoft JhengHei UI Light" panose="020B0304030504040204" pitchFamily="34" charset="-120"/>
+                <a:ea typeface="Microsoft JhengHei UI Light" panose="020B0304030504040204" pitchFamily="34" charset="-120"/>
+              </a:rPr>
+              <a:t>Вычитания</a:t>
+            </a:r>
+          </a:p>
+          <a:p>
+            <a:pPr marL="285750" indent="-285750">
+              <a:spcAft>
+                <a:spcPts val="600"/>
+              </a:spcAft>
+              <a:buFont typeface="Arial" panose="020B0604020202020204" pitchFamily="34" charset="0"/>
+              <a:buChar char="•"/>
+            </a:pPr>
+            <a:r>
+              <a:rPr lang="ru-RU" sz="1600" dirty="0">
+                <a:latin typeface="Microsoft JhengHei UI Light" panose="020B0304030504040204" pitchFamily="34" charset="-120"/>
+                <a:ea typeface="Microsoft JhengHei UI Light" panose="020B0304030504040204" pitchFamily="34" charset="-120"/>
+              </a:rPr>
+              <a:t>Умножения</a:t>
+            </a:r>
+          </a:p>
+          <a:p>
+            <a:pPr marL="285750" indent="-285750">
+              <a:spcAft>
+                <a:spcPts val="600"/>
+              </a:spcAft>
+              <a:buFont typeface="Arial" panose="020B0604020202020204" pitchFamily="34" charset="0"/>
+              <a:buChar char="•"/>
+            </a:pPr>
+            <a:r>
+              <a:rPr lang="ru-RU" sz="1600" dirty="0">
+                <a:latin typeface="Microsoft JhengHei UI Light" panose="020B0304030504040204" pitchFamily="34" charset="-120"/>
+                <a:ea typeface="Microsoft JhengHei UI Light" panose="020B0304030504040204" pitchFamily="34" charset="-120"/>
+              </a:rPr>
+              <a:t>Деления (Целочисленное и получение остатка)</a:t>
+            </a:r>
+          </a:p>
+          <a:p>
+            <a:pPr marL="285750" indent="-285750">
+              <a:spcAft>
+                <a:spcPts val="600"/>
+              </a:spcAft>
+              <a:buFont typeface="Arial" panose="020B0604020202020204" pitchFamily="34" charset="0"/>
+              <a:buChar char="•"/>
+            </a:pPr>
+            <a:r>
+              <a:rPr lang="ru-RU" sz="1600" dirty="0">
+                <a:latin typeface="Microsoft JhengHei UI Light" panose="020B0304030504040204" pitchFamily="34" charset="-120"/>
+                <a:ea typeface="Microsoft JhengHei UI Light" panose="020B0304030504040204" pitchFamily="34" charset="-120"/>
+              </a:rPr>
+              <a:t>Возведение в степень</a:t>
+            </a:r>
+          </a:p>
+          <a:p>
+            <a:pPr marL="285750" indent="-285750">
+              <a:spcAft>
+                <a:spcPts val="600"/>
+              </a:spcAft>
+              <a:buFont typeface="Arial" panose="020B0604020202020204" pitchFamily="34" charset="0"/>
+              <a:buChar char="•"/>
+            </a:pPr>
+            <a:r>
+              <a:rPr lang="ru-RU" sz="1600" dirty="0">
+                <a:latin typeface="Microsoft JhengHei UI Light" panose="020B0304030504040204" pitchFamily="34" charset="-120"/>
+                <a:ea typeface="Microsoft JhengHei UI Light" panose="020B0304030504040204" pitchFamily="34" charset="-120"/>
+              </a:rPr>
+              <a:t>Сравнения</a:t>
+            </a:r>
+          </a:p>
+          <a:p>
+            <a:pPr>
+              <a:spcAft>
+                <a:spcPts val="600"/>
+              </a:spcAft>
+            </a:pPr>
+            <a:endParaRPr lang="ru-RU" sz="1600" dirty="0">
+              <a:latin typeface="Microsoft JhengHei UI Light" panose="020B0304030504040204" pitchFamily="34" charset="-120"/>
+              <a:ea typeface="Microsoft JhengHei UI Light" panose="020B0304030504040204" pitchFamily="34" charset="-120"/>
+            </a:endParaRPr>
+          </a:p>
+          <a:p>
+            <a:pPr>
+              <a:spcAft>
+                <a:spcPts val="600"/>
+              </a:spcAft>
+            </a:pPr>
+            <a:r>
+              <a:rPr lang="ru-RU" sz="1600" dirty="0">
+                <a:latin typeface="Microsoft JhengHei UI Light" panose="020B0304030504040204" pitchFamily="34" charset="-120"/>
+                <a:ea typeface="Microsoft JhengHei UI Light" panose="020B0304030504040204" pitchFamily="34" charset="-120"/>
+              </a:rPr>
+              <a:t>Также было проведено большое количество тестов производительности и проверки работы каждой функции.</a:t>
             </a:r>
           </a:p>
         </p:txBody>
       </p:sp>
-      <p:pic>
-        <p:nvPicPr>
-          <p:cNvPr id="7" name="Рисунок 6">
-            <a:extLst>
-              <a:ext uri="{FF2B5EF4-FFF2-40B4-BE49-F238E27FC236}">
-                <a16:creationId xmlns:a16="http://schemas.microsoft.com/office/drawing/2014/main" id="{2B51861D-9E45-74BE-E6D8-DE900328403B}"/>
-              </a:ext>
-            </a:extLst>
-          </p:cNvPr>
-          <p:cNvPicPr>
-            <a:picLocks noChangeAspect="1"/>
-          </p:cNvPicPr>
-          <p:nvPr/>
-        </p:nvPicPr>
-        <p:blipFill>
-          <a:blip r:embed="rId4"/>
-          <a:stretch>
-            <a:fillRect/>
-          </a:stretch>
-        </p:blipFill>
-        <p:spPr>
-          <a:xfrm>
-            <a:off x="905933" y="1964567"/>
-            <a:ext cx="3142192" cy="1973873"/>
-          </a:xfrm>
-          <a:prstGeom prst="rect">
-            <a:avLst/>
-          </a:prstGeom>
-        </p:spPr>
-      </p:pic>
-      <p:pic>
-        <p:nvPicPr>
-          <p:cNvPr id="9" name="Рисунок 8">
-            <a:extLst>
-              <a:ext uri="{FF2B5EF4-FFF2-40B4-BE49-F238E27FC236}">
-                <a16:creationId xmlns:a16="http://schemas.microsoft.com/office/drawing/2014/main" id="{6D43218A-EBCB-D895-CA0E-46902ED61B9E}"/>
-              </a:ext>
-            </a:extLst>
-          </p:cNvPr>
-          <p:cNvPicPr>
-            <a:picLocks noChangeAspect="1"/>
-          </p:cNvPicPr>
-          <p:nvPr/>
-        </p:nvPicPr>
-        <p:blipFill>
-          <a:blip r:embed="rId5"/>
-          <a:stretch>
-            <a:fillRect/>
-          </a:stretch>
-        </p:blipFill>
-        <p:spPr>
-          <a:xfrm>
-            <a:off x="926402" y="4070993"/>
-            <a:ext cx="3121723" cy="1973873"/>
-          </a:xfrm>
-          <a:prstGeom prst="rect">
-            <a:avLst/>
-          </a:prstGeom>
-        </p:spPr>
-      </p:pic>
-      <p:pic>
-        <p:nvPicPr>
-          <p:cNvPr id="11" name="Рисунок 10">
-            <a:extLst>
-              <a:ext uri="{FF2B5EF4-FFF2-40B4-BE49-F238E27FC236}">
-                <a16:creationId xmlns:a16="http://schemas.microsoft.com/office/drawing/2014/main" id="{4BFA4BF3-6CCD-37CA-5287-631762F6A187}"/>
-              </a:ext>
-            </a:extLst>
-          </p:cNvPr>
-          <p:cNvPicPr>
-            <a:picLocks noChangeAspect="1"/>
-          </p:cNvPicPr>
-          <p:nvPr/>
-        </p:nvPicPr>
-        <p:blipFill>
-          <a:blip r:embed="rId6"/>
-          <a:stretch>
-            <a:fillRect/>
-          </a:stretch>
-        </p:blipFill>
-        <p:spPr>
-          <a:xfrm>
-            <a:off x="4193853" y="1964567"/>
-            <a:ext cx="3127087" cy="1973873"/>
-          </a:xfrm>
-          <a:prstGeom prst="rect">
-            <a:avLst/>
-          </a:prstGeom>
-        </p:spPr>
-      </p:pic>
-      <p:pic>
-        <p:nvPicPr>
-          <p:cNvPr id="13" name="Рисунок 12">
-            <a:extLst>
-              <a:ext uri="{FF2B5EF4-FFF2-40B4-BE49-F238E27FC236}">
-                <a16:creationId xmlns:a16="http://schemas.microsoft.com/office/drawing/2014/main" id="{3CAD59CD-8D04-F7E7-C083-F3D7597398D5}"/>
-              </a:ext>
-            </a:extLst>
-          </p:cNvPr>
-          <p:cNvPicPr>
-            <a:picLocks noChangeAspect="1"/>
-          </p:cNvPicPr>
-          <p:nvPr/>
-        </p:nvPicPr>
-        <p:blipFill>
-          <a:blip r:embed="rId7"/>
-          <a:stretch>
-            <a:fillRect/>
-          </a:stretch>
-        </p:blipFill>
-        <p:spPr>
-          <a:xfrm>
-            <a:off x="4193853" y="4076357"/>
-            <a:ext cx="3121723" cy="1968509"/>
-          </a:xfrm>
-          <a:prstGeom prst="rect">
-            <a:avLst/>
-          </a:prstGeom>
-        </p:spPr>
-      </p:pic>
-      <p:pic>
-        <p:nvPicPr>
-          <p:cNvPr id="15" name="Рисунок 14">
-            <a:extLst>
-              <a:ext uri="{FF2B5EF4-FFF2-40B4-BE49-F238E27FC236}">
-                <a16:creationId xmlns:a16="http://schemas.microsoft.com/office/drawing/2014/main" id="{6CF84788-358D-996C-2804-4C9FC35F98FC}"/>
-              </a:ext>
-            </a:extLst>
-          </p:cNvPr>
-          <p:cNvPicPr>
-            <a:picLocks noChangeAspect="1"/>
-          </p:cNvPicPr>
-          <p:nvPr/>
-        </p:nvPicPr>
-        <p:blipFill>
-          <a:blip r:embed="rId8"/>
-          <a:stretch>
-            <a:fillRect/>
-          </a:stretch>
-        </p:blipFill>
-        <p:spPr>
-          <a:xfrm>
-            <a:off x="7461304" y="1964567"/>
-            <a:ext cx="3256194" cy="2238979"/>
-          </a:xfrm>
-          <a:prstGeom prst="rect">
-            <a:avLst/>
-          </a:prstGeom>
-        </p:spPr>
-      </p:pic>
     </p:spTree>
     <p:extLst>
       <p:ext uri="{BB962C8B-B14F-4D97-AF65-F5344CB8AC3E}">
-        <p14:creationId xmlns:p14="http://schemas.microsoft.com/office/powerpoint/2010/main" val="1940801824"/>
+        <p14:creationId xmlns:p14="http://schemas.microsoft.com/office/powerpoint/2010/main" val="1718911824"/>
       </p:ext>
     </p:extLst>
   </p:cSld>
@@ -8138,12 +8589,50 @@
           <a:chExt cx="0" cy="0"/>
         </a:xfrm>
       </p:grpSpPr>
+      <p:sp>
+        <p:nvSpPr>
+          <p:cNvPr id="2" name="TextBox 1">
+            <a:extLst>
+              <a:ext uri="{FF2B5EF4-FFF2-40B4-BE49-F238E27FC236}">
+                <a16:creationId xmlns:a16="http://schemas.microsoft.com/office/drawing/2014/main" id="{51A712D4-6CC6-AC85-BBE8-324B4310601C}"/>
+              </a:ext>
+            </a:extLst>
+          </p:cNvPr>
+          <p:cNvSpPr txBox="1"/>
+          <p:nvPr/>
+        </p:nvSpPr>
+        <p:spPr>
+          <a:xfrm>
+            <a:off x="905934" y="129801"/>
+            <a:ext cx="3191899" cy="646331"/>
+          </a:xfrm>
+          <a:prstGeom prst="rect">
+            <a:avLst/>
+          </a:prstGeom>
+          <a:noFill/>
+        </p:spPr>
+        <p:txBody>
+          <a:bodyPr wrap="none" rtlCol="0">
+            <a:spAutoFit/>
+          </a:bodyPr>
+          <a:lstStyle/>
+          <a:p>
+            <a:r>
+              <a:rPr lang="ru-RU" sz="3600" b="1" dirty="0">
+                <a:latin typeface="Microsoft JhengHei UI Light" panose="020B0304030504040204" pitchFamily="34" charset="-120"/>
+                <a:ea typeface="Microsoft JhengHei UI Light" panose="020B0304030504040204" pitchFamily="34" charset="-120"/>
+              </a:rPr>
+              <a:t>Определение</a:t>
+            </a:r>
+          </a:p>
+        </p:txBody>
+      </p:sp>
       <p:pic>
         <p:nvPicPr>
-          <p:cNvPr id="2" name="Picture 4">
-            <a:extLst>
-              <a:ext uri="{FF2B5EF4-FFF2-40B4-BE49-F238E27FC236}">
-                <a16:creationId xmlns:a16="http://schemas.microsoft.com/office/drawing/2014/main" id="{0ADDBEE4-0F50-8BFA-F646-416EC8E0ACE4}"/>
+          <p:cNvPr id="3" name="Picture 4">
+            <a:extLst>
+              <a:ext uri="{FF2B5EF4-FFF2-40B4-BE49-F238E27FC236}">
+                <a16:creationId xmlns:a16="http://schemas.microsoft.com/office/drawing/2014/main" id="{F14A0B64-896A-B29A-1BCA-33DE4FC7F945}"/>
               </a:ext>
             </a:extLst>
           </p:cNvPr>
@@ -8196,10 +8685,10 @@
       </p:pic>
       <p:sp>
         <p:nvSpPr>
-          <p:cNvPr id="3" name="TextBox 2">
-            <a:extLst>
-              <a:ext uri="{FF2B5EF4-FFF2-40B4-BE49-F238E27FC236}">
-                <a16:creationId xmlns:a16="http://schemas.microsoft.com/office/drawing/2014/main" id="{01D11709-A499-115E-AB9E-34D41AD293EE}"/>
+          <p:cNvPr id="4" name="TextBox 3">
+            <a:extLst>
+              <a:ext uri="{FF2B5EF4-FFF2-40B4-BE49-F238E27FC236}">
+                <a16:creationId xmlns:a16="http://schemas.microsoft.com/office/drawing/2014/main" id="{7029C47D-1453-85B3-FA77-6818F18302FD}"/>
               </a:ext>
             </a:extLst>
           </p:cNvPr>
@@ -8208,8 +8697,8 @@
         </p:nvSpPr>
         <p:spPr>
           <a:xfrm>
-            <a:off x="905934" y="129801"/>
-            <a:ext cx="2611612" cy="646331"/>
+            <a:off x="905934" y="1247239"/>
+            <a:ext cx="6241629" cy="2308324"/>
           </a:xfrm>
           <a:prstGeom prst="rect">
             <a:avLst/>
@@ -8217,977 +8706,113 @@
           <a:noFill/>
         </p:spPr>
         <p:txBody>
-          <a:bodyPr wrap="none" rtlCol="0">
+          <a:bodyPr wrap="square" rtlCol="0">
             <a:spAutoFit/>
           </a:bodyPr>
           <a:lstStyle/>
           <a:p>
             <a:r>
-              <a:rPr lang="ru-RU" sz="3600" b="1" dirty="0">
-                <a:latin typeface="Microsoft JhengHei UI Light" panose="020B0304030504040204" pitchFamily="34" charset="-120"/>
-                <a:ea typeface="Microsoft JhengHei UI Light" panose="020B0304030504040204" pitchFamily="34" charset="-120"/>
-              </a:rPr>
-              <a:t>Навигация</a:t>
-            </a:r>
-            <a:r>
-              <a:rPr lang="en-US" sz="3600" b="1" dirty="0">
-                <a:latin typeface="Microsoft JhengHei UI Light" panose="020B0304030504040204" pitchFamily="34" charset="-120"/>
-                <a:ea typeface="Microsoft JhengHei UI Light" panose="020B0304030504040204" pitchFamily="34" charset="-120"/>
-              </a:rPr>
-              <a:t>.</a:t>
-            </a:r>
-            <a:endParaRPr lang="ru-RU" sz="3600" b="1" dirty="0">
+              <a:rPr lang="ru-RU" dirty="0">
+                <a:latin typeface="Microsoft JhengHei UI Light" panose="020B0304030504040204" pitchFamily="34" charset="-120"/>
+                <a:ea typeface="Microsoft JhengHei UI Light" panose="020B0304030504040204" pitchFamily="34" charset="-120"/>
+              </a:rPr>
+              <a:t>Длинная арифметика – </a:t>
+            </a:r>
+            <a:r>
+              <a:rPr lang="ru-RU" b="0" i="0" dirty="0">
+                <a:effectLst/>
+                <a:latin typeface="Microsoft JhengHei UI Light" panose="020B0304030504040204" pitchFamily="34" charset="-120"/>
+                <a:ea typeface="Microsoft JhengHei UI Light" panose="020B0304030504040204" pitchFamily="34" charset="-120"/>
+              </a:rPr>
+              <a:t>выполняемые с помощью вычислительной машины арифметические операции над числами, разрядность которых превышает длину машинного слова данной вычислительной машины.</a:t>
+            </a:r>
+            <a:endParaRPr lang="ru-RU" dirty="0">
               <a:latin typeface="Microsoft JhengHei UI Light" panose="020B0304030504040204" pitchFamily="34" charset="-120"/>
               <a:ea typeface="Microsoft JhengHei UI Light" panose="020B0304030504040204" pitchFamily="34" charset="-120"/>
             </a:endParaRPr>
           </a:p>
+          <a:p>
+            <a:endParaRPr lang="en-US" dirty="0">
+              <a:latin typeface="Microsoft JhengHei UI Light" panose="020B0304030504040204" pitchFamily="34" charset="-120"/>
+              <a:ea typeface="Microsoft JhengHei UI Light" panose="020B0304030504040204" pitchFamily="34" charset="-120"/>
+            </a:endParaRPr>
+          </a:p>
+          <a:p>
+            <a:r>
+              <a:rPr lang="ru-RU" dirty="0">
+                <a:latin typeface="Microsoft JhengHei UI Light" panose="020B0304030504040204" pitchFamily="34" charset="-120"/>
+                <a:ea typeface="Microsoft JhengHei UI Light" panose="020B0304030504040204" pitchFamily="34" charset="-120"/>
+              </a:rPr>
+              <a:t>Эти операции реализуются </a:t>
+            </a:r>
+            <a:r>
+              <a:rPr lang="ru-RU" dirty="0" err="1">
+                <a:latin typeface="Microsoft JhengHei UI Light" panose="020B0304030504040204" pitchFamily="34" charset="-120"/>
+                <a:ea typeface="Microsoft JhengHei UI Light" panose="020B0304030504040204" pitchFamily="34" charset="-120"/>
+              </a:rPr>
+              <a:t>программно</a:t>
+            </a:r>
+            <a:r>
+              <a:rPr lang="ru-RU" dirty="0">
+                <a:latin typeface="Microsoft JhengHei UI Light" panose="020B0304030504040204" pitchFamily="34" charset="-120"/>
+                <a:ea typeface="Microsoft JhengHei UI Light" panose="020B0304030504040204" pitchFamily="34" charset="-120"/>
+              </a:rPr>
+              <a:t>, с использованием аппаратных средств работы с числами меньших порядков.</a:t>
+            </a:r>
+          </a:p>
         </p:txBody>
       </p:sp>
-      <mc:AlternateContent xmlns:mc="http://schemas.openxmlformats.org/markup-compatibility/2006">
-        <mc:Choice xmlns:psuz="http://schemas.microsoft.com/office/powerpoint/2016/summaryzoom" Requires="psuz">
-          <p:graphicFrame>
-            <p:nvGraphicFramePr>
-              <p:cNvPr id="6" name="Интерактивное оглавление 5">
-                <a:extLst>
-                  <a:ext uri="{FF2B5EF4-FFF2-40B4-BE49-F238E27FC236}">
-                    <a16:creationId xmlns:a16="http://schemas.microsoft.com/office/drawing/2014/main" id="{1D49DBCE-23BA-96C2-4F09-CDCC2C5E597E}"/>
-                  </a:ext>
-                </a:extLst>
-              </p:cNvPr>
-              <p:cNvGraphicFramePr>
-                <a:graphicFrameLocks noChangeAspect="1"/>
-              </p:cNvGraphicFramePr>
-              <p:nvPr>
-                <p:extLst>
-                  <p:ext uri="{D42A27DB-BD31-4B8C-83A1-F6EECF244321}">
-                    <p14:modId xmlns:p14="http://schemas.microsoft.com/office/powerpoint/2010/main" val="3461024677"/>
-                  </p:ext>
-                </p:extLst>
-              </p:nvPr>
-            </p:nvGraphicFramePr>
-            <p:xfrm>
-              <a:off x="838200" y="1253331"/>
-              <a:ext cx="10515600" cy="4351338"/>
-            </p:xfrm>
-            <a:graphic>
-              <a:graphicData uri="http://schemas.microsoft.com/office/powerpoint/2016/summaryzoom">
-                <psuz:summaryZm>
-                  <psuz:summaryZmObj sectionId="{E73B1D0F-88BB-47F9-9108-C28B6F25380A}">
-                    <psuz:zmPr id="{F5EC460A-6856-49A2-BA5C-2FBA65DC5BAD}" transitionDur="1000">
-                      <p166:blipFill xmlns:p166="http://schemas.microsoft.com/office/powerpoint/2016/6/main">
-                        <a:blip r:embed="rId4"/>
-                        <a:stretch>
-                          <a:fillRect/>
-                        </a:stretch>
-                      </p166:blipFill>
-                      <p166:spPr xmlns:p166="http://schemas.microsoft.com/office/powerpoint/2016/6/main">
-                        <a:xfrm>
-                          <a:off x="1678827" y="119662"/>
-                          <a:ext cx="1740534" cy="979051"/>
-                        </a:xfrm>
-                        <a:prstGeom prst="rect">
-                          <a:avLst/>
-                        </a:prstGeom>
-                        <a:ln w="3175">
-                          <a:solidFill>
-                            <a:prstClr val="ltGray"/>
-                          </a:solidFill>
-                        </a:ln>
-                      </p166:spPr>
-                    </psuz:zmPr>
-                  </psuz:summaryZmObj>
-                  <psuz:summaryZmObj sectionId="{354C11D5-5122-4920-B6B0-29C94D4E3607}">
-                    <psuz:zmPr id="{854FFA6E-3735-45C5-99EC-BF15EA8A248B}" transitionDur="1000">
-                      <p166:blipFill xmlns:p166="http://schemas.microsoft.com/office/powerpoint/2016/6/main">
-                        <a:blip r:embed="rId5"/>
-                        <a:stretch>
-                          <a:fillRect/>
-                        </a:stretch>
-                      </p166:blipFill>
-                      <p166:spPr xmlns:p166="http://schemas.microsoft.com/office/powerpoint/2016/6/main">
-                        <a:xfrm>
-                          <a:off x="3484631" y="119662"/>
-                          <a:ext cx="1740534" cy="979051"/>
-                        </a:xfrm>
-                        <a:prstGeom prst="rect">
-                          <a:avLst/>
-                        </a:prstGeom>
-                        <a:ln w="3175">
-                          <a:solidFill>
-                            <a:prstClr val="ltGray"/>
-                          </a:solidFill>
-                        </a:ln>
-                      </p166:spPr>
-                    </psuz:zmPr>
-                  </psuz:summaryZmObj>
-                  <psuz:summaryZmObj sectionId="{7407E702-A954-4458-8D21-D978A971AC1D}">
-                    <psuz:zmPr id="{D5764441-1593-4FBC-A04A-C84D68DCA5C5}" transitionDur="1000">
-                      <p166:blipFill xmlns:p166="http://schemas.microsoft.com/office/powerpoint/2016/6/main">
-                        <a:blip r:embed="rId6"/>
-                        <a:stretch>
-                          <a:fillRect/>
-                        </a:stretch>
-                      </p166:blipFill>
-                      <p166:spPr xmlns:p166="http://schemas.microsoft.com/office/powerpoint/2016/6/main">
-                        <a:xfrm>
-                          <a:off x="5290435" y="119662"/>
-                          <a:ext cx="1740534" cy="979051"/>
-                        </a:xfrm>
-                        <a:prstGeom prst="rect">
-                          <a:avLst/>
-                        </a:prstGeom>
-                        <a:ln w="3175">
-                          <a:solidFill>
-                            <a:prstClr val="ltGray"/>
-                          </a:solidFill>
-                        </a:ln>
-                      </p166:spPr>
-                    </psuz:zmPr>
-                  </psuz:summaryZmObj>
-                  <psuz:summaryZmObj sectionId="{B292BD18-493E-47E1-9921-EC9D35E0960B}">
-                    <psuz:zmPr id="{08E72380-DDAE-4161-A747-961B12FA9F8A}" transitionDur="1000">
-                      <p166:blipFill xmlns:p166="http://schemas.microsoft.com/office/powerpoint/2016/6/main">
-                        <a:blip r:embed="rId7"/>
-                        <a:stretch>
-                          <a:fillRect/>
-                        </a:stretch>
-                      </p166:blipFill>
-                      <p166:spPr xmlns:p166="http://schemas.microsoft.com/office/powerpoint/2016/6/main">
-                        <a:xfrm>
-                          <a:off x="7096239" y="119662"/>
-                          <a:ext cx="1740534" cy="979051"/>
-                        </a:xfrm>
-                        <a:prstGeom prst="rect">
-                          <a:avLst/>
-                        </a:prstGeom>
-                        <a:ln w="3175">
-                          <a:solidFill>
-                            <a:prstClr val="ltGray"/>
-                          </a:solidFill>
-                        </a:ln>
-                      </p166:spPr>
-                    </psuz:zmPr>
-                  </psuz:summaryZmObj>
-                  <psuz:summaryZmObj sectionId="{EE8BE5B6-A813-4582-8DF5-A902B3E13E5E}">
-                    <psuz:zmPr id="{8FA45D55-8F45-499B-9017-96EE3EE053CD}" transitionDur="1000">
-                      <p166:blipFill xmlns:p166="http://schemas.microsoft.com/office/powerpoint/2016/6/main">
-                        <a:blip r:embed="rId8"/>
-                        <a:stretch>
-                          <a:fillRect/>
-                        </a:stretch>
-                      </p166:blipFill>
-                      <p166:spPr xmlns:p166="http://schemas.microsoft.com/office/powerpoint/2016/6/main">
-                        <a:xfrm>
-                          <a:off x="1678827" y="1163983"/>
-                          <a:ext cx="1740534" cy="979051"/>
-                        </a:xfrm>
-                        <a:prstGeom prst="rect">
-                          <a:avLst/>
-                        </a:prstGeom>
-                        <a:ln w="3175">
-                          <a:solidFill>
-                            <a:prstClr val="ltGray"/>
-                          </a:solidFill>
-                        </a:ln>
-                      </p166:spPr>
-                    </psuz:zmPr>
-                  </psuz:summaryZmObj>
-                  <psuz:summaryZmObj sectionId="{CF62D7D1-B41F-4C14-940A-4F054DE726E6}">
-                    <psuz:zmPr id="{8FBE70D3-D12D-44B8-8795-4039D8302995}" transitionDur="1000">
-                      <p166:blipFill xmlns:p166="http://schemas.microsoft.com/office/powerpoint/2016/6/main">
-                        <a:blip r:embed="rId9"/>
-                        <a:stretch>
-                          <a:fillRect/>
-                        </a:stretch>
-                      </p166:blipFill>
-                      <p166:spPr xmlns:p166="http://schemas.microsoft.com/office/powerpoint/2016/6/main">
-                        <a:xfrm>
-                          <a:off x="3484631" y="1163983"/>
-                          <a:ext cx="1740534" cy="979051"/>
-                        </a:xfrm>
-                        <a:prstGeom prst="rect">
-                          <a:avLst/>
-                        </a:prstGeom>
-                        <a:ln w="3175">
-                          <a:solidFill>
-                            <a:prstClr val="ltGray"/>
-                          </a:solidFill>
-                        </a:ln>
-                      </p166:spPr>
-                    </psuz:zmPr>
-                  </psuz:summaryZmObj>
-                  <psuz:summaryZmObj sectionId="{298EB2BE-E734-4AED-A350-A69288393B60}">
-                    <psuz:zmPr id="{4C8BA611-CE63-46BD-BE15-314631A8B752}" transitionDur="1000">
-                      <p166:blipFill xmlns:p166="http://schemas.microsoft.com/office/powerpoint/2016/6/main">
-                        <a:blip r:embed="rId10"/>
-                        <a:stretch>
-                          <a:fillRect/>
-                        </a:stretch>
-                      </p166:blipFill>
-                      <p166:spPr xmlns:p166="http://schemas.microsoft.com/office/powerpoint/2016/6/main">
-                        <a:xfrm>
-                          <a:off x="5290435" y="1163983"/>
-                          <a:ext cx="1740534" cy="979051"/>
-                        </a:xfrm>
-                        <a:prstGeom prst="rect">
-                          <a:avLst/>
-                        </a:prstGeom>
-                        <a:ln w="3175">
-                          <a:solidFill>
-                            <a:prstClr val="ltGray"/>
-                          </a:solidFill>
-                        </a:ln>
-                      </p166:spPr>
-                    </psuz:zmPr>
-                  </psuz:summaryZmObj>
-                  <psuz:summaryZmObj sectionId="{11813D80-B93E-4002-8A3B-9CC7D67D1082}">
-                    <psuz:zmPr id="{A34D324F-58D6-48D3-92D0-95A22F9B61A0}" transitionDur="1000">
-                      <p166:blipFill xmlns:p166="http://schemas.microsoft.com/office/powerpoint/2016/6/main">
-                        <a:blip r:embed="rId11"/>
-                        <a:stretch>
-                          <a:fillRect/>
-                        </a:stretch>
-                      </p166:blipFill>
-                      <p166:spPr xmlns:p166="http://schemas.microsoft.com/office/powerpoint/2016/6/main">
-                        <a:xfrm>
-                          <a:off x="7096239" y="1163983"/>
-                          <a:ext cx="1740534" cy="979051"/>
-                        </a:xfrm>
-                        <a:prstGeom prst="rect">
-                          <a:avLst/>
-                        </a:prstGeom>
-                        <a:ln w="3175">
-                          <a:solidFill>
-                            <a:prstClr val="ltGray"/>
-                          </a:solidFill>
-                        </a:ln>
-                      </p166:spPr>
-                    </psuz:zmPr>
-                  </psuz:summaryZmObj>
-                  <psuz:summaryZmObj sectionId="{23F768B8-358F-43E4-8442-5B411EB792D7}">
-                    <psuz:zmPr id="{7B34469E-15F7-461E-BE71-5BB488F0CF33}" transitionDur="1000">
-                      <p166:blipFill xmlns:p166="http://schemas.microsoft.com/office/powerpoint/2016/6/main">
-                        <a:blip r:embed="rId12"/>
-                        <a:stretch>
-                          <a:fillRect/>
-                        </a:stretch>
-                      </p166:blipFill>
-                      <p166:spPr xmlns:p166="http://schemas.microsoft.com/office/powerpoint/2016/6/main">
-                        <a:xfrm>
-                          <a:off x="1678827" y="2208304"/>
-                          <a:ext cx="1740534" cy="979051"/>
-                        </a:xfrm>
-                        <a:prstGeom prst="rect">
-                          <a:avLst/>
-                        </a:prstGeom>
-                        <a:ln w="3175">
-                          <a:solidFill>
-                            <a:prstClr val="ltGray"/>
-                          </a:solidFill>
-                        </a:ln>
-                      </p166:spPr>
-                    </psuz:zmPr>
-                  </psuz:summaryZmObj>
-                  <psuz:summaryZmObj sectionId="{93715C43-72B5-4562-9865-A544C9531F18}">
-                    <psuz:zmPr id="{B34FB6AB-B3DE-46BE-B1D8-8CD11314C817}" transitionDur="1000">
-                      <p166:blipFill xmlns:p166="http://schemas.microsoft.com/office/powerpoint/2016/6/main">
-                        <a:blip r:embed="rId13"/>
-                        <a:stretch>
-                          <a:fillRect/>
-                        </a:stretch>
-                      </p166:blipFill>
-                      <p166:spPr xmlns:p166="http://schemas.microsoft.com/office/powerpoint/2016/6/main">
-                        <a:xfrm>
-                          <a:off x="3484631" y="2208304"/>
-                          <a:ext cx="1740534" cy="979051"/>
-                        </a:xfrm>
-                        <a:prstGeom prst="rect">
-                          <a:avLst/>
-                        </a:prstGeom>
-                        <a:ln w="3175">
-                          <a:solidFill>
-                            <a:prstClr val="ltGray"/>
-                          </a:solidFill>
-                        </a:ln>
-                      </p166:spPr>
-                    </psuz:zmPr>
-                  </psuz:summaryZmObj>
-                  <psuz:summaryZmObj sectionId="{E329CD7E-DB6C-4CBC-A184-9F0E253F2735}">
-                    <psuz:zmPr id="{8A2BF377-1164-495C-8F08-6024F0F7EE39}" transitionDur="1000">
-                      <p166:blipFill xmlns:p166="http://schemas.microsoft.com/office/powerpoint/2016/6/main">
-                        <a:blip r:embed="rId14"/>
-                        <a:stretch>
-                          <a:fillRect/>
-                        </a:stretch>
-                      </p166:blipFill>
-                      <p166:spPr xmlns:p166="http://schemas.microsoft.com/office/powerpoint/2016/6/main">
-                        <a:xfrm>
-                          <a:off x="5290435" y="2208304"/>
-                          <a:ext cx="1740534" cy="979051"/>
-                        </a:xfrm>
-                        <a:prstGeom prst="rect">
-                          <a:avLst/>
-                        </a:prstGeom>
-                        <a:ln w="3175">
-                          <a:solidFill>
-                            <a:prstClr val="ltGray"/>
-                          </a:solidFill>
-                        </a:ln>
-                      </p166:spPr>
-                    </psuz:zmPr>
-                  </psuz:summaryZmObj>
-                  <psuz:summaryZmObj sectionId="{EA4B0A92-2662-4047-BC41-E5A1E0613910}">
-                    <psuz:zmPr id="{680327D1-048C-45DE-A7FE-40D3DF13C6A6}" transitionDur="1000">
-                      <p166:blipFill xmlns:p166="http://schemas.microsoft.com/office/powerpoint/2016/6/main">
-                        <a:blip r:embed="rId15"/>
-                        <a:stretch>
-                          <a:fillRect/>
-                        </a:stretch>
-                      </p166:blipFill>
-                      <p166:spPr xmlns:p166="http://schemas.microsoft.com/office/powerpoint/2016/6/main">
-                        <a:xfrm>
-                          <a:off x="7096239" y="2208304"/>
-                          <a:ext cx="1740534" cy="979051"/>
-                        </a:xfrm>
-                        <a:prstGeom prst="rect">
-                          <a:avLst/>
-                        </a:prstGeom>
-                        <a:ln w="3175">
-                          <a:solidFill>
-                            <a:prstClr val="ltGray"/>
-                          </a:solidFill>
-                        </a:ln>
-                      </p166:spPr>
-                    </psuz:zmPr>
-                  </psuz:summaryZmObj>
-                  <psuz:summaryZmObj sectionId="{CAC12D47-420C-41E6-BB07-597A52CCE4CF}">
-                    <psuz:zmPr id="{3AC964CB-B932-4C79-92F2-8610C4B57506}" transitionDur="1000">
-                      <p166:blipFill xmlns:p166="http://schemas.microsoft.com/office/powerpoint/2016/6/main">
-                        <a:blip r:embed="rId16"/>
-                        <a:stretch>
-                          <a:fillRect/>
-                        </a:stretch>
-                      </p166:blipFill>
-                      <p166:spPr xmlns:p166="http://schemas.microsoft.com/office/powerpoint/2016/6/main">
-                        <a:xfrm>
-                          <a:off x="1678827" y="3252625"/>
-                          <a:ext cx="1740534" cy="979051"/>
-                        </a:xfrm>
-                        <a:prstGeom prst="rect">
-                          <a:avLst/>
-                        </a:prstGeom>
-                        <a:ln w="3175">
-                          <a:solidFill>
-                            <a:prstClr val="ltGray"/>
-                          </a:solidFill>
-                        </a:ln>
-                      </p166:spPr>
-                    </psuz:zmPr>
-                  </psuz:summaryZmObj>
-                  <psuz:summaryZmObj sectionId="{EC008753-6ED2-49AF-924D-47B281D2146C}">
-                    <psuz:zmPr id="{3C357918-8B32-455B-9712-AA1508A582E2}" transitionDur="1000">
-                      <p166:blipFill xmlns:p166="http://schemas.microsoft.com/office/powerpoint/2016/6/main">
-                        <a:blip r:embed="rId17"/>
-                        <a:stretch>
-                          <a:fillRect/>
-                        </a:stretch>
-                      </p166:blipFill>
-                      <p166:spPr xmlns:p166="http://schemas.microsoft.com/office/powerpoint/2016/6/main">
-                        <a:xfrm>
-                          <a:off x="3484631" y="3252625"/>
-                          <a:ext cx="1740534" cy="979051"/>
-                        </a:xfrm>
-                        <a:prstGeom prst="rect">
-                          <a:avLst/>
-                        </a:prstGeom>
-                        <a:ln w="3175">
-                          <a:solidFill>
-                            <a:prstClr val="ltGray"/>
-                          </a:solidFill>
-                        </a:ln>
-                      </p166:spPr>
-                    </psuz:zmPr>
-                  </psuz:summaryZmObj>
-                  <psuz:summaryZmObj sectionId="{3F728E29-A4D3-491B-ADDB-097DE3AE4185}">
-                    <psuz:zmPr id="{E71C6D73-E57B-4A68-961F-33B1CB86345C}" transitionDur="1000">
-                      <p166:blipFill xmlns:p166="http://schemas.microsoft.com/office/powerpoint/2016/6/main">
-                        <a:blip r:embed="rId18"/>
-                        <a:stretch>
-                          <a:fillRect/>
-                        </a:stretch>
-                      </p166:blipFill>
-                      <p166:spPr xmlns:p166="http://schemas.microsoft.com/office/powerpoint/2016/6/main">
-                        <a:xfrm>
-                          <a:off x="5290435" y="3252625"/>
-                          <a:ext cx="1740534" cy="979051"/>
-                        </a:xfrm>
-                        <a:prstGeom prst="rect">
-                          <a:avLst/>
-                        </a:prstGeom>
-                        <a:ln w="3175">
-                          <a:solidFill>
-                            <a:prstClr val="ltGray"/>
-                          </a:solidFill>
-                        </a:ln>
-                      </p166:spPr>
-                    </psuz:zmPr>
-                  </psuz:summaryZmObj>
-                  <psuz:summaryZmObj sectionId="{45331DDE-ABA4-49FC-8BC2-B9070EADE622}">
-                    <psuz:zmPr id="{2D003AE5-74D2-4376-88E0-4B9FCD555140}" transitionDur="1000">
-                      <p166:blipFill xmlns:p166="http://schemas.microsoft.com/office/powerpoint/2016/6/main">
-                        <a:blip r:embed="rId19"/>
-                        <a:stretch>
-                          <a:fillRect/>
-                        </a:stretch>
-                      </p166:blipFill>
-                      <p166:spPr xmlns:p166="http://schemas.microsoft.com/office/powerpoint/2016/6/main">
-                        <a:xfrm>
-                          <a:off x="7096239" y="3252625"/>
-                          <a:ext cx="1740534" cy="979051"/>
-                        </a:xfrm>
-                        <a:prstGeom prst="rect">
-                          <a:avLst/>
-                        </a:prstGeom>
-                        <a:ln w="3175">
-                          <a:solidFill>
-                            <a:prstClr val="ltGray"/>
-                          </a:solidFill>
-                        </a:ln>
-                      </p166:spPr>
-                    </psuz:zmPr>
-                  </psuz:summaryZmObj>
-                  <psuz:gridLayout/>
-                </psuz:summaryZm>
-              </a:graphicData>
-            </a:graphic>
-          </p:graphicFrame>
-        </mc:Choice>
-        <mc:Fallback>
-          <p:grpSp>
-            <p:nvGrpSpPr>
-              <p:cNvPr id="6" name="Интерактивное оглавление 5">
-                <a:extLst>
-                  <a:ext uri="{FF2B5EF4-FFF2-40B4-BE49-F238E27FC236}">
-                    <a16:creationId xmlns:a16="http://schemas.microsoft.com/office/drawing/2014/main" id="{1D49DBCE-23BA-96C2-4F09-CDCC2C5E597E}"/>
-                  </a:ext>
-                </a:extLst>
-              </p:cNvPr>
-              <p:cNvGrpSpPr>
-                <a:grpSpLocks noGrp="1" noUngrp="1" noRot="1" noChangeAspect="1" noMove="1" noResize="1"/>
-              </p:cNvGrpSpPr>
-              <p:nvPr/>
-            </p:nvGrpSpPr>
-            <p:grpSpPr>
-              <a:xfrm>
-                <a:off x="838200" y="1253331"/>
-                <a:ext cx="10515600" cy="4351338"/>
-                <a:chOff x="838200" y="1253331"/>
-                <a:chExt cx="10515600" cy="4351338"/>
-              </a:xfrm>
-            </p:grpSpPr>
-            <p:pic>
-              <p:nvPicPr>
-                <p:cNvPr id="4" name="Рисунок 4">
-                  <a:hlinkClick r:id="rId20" action="ppaction://hlinksldjump"/>
-                </p:cNvPr>
-                <p:cNvPicPr>
-                  <a:picLocks noSelect="1" noRot="1" noChangeAspect="1" noMove="1" noResize="1" noEditPoints="1" noAdjustHandles="1" noChangeArrowheads="1" noChangeShapeType="1"/>
-                </p:cNvPicPr>
-                <p:nvPr/>
-              </p:nvPicPr>
-              <p:blipFill>
-                <a:blip r:embed="rId4"/>
-                <a:stretch>
-                  <a:fillRect/>
-                </a:stretch>
-              </p:blipFill>
-              <p:spPr>
-                <a:xfrm>
-                  <a:off x="2517027" y="1372993"/>
-                  <a:ext cx="1740534" cy="979051"/>
-                </a:xfrm>
-                <a:prstGeom prst="rect">
-                  <a:avLst/>
-                </a:prstGeom>
-                <a:ln w="3175">
-                  <a:solidFill>
-                    <a:prstClr val="ltGray"/>
-                  </a:solidFill>
-                </a:ln>
-              </p:spPr>
-            </p:pic>
-            <p:pic>
-              <p:nvPicPr>
-                <p:cNvPr id="5" name="Рисунок 5">
-                  <a:hlinkClick r:id="rId21" action="ppaction://hlinksldjump"/>
-                </p:cNvPr>
-                <p:cNvPicPr>
-                  <a:picLocks noSelect="1" noRot="1" noChangeAspect="1" noMove="1" noResize="1" noEditPoints="1" noAdjustHandles="1" noChangeArrowheads="1" noChangeShapeType="1"/>
-                </p:cNvPicPr>
-                <p:nvPr/>
-              </p:nvPicPr>
-              <p:blipFill>
-                <a:blip r:embed="rId5"/>
-                <a:stretch>
-                  <a:fillRect/>
-                </a:stretch>
-              </p:blipFill>
-              <p:spPr>
-                <a:xfrm>
-                  <a:off x="4322831" y="1372993"/>
-                  <a:ext cx="1740534" cy="979051"/>
-                </a:xfrm>
-                <a:prstGeom prst="rect">
-                  <a:avLst/>
-                </a:prstGeom>
-                <a:ln w="3175">
-                  <a:solidFill>
-                    <a:prstClr val="ltGray"/>
-                  </a:solidFill>
-                </a:ln>
-              </p:spPr>
-            </p:pic>
-            <p:pic>
-              <p:nvPicPr>
-                <p:cNvPr id="7" name="Рисунок 7">
-                  <a:hlinkClick r:id="rId22" action="ppaction://hlinksldjump"/>
-                </p:cNvPr>
-                <p:cNvPicPr>
-                  <a:picLocks noSelect="1" noRot="1" noChangeAspect="1" noMove="1" noResize="1" noEditPoints="1" noAdjustHandles="1" noChangeArrowheads="1" noChangeShapeType="1"/>
-                </p:cNvPicPr>
-                <p:nvPr/>
-              </p:nvPicPr>
-              <p:blipFill>
-                <a:blip r:embed="rId6"/>
-                <a:stretch>
-                  <a:fillRect/>
-                </a:stretch>
-              </p:blipFill>
-              <p:spPr>
-                <a:xfrm>
-                  <a:off x="6128635" y="1372993"/>
-                  <a:ext cx="1740534" cy="979051"/>
-                </a:xfrm>
-                <a:prstGeom prst="rect">
-                  <a:avLst/>
-                </a:prstGeom>
-                <a:ln w="3175">
-                  <a:solidFill>
-                    <a:prstClr val="ltGray"/>
-                  </a:solidFill>
-                </a:ln>
-              </p:spPr>
-            </p:pic>
-            <p:pic>
-              <p:nvPicPr>
-                <p:cNvPr id="8" name="Рисунок 8">
-                  <a:hlinkClick r:id="rId23" action="ppaction://hlinksldjump"/>
-                </p:cNvPr>
-                <p:cNvPicPr>
-                  <a:picLocks noSelect="1" noRot="1" noChangeAspect="1" noMove="1" noResize="1" noEditPoints="1" noAdjustHandles="1" noChangeArrowheads="1" noChangeShapeType="1"/>
-                </p:cNvPicPr>
-                <p:nvPr/>
-              </p:nvPicPr>
-              <p:blipFill>
-                <a:blip r:embed="rId7"/>
-                <a:stretch>
-                  <a:fillRect/>
-                </a:stretch>
-              </p:blipFill>
-              <p:spPr>
-                <a:xfrm>
-                  <a:off x="7934439" y="1372993"/>
-                  <a:ext cx="1740534" cy="979051"/>
-                </a:xfrm>
-                <a:prstGeom prst="rect">
-                  <a:avLst/>
-                </a:prstGeom>
-                <a:ln w="3175">
-                  <a:solidFill>
-                    <a:prstClr val="ltGray"/>
-                  </a:solidFill>
-                </a:ln>
-              </p:spPr>
-            </p:pic>
-            <p:pic>
-              <p:nvPicPr>
-                <p:cNvPr id="9" name="Рисунок 9">
-                  <a:hlinkClick r:id="rId24" action="ppaction://hlinksldjump"/>
-                </p:cNvPr>
-                <p:cNvPicPr>
-                  <a:picLocks noSelect="1" noRot="1" noChangeAspect="1" noMove="1" noResize="1" noEditPoints="1" noAdjustHandles="1" noChangeArrowheads="1" noChangeShapeType="1"/>
-                </p:cNvPicPr>
-                <p:nvPr/>
-              </p:nvPicPr>
-              <p:blipFill>
-                <a:blip r:embed="rId8"/>
-                <a:stretch>
-                  <a:fillRect/>
-                </a:stretch>
-              </p:blipFill>
-              <p:spPr>
-                <a:xfrm>
-                  <a:off x="2517027" y="2417314"/>
-                  <a:ext cx="1740534" cy="979051"/>
-                </a:xfrm>
-                <a:prstGeom prst="rect">
-                  <a:avLst/>
-                </a:prstGeom>
-                <a:ln w="3175">
-                  <a:solidFill>
-                    <a:prstClr val="ltGray"/>
-                  </a:solidFill>
-                </a:ln>
-              </p:spPr>
-            </p:pic>
-            <p:pic>
-              <p:nvPicPr>
-                <p:cNvPr id="10" name="Рисунок 10">
-                  <a:hlinkClick r:id="rId25" action="ppaction://hlinksldjump"/>
-                </p:cNvPr>
-                <p:cNvPicPr>
-                  <a:picLocks noSelect="1" noRot="1" noChangeAspect="1" noMove="1" noResize="1" noEditPoints="1" noAdjustHandles="1" noChangeArrowheads="1" noChangeShapeType="1"/>
-                </p:cNvPicPr>
-                <p:nvPr/>
-              </p:nvPicPr>
-              <p:blipFill>
-                <a:blip r:embed="rId9"/>
-                <a:stretch>
-                  <a:fillRect/>
-                </a:stretch>
-              </p:blipFill>
-              <p:spPr>
-                <a:xfrm>
-                  <a:off x="4322831" y="2417314"/>
-                  <a:ext cx="1740534" cy="979051"/>
-                </a:xfrm>
-                <a:prstGeom prst="rect">
-                  <a:avLst/>
-                </a:prstGeom>
-                <a:ln w="3175">
-                  <a:solidFill>
-                    <a:prstClr val="ltGray"/>
-                  </a:solidFill>
-                </a:ln>
-              </p:spPr>
-            </p:pic>
-            <p:pic>
-              <p:nvPicPr>
-                <p:cNvPr id="11" name="Рисунок 11">
-                  <a:hlinkClick r:id="rId26" action="ppaction://hlinksldjump"/>
-                </p:cNvPr>
-                <p:cNvPicPr>
-                  <a:picLocks noSelect="1" noRot="1" noChangeAspect="1" noMove="1" noResize="1" noEditPoints="1" noAdjustHandles="1" noChangeArrowheads="1" noChangeShapeType="1"/>
-                </p:cNvPicPr>
-                <p:nvPr/>
-              </p:nvPicPr>
-              <p:blipFill>
-                <a:blip r:embed="rId10"/>
-                <a:stretch>
-                  <a:fillRect/>
-                </a:stretch>
-              </p:blipFill>
-              <p:spPr>
-                <a:xfrm>
-                  <a:off x="6128635" y="2417314"/>
-                  <a:ext cx="1740534" cy="979051"/>
-                </a:xfrm>
-                <a:prstGeom prst="rect">
-                  <a:avLst/>
-                </a:prstGeom>
-                <a:ln w="3175">
-                  <a:solidFill>
-                    <a:prstClr val="ltGray"/>
-                  </a:solidFill>
-                </a:ln>
-              </p:spPr>
-            </p:pic>
-            <p:pic>
-              <p:nvPicPr>
-                <p:cNvPr id="12" name="Рисунок 12">
-                  <a:hlinkClick r:id="rId27" action="ppaction://hlinksldjump"/>
-                </p:cNvPr>
-                <p:cNvPicPr>
-                  <a:picLocks noSelect="1" noRot="1" noChangeAspect="1" noMove="1" noResize="1" noEditPoints="1" noAdjustHandles="1" noChangeArrowheads="1" noChangeShapeType="1"/>
-                </p:cNvPicPr>
-                <p:nvPr/>
-              </p:nvPicPr>
-              <p:blipFill>
-                <a:blip r:embed="rId11"/>
-                <a:stretch>
-                  <a:fillRect/>
-                </a:stretch>
-              </p:blipFill>
-              <p:spPr>
-                <a:xfrm>
-                  <a:off x="7934439" y="2417314"/>
-                  <a:ext cx="1740534" cy="979051"/>
-                </a:xfrm>
-                <a:prstGeom prst="rect">
-                  <a:avLst/>
-                </a:prstGeom>
-                <a:ln w="3175">
-                  <a:solidFill>
-                    <a:prstClr val="ltGray"/>
-                  </a:solidFill>
-                </a:ln>
-              </p:spPr>
-            </p:pic>
-            <p:pic>
-              <p:nvPicPr>
-                <p:cNvPr id="13" name="Рисунок 13">
-                  <a:hlinkClick r:id="rId28" action="ppaction://hlinksldjump"/>
-                </p:cNvPr>
-                <p:cNvPicPr>
-                  <a:picLocks noSelect="1" noRot="1" noChangeAspect="1" noMove="1" noResize="1" noEditPoints="1" noAdjustHandles="1" noChangeArrowheads="1" noChangeShapeType="1"/>
-                </p:cNvPicPr>
-                <p:nvPr/>
-              </p:nvPicPr>
-              <p:blipFill>
-                <a:blip r:embed="rId12"/>
-                <a:stretch>
-                  <a:fillRect/>
-                </a:stretch>
-              </p:blipFill>
-              <p:spPr>
-                <a:xfrm>
-                  <a:off x="2517027" y="3461635"/>
-                  <a:ext cx="1740534" cy="979051"/>
-                </a:xfrm>
-                <a:prstGeom prst="rect">
-                  <a:avLst/>
-                </a:prstGeom>
-                <a:ln w="3175">
-                  <a:solidFill>
-                    <a:prstClr val="ltGray"/>
-                  </a:solidFill>
-                </a:ln>
-              </p:spPr>
-            </p:pic>
-            <p:pic>
-              <p:nvPicPr>
-                <p:cNvPr id="14" name="Рисунок 14">
-                  <a:hlinkClick r:id="rId29" action="ppaction://hlinksldjump"/>
-                </p:cNvPr>
-                <p:cNvPicPr>
-                  <a:picLocks noSelect="1" noRot="1" noChangeAspect="1" noMove="1" noResize="1" noEditPoints="1" noAdjustHandles="1" noChangeArrowheads="1" noChangeShapeType="1"/>
-                </p:cNvPicPr>
-                <p:nvPr/>
-              </p:nvPicPr>
-              <p:blipFill>
-                <a:blip r:embed="rId13"/>
-                <a:stretch>
-                  <a:fillRect/>
-                </a:stretch>
-              </p:blipFill>
-              <p:spPr>
-                <a:xfrm>
-                  <a:off x="4322831" y="3461635"/>
-                  <a:ext cx="1740534" cy="979051"/>
-                </a:xfrm>
-                <a:prstGeom prst="rect">
-                  <a:avLst/>
-                </a:prstGeom>
-                <a:ln w="3175">
-                  <a:solidFill>
-                    <a:prstClr val="ltGray"/>
-                  </a:solidFill>
-                </a:ln>
-              </p:spPr>
-            </p:pic>
-            <p:pic>
-              <p:nvPicPr>
-                <p:cNvPr id="15" name="Рисунок 15">
-                  <a:hlinkClick r:id="rId30" action="ppaction://hlinksldjump"/>
-                </p:cNvPr>
-                <p:cNvPicPr>
-                  <a:picLocks noSelect="1" noRot="1" noChangeAspect="1" noMove="1" noResize="1" noEditPoints="1" noAdjustHandles="1" noChangeArrowheads="1" noChangeShapeType="1"/>
-                </p:cNvPicPr>
-                <p:nvPr/>
-              </p:nvPicPr>
-              <p:blipFill>
-                <a:blip r:embed="rId14"/>
-                <a:stretch>
-                  <a:fillRect/>
-                </a:stretch>
-              </p:blipFill>
-              <p:spPr>
-                <a:xfrm>
-                  <a:off x="6128635" y="3461635"/>
-                  <a:ext cx="1740534" cy="979051"/>
-                </a:xfrm>
-                <a:prstGeom prst="rect">
-                  <a:avLst/>
-                </a:prstGeom>
-                <a:ln w="3175">
-                  <a:solidFill>
-                    <a:prstClr val="ltGray"/>
-                  </a:solidFill>
-                </a:ln>
-              </p:spPr>
-            </p:pic>
-            <p:pic>
-              <p:nvPicPr>
-                <p:cNvPr id="16" name="Рисунок 16">
-                  <a:hlinkClick r:id="rId31" action="ppaction://hlinksldjump"/>
-                </p:cNvPr>
-                <p:cNvPicPr>
-                  <a:picLocks noSelect="1" noRot="1" noChangeAspect="1" noMove="1" noResize="1" noEditPoints="1" noAdjustHandles="1" noChangeArrowheads="1" noChangeShapeType="1"/>
-                </p:cNvPicPr>
-                <p:nvPr/>
-              </p:nvPicPr>
-              <p:blipFill>
-                <a:blip r:embed="rId15"/>
-                <a:stretch>
-                  <a:fillRect/>
-                </a:stretch>
-              </p:blipFill>
-              <p:spPr>
-                <a:xfrm>
-                  <a:off x="7934439" y="3461635"/>
-                  <a:ext cx="1740534" cy="979051"/>
-                </a:xfrm>
-                <a:prstGeom prst="rect">
-                  <a:avLst/>
-                </a:prstGeom>
-                <a:ln w="3175">
-                  <a:solidFill>
-                    <a:prstClr val="ltGray"/>
-                  </a:solidFill>
-                </a:ln>
-              </p:spPr>
-            </p:pic>
-            <p:pic>
-              <p:nvPicPr>
-                <p:cNvPr id="17" name="Рисунок 17">
-                  <a:hlinkClick r:id="rId32" action="ppaction://hlinksldjump"/>
-                </p:cNvPr>
-                <p:cNvPicPr>
-                  <a:picLocks noSelect="1" noRot="1" noChangeAspect="1" noMove="1" noResize="1" noEditPoints="1" noAdjustHandles="1" noChangeArrowheads="1" noChangeShapeType="1"/>
-                </p:cNvPicPr>
-                <p:nvPr/>
-              </p:nvPicPr>
-              <p:blipFill>
-                <a:blip r:embed="rId16"/>
-                <a:stretch>
-                  <a:fillRect/>
-                </a:stretch>
-              </p:blipFill>
-              <p:spPr>
-                <a:xfrm>
-                  <a:off x="2517027" y="4505956"/>
-                  <a:ext cx="1740534" cy="979051"/>
-                </a:xfrm>
-                <a:prstGeom prst="rect">
-                  <a:avLst/>
-                </a:prstGeom>
-                <a:ln w="3175">
-                  <a:solidFill>
-                    <a:prstClr val="ltGray"/>
-                  </a:solidFill>
-                </a:ln>
-              </p:spPr>
-            </p:pic>
-            <p:pic>
-              <p:nvPicPr>
-                <p:cNvPr id="18" name="Рисунок 18">
-                  <a:hlinkClick r:id="rId33" action="ppaction://hlinksldjump"/>
-                </p:cNvPr>
-                <p:cNvPicPr>
-                  <a:picLocks noSelect="1" noRot="1" noChangeAspect="1" noMove="1" noResize="1" noEditPoints="1" noAdjustHandles="1" noChangeArrowheads="1" noChangeShapeType="1"/>
-                </p:cNvPicPr>
-                <p:nvPr/>
-              </p:nvPicPr>
-              <p:blipFill>
-                <a:blip r:embed="rId17"/>
-                <a:stretch>
-                  <a:fillRect/>
-                </a:stretch>
-              </p:blipFill>
-              <p:spPr>
-                <a:xfrm>
-                  <a:off x="4322831" y="4505956"/>
-                  <a:ext cx="1740534" cy="979051"/>
-                </a:xfrm>
-                <a:prstGeom prst="rect">
-                  <a:avLst/>
-                </a:prstGeom>
-                <a:ln w="3175">
-                  <a:solidFill>
-                    <a:prstClr val="ltGray"/>
-                  </a:solidFill>
-                </a:ln>
-              </p:spPr>
-            </p:pic>
-            <p:pic>
-              <p:nvPicPr>
-                <p:cNvPr id="19" name="Рисунок 19">
-                  <a:hlinkClick r:id="rId34" action="ppaction://hlinksldjump"/>
-                </p:cNvPr>
-                <p:cNvPicPr>
-                  <a:picLocks noSelect="1" noRot="1" noChangeAspect="1" noMove="1" noResize="1" noEditPoints="1" noAdjustHandles="1" noChangeArrowheads="1" noChangeShapeType="1"/>
-                </p:cNvPicPr>
-                <p:nvPr/>
-              </p:nvPicPr>
-              <p:blipFill>
-                <a:blip r:embed="rId18"/>
-                <a:stretch>
-                  <a:fillRect/>
-                </a:stretch>
-              </p:blipFill>
-              <p:spPr>
-                <a:xfrm>
-                  <a:off x="6128635" y="4505956"/>
-                  <a:ext cx="1740534" cy="979051"/>
-                </a:xfrm>
-                <a:prstGeom prst="rect">
-                  <a:avLst/>
-                </a:prstGeom>
-                <a:ln w="3175">
-                  <a:solidFill>
-                    <a:prstClr val="ltGray"/>
-                  </a:solidFill>
-                </a:ln>
-              </p:spPr>
-            </p:pic>
-            <p:pic>
-              <p:nvPicPr>
-                <p:cNvPr id="20" name="Рисунок 20">
-                  <a:hlinkClick r:id="rId35" action="ppaction://hlinksldjump"/>
-                </p:cNvPr>
-                <p:cNvPicPr>
-                  <a:picLocks noSelect="1" noRot="1" noChangeAspect="1" noMove="1" noResize="1" noEditPoints="1" noAdjustHandles="1" noChangeArrowheads="1" noChangeShapeType="1"/>
-                </p:cNvPicPr>
-                <p:nvPr/>
-              </p:nvPicPr>
-              <p:blipFill>
-                <a:blip r:embed="rId19"/>
-                <a:stretch>
-                  <a:fillRect/>
-                </a:stretch>
-              </p:blipFill>
-              <p:spPr>
-                <a:xfrm>
-                  <a:off x="7934439" y="4505956"/>
-                  <a:ext cx="1740534" cy="979051"/>
-                </a:xfrm>
-                <a:prstGeom prst="rect">
-                  <a:avLst/>
-                </a:prstGeom>
-                <a:ln w="3175">
-                  <a:solidFill>
-                    <a:prstClr val="ltGray"/>
-                  </a:solidFill>
-                </a:ln>
-              </p:spPr>
-            </p:pic>
-          </p:grpSp>
-        </mc:Fallback>
-      </mc:AlternateContent>
+      <p:pic>
+        <p:nvPicPr>
+          <p:cNvPr id="1026" name="Picture 2">
+            <a:extLst>
+              <a:ext uri="{FF2B5EF4-FFF2-40B4-BE49-F238E27FC236}">
+                <a16:creationId xmlns:a16="http://schemas.microsoft.com/office/drawing/2014/main" id="{3A0B45CF-F227-B4A8-DF4A-0977423897ED}"/>
+              </a:ext>
+            </a:extLst>
+          </p:cNvPr>
+          <p:cNvPicPr>
+            <a:picLocks noChangeAspect="1" noChangeArrowheads="1"/>
+          </p:cNvPicPr>
+          <p:nvPr/>
+        </p:nvPicPr>
+        <p:blipFill>
+          <a:blip r:embed="rId4">
+            <a:extLst>
+              <a:ext uri="{28A0092B-C50C-407E-A947-70E740481C1C}">
+                <a14:useLocalDpi xmlns:a14="http://schemas.microsoft.com/office/drawing/2010/main" val="0"/>
+              </a:ext>
+            </a:extLst>
+          </a:blip>
+          <a:srcRect/>
+          <a:stretch>
+            <a:fillRect/>
+          </a:stretch>
+        </p:blipFill>
+        <p:spPr bwMode="auto">
+          <a:xfrm>
+            <a:off x="9175842" y="3832562"/>
+            <a:ext cx="2110224" cy="1917132"/>
+          </a:xfrm>
+          <a:prstGeom prst="rect">
+            <a:avLst/>
+          </a:prstGeom>
+          <a:noFill/>
+          <a:extLst>
+            <a:ext uri="{909E8E84-426E-40DD-AFC4-6F175D3DCCD1}">
+              <a14:hiddenFill xmlns:a14="http://schemas.microsoft.com/office/drawing/2010/main">
+                <a:solidFill>
+                  <a:srgbClr val="FFFFFF"/>
+                </a:solidFill>
+              </a14:hiddenFill>
+            </a:ext>
+          </a:extLst>
+        </p:spPr>
+      </p:pic>
     </p:spTree>
     <p:extLst>
       <p:ext uri="{BB962C8B-B14F-4D97-AF65-F5344CB8AC3E}">
-        <p14:creationId xmlns:p14="http://schemas.microsoft.com/office/powerpoint/2010/main" val="2661779620"/>
+        <p14:creationId xmlns:p14="http://schemas.microsoft.com/office/powerpoint/2010/main" val="2591282740"/>
       </p:ext>
     </p:extLst>
   </p:cSld>
@@ -9284,331 +8909,7 @@
         </p:nvSpPr>
         <p:spPr>
           <a:xfrm>
-            <a:off x="905934" y="129801"/>
-            <a:ext cx="2985113" cy="646331"/>
-          </a:xfrm>
-          <a:prstGeom prst="rect">
-            <a:avLst/>
-          </a:prstGeom>
-          <a:noFill/>
-        </p:spPr>
-        <p:txBody>
-          <a:bodyPr wrap="none" rtlCol="0">
-            <a:spAutoFit/>
-          </a:bodyPr>
-          <a:lstStyle/>
-          <a:p>
-            <a:r>
-              <a:rPr lang="ru-RU" sz="3600" b="1" dirty="0">
-                <a:latin typeface="Microsoft JhengHei UI Light" panose="020B0304030504040204" pitchFamily="34" charset="-120"/>
-                <a:ea typeface="Microsoft JhengHei UI Light" panose="020B0304030504040204" pitchFamily="34" charset="-120"/>
-              </a:rPr>
-              <a:t>Заключение</a:t>
-            </a:r>
-            <a:r>
-              <a:rPr lang="en-US" sz="3600" b="1" dirty="0">
-                <a:latin typeface="Microsoft JhengHei UI Light" panose="020B0304030504040204" pitchFamily="34" charset="-120"/>
-                <a:ea typeface="Microsoft JhengHei UI Light" panose="020B0304030504040204" pitchFamily="34" charset="-120"/>
-              </a:rPr>
-              <a:t>.</a:t>
-            </a:r>
-            <a:endParaRPr lang="ru-RU" sz="3600" b="1" dirty="0">
-              <a:latin typeface="Microsoft JhengHei UI Light" panose="020B0304030504040204" pitchFamily="34" charset="-120"/>
-              <a:ea typeface="Microsoft JhengHei UI Light" panose="020B0304030504040204" pitchFamily="34" charset="-120"/>
-            </a:endParaRPr>
-          </a:p>
-        </p:txBody>
-      </p:sp>
-      <p:sp>
-        <p:nvSpPr>
-          <p:cNvPr id="5" name="TextBox 4">
-            <a:extLst>
-              <a:ext uri="{FF2B5EF4-FFF2-40B4-BE49-F238E27FC236}">
-                <a16:creationId xmlns:a16="http://schemas.microsoft.com/office/drawing/2014/main" id="{3AE791F8-C63A-C13E-CC43-2E2B61592CAC}"/>
-              </a:ext>
-            </a:extLst>
-          </p:cNvPr>
-          <p:cNvSpPr txBox="1"/>
-          <p:nvPr/>
-        </p:nvSpPr>
-        <p:spPr>
-          <a:xfrm>
-            <a:off x="905934" y="905933"/>
-            <a:ext cx="7398178" cy="3816429"/>
-          </a:xfrm>
-          <a:prstGeom prst="rect">
-            <a:avLst/>
-          </a:prstGeom>
-          <a:noFill/>
-        </p:spPr>
-        <p:txBody>
-          <a:bodyPr wrap="square" rtlCol="0">
-            <a:spAutoFit/>
-          </a:bodyPr>
-          <a:lstStyle/>
-          <a:p>
-            <a:pPr>
-              <a:spcAft>
-                <a:spcPts val="600"/>
-              </a:spcAft>
-            </a:pPr>
-            <a:r>
-              <a:rPr lang="ru-RU" sz="1600" dirty="0">
-                <a:latin typeface="Microsoft JhengHei UI Light" panose="020B0304030504040204" pitchFamily="34" charset="-120"/>
-                <a:ea typeface="Microsoft JhengHei UI Light" panose="020B0304030504040204" pitchFamily="34" charset="-120"/>
-              </a:rPr>
-              <a:t>В ходе изучения эффективной длинной арифметики были реализованы операции:</a:t>
-            </a:r>
-          </a:p>
-          <a:p>
-            <a:pPr marL="285750" indent="-285750">
-              <a:spcAft>
-                <a:spcPts val="600"/>
-              </a:spcAft>
-              <a:buFont typeface="Arial" panose="020B0604020202020204" pitchFamily="34" charset="0"/>
-              <a:buChar char="•"/>
-            </a:pPr>
-            <a:r>
-              <a:rPr lang="ru-RU" sz="1600" dirty="0">
-                <a:latin typeface="Microsoft JhengHei UI Light" panose="020B0304030504040204" pitchFamily="34" charset="-120"/>
-                <a:ea typeface="Microsoft JhengHei UI Light" panose="020B0304030504040204" pitchFamily="34" charset="-120"/>
-              </a:rPr>
-              <a:t>Сложения</a:t>
-            </a:r>
-          </a:p>
-          <a:p>
-            <a:pPr marL="285750" indent="-285750">
-              <a:spcAft>
-                <a:spcPts val="600"/>
-              </a:spcAft>
-              <a:buFont typeface="Arial" panose="020B0604020202020204" pitchFamily="34" charset="0"/>
-              <a:buChar char="•"/>
-            </a:pPr>
-            <a:r>
-              <a:rPr lang="ru-RU" sz="1600" dirty="0">
-                <a:latin typeface="Microsoft JhengHei UI Light" panose="020B0304030504040204" pitchFamily="34" charset="-120"/>
-                <a:ea typeface="Microsoft JhengHei UI Light" panose="020B0304030504040204" pitchFamily="34" charset="-120"/>
-              </a:rPr>
-              <a:t>Вычитания</a:t>
-            </a:r>
-          </a:p>
-          <a:p>
-            <a:pPr marL="285750" indent="-285750">
-              <a:spcAft>
-                <a:spcPts val="600"/>
-              </a:spcAft>
-              <a:buFont typeface="Arial" panose="020B0604020202020204" pitchFamily="34" charset="0"/>
-              <a:buChar char="•"/>
-            </a:pPr>
-            <a:r>
-              <a:rPr lang="ru-RU" sz="1600" dirty="0">
-                <a:latin typeface="Microsoft JhengHei UI Light" panose="020B0304030504040204" pitchFamily="34" charset="-120"/>
-                <a:ea typeface="Microsoft JhengHei UI Light" panose="020B0304030504040204" pitchFamily="34" charset="-120"/>
-              </a:rPr>
-              <a:t>Умножения</a:t>
-            </a:r>
-          </a:p>
-          <a:p>
-            <a:pPr marL="285750" indent="-285750">
-              <a:spcAft>
-                <a:spcPts val="600"/>
-              </a:spcAft>
-              <a:buFont typeface="Arial" panose="020B0604020202020204" pitchFamily="34" charset="0"/>
-              <a:buChar char="•"/>
-            </a:pPr>
-            <a:r>
-              <a:rPr lang="ru-RU" sz="1600" dirty="0">
-                <a:latin typeface="Microsoft JhengHei UI Light" panose="020B0304030504040204" pitchFamily="34" charset="-120"/>
-                <a:ea typeface="Microsoft JhengHei UI Light" panose="020B0304030504040204" pitchFamily="34" charset="-120"/>
-              </a:rPr>
-              <a:t>Деления (Целочисленное и получение остатка)</a:t>
-            </a:r>
-          </a:p>
-          <a:p>
-            <a:pPr marL="285750" indent="-285750">
-              <a:spcAft>
-                <a:spcPts val="600"/>
-              </a:spcAft>
-              <a:buFont typeface="Arial" panose="020B0604020202020204" pitchFamily="34" charset="0"/>
-              <a:buChar char="•"/>
-            </a:pPr>
-            <a:r>
-              <a:rPr lang="ru-RU" sz="1600" dirty="0">
-                <a:latin typeface="Microsoft JhengHei UI Light" panose="020B0304030504040204" pitchFamily="34" charset="-120"/>
-                <a:ea typeface="Microsoft JhengHei UI Light" panose="020B0304030504040204" pitchFamily="34" charset="-120"/>
-              </a:rPr>
-              <a:t>Возведение в степень</a:t>
-            </a:r>
-          </a:p>
-          <a:p>
-            <a:pPr marL="285750" indent="-285750">
-              <a:spcAft>
-                <a:spcPts val="600"/>
-              </a:spcAft>
-              <a:buFont typeface="Arial" panose="020B0604020202020204" pitchFamily="34" charset="0"/>
-              <a:buChar char="•"/>
-            </a:pPr>
-            <a:r>
-              <a:rPr lang="ru-RU" sz="1600" dirty="0">
-                <a:latin typeface="Microsoft JhengHei UI Light" panose="020B0304030504040204" pitchFamily="34" charset="-120"/>
-                <a:ea typeface="Microsoft JhengHei UI Light" panose="020B0304030504040204" pitchFamily="34" charset="-120"/>
-              </a:rPr>
-              <a:t>Сравнения</a:t>
-            </a:r>
-          </a:p>
-          <a:p>
-            <a:pPr>
-              <a:spcAft>
-                <a:spcPts val="600"/>
-              </a:spcAft>
-            </a:pPr>
-            <a:endParaRPr lang="ru-RU" sz="1600" dirty="0">
-              <a:latin typeface="Microsoft JhengHei UI Light" panose="020B0304030504040204" pitchFamily="34" charset="-120"/>
-              <a:ea typeface="Microsoft JhengHei UI Light" panose="020B0304030504040204" pitchFamily="34" charset="-120"/>
-            </a:endParaRPr>
-          </a:p>
-          <a:p>
-            <a:pPr>
-              <a:spcAft>
-                <a:spcPts val="600"/>
-              </a:spcAft>
-            </a:pPr>
-            <a:r>
-              <a:rPr lang="ru-RU" sz="1600" dirty="0">
-                <a:latin typeface="Microsoft JhengHei UI Light" panose="020B0304030504040204" pitchFamily="34" charset="-120"/>
-                <a:ea typeface="Microsoft JhengHei UI Light" panose="020B0304030504040204" pitchFamily="34" charset="-120"/>
-              </a:rPr>
-              <a:t>Был изучен материал в большом количестве.</a:t>
-            </a:r>
-          </a:p>
-          <a:p>
-            <a:pPr>
-              <a:spcAft>
-                <a:spcPts val="600"/>
-              </a:spcAft>
-            </a:pPr>
-            <a:endParaRPr lang="ru-RU" sz="1600" dirty="0">
-              <a:latin typeface="Microsoft JhengHei UI Light" panose="020B0304030504040204" pitchFamily="34" charset="-120"/>
-              <a:ea typeface="Microsoft JhengHei UI Light" panose="020B0304030504040204" pitchFamily="34" charset="-120"/>
-            </a:endParaRPr>
-          </a:p>
-          <a:p>
-            <a:pPr>
-              <a:spcAft>
-                <a:spcPts val="600"/>
-              </a:spcAft>
-            </a:pPr>
-            <a:r>
-              <a:rPr lang="ru-RU" sz="1600" dirty="0">
-                <a:latin typeface="Microsoft JhengHei UI Light" panose="020B0304030504040204" pitchFamily="34" charset="-120"/>
-                <a:ea typeface="Microsoft JhengHei UI Light" panose="020B0304030504040204" pitchFamily="34" charset="-120"/>
-              </a:rPr>
-              <a:t>А так же были произведены тесты скорости работы.</a:t>
-            </a:r>
-          </a:p>
-        </p:txBody>
-      </p:sp>
-    </p:spTree>
-    <p:extLst>
-      <p:ext uri="{BB962C8B-B14F-4D97-AF65-F5344CB8AC3E}">
-        <p14:creationId xmlns:p14="http://schemas.microsoft.com/office/powerpoint/2010/main" val="1718911824"/>
-      </p:ext>
-    </p:extLst>
-  </p:cSld>
-  <p:clrMapOvr>
-    <a:masterClrMapping/>
-  </p:clrMapOvr>
-</p:sld>
-</file>
-
-<file path=ppt/slides/slide21.xml><?xml version="1.0" encoding="utf-8"?>
-<p:sld xmlns:a="http://schemas.openxmlformats.org/drawingml/2006/main" xmlns:r="http://schemas.openxmlformats.org/officeDocument/2006/relationships" xmlns:p="http://schemas.openxmlformats.org/presentationml/2006/main">
-  <p:cSld>
-    <p:spTree>
-      <p:nvGrpSpPr>
-        <p:cNvPr id="1" name=""/>
-        <p:cNvGrpSpPr/>
-        <p:nvPr/>
-      </p:nvGrpSpPr>
-      <p:grpSpPr>
-        <a:xfrm>
-          <a:off x="0" y="0"/>
-          <a:ext cx="0" cy="0"/>
-          <a:chOff x="0" y="0"/>
-          <a:chExt cx="0" cy="0"/>
-        </a:xfrm>
-      </p:grpSpPr>
-      <p:pic>
-        <p:nvPicPr>
-          <p:cNvPr id="2" name="Picture 4">
-            <a:extLst>
-              <a:ext uri="{FF2B5EF4-FFF2-40B4-BE49-F238E27FC236}">
-                <a16:creationId xmlns:a16="http://schemas.microsoft.com/office/drawing/2014/main" id="{0ADDBEE4-0F50-8BFA-F646-416EC8E0ACE4}"/>
-              </a:ext>
-            </a:extLst>
-          </p:cNvPr>
-          <p:cNvPicPr>
-            <a:picLocks noChangeAspect="1" noChangeArrowheads="1"/>
-          </p:cNvPicPr>
-          <p:nvPr/>
-        </p:nvPicPr>
-        <p:blipFill>
-          <a:blip r:embed="rId2">
-            <a:extLst>
-              <a:ext uri="{BEBA8EAE-BF5A-486C-A8C5-ECC9F3942E4B}">
-                <a14:imgProps xmlns:a14="http://schemas.microsoft.com/office/drawing/2010/main">
-                  <a14:imgLayer r:embed="rId3">
-                    <a14:imgEffect>
-                      <a14:backgroundRemoval t="10000" b="90000" l="10000" r="90000"/>
-                    </a14:imgEffect>
-                  </a14:imgLayer>
-                </a14:imgProps>
-              </a:ext>
-              <a:ext uri="{28A0092B-C50C-407E-A947-70E740481C1C}">
-                <a14:useLocalDpi xmlns:a14="http://schemas.microsoft.com/office/drawing/2010/main" val="0"/>
-              </a:ext>
-            </a:extLst>
-          </a:blip>
-          <a:srcRect/>
-          <a:stretch>
-            <a:fillRect/>
-          </a:stretch>
-        </p:blipFill>
-        <p:spPr bwMode="auto">
-          <a:xfrm>
-            <a:off x="0" y="0"/>
-            <a:ext cx="905934" cy="905934"/>
-          </a:xfrm>
-          <a:prstGeom prst="rect">
-            <a:avLst/>
-          </a:prstGeom>
-          <a:noFill/>
-          <a:extLst>
-            <a:ext uri="{909E8E84-426E-40DD-AFC4-6F175D3DCCD1}">
-              <a14:hiddenFill xmlns:a14="http://schemas.microsoft.com/office/drawing/2010/main">
-                <a:solidFill>
-                  <a:srgbClr val="FFFFFF"/>
-                </a:solidFill>
-              </a14:hiddenFill>
-            </a:ext>
-          </a:extLst>
-        </p:spPr>
-      </p:pic>
-      <p:sp>
-        <p:nvSpPr>
-          <p:cNvPr id="3" name="TextBox 2">
-            <a:extLst>
-              <a:ext uri="{FF2B5EF4-FFF2-40B4-BE49-F238E27FC236}">
-                <a16:creationId xmlns:a16="http://schemas.microsoft.com/office/drawing/2014/main" id="{01D11709-A499-115E-AB9E-34D41AD293EE}"/>
-              </a:ext>
-            </a:extLst>
-          </p:cNvPr>
-          <p:cNvSpPr txBox="1"/>
-          <p:nvPr/>
-        </p:nvSpPr>
-        <p:spPr>
-          <a:xfrm>
-            <a:off x="905934" y="129801"/>
+            <a:off x="905934" y="112548"/>
             <a:ext cx="6383479" cy="646331"/>
           </a:xfrm>
           <a:prstGeom prst="rect">
@@ -9634,7 +8935,7 @@
                 <a:latin typeface="Microsoft JhengHei UI Light" panose="020B0304030504040204" pitchFamily="34" charset="-120"/>
                 <a:ea typeface="Microsoft JhengHei UI Light" panose="020B0304030504040204" pitchFamily="34" charset="-120"/>
               </a:rPr>
-              <a:t>GitHub.</a:t>
+              <a:t>GitHub</a:t>
             </a:r>
             <a:endParaRPr lang="ru-RU" sz="3600" b="1" dirty="0">
               <a:latin typeface="Microsoft JhengHei UI Light" panose="020B0304030504040204" pitchFamily="34" charset="-120"/>
@@ -9790,6 +9091,42 @@
           </a:p>
         </p:txBody>
       </p:sp>
+      <p:pic>
+        <p:nvPicPr>
+          <p:cNvPr id="6" name="Рисунок 5">
+            <a:extLst>
+              <a:ext uri="{FF2B5EF4-FFF2-40B4-BE49-F238E27FC236}">
+                <a16:creationId xmlns:a16="http://schemas.microsoft.com/office/drawing/2014/main" id="{03667292-6EF2-8570-A55A-E97F893FF583}"/>
+              </a:ext>
+            </a:extLst>
+          </p:cNvPr>
+          <p:cNvPicPr>
+            <a:picLocks noChangeAspect="1"/>
+          </p:cNvPicPr>
+          <p:nvPr/>
+        </p:nvPicPr>
+        <p:blipFill>
+          <a:blip r:embed="rId4">
+            <a:extLst>
+              <a:ext uri="{28A0092B-C50C-407E-A947-70E740481C1C}">
+                <a14:useLocalDpi xmlns:a14="http://schemas.microsoft.com/office/drawing/2010/main" val="0"/>
+              </a:ext>
+            </a:extLst>
+          </a:blip>
+          <a:stretch>
+            <a:fillRect/>
+          </a:stretch>
+        </p:blipFill>
+        <p:spPr>
+          <a:xfrm>
+            <a:off x="7623790" y="2567362"/>
+            <a:ext cx="3172511" cy="3172511"/>
+          </a:xfrm>
+          <a:prstGeom prst="rect">
+            <a:avLst/>
+          </a:prstGeom>
+        </p:spPr>
+      </p:pic>
     </p:spTree>
     <p:extLst>
       <p:ext uri="{BB962C8B-B14F-4D97-AF65-F5344CB8AC3E}">
@@ -9820,61 +9157,12 @@
           <a:chExt cx="0" cy="0"/>
         </a:xfrm>
       </p:grpSpPr>
-      <p:sp>
-        <p:nvSpPr>
-          <p:cNvPr id="2" name="TextBox 1">
-            <a:extLst>
-              <a:ext uri="{FF2B5EF4-FFF2-40B4-BE49-F238E27FC236}">
-                <a16:creationId xmlns:a16="http://schemas.microsoft.com/office/drawing/2014/main" id="{51A712D4-6CC6-AC85-BBE8-324B4310601C}"/>
-              </a:ext>
-            </a:extLst>
-          </p:cNvPr>
-          <p:cNvSpPr txBox="1"/>
-          <p:nvPr/>
-        </p:nvSpPr>
-        <p:spPr>
-          <a:xfrm>
-            <a:off x="905934" y="129801"/>
-            <a:ext cx="2374368" cy="646331"/>
-          </a:xfrm>
-          <a:prstGeom prst="rect">
-            <a:avLst/>
-          </a:prstGeom>
-          <a:noFill/>
-        </p:spPr>
-        <p:txBody>
-          <a:bodyPr wrap="none" rtlCol="0">
-            <a:spAutoFit/>
-          </a:bodyPr>
-          <a:lstStyle/>
-          <a:p>
-            <a:r>
-              <a:rPr lang="ru-RU" sz="3600" b="1" dirty="0">
-                <a:latin typeface="Microsoft JhengHei UI Light" panose="020B0304030504040204" pitchFamily="34" charset="-120"/>
-                <a:ea typeface="Microsoft JhengHei UI Light" panose="020B0304030504040204" pitchFamily="34" charset="-120"/>
-              </a:rPr>
-              <a:t>Введение</a:t>
-            </a:r>
-            <a:r>
-              <a:rPr lang="en-US" sz="3600" b="1" dirty="0">
-                <a:latin typeface="Microsoft JhengHei UI Light" panose="020B0304030504040204" pitchFamily="34" charset="-120"/>
-                <a:ea typeface="Microsoft JhengHei UI Light" panose="020B0304030504040204" pitchFamily="34" charset="-120"/>
-              </a:rPr>
-              <a:t>.</a:t>
-            </a:r>
-            <a:endParaRPr lang="ru-RU" sz="3600" b="1" dirty="0">
-              <a:latin typeface="Microsoft JhengHei UI Light" panose="020B0304030504040204" pitchFamily="34" charset="-120"/>
-              <a:ea typeface="Microsoft JhengHei UI Light" panose="020B0304030504040204" pitchFamily="34" charset="-120"/>
-            </a:endParaRPr>
-          </a:p>
-        </p:txBody>
-      </p:sp>
       <p:pic>
         <p:nvPicPr>
-          <p:cNvPr id="3" name="Picture 4">
-            <a:extLst>
-              <a:ext uri="{FF2B5EF4-FFF2-40B4-BE49-F238E27FC236}">
-                <a16:creationId xmlns:a16="http://schemas.microsoft.com/office/drawing/2014/main" id="{F14A0B64-896A-B29A-1BCA-33DE4FC7F945}"/>
+          <p:cNvPr id="2" name="Picture 4">
+            <a:extLst>
+              <a:ext uri="{FF2B5EF4-FFF2-40B4-BE49-F238E27FC236}">
+                <a16:creationId xmlns:a16="http://schemas.microsoft.com/office/drawing/2014/main" id="{0ADDBEE4-0F50-8BFA-F646-416EC8E0ACE4}"/>
               </a:ext>
             </a:extLst>
           </p:cNvPr>
@@ -9927,10 +9215,10 @@
       </p:pic>
       <p:sp>
         <p:nvSpPr>
-          <p:cNvPr id="4" name="TextBox 3">
-            <a:extLst>
-              <a:ext uri="{FF2B5EF4-FFF2-40B4-BE49-F238E27FC236}">
-                <a16:creationId xmlns:a16="http://schemas.microsoft.com/office/drawing/2014/main" id="{7029C47D-1453-85B3-FA77-6818F18302FD}"/>
+          <p:cNvPr id="3" name="TextBox 2">
+            <a:extLst>
+              <a:ext uri="{FF2B5EF4-FFF2-40B4-BE49-F238E27FC236}">
+                <a16:creationId xmlns:a16="http://schemas.microsoft.com/office/drawing/2014/main" id="{01D11709-A499-115E-AB9E-34D41AD293EE}"/>
               </a:ext>
             </a:extLst>
           </p:cNvPr>
@@ -9939,8 +9227,46 @@
         </p:nvSpPr>
         <p:spPr>
           <a:xfrm>
-            <a:off x="905934" y="1247239"/>
-            <a:ext cx="6241629" cy="2031325"/>
+            <a:off x="905934" y="129801"/>
+            <a:ext cx="5136342" cy="646331"/>
+          </a:xfrm>
+          <a:prstGeom prst="rect">
+            <a:avLst/>
+          </a:prstGeom>
+          <a:noFill/>
+        </p:spPr>
+        <p:txBody>
+          <a:bodyPr wrap="none" rtlCol="0">
+            <a:spAutoFit/>
+          </a:bodyPr>
+          <a:lstStyle/>
+          <a:p>
+            <a:r>
+              <a:rPr lang="ru-RU" sz="3600" b="1" dirty="0">
+                <a:latin typeface="Microsoft JhengHei UI Light" panose="020B0304030504040204" pitchFamily="34" charset="-120"/>
+                <a:ea typeface="Microsoft JhengHei UI Light" panose="020B0304030504040204" pitchFamily="34" charset="-120"/>
+              </a:rPr>
+              <a:t>Сферы использования</a:t>
+            </a:r>
+          </a:p>
+        </p:txBody>
+      </p:sp>
+      <p:sp>
+        <p:nvSpPr>
+          <p:cNvPr id="5" name="TextBox 4">
+            <a:extLst>
+              <a:ext uri="{FF2B5EF4-FFF2-40B4-BE49-F238E27FC236}">
+                <a16:creationId xmlns:a16="http://schemas.microsoft.com/office/drawing/2014/main" id="{3AE791F8-C63A-C13E-CC43-2E2B61592CAC}"/>
+              </a:ext>
+            </a:extLst>
+          </p:cNvPr>
+          <p:cNvSpPr txBox="1"/>
+          <p:nvPr/>
+        </p:nvSpPr>
+        <p:spPr>
+          <a:xfrm>
+            <a:off x="905933" y="1247239"/>
+            <a:ext cx="6904567" cy="3139321"/>
           </a:xfrm>
           <a:prstGeom prst="rect">
             <a:avLst/>
@@ -9953,91 +9279,265 @@
           </a:bodyPr>
           <a:lstStyle/>
           <a:p>
-            <a:r>
-              <a:rPr lang="ru-RU" dirty="0">
-                <a:latin typeface="Microsoft JhengHei UI Light" panose="020B0304030504040204" pitchFamily="34" charset="-120"/>
-                <a:ea typeface="Microsoft JhengHei UI Light" panose="020B0304030504040204" pitchFamily="34" charset="-120"/>
-              </a:rPr>
-              <a:t>Длинная арифметика – раздел программирования, где решается проблема вместимости чисел в стандартные типы данных.</a:t>
-            </a:r>
-            <a:endParaRPr lang="en-US" dirty="0">
+            <a:pPr algn="just"/>
+            <a:endParaRPr lang="ru-RU" dirty="0">
               <a:latin typeface="Microsoft JhengHei UI Light" panose="020B0304030504040204" pitchFamily="34" charset="-120"/>
               <a:ea typeface="Microsoft JhengHei UI Light" panose="020B0304030504040204" pitchFamily="34" charset="-120"/>
             </a:endParaRPr>
           </a:p>
           <a:p>
-            <a:endParaRPr lang="en-US" dirty="0">
+            <a:pPr algn="just"/>
+            <a:endParaRPr lang="ru-RU" dirty="0">
               <a:latin typeface="Microsoft JhengHei UI Light" panose="020B0304030504040204" pitchFamily="34" charset="-120"/>
               <a:ea typeface="Microsoft JhengHei UI Light" panose="020B0304030504040204" pitchFamily="34" charset="-120"/>
             </a:endParaRPr>
           </a:p>
           <a:p>
+            <a:pPr marL="742950" lvl="1" indent="-285750" algn="just">
+              <a:buFont typeface="Arial" panose="020B0604020202020204" pitchFamily="34" charset="0"/>
+              <a:buChar char="•"/>
+            </a:pPr>
             <a:r>
               <a:rPr lang="ru-RU" dirty="0">
                 <a:latin typeface="Microsoft JhengHei UI Light" panose="020B0304030504040204" pitchFamily="34" charset="-120"/>
                 <a:ea typeface="Microsoft JhengHei UI Light" panose="020B0304030504040204" pitchFamily="34" charset="-120"/>
               </a:rPr>
-              <a:t>Эти операции реализуются </a:t>
-            </a:r>
-            <a:r>
-              <a:rPr lang="ru-RU" dirty="0" err="1">
-                <a:latin typeface="Microsoft JhengHei UI Light" panose="020B0304030504040204" pitchFamily="34" charset="-120"/>
-                <a:ea typeface="Microsoft JhengHei UI Light" panose="020B0304030504040204" pitchFamily="34" charset="-120"/>
-              </a:rPr>
-              <a:t>программно</a:t>
-            </a:r>
+              <a:t>Криптография.</a:t>
+            </a:r>
+          </a:p>
+          <a:p>
+            <a:pPr marL="742950" lvl="1" indent="-285750" algn="just">
+              <a:buFont typeface="Arial" panose="020B0604020202020204" pitchFamily="34" charset="0"/>
+              <a:buChar char="•"/>
+            </a:pPr>
+            <a:endParaRPr lang="ru-RU" dirty="0">
+              <a:latin typeface="Microsoft JhengHei UI Light" panose="020B0304030504040204" pitchFamily="34" charset="-120"/>
+              <a:ea typeface="Microsoft JhengHei UI Light" panose="020B0304030504040204" pitchFamily="34" charset="-120"/>
+            </a:endParaRPr>
+          </a:p>
+          <a:p>
+            <a:pPr marL="742950" lvl="1" indent="-285750" algn="just">
+              <a:buFont typeface="Arial" panose="020B0604020202020204" pitchFamily="34" charset="0"/>
+              <a:buChar char="•"/>
+            </a:pPr>
+            <a:endParaRPr lang="ru-RU" dirty="0">
+              <a:latin typeface="Microsoft JhengHei UI Light" panose="020B0304030504040204" pitchFamily="34" charset="-120"/>
+              <a:ea typeface="Microsoft JhengHei UI Light" panose="020B0304030504040204" pitchFamily="34" charset="-120"/>
+            </a:endParaRPr>
+          </a:p>
+          <a:p>
+            <a:pPr marL="742950" lvl="1" indent="-285750" algn="just">
+              <a:buFont typeface="Arial" panose="020B0604020202020204" pitchFamily="34" charset="0"/>
+              <a:buChar char="•"/>
+            </a:pPr>
+            <a:endParaRPr lang="ru-RU" dirty="0">
+              <a:latin typeface="Microsoft JhengHei UI Light" panose="020B0304030504040204" pitchFamily="34" charset="-120"/>
+              <a:ea typeface="Microsoft JhengHei UI Light" panose="020B0304030504040204" pitchFamily="34" charset="-120"/>
+            </a:endParaRPr>
+          </a:p>
+          <a:p>
+            <a:pPr marL="742950" lvl="1" indent="-285750" algn="just">
+              <a:buFont typeface="Arial" panose="020B0604020202020204" pitchFamily="34" charset="0"/>
+              <a:buChar char="•"/>
+            </a:pPr>
             <a:r>
               <a:rPr lang="ru-RU" dirty="0">
                 <a:latin typeface="Microsoft JhengHei UI Light" panose="020B0304030504040204" pitchFamily="34" charset="-120"/>
                 <a:ea typeface="Microsoft JhengHei UI Light" panose="020B0304030504040204" pitchFamily="34" charset="-120"/>
               </a:rPr>
-              <a:t>, с использованием аппаратных средств работы с числами меньших порядков.</a:t>
+              <a:t>Математическое и финансовое ПО. </a:t>
+            </a:r>
+          </a:p>
+          <a:p>
+            <a:pPr marL="742950" lvl="1" indent="-285750" algn="just">
+              <a:buFont typeface="Arial" panose="020B0604020202020204" pitchFamily="34" charset="0"/>
+              <a:buChar char="•"/>
+            </a:pPr>
+            <a:endParaRPr lang="ru-RU" dirty="0">
+              <a:latin typeface="Microsoft JhengHei UI Light" panose="020B0304030504040204" pitchFamily="34" charset="-120"/>
+              <a:ea typeface="Microsoft JhengHei UI Light" panose="020B0304030504040204" pitchFamily="34" charset="-120"/>
+            </a:endParaRPr>
+          </a:p>
+          <a:p>
+            <a:pPr marL="742950" lvl="1" indent="-285750" algn="just">
+              <a:buFont typeface="Arial" panose="020B0604020202020204" pitchFamily="34" charset="0"/>
+              <a:buChar char="•"/>
+            </a:pPr>
+            <a:endParaRPr lang="ru-RU" dirty="0">
+              <a:latin typeface="Microsoft JhengHei UI Light" panose="020B0304030504040204" pitchFamily="34" charset="-120"/>
+              <a:ea typeface="Microsoft JhengHei UI Light" panose="020B0304030504040204" pitchFamily="34" charset="-120"/>
+            </a:endParaRPr>
+          </a:p>
+          <a:p>
+            <a:pPr marL="742950" lvl="1" indent="-285750" algn="just">
+              <a:buFont typeface="Arial" panose="020B0604020202020204" pitchFamily="34" charset="0"/>
+              <a:buChar char="•"/>
+            </a:pPr>
+            <a:endParaRPr lang="ru-RU" dirty="0">
+              <a:latin typeface="Microsoft JhengHei UI Light" panose="020B0304030504040204" pitchFamily="34" charset="-120"/>
+              <a:ea typeface="Microsoft JhengHei UI Light" panose="020B0304030504040204" pitchFamily="34" charset="-120"/>
+            </a:endParaRPr>
+          </a:p>
+          <a:p>
+            <a:pPr marL="742950" lvl="1" indent="-285750" algn="just">
+              <a:buFont typeface="Arial" panose="020B0604020202020204" pitchFamily="34" charset="0"/>
+              <a:buChar char="•"/>
+            </a:pPr>
+            <a:r>
+              <a:rPr lang="ru-RU" dirty="0">
+                <a:latin typeface="Microsoft JhengHei UI Light" panose="020B0304030504040204" pitchFamily="34" charset="-120"/>
+                <a:ea typeface="Microsoft JhengHei UI Light" panose="020B0304030504040204" pitchFamily="34" charset="-120"/>
+              </a:rPr>
+              <a:t>Тема в спортивном программировании.</a:t>
             </a:r>
           </a:p>
         </p:txBody>
       </p:sp>
-      <p:sp>
-        <p:nvSpPr>
-          <p:cNvPr id="5" name="TextBox 4">
-            <a:extLst>
-              <a:ext uri="{FF2B5EF4-FFF2-40B4-BE49-F238E27FC236}">
-                <a16:creationId xmlns:a16="http://schemas.microsoft.com/office/drawing/2014/main" id="{1A4631B0-CB3C-9169-D5D5-4F6AA482F0A1}"/>
-              </a:ext>
-            </a:extLst>
-          </p:cNvPr>
-          <p:cNvSpPr txBox="1"/>
+      <p:pic>
+        <p:nvPicPr>
+          <p:cNvPr id="2050" name="Picture 2">
+            <a:extLst>
+              <a:ext uri="{FF2B5EF4-FFF2-40B4-BE49-F238E27FC236}">
+                <a16:creationId xmlns:a16="http://schemas.microsoft.com/office/drawing/2014/main" id="{6B012DAE-D7E2-B7F1-DB1F-40299EBD7569}"/>
+              </a:ext>
+            </a:extLst>
+          </p:cNvPr>
+          <p:cNvPicPr>
+            <a:picLocks noChangeAspect="1" noChangeArrowheads="1"/>
+          </p:cNvPicPr>
           <p:nvPr/>
-        </p:nvSpPr>
-        <p:spPr>
+        </p:nvPicPr>
+        <p:blipFill>
+          <a:blip r:embed="rId4">
+            <a:extLst>
+              <a:ext uri="{28A0092B-C50C-407E-A947-70E740481C1C}">
+                <a14:useLocalDpi xmlns:a14="http://schemas.microsoft.com/office/drawing/2010/main" val="0"/>
+              </a:ext>
+            </a:extLst>
+          </a:blip>
+          <a:srcRect/>
+          <a:stretch>
+            <a:fillRect/>
+          </a:stretch>
+        </p:blipFill>
+        <p:spPr bwMode="auto">
           <a:xfrm>
-            <a:off x="905934" y="776132"/>
-            <a:ext cx="3305713" cy="338554"/>
+            <a:off x="965572" y="3893671"/>
+            <a:ext cx="625442" cy="625442"/>
           </a:xfrm>
           <a:prstGeom prst="rect">
             <a:avLst/>
           </a:prstGeom>
           <a:noFill/>
+          <a:extLst>
+            <a:ext uri="{909E8E84-426E-40DD-AFC4-6F175D3DCCD1}">
+              <a14:hiddenFill xmlns:a14="http://schemas.microsoft.com/office/drawing/2010/main">
+                <a:solidFill>
+                  <a:srgbClr val="FFFFFF"/>
+                </a:solidFill>
+              </a14:hiddenFill>
+            </a:ext>
+          </a:extLst>
         </p:spPr>
-        <p:txBody>
-          <a:bodyPr wrap="none" rtlCol="0">
-            <a:spAutoFit/>
-          </a:bodyPr>
-          <a:lstStyle/>
-          <a:p>
-            <a:r>
-              <a:rPr lang="ru-RU" sz="1600" i="1" dirty="0">
-                <a:latin typeface="Microsoft JhengHei UI Light" panose="020B0304030504040204" pitchFamily="34" charset="-120"/>
-                <a:ea typeface="Microsoft JhengHei UI Light" panose="020B0304030504040204" pitchFamily="34" charset="-120"/>
-              </a:rPr>
-              <a:t>Что такое длинная арифметика?</a:t>
-            </a:r>
-          </a:p>
-        </p:txBody>
-      </p:sp>
+      </p:pic>
+      <p:pic>
+        <p:nvPicPr>
+          <p:cNvPr id="2052" name="Picture 4">
+            <a:extLst>
+              <a:ext uri="{FF2B5EF4-FFF2-40B4-BE49-F238E27FC236}">
+                <a16:creationId xmlns:a16="http://schemas.microsoft.com/office/drawing/2014/main" id="{8E187700-7DF9-007E-C20F-44212CFDAB02}"/>
+              </a:ext>
+            </a:extLst>
+          </p:cNvPr>
+          <p:cNvPicPr>
+            <a:picLocks noChangeAspect="1" noChangeArrowheads="1"/>
+          </p:cNvPicPr>
+          <p:nvPr/>
+        </p:nvPicPr>
+        <p:blipFill>
+          <a:blip r:embed="rId5">
+            <a:extLst>
+              <a:ext uri="{28A0092B-C50C-407E-A947-70E740481C1C}">
+                <a14:useLocalDpi xmlns:a14="http://schemas.microsoft.com/office/drawing/2010/main" val="0"/>
+              </a:ext>
+            </a:extLst>
+          </a:blip>
+          <a:srcRect/>
+          <a:stretch>
+            <a:fillRect/>
+          </a:stretch>
+        </p:blipFill>
+        <p:spPr bwMode="auto">
+          <a:xfrm>
+            <a:off x="965572" y="2803558"/>
+            <a:ext cx="625442" cy="625442"/>
+          </a:xfrm>
+          <a:prstGeom prst="rect">
+            <a:avLst/>
+          </a:prstGeom>
+          <a:noFill/>
+          <a:extLst>
+            <a:ext uri="{909E8E84-426E-40DD-AFC4-6F175D3DCCD1}">
+              <a14:hiddenFill xmlns:a14="http://schemas.microsoft.com/office/drawing/2010/main">
+                <a:solidFill>
+                  <a:srgbClr val="FFFFFF"/>
+                </a:solidFill>
+              </a14:hiddenFill>
+            </a:ext>
+          </a:extLst>
+        </p:spPr>
+      </p:pic>
+      <p:pic>
+        <p:nvPicPr>
+          <p:cNvPr id="2054" name="Picture 6">
+            <a:extLst>
+              <a:ext uri="{FF2B5EF4-FFF2-40B4-BE49-F238E27FC236}">
+                <a16:creationId xmlns:a16="http://schemas.microsoft.com/office/drawing/2014/main" id="{3528D528-2297-AD71-3645-3FB07FCEA81F}"/>
+              </a:ext>
+            </a:extLst>
+          </p:cNvPr>
+          <p:cNvPicPr>
+            <a:picLocks noChangeAspect="1" noChangeArrowheads="1"/>
+          </p:cNvPicPr>
+          <p:nvPr/>
+        </p:nvPicPr>
+        <p:blipFill>
+          <a:blip r:embed="rId6">
+            <a:extLst>
+              <a:ext uri="{28A0092B-C50C-407E-A947-70E740481C1C}">
+                <a14:useLocalDpi xmlns:a14="http://schemas.microsoft.com/office/drawing/2010/main" val="0"/>
+              </a:ext>
+            </a:extLst>
+          </a:blip>
+          <a:srcRect/>
+          <a:stretch>
+            <a:fillRect/>
+          </a:stretch>
+        </p:blipFill>
+        <p:spPr bwMode="auto">
+          <a:xfrm>
+            <a:off x="965572" y="1713445"/>
+            <a:ext cx="625442" cy="625442"/>
+          </a:xfrm>
+          <a:prstGeom prst="rect">
+            <a:avLst/>
+          </a:prstGeom>
+          <a:noFill/>
+          <a:extLst>
+            <a:ext uri="{909E8E84-426E-40DD-AFC4-6F175D3DCCD1}">
+              <a14:hiddenFill xmlns:a14="http://schemas.microsoft.com/office/drawing/2010/main">
+                <a:solidFill>
+                  <a:srgbClr val="FFFFFF"/>
+                </a:solidFill>
+              </a14:hiddenFill>
+            </a:ext>
+          </a:extLst>
+        </p:spPr>
+      </p:pic>
     </p:spTree>
     <p:extLst>
       <p:ext uri="{BB962C8B-B14F-4D97-AF65-F5344CB8AC3E}">
-        <p14:creationId xmlns:p14="http://schemas.microsoft.com/office/powerpoint/2010/main" val="2591282740"/>
+        <p14:creationId xmlns:p14="http://schemas.microsoft.com/office/powerpoint/2010/main" val="1390352065"/>
       </p:ext>
     </p:extLst>
   </p:cSld>
@@ -10135,7 +9635,7 @@
         <p:spPr>
           <a:xfrm>
             <a:off x="905934" y="129801"/>
-            <a:ext cx="2374368" cy="646331"/>
+            <a:ext cx="6312947" cy="646331"/>
           </a:xfrm>
           <a:prstGeom prst="rect">
             <a:avLst/>
@@ -10153,28 +9653,17 @@
                 <a:latin typeface="Microsoft JhengHei UI Light" panose="020B0304030504040204" pitchFamily="34" charset="-120"/>
                 <a:ea typeface="Microsoft JhengHei UI Light" panose="020B0304030504040204" pitchFamily="34" charset="-120"/>
               </a:rPr>
-              <a:t>Введение</a:t>
-            </a:r>
-            <a:r>
-              <a:rPr lang="en-US" sz="3600" b="1" dirty="0">
-                <a:latin typeface="Microsoft JhengHei UI Light" panose="020B0304030504040204" pitchFamily="34" charset="-120"/>
-                <a:ea typeface="Microsoft JhengHei UI Light" panose="020B0304030504040204" pitchFamily="34" charset="-120"/>
-              </a:rPr>
-              <a:t>.</a:t>
-            </a:r>
-            <a:endParaRPr lang="ru-RU" sz="3600" b="1" dirty="0">
-              <a:latin typeface="Microsoft JhengHei UI Light" panose="020B0304030504040204" pitchFamily="34" charset="-120"/>
-              <a:ea typeface="Microsoft JhengHei UI Light" panose="020B0304030504040204" pitchFamily="34" charset="-120"/>
-            </a:endParaRPr>
+              <a:t>Арифметические операции</a:t>
+            </a:r>
           </a:p>
         </p:txBody>
       </p:sp>
       <p:sp>
         <p:nvSpPr>
-          <p:cNvPr id="4" name="TextBox 3">
-            <a:extLst>
-              <a:ext uri="{FF2B5EF4-FFF2-40B4-BE49-F238E27FC236}">
-                <a16:creationId xmlns:a16="http://schemas.microsoft.com/office/drawing/2014/main" id="{4DEE94F7-4B84-C55B-B9E0-31F68D5E64D4}"/>
+          <p:cNvPr id="5" name="TextBox 4">
+            <a:extLst>
+              <a:ext uri="{FF2B5EF4-FFF2-40B4-BE49-F238E27FC236}">
+                <a16:creationId xmlns:a16="http://schemas.microsoft.com/office/drawing/2014/main" id="{3AE791F8-C63A-C13E-CC43-2E2B61592CAC}"/>
               </a:ext>
             </a:extLst>
           </p:cNvPr>
@@ -10183,46 +9672,8 @@
         </p:nvSpPr>
         <p:spPr>
           <a:xfrm>
-            <a:off x="905934" y="776132"/>
-            <a:ext cx="2864887" cy="338554"/>
-          </a:xfrm>
-          <a:prstGeom prst="rect">
-            <a:avLst/>
-          </a:prstGeom>
-          <a:noFill/>
-        </p:spPr>
-        <p:txBody>
-          <a:bodyPr wrap="none" rtlCol="0">
-            <a:spAutoFit/>
-          </a:bodyPr>
-          <a:lstStyle/>
-          <a:p>
-            <a:r>
-              <a:rPr lang="ru-RU" sz="1600" i="1" dirty="0">
-                <a:latin typeface="Microsoft JhengHei UI Light" panose="020B0304030504040204" pitchFamily="34" charset="-120"/>
-                <a:ea typeface="Microsoft JhengHei UI Light" panose="020B0304030504040204" pitchFamily="34" charset="-120"/>
-              </a:rPr>
-              <a:t>Для чего она применяется?</a:t>
-            </a:r>
-          </a:p>
-        </p:txBody>
-      </p:sp>
-      <p:sp>
-        <p:nvSpPr>
-          <p:cNvPr id="5" name="TextBox 4">
-            <a:extLst>
-              <a:ext uri="{FF2B5EF4-FFF2-40B4-BE49-F238E27FC236}">
-                <a16:creationId xmlns:a16="http://schemas.microsoft.com/office/drawing/2014/main" id="{3AE791F8-C63A-C13E-CC43-2E2B61592CAC}"/>
-              </a:ext>
-            </a:extLst>
-          </p:cNvPr>
-          <p:cNvSpPr txBox="1"/>
-          <p:nvPr/>
-        </p:nvSpPr>
-        <p:spPr>
-          <a:xfrm>
-            <a:off x="905933" y="1247239"/>
-            <a:ext cx="6904567" cy="2031325"/>
+            <a:off x="905934" y="1247239"/>
+            <a:ext cx="7398178" cy="3693319"/>
           </a:xfrm>
           <a:prstGeom prst="rect">
             <a:avLst/>
@@ -10235,39 +9686,22 @@
           </a:bodyPr>
           <a:lstStyle/>
           <a:p>
-            <a:pPr algn="just"/>
+            <a:pPr marL="342900" indent="-342900">
+              <a:buFont typeface="+mj-lt"/>
+              <a:buAutoNum type="arabicPeriod"/>
+            </a:pPr>
             <a:r>
               <a:rPr lang="ru-RU" dirty="0">
                 <a:latin typeface="Microsoft JhengHei UI Light" panose="020B0304030504040204" pitchFamily="34" charset="-120"/>
                 <a:ea typeface="Microsoft JhengHei UI Light" panose="020B0304030504040204" pitchFamily="34" charset="-120"/>
               </a:rPr>
-              <a:t>Длинная арифметика применяется в следующих областях:</a:t>
-            </a:r>
-          </a:p>
-          <a:p>
-            <a:pPr algn="just"/>
-            <a:endParaRPr lang="ru-RU" dirty="0">
-              <a:latin typeface="Microsoft JhengHei UI Light" panose="020B0304030504040204" pitchFamily="34" charset="-120"/>
-              <a:ea typeface="Microsoft JhengHei UI Light" panose="020B0304030504040204" pitchFamily="34" charset="-120"/>
-            </a:endParaRPr>
-          </a:p>
-          <a:p>
-            <a:pPr marL="285750" indent="-285750" algn="just">
-              <a:buFont typeface="Arial" panose="020B0604020202020204" pitchFamily="34" charset="0"/>
-              <a:buChar char="•"/>
-            </a:pPr>
-            <a:r>
-              <a:rPr lang="ru-RU" dirty="0">
-                <a:latin typeface="Microsoft JhengHei UI Light" panose="020B0304030504040204" pitchFamily="34" charset="-120"/>
-                <a:ea typeface="Microsoft JhengHei UI Light" panose="020B0304030504040204" pitchFamily="34" charset="-120"/>
-              </a:rPr>
-              <a:t>Криптография.</a:t>
-            </a:r>
-          </a:p>
-          <a:p>
-            <a:pPr marL="285750" indent="-285750" algn="just">
-              <a:buFont typeface="Arial" panose="020B0604020202020204" pitchFamily="34" charset="0"/>
-              <a:buChar char="•"/>
+              <a:t>Сложение</a:t>
+            </a:r>
+          </a:p>
+          <a:p>
+            <a:pPr marL="342900" indent="-342900">
+              <a:buFont typeface="+mj-lt"/>
+              <a:buAutoNum type="arabicPeriod"/>
             </a:pPr>
             <a:endParaRPr lang="ru-RU" dirty="0">
               <a:latin typeface="Microsoft JhengHei UI Light" panose="020B0304030504040204" pitchFamily="34" charset="-120"/>
@@ -10275,22 +9709,22 @@
             </a:endParaRPr>
           </a:p>
           <a:p>
-            <a:pPr marL="285750" indent="-285750" algn="just">
-              <a:buFont typeface="Arial" panose="020B0604020202020204" pitchFamily="34" charset="0"/>
-              <a:buChar char="•"/>
+            <a:pPr marL="342900" indent="-342900">
+              <a:buFont typeface="+mj-lt"/>
+              <a:buAutoNum type="arabicPeriod"/>
             </a:pPr>
             <a:r>
               <a:rPr lang="ru-RU" dirty="0">
                 <a:latin typeface="Microsoft JhengHei UI Light" panose="020B0304030504040204" pitchFamily="34" charset="-120"/>
                 <a:ea typeface="Microsoft JhengHei UI Light" panose="020B0304030504040204" pitchFamily="34" charset="-120"/>
               </a:rPr>
-              <a:t>Математическое и финансовое ПО. </a:t>
-            </a:r>
-          </a:p>
-          <a:p>
-            <a:pPr marL="285750" indent="-285750" algn="just">
-              <a:buFont typeface="Arial" panose="020B0604020202020204" pitchFamily="34" charset="0"/>
-              <a:buChar char="•"/>
+              <a:t>Вычитание</a:t>
+            </a:r>
+          </a:p>
+          <a:p>
+            <a:pPr marL="342900" indent="-342900">
+              <a:buFont typeface="+mj-lt"/>
+              <a:buAutoNum type="arabicPeriod"/>
             </a:pPr>
             <a:endParaRPr lang="ru-RU" dirty="0">
               <a:latin typeface="Microsoft JhengHei UI Light" panose="020B0304030504040204" pitchFamily="34" charset="-120"/>
@@ -10298,16 +9732,108 @@
             </a:endParaRPr>
           </a:p>
           <a:p>
-            <a:pPr marL="285750" indent="-285750" algn="just">
-              <a:buFont typeface="Arial" panose="020B0604020202020204" pitchFamily="34" charset="0"/>
-              <a:buChar char="•"/>
+            <a:pPr marL="342900" indent="-342900">
+              <a:buFont typeface="+mj-lt"/>
+              <a:buAutoNum type="arabicPeriod"/>
             </a:pPr>
             <a:r>
               <a:rPr lang="ru-RU" dirty="0">
                 <a:latin typeface="Microsoft JhengHei UI Light" panose="020B0304030504040204" pitchFamily="34" charset="-120"/>
                 <a:ea typeface="Microsoft JhengHei UI Light" panose="020B0304030504040204" pitchFamily="34" charset="-120"/>
               </a:rPr>
-              <a:t>Тема в спортивном программировании.</a:t>
+              <a:t>Умножение</a:t>
+            </a:r>
+          </a:p>
+          <a:p>
+            <a:pPr marL="342900" indent="-342900">
+              <a:buFont typeface="+mj-lt"/>
+              <a:buAutoNum type="arabicPeriod"/>
+            </a:pPr>
+            <a:endParaRPr lang="ru-RU" dirty="0">
+              <a:latin typeface="Microsoft JhengHei UI Light" panose="020B0304030504040204" pitchFamily="34" charset="-120"/>
+              <a:ea typeface="Microsoft JhengHei UI Light" panose="020B0304030504040204" pitchFamily="34" charset="-120"/>
+            </a:endParaRPr>
+          </a:p>
+          <a:p>
+            <a:pPr marL="342900" indent="-342900">
+              <a:buFont typeface="+mj-lt"/>
+              <a:buAutoNum type="arabicPeriod"/>
+            </a:pPr>
+            <a:r>
+              <a:rPr lang="ru-RU" dirty="0">
+                <a:latin typeface="Microsoft JhengHei UI Light" panose="020B0304030504040204" pitchFamily="34" charset="-120"/>
+                <a:ea typeface="Microsoft JhengHei UI Light" panose="020B0304030504040204" pitchFamily="34" charset="-120"/>
+              </a:rPr>
+              <a:t>Деление</a:t>
+            </a:r>
+          </a:p>
+          <a:p>
+            <a:pPr marL="342900" indent="-342900">
+              <a:buFont typeface="+mj-lt"/>
+              <a:buAutoNum type="arabicPeriod"/>
+            </a:pPr>
+            <a:endParaRPr lang="ru-RU" dirty="0">
+              <a:latin typeface="Microsoft JhengHei UI Light" panose="020B0304030504040204" pitchFamily="34" charset="-120"/>
+              <a:ea typeface="Microsoft JhengHei UI Light" panose="020B0304030504040204" pitchFamily="34" charset="-120"/>
+            </a:endParaRPr>
+          </a:p>
+          <a:p>
+            <a:pPr marL="342900" indent="-342900">
+              <a:buFont typeface="+mj-lt"/>
+              <a:buAutoNum type="arabicPeriod"/>
+            </a:pPr>
+            <a:r>
+              <a:rPr lang="ru-RU" dirty="0">
+                <a:latin typeface="Microsoft JhengHei UI Light" panose="020B0304030504040204" pitchFamily="34" charset="-120"/>
+                <a:ea typeface="Microsoft JhengHei UI Light" panose="020B0304030504040204" pitchFamily="34" charset="-120"/>
+              </a:rPr>
+              <a:t>Возведение в степень</a:t>
+            </a:r>
+          </a:p>
+          <a:p>
+            <a:pPr marL="342900" indent="-342900">
+              <a:buFont typeface="+mj-lt"/>
+              <a:buAutoNum type="arabicPeriod"/>
+            </a:pPr>
+            <a:endParaRPr lang="ru-RU" dirty="0">
+              <a:latin typeface="Microsoft JhengHei UI Light" panose="020B0304030504040204" pitchFamily="34" charset="-120"/>
+              <a:ea typeface="Microsoft JhengHei UI Light" panose="020B0304030504040204" pitchFamily="34" charset="-120"/>
+            </a:endParaRPr>
+          </a:p>
+          <a:p>
+            <a:pPr marL="342900" indent="-342900">
+              <a:buFont typeface="+mj-lt"/>
+              <a:buAutoNum type="arabicPeriod"/>
+            </a:pPr>
+            <a:r>
+              <a:rPr lang="ru-RU" dirty="0">
+                <a:latin typeface="Microsoft JhengHei UI Light" panose="020B0304030504040204" pitchFamily="34" charset="-120"/>
+                <a:ea typeface="Microsoft JhengHei UI Light" panose="020B0304030504040204" pitchFamily="34" charset="-120"/>
+              </a:rPr>
+              <a:t>Сравнение</a:t>
+            </a:r>
+          </a:p>
+          <a:p>
+            <a:pPr marL="342900" indent="-342900">
+              <a:buFont typeface="+mj-lt"/>
+              <a:buAutoNum type="arabicPeriod"/>
+            </a:pPr>
+            <a:endParaRPr lang="ru-RU" dirty="0">
+              <a:latin typeface="Microsoft JhengHei UI Light" panose="020B0304030504040204" pitchFamily="34" charset="-120"/>
+              <a:ea typeface="Microsoft JhengHei UI Light" panose="020B0304030504040204" pitchFamily="34" charset="-120"/>
+            </a:endParaRPr>
+          </a:p>
+          <a:p>
+            <a:pPr marL="342900" indent="-342900">
+              <a:buFont typeface="+mj-lt"/>
+              <a:buAutoNum type="arabicPeriod"/>
+            </a:pPr>
+            <a:r>
+              <a:rPr lang="ru-RU" dirty="0">
+                <a:latin typeface="Microsoft JhengHei UI Light" panose="020B0304030504040204" pitchFamily="34" charset="-120"/>
+                <a:ea typeface="Microsoft JhengHei UI Light" panose="020B0304030504040204" pitchFamily="34" charset="-120"/>
+              </a:rPr>
+              <a:t>Инкремент и декремент</a:t>
             </a:r>
           </a:p>
         </p:txBody>
@@ -10315,7 +9841,7 @@
     </p:spTree>
     <p:extLst>
       <p:ext uri="{BB962C8B-B14F-4D97-AF65-F5344CB8AC3E}">
-        <p14:creationId xmlns:p14="http://schemas.microsoft.com/office/powerpoint/2010/main" val="1390352065"/>
+        <p14:creationId xmlns:p14="http://schemas.microsoft.com/office/powerpoint/2010/main" val="1897477130"/>
       </p:ext>
     </p:extLst>
   </p:cSld>
@@ -10413,7 +9939,7 @@
         <p:spPr>
           <a:xfrm>
             <a:off x="905934" y="129801"/>
-            <a:ext cx="2454518" cy="646331"/>
+            <a:ext cx="3860352" cy="646331"/>
           </a:xfrm>
           <a:prstGeom prst="rect">
             <a:avLst/>
@@ -10431,28 +9957,17 @@
                 <a:latin typeface="Microsoft JhengHei UI Light" panose="020B0304030504040204" pitchFamily="34" charset="-120"/>
                 <a:ea typeface="Microsoft JhengHei UI Light" panose="020B0304030504040204" pitchFamily="34" charset="-120"/>
               </a:rPr>
-              <a:t>Структура</a:t>
-            </a:r>
-            <a:r>
-              <a:rPr lang="en-US" sz="3600" b="1" dirty="0">
-                <a:latin typeface="Microsoft JhengHei UI Light" panose="020B0304030504040204" pitchFamily="34" charset="-120"/>
-                <a:ea typeface="Microsoft JhengHei UI Light" panose="020B0304030504040204" pitchFamily="34" charset="-120"/>
-              </a:rPr>
-              <a:t>.</a:t>
-            </a:r>
-            <a:endParaRPr lang="ru-RU" sz="3600" b="1" dirty="0">
-              <a:latin typeface="Microsoft JhengHei UI Light" panose="020B0304030504040204" pitchFamily="34" charset="-120"/>
-              <a:ea typeface="Microsoft JhengHei UI Light" panose="020B0304030504040204" pitchFamily="34" charset="-120"/>
-            </a:endParaRPr>
+              <a:t>Хранение чисел</a:t>
+            </a:r>
           </a:p>
         </p:txBody>
       </p:sp>
       <p:sp>
         <p:nvSpPr>
-          <p:cNvPr id="4" name="TextBox 3">
-            <a:extLst>
-              <a:ext uri="{FF2B5EF4-FFF2-40B4-BE49-F238E27FC236}">
-                <a16:creationId xmlns:a16="http://schemas.microsoft.com/office/drawing/2014/main" id="{4DEE94F7-4B84-C55B-B9E0-31F68D5E64D4}"/>
+          <p:cNvPr id="5" name="TextBox 4">
+            <a:extLst>
+              <a:ext uri="{FF2B5EF4-FFF2-40B4-BE49-F238E27FC236}">
+                <a16:creationId xmlns:a16="http://schemas.microsoft.com/office/drawing/2014/main" id="{3AE791F8-C63A-C13E-CC43-2E2B61592CAC}"/>
               </a:ext>
             </a:extLst>
           </p:cNvPr>
@@ -10461,46 +9976,8 @@
         </p:nvSpPr>
         <p:spPr>
           <a:xfrm>
-            <a:off x="905934" y="776132"/>
-            <a:ext cx="6665607" cy="338554"/>
-          </a:xfrm>
-          <a:prstGeom prst="rect">
-            <a:avLst/>
-          </a:prstGeom>
-          <a:noFill/>
-        </p:spPr>
-        <p:txBody>
-          <a:bodyPr wrap="none" rtlCol="0">
-            <a:spAutoFit/>
-          </a:bodyPr>
-          <a:lstStyle/>
-          <a:p>
-            <a:r>
-              <a:rPr lang="ru-RU" sz="1600" i="1" dirty="0">
-                <a:latin typeface="Microsoft JhengHei UI Light" panose="020B0304030504040204" pitchFamily="34" charset="-120"/>
-                <a:ea typeface="Microsoft JhengHei UI Light" panose="020B0304030504040204" pitchFamily="34" charset="-120"/>
-              </a:rPr>
-              <a:t>Что нам нужно хранить, чтобы реализовать длинную арифметику?</a:t>
-            </a:r>
-          </a:p>
-        </p:txBody>
-      </p:sp>
-      <p:sp>
-        <p:nvSpPr>
-          <p:cNvPr id="5" name="TextBox 4">
-            <a:extLst>
-              <a:ext uri="{FF2B5EF4-FFF2-40B4-BE49-F238E27FC236}">
-                <a16:creationId xmlns:a16="http://schemas.microsoft.com/office/drawing/2014/main" id="{3AE791F8-C63A-C13E-CC43-2E2B61592CAC}"/>
-              </a:ext>
-            </a:extLst>
-          </p:cNvPr>
-          <p:cNvSpPr txBox="1"/>
-          <p:nvPr/>
-        </p:nvSpPr>
-        <p:spPr>
-          <a:xfrm>
-            <a:off x="905933" y="1247239"/>
-            <a:ext cx="6904567" cy="1200329"/>
+            <a:off x="905934" y="1035735"/>
+            <a:ext cx="6904567" cy="1477328"/>
           </a:xfrm>
           <a:prstGeom prst="rect">
             <a:avLst/>
@@ -10522,8 +9999,14 @@
                 <a:latin typeface="Microsoft JhengHei UI Light" panose="020B0304030504040204" pitchFamily="34" charset="-120"/>
                 <a:ea typeface="Microsoft JhengHei UI Light" panose="020B0304030504040204" pitchFamily="34" charset="-120"/>
               </a:rPr>
-              <a:t>Число, представленное в виде динамического массива. Как пример – </a:t>
-            </a:r>
+              <a:t>Число, представленное в виде динамического массива.</a:t>
+            </a:r>
+            <a:br>
+              <a:rPr lang="ru-RU" dirty="0">
+                <a:latin typeface="Microsoft JhengHei UI Light" panose="020B0304030504040204" pitchFamily="34" charset="-120"/>
+                <a:ea typeface="Microsoft JhengHei UI Light" panose="020B0304030504040204" pitchFamily="34" charset="-120"/>
+              </a:rPr>
+            </a:br>
             <a:r>
               <a:rPr lang="en-US" dirty="0">
                 <a:solidFill>
@@ -10596,8 +10079,14 @@
                 <a:latin typeface="Microsoft JhengHei UI Light" panose="020B0304030504040204" pitchFamily="34" charset="-120"/>
                 <a:ea typeface="Microsoft JhengHei UI Light" panose="020B0304030504040204" pitchFamily="34" charset="-120"/>
               </a:rPr>
-              <a:t>Знак числа. Как пример – </a:t>
-            </a:r>
+              <a:t>Знак числа.</a:t>
+            </a:r>
+            <a:br>
+              <a:rPr lang="ru-RU" dirty="0">
+                <a:latin typeface="Microsoft JhengHei UI Light" panose="020B0304030504040204" pitchFamily="34" charset="-120"/>
+                <a:ea typeface="Microsoft JhengHei UI Light" panose="020B0304030504040204" pitchFamily="34" charset="-120"/>
+              </a:rPr>
+            </a:br>
             <a:r>
               <a:rPr lang="en-US" dirty="0">
                 <a:solidFill>
@@ -10664,6 +10153,82 @@
           </a:prstGeom>
         </p:spPr>
       </p:pic>
+      <p:sp>
+        <p:nvSpPr>
+          <p:cNvPr id="6" name="TextBox 5">
+            <a:extLst>
+              <a:ext uri="{FF2B5EF4-FFF2-40B4-BE49-F238E27FC236}">
+                <a16:creationId xmlns:a16="http://schemas.microsoft.com/office/drawing/2014/main" id="{259D4742-CA7B-4244-0F37-8A4D7A01307F}"/>
+              </a:ext>
+            </a:extLst>
+          </p:cNvPr>
+          <p:cNvSpPr txBox="1"/>
+          <p:nvPr/>
+        </p:nvSpPr>
+        <p:spPr>
+          <a:xfrm>
+            <a:off x="8393660" y="6007809"/>
+            <a:ext cx="3520137" cy="461665"/>
+          </a:xfrm>
+          <a:prstGeom prst="rect">
+            <a:avLst/>
+          </a:prstGeom>
+          <a:noFill/>
+        </p:spPr>
+        <p:txBody>
+          <a:bodyPr wrap="square" rtlCol="0">
+            <a:spAutoFit/>
+          </a:bodyPr>
+          <a:lstStyle/>
+          <a:p>
+            <a:r>
+              <a:rPr lang="ru-RU" sz="1200" dirty="0">
+                <a:solidFill>
+                  <a:schemeClr val="bg1">
+                    <a:lumMod val="65000"/>
+                  </a:schemeClr>
+                </a:solidFill>
+                <a:latin typeface="Microsoft JhengHei UI Light" panose="020B0304030504040204" pitchFamily="34" charset="-120"/>
+                <a:ea typeface="Microsoft JhengHei UI Light" panose="020B0304030504040204" pitchFamily="34" charset="-120"/>
+              </a:rPr>
+              <a:t>В случае, если просмотр производится через </a:t>
+            </a:r>
+            <a:r>
+              <a:rPr lang="en-US" sz="1200" dirty="0">
+                <a:solidFill>
+                  <a:schemeClr val="bg1">
+                    <a:lumMod val="65000"/>
+                  </a:schemeClr>
+                </a:solidFill>
+                <a:latin typeface="Microsoft JhengHei UI Light" panose="020B0304030504040204" pitchFamily="34" charset="-120"/>
+                <a:ea typeface="Microsoft JhengHei UI Light" panose="020B0304030504040204" pitchFamily="34" charset="-120"/>
+              </a:rPr>
+              <a:t>PDF</a:t>
+            </a:r>
+            <a:r>
+              <a:rPr lang="ru-RU" sz="1200" dirty="0">
+                <a:solidFill>
+                  <a:schemeClr val="bg1">
+                    <a:lumMod val="65000"/>
+                  </a:schemeClr>
+                </a:solidFill>
+                <a:latin typeface="Microsoft JhengHei UI Light" panose="020B0304030504040204" pitchFamily="34" charset="-120"/>
+                <a:ea typeface="Microsoft JhengHei UI Light" panose="020B0304030504040204" pitchFamily="34" charset="-120"/>
+              </a:rPr>
+              <a:t> файл, анимация работать не будет.</a:t>
+            </a:r>
+            <a:endParaRPr lang="en-US" sz="1200" dirty="0">
+              <a:solidFill>
+                <a:schemeClr val="bg1">
+                  <a:lumMod val="65000"/>
+                </a:schemeClr>
+              </a:solidFill>
+              <a:latin typeface="Microsoft JhengHei UI Light" panose="020B0304030504040204" pitchFamily="34" charset="-120"/>
+              <a:ea typeface="Microsoft JhengHei UI Light" panose="020B0304030504040204" pitchFamily="34" charset="-120"/>
+            </a:endParaRPr>
+          </a:p>
+        </p:txBody>
+      </p:sp>
     </p:spTree>
     <p:extLst>
       <p:ext uri="{BB962C8B-B14F-4D97-AF65-F5344CB8AC3E}">
@@ -10784,55 +10349,6 @@
                 <a:ea typeface="Microsoft JhengHei UI Light" panose="020B0304030504040204" pitchFamily="34" charset="-120"/>
               </a:rPr>
               <a:t>Дополнительные функции</a:t>
-            </a:r>
-            <a:r>
-              <a:rPr lang="en-US" sz="3600" b="1" dirty="0">
-                <a:latin typeface="Microsoft JhengHei UI Light" panose="020B0304030504040204" pitchFamily="34" charset="-120"/>
-                <a:ea typeface="Microsoft JhengHei UI Light" panose="020B0304030504040204" pitchFamily="34" charset="-120"/>
-              </a:rPr>
-              <a:t>.</a:t>
-            </a:r>
-            <a:endParaRPr lang="ru-RU" sz="3600" b="1" dirty="0">
-              <a:latin typeface="Microsoft JhengHei UI Light" panose="020B0304030504040204" pitchFamily="34" charset="-120"/>
-              <a:ea typeface="Microsoft JhengHei UI Light" panose="020B0304030504040204" pitchFamily="34" charset="-120"/>
-            </a:endParaRPr>
-          </a:p>
-        </p:txBody>
-      </p:sp>
-      <p:sp>
-        <p:nvSpPr>
-          <p:cNvPr id="4" name="TextBox 3">
-            <a:extLst>
-              <a:ext uri="{FF2B5EF4-FFF2-40B4-BE49-F238E27FC236}">
-                <a16:creationId xmlns:a16="http://schemas.microsoft.com/office/drawing/2014/main" id="{4DEE94F7-4B84-C55B-B9E0-31F68D5E64D4}"/>
-              </a:ext>
-            </a:extLst>
-          </p:cNvPr>
-          <p:cNvSpPr txBox="1"/>
-          <p:nvPr/>
-        </p:nvSpPr>
-        <p:spPr>
-          <a:xfrm>
-            <a:off x="905934" y="776132"/>
-            <a:ext cx="7398179" cy="338554"/>
-          </a:xfrm>
-          <a:prstGeom prst="rect">
-            <a:avLst/>
-          </a:prstGeom>
-          <a:noFill/>
-        </p:spPr>
-        <p:txBody>
-          <a:bodyPr wrap="none" rtlCol="0">
-            <a:spAutoFit/>
-          </a:bodyPr>
-          <a:lstStyle/>
-          <a:p>
-            <a:r>
-              <a:rPr lang="ru-RU" sz="1600" i="1" dirty="0">
-                <a:latin typeface="Microsoft JhengHei UI Light" panose="020B0304030504040204" pitchFamily="34" charset="-120"/>
-                <a:ea typeface="Microsoft JhengHei UI Light" panose="020B0304030504040204" pitchFamily="34" charset="-120"/>
-              </a:rPr>
-              <a:t>Что нужно, чтобы код не только корректно работал, но и был лаконичен?</a:t>
             </a:r>
           </a:p>
         </p:txBody>
@@ -11786,55 +11302,6 @@
               </a:rPr>
               <a:t>Дополнительные функции</a:t>
             </a:r>
-            <a:r>
-              <a:rPr lang="en-US" sz="3600" b="1" dirty="0">
-                <a:latin typeface="Microsoft JhengHei UI Light" panose="020B0304030504040204" pitchFamily="34" charset="-120"/>
-                <a:ea typeface="Microsoft JhengHei UI Light" panose="020B0304030504040204" pitchFamily="34" charset="-120"/>
-              </a:rPr>
-              <a:t>.</a:t>
-            </a:r>
-            <a:endParaRPr lang="ru-RU" sz="3600" b="1" dirty="0">
-              <a:latin typeface="Microsoft JhengHei UI Light" panose="020B0304030504040204" pitchFamily="34" charset="-120"/>
-              <a:ea typeface="Microsoft JhengHei UI Light" panose="020B0304030504040204" pitchFamily="34" charset="-120"/>
-            </a:endParaRPr>
-          </a:p>
-        </p:txBody>
-      </p:sp>
-      <p:sp>
-        <p:nvSpPr>
-          <p:cNvPr id="4" name="TextBox 3">
-            <a:extLst>
-              <a:ext uri="{FF2B5EF4-FFF2-40B4-BE49-F238E27FC236}">
-                <a16:creationId xmlns:a16="http://schemas.microsoft.com/office/drawing/2014/main" id="{4DEE94F7-4B84-C55B-B9E0-31F68D5E64D4}"/>
-              </a:ext>
-            </a:extLst>
-          </p:cNvPr>
-          <p:cNvSpPr txBox="1"/>
-          <p:nvPr/>
-        </p:nvSpPr>
-        <p:spPr>
-          <a:xfrm>
-            <a:off x="905934" y="776132"/>
-            <a:ext cx="7398179" cy="338554"/>
-          </a:xfrm>
-          <a:prstGeom prst="rect">
-            <a:avLst/>
-          </a:prstGeom>
-          <a:noFill/>
-        </p:spPr>
-        <p:txBody>
-          <a:bodyPr wrap="none" rtlCol="0">
-            <a:spAutoFit/>
-          </a:bodyPr>
-          <a:lstStyle/>
-          <a:p>
-            <a:r>
-              <a:rPr lang="ru-RU" sz="1600" i="1" dirty="0">
-                <a:latin typeface="Microsoft JhengHei UI Light" panose="020B0304030504040204" pitchFamily="34" charset="-120"/>
-                <a:ea typeface="Microsoft JhengHei UI Light" panose="020B0304030504040204" pitchFamily="34" charset="-120"/>
-              </a:rPr>
-              <a:t>Что нужно, чтобы код не только корректно работал, но и был лаконичен?</a:t>
-            </a:r>
           </a:p>
         </p:txBody>
       </p:sp>
@@ -12901,55 +12368,6 @@
               </a:rPr>
               <a:t>Дополнительные функции</a:t>
             </a:r>
-            <a:r>
-              <a:rPr lang="en-US" sz="3600" b="1" dirty="0">
-                <a:latin typeface="Microsoft JhengHei UI Light" panose="020B0304030504040204" pitchFamily="34" charset="-120"/>
-                <a:ea typeface="Microsoft JhengHei UI Light" panose="020B0304030504040204" pitchFamily="34" charset="-120"/>
-              </a:rPr>
-              <a:t>.</a:t>
-            </a:r>
-            <a:endParaRPr lang="ru-RU" sz="3600" b="1" dirty="0">
-              <a:latin typeface="Microsoft JhengHei UI Light" panose="020B0304030504040204" pitchFamily="34" charset="-120"/>
-              <a:ea typeface="Microsoft JhengHei UI Light" panose="020B0304030504040204" pitchFamily="34" charset="-120"/>
-            </a:endParaRPr>
-          </a:p>
-        </p:txBody>
-      </p:sp>
-      <p:sp>
-        <p:nvSpPr>
-          <p:cNvPr id="4" name="TextBox 3">
-            <a:extLst>
-              <a:ext uri="{FF2B5EF4-FFF2-40B4-BE49-F238E27FC236}">
-                <a16:creationId xmlns:a16="http://schemas.microsoft.com/office/drawing/2014/main" id="{4DEE94F7-4B84-C55B-B9E0-31F68D5E64D4}"/>
-              </a:ext>
-            </a:extLst>
-          </p:cNvPr>
-          <p:cNvSpPr txBox="1"/>
-          <p:nvPr/>
-        </p:nvSpPr>
-        <p:spPr>
-          <a:xfrm>
-            <a:off x="905934" y="776132"/>
-            <a:ext cx="7398179" cy="338554"/>
-          </a:xfrm>
-          <a:prstGeom prst="rect">
-            <a:avLst/>
-          </a:prstGeom>
-          <a:noFill/>
-        </p:spPr>
-        <p:txBody>
-          <a:bodyPr wrap="none" rtlCol="0">
-            <a:spAutoFit/>
-          </a:bodyPr>
-          <a:lstStyle/>
-          <a:p>
-            <a:r>
-              <a:rPr lang="ru-RU" sz="1600" i="1" dirty="0">
-                <a:latin typeface="Microsoft JhengHei UI Light" panose="020B0304030504040204" pitchFamily="34" charset="-120"/>
-                <a:ea typeface="Microsoft JhengHei UI Light" panose="020B0304030504040204" pitchFamily="34" charset="-120"/>
-              </a:rPr>
-              <a:t>Что нужно, чтобы код не только корректно работал, но и был лаконичен?</a:t>
-            </a:r>
           </a:p>
         </p:txBody>
       </p:sp>
@@ -13432,7 +12850,7 @@
         <p:spPr>
           <a:xfrm>
             <a:off x="905934" y="129801"/>
-            <a:ext cx="2746265" cy="646331"/>
+            <a:ext cx="2635658" cy="646331"/>
           </a:xfrm>
           <a:prstGeom prst="rect">
             <a:avLst/>
@@ -13452,26 +12870,15 @@
               </a:rPr>
               <a:t>Ввод числа</a:t>
             </a:r>
-            <a:r>
-              <a:rPr lang="en-US" sz="3600" b="1" dirty="0">
-                <a:latin typeface="Microsoft JhengHei UI Light" panose="020B0304030504040204" pitchFamily="34" charset="-120"/>
-                <a:ea typeface="Microsoft JhengHei UI Light" panose="020B0304030504040204" pitchFamily="34" charset="-120"/>
-              </a:rPr>
-              <a:t>.</a:t>
-            </a:r>
-            <a:endParaRPr lang="ru-RU" sz="3600" b="1" dirty="0">
-              <a:latin typeface="Microsoft JhengHei UI Light" panose="020B0304030504040204" pitchFamily="34" charset="-120"/>
-              <a:ea typeface="Microsoft JhengHei UI Light" panose="020B0304030504040204" pitchFamily="34" charset="-120"/>
-            </a:endParaRPr>
           </a:p>
         </p:txBody>
       </p:sp>
       <p:sp>
         <p:nvSpPr>
-          <p:cNvPr id="4" name="TextBox 3">
-            <a:extLst>
-              <a:ext uri="{FF2B5EF4-FFF2-40B4-BE49-F238E27FC236}">
-                <a16:creationId xmlns:a16="http://schemas.microsoft.com/office/drawing/2014/main" id="{4DEE94F7-4B84-C55B-B9E0-31F68D5E64D4}"/>
+          <p:cNvPr id="5" name="TextBox 4">
+            <a:extLst>
+              <a:ext uri="{FF2B5EF4-FFF2-40B4-BE49-F238E27FC236}">
+                <a16:creationId xmlns:a16="http://schemas.microsoft.com/office/drawing/2014/main" id="{3AE791F8-C63A-C13E-CC43-2E2B61592CAC}"/>
               </a:ext>
             </a:extLst>
           </p:cNvPr>
@@ -13480,60 +12887,8 @@
         </p:nvSpPr>
         <p:spPr>
           <a:xfrm>
-            <a:off x="905934" y="776132"/>
-            <a:ext cx="4633000" cy="338554"/>
-          </a:xfrm>
-          <a:prstGeom prst="rect">
-            <a:avLst/>
-          </a:prstGeom>
-          <a:noFill/>
-        </p:spPr>
-        <p:txBody>
-          <a:bodyPr wrap="none" rtlCol="0">
-            <a:spAutoFit/>
-          </a:bodyPr>
-          <a:lstStyle/>
-          <a:p>
-            <a:r>
-              <a:rPr lang="ru-RU" sz="1600" i="1" dirty="0">
-                <a:latin typeface="Microsoft JhengHei UI Light" panose="020B0304030504040204" pitchFamily="34" charset="-120"/>
-                <a:ea typeface="Microsoft JhengHei UI Light" panose="020B0304030504040204" pitchFamily="34" charset="-120"/>
-              </a:rPr>
-              <a:t>Как число вписывается в переменную </a:t>
-            </a:r>
-            <a:r>
-              <a:rPr lang="en-US" sz="1600" i="1" dirty="0" err="1">
-                <a:latin typeface="Microsoft JhengHei UI Light" panose="020B0304030504040204" pitchFamily="34" charset="-120"/>
-                <a:ea typeface="Microsoft JhengHei UI Light" panose="020B0304030504040204" pitchFamily="34" charset="-120"/>
-              </a:rPr>
-              <a:t>BigInt</a:t>
-            </a:r>
-            <a:r>
-              <a:rPr lang="ru-RU" sz="1600" i="1" dirty="0">
-                <a:latin typeface="Microsoft JhengHei UI Light" panose="020B0304030504040204" pitchFamily="34" charset="-120"/>
-                <a:ea typeface="Microsoft JhengHei UI Light" panose="020B0304030504040204" pitchFamily="34" charset="-120"/>
-              </a:rPr>
-              <a:t>?</a:t>
-            </a:r>
-          </a:p>
-        </p:txBody>
-      </p:sp>
-      <p:sp>
-        <p:nvSpPr>
-          <p:cNvPr id="5" name="TextBox 4">
-            <a:extLst>
-              <a:ext uri="{FF2B5EF4-FFF2-40B4-BE49-F238E27FC236}">
-                <a16:creationId xmlns:a16="http://schemas.microsoft.com/office/drawing/2014/main" id="{3AE791F8-C63A-C13E-CC43-2E2B61592CAC}"/>
-              </a:ext>
-            </a:extLst>
-          </p:cNvPr>
-          <p:cNvSpPr txBox="1"/>
-          <p:nvPr/>
-        </p:nvSpPr>
-        <p:spPr>
-          <a:xfrm>
-            <a:off x="905933" y="1247239"/>
-            <a:ext cx="7398178" cy="1569660"/>
+            <a:off x="905933" y="905933"/>
+            <a:ext cx="7398178" cy="830997"/>
           </a:xfrm>
           <a:prstGeom prst="rect">
             <a:avLst/>
@@ -13551,7 +12906,7 @@
                 <a:latin typeface="Microsoft JhengHei UI Light" panose="020B0304030504040204" pitchFamily="34" charset="-120"/>
                 <a:ea typeface="Microsoft JhengHei UI Light" panose="020B0304030504040204" pitchFamily="34" charset="-120"/>
               </a:rPr>
-              <a:t>Как пример сохраним число 23 472 801. Число будет сохранено в массиве в обратном порядке. Для того, чтобы эффективнее создавать ячейки для разрядов выше.</a:t>
+              <a:t>Пример: сохраним число 23 472 801 </a:t>
             </a:r>
           </a:p>
           <a:p>
@@ -13566,41 +12921,7 @@
                 <a:latin typeface="Microsoft JhengHei UI Light" panose="020B0304030504040204" pitchFamily="34" charset="-120"/>
                 <a:ea typeface="Microsoft JhengHei UI Light" panose="020B0304030504040204" pitchFamily="34" charset="-120"/>
               </a:rPr>
-              <a:t>В случае, если число отрицательное, то сначала мы внесем значение </a:t>
-            </a:r>
-            <a:r>
-              <a:rPr lang="en-US" sz="1600" dirty="0">
-                <a:solidFill>
-                  <a:srgbClr val="B882FA"/>
-                </a:solidFill>
-                <a:latin typeface="Consolas" panose="020B0609020204030204" pitchFamily="49" charset="0"/>
-                <a:ea typeface="Microsoft JhengHei UI Light" panose="020B0304030504040204" pitchFamily="34" charset="-120"/>
-              </a:rPr>
-              <a:t>false</a:t>
-            </a:r>
-            <a:r>
-              <a:rPr lang="en-US" sz="1600" dirty="0">
-                <a:latin typeface="Microsoft JhengHei UI Light" panose="020B0304030504040204" pitchFamily="34" charset="-120"/>
-                <a:ea typeface="Microsoft JhengHei UI Light" panose="020B0304030504040204" pitchFamily="34" charset="-120"/>
-              </a:rPr>
-              <a:t> </a:t>
-            </a:r>
-            <a:r>
-              <a:rPr lang="ru-RU" sz="1600" dirty="0">
-                <a:latin typeface="Microsoft JhengHei UI Light" panose="020B0304030504040204" pitchFamily="34" charset="-120"/>
-                <a:ea typeface="Microsoft JhengHei UI Light" panose="020B0304030504040204" pitchFamily="34" charset="-120"/>
-              </a:rPr>
-              <a:t>в переменную </a:t>
-            </a:r>
-            <a:r>
-              <a:rPr lang="en-US" sz="1600" dirty="0">
-                <a:solidFill>
-                  <a:srgbClr val="FF0000"/>
-                </a:solidFill>
-                <a:latin typeface="Consolas" panose="020B0609020204030204" pitchFamily="49" charset="0"/>
-                <a:ea typeface="Microsoft JhengHei UI Light" panose="020B0304030504040204" pitchFamily="34" charset="-120"/>
-              </a:rPr>
-              <a:t>_positive</a:t>
+              <a:t>Число сохраняется в массиве в обратном порядке.</a:t>
             </a:r>
             <a:endParaRPr lang="ru-RU" sz="1600" dirty="0">
               <a:solidFill>
@@ -13640,7 +12961,7 @@
         </p:blipFill>
         <p:spPr>
           <a:xfrm>
-            <a:off x="905933" y="2949452"/>
+            <a:off x="905933" y="2419541"/>
             <a:ext cx="6858000" cy="6858000"/>
           </a:xfrm>
           <a:prstGeom prst="rect">
@@ -13648,82 +12969,6 @@
           </a:prstGeom>
         </p:spPr>
       </p:pic>
-      <p:sp>
-        <p:nvSpPr>
-          <p:cNvPr id="6" name="TextBox 5">
-            <a:extLst>
-              <a:ext uri="{FF2B5EF4-FFF2-40B4-BE49-F238E27FC236}">
-                <a16:creationId xmlns:a16="http://schemas.microsoft.com/office/drawing/2014/main" id="{7B92F8FE-0462-F552-7A14-87EB1F819265}"/>
-              </a:ext>
-            </a:extLst>
-          </p:cNvPr>
-          <p:cNvSpPr txBox="1"/>
-          <p:nvPr/>
-        </p:nvSpPr>
-        <p:spPr>
-          <a:xfrm>
-            <a:off x="6096000" y="5732121"/>
-            <a:ext cx="5188070" cy="646331"/>
-          </a:xfrm>
-          <a:prstGeom prst="rect">
-            <a:avLst/>
-          </a:prstGeom>
-          <a:noFill/>
-        </p:spPr>
-        <p:txBody>
-          <a:bodyPr wrap="square" rtlCol="0">
-            <a:spAutoFit/>
-          </a:bodyPr>
-          <a:lstStyle/>
-          <a:p>
-            <a:r>
-              <a:rPr lang="ru-RU" dirty="0">
-                <a:solidFill>
-                  <a:schemeClr val="bg1">
-                    <a:lumMod val="65000"/>
-                  </a:schemeClr>
-                </a:solidFill>
-                <a:latin typeface="Microsoft JhengHei UI Light" panose="020B0304030504040204" pitchFamily="34" charset="-120"/>
-                <a:ea typeface="Microsoft JhengHei UI Light" panose="020B0304030504040204" pitchFamily="34" charset="-120"/>
-              </a:rPr>
-              <a:t>В случае, если просмотр производится через </a:t>
-            </a:r>
-            <a:r>
-              <a:rPr lang="en-US" dirty="0">
-                <a:solidFill>
-                  <a:schemeClr val="bg1">
-                    <a:lumMod val="65000"/>
-                  </a:schemeClr>
-                </a:solidFill>
-                <a:latin typeface="Microsoft JhengHei UI Light" panose="020B0304030504040204" pitchFamily="34" charset="-120"/>
-                <a:ea typeface="Microsoft JhengHei UI Light" panose="020B0304030504040204" pitchFamily="34" charset="-120"/>
-              </a:rPr>
-              <a:t>PDF</a:t>
-            </a:r>
-            <a:r>
-              <a:rPr lang="ru-RU" dirty="0">
-                <a:solidFill>
-                  <a:schemeClr val="bg1">
-                    <a:lumMod val="65000"/>
-                  </a:schemeClr>
-                </a:solidFill>
-                <a:latin typeface="Microsoft JhengHei UI Light" panose="020B0304030504040204" pitchFamily="34" charset="-120"/>
-                <a:ea typeface="Microsoft JhengHei UI Light" panose="020B0304030504040204" pitchFamily="34" charset="-120"/>
-              </a:rPr>
-              <a:t> файл, анимация работать не будет.</a:t>
-            </a:r>
-            <a:endParaRPr lang="en-US" dirty="0">
-              <a:solidFill>
-                <a:schemeClr val="bg1">
-                  <a:lumMod val="65000"/>
-                </a:schemeClr>
-              </a:solidFill>
-              <a:latin typeface="Microsoft JhengHei UI Light" panose="020B0304030504040204" pitchFamily="34" charset="-120"/>
-              <a:ea typeface="Microsoft JhengHei UI Light" panose="020B0304030504040204" pitchFamily="34" charset="-120"/>
-            </a:endParaRPr>
-          </a:p>
-        </p:txBody>
-      </p:sp>
     </p:spTree>
     <p:extLst>
       <p:ext uri="{BB962C8B-B14F-4D97-AF65-F5344CB8AC3E}">
